--- a/slides/Week4_Recap.pptx
+++ b/slides/Week4_Recap.pptx
@@ -188,7 +188,7 @@
 <file path=ppt/revisionInfo.xml><?xml version="1.0" encoding="utf-8"?>
 <p1510:revInfo xmlns:a="http://schemas.openxmlformats.org/drawingml/2006/main" xmlns:r="http://schemas.openxmlformats.org/officeDocument/2006/relationships" xmlns:p1510="http://schemas.microsoft.com/office/powerpoint/2015/10/main">
   <p1510:revLst>
-    <p1510:client id="{65DF620D-469E-41D9-8DF1-7AF47666A053}" v="5" dt="2024-01-31T05:26:46.349"/>
+    <p1510:client id="{AA4ACA00-E97E-4189-9E7F-86EECD49ACFD}" v="2" dt="2024-02-01T09:41:45.071"/>
   </p1510:revLst>
 </p1510:revInfo>
 </file>
@@ -1817,6 +1817,397 @@
     </pc:docChg>
   </pc:docChgLst>
   <pc:docChgLst>
+    <pc:chgData name="Zhao Jin" userId="cd05a825-544c-438a-9ba1-08e63db50b47" providerId="ADAL" clId="{AA4ACA00-E97E-4189-9E7F-86EECD49ACFD}"/>
+    <pc:docChg chg="modSld modMainMaster">
+      <pc:chgData name="Zhao Jin" userId="cd05a825-544c-438a-9ba1-08e63db50b47" providerId="ADAL" clId="{AA4ACA00-E97E-4189-9E7F-86EECD49ACFD}" dt="2024-02-01T09:42:12.321" v="3" actId="255"/>
+      <pc:docMkLst>
+        <pc:docMk/>
+      </pc:docMkLst>
+      <pc:sldChg chg="modSp">
+        <pc:chgData name="Zhao Jin" userId="cd05a825-544c-438a-9ba1-08e63db50b47" providerId="ADAL" clId="{AA4ACA00-E97E-4189-9E7F-86EECD49ACFD}" dt="2024-02-01T09:41:45.070" v="0"/>
+        <pc:sldMkLst>
+          <pc:docMk/>
+          <pc:sldMk cId="2775173622" sldId="524"/>
+        </pc:sldMkLst>
+        <pc:spChg chg="mod">
+          <ac:chgData name="Zhao Jin" userId="cd05a825-544c-438a-9ba1-08e63db50b47" providerId="ADAL" clId="{AA4ACA00-E97E-4189-9E7F-86EECD49ACFD}" dt="2024-02-01T09:41:45.070" v="0"/>
+          <ac:spMkLst>
+            <pc:docMk/>
+            <pc:sldMk cId="2775173622" sldId="524"/>
+            <ac:spMk id="3" creationId="{FAF54E3F-28C9-0180-8809-5C3D38133E59}"/>
+          </ac:spMkLst>
+        </pc:spChg>
+      </pc:sldChg>
+      <pc:sldChg chg="modSp mod">
+        <pc:chgData name="Zhao Jin" userId="cd05a825-544c-438a-9ba1-08e63db50b47" providerId="ADAL" clId="{AA4ACA00-E97E-4189-9E7F-86EECD49ACFD}" dt="2024-02-01T09:42:12.321" v="3" actId="255"/>
+        <pc:sldMkLst>
+          <pc:docMk/>
+          <pc:sldMk cId="4078418712" sldId="525"/>
+        </pc:sldMkLst>
+        <pc:spChg chg="mod">
+          <ac:chgData name="Zhao Jin" userId="cd05a825-544c-438a-9ba1-08e63db50b47" providerId="ADAL" clId="{AA4ACA00-E97E-4189-9E7F-86EECD49ACFD}" dt="2024-02-01T09:42:12.321" v="3" actId="255"/>
+          <ac:spMkLst>
+            <pc:docMk/>
+            <pc:sldMk cId="4078418712" sldId="525"/>
+            <ac:spMk id="3" creationId="{81713552-50D7-1D8D-9EAB-D3900CECE1CA}"/>
+          </ac:spMkLst>
+        </pc:spChg>
+      </pc:sldChg>
+      <pc:sldChg chg="modSp">
+        <pc:chgData name="Zhao Jin" userId="cd05a825-544c-438a-9ba1-08e63db50b47" providerId="ADAL" clId="{AA4ACA00-E97E-4189-9E7F-86EECD49ACFD}" dt="2024-02-01T09:41:45.070" v="0"/>
+        <pc:sldMkLst>
+          <pc:docMk/>
+          <pc:sldMk cId="2882118053" sldId="552"/>
+        </pc:sldMkLst>
+        <pc:spChg chg="mod">
+          <ac:chgData name="Zhao Jin" userId="cd05a825-544c-438a-9ba1-08e63db50b47" providerId="ADAL" clId="{AA4ACA00-E97E-4189-9E7F-86EECD49ACFD}" dt="2024-02-01T09:41:45.070" v="0"/>
+          <ac:spMkLst>
+            <pc:docMk/>
+            <pc:sldMk cId="2882118053" sldId="552"/>
+            <ac:spMk id="3" creationId="{F0B9B32B-FD26-37EB-1A12-0D1B14490FD0}"/>
+          </ac:spMkLst>
+        </pc:spChg>
+      </pc:sldChg>
+      <pc:sldChg chg="modSp">
+        <pc:chgData name="Zhao Jin" userId="cd05a825-544c-438a-9ba1-08e63db50b47" providerId="ADAL" clId="{AA4ACA00-E97E-4189-9E7F-86EECD49ACFD}" dt="2024-02-01T09:41:45.070" v="0"/>
+        <pc:sldMkLst>
+          <pc:docMk/>
+          <pc:sldMk cId="2082920116" sldId="553"/>
+        </pc:sldMkLst>
+        <pc:spChg chg="mod">
+          <ac:chgData name="Zhao Jin" userId="cd05a825-544c-438a-9ba1-08e63db50b47" providerId="ADAL" clId="{AA4ACA00-E97E-4189-9E7F-86EECD49ACFD}" dt="2024-02-01T09:41:45.070" v="0"/>
+          <ac:spMkLst>
+            <pc:docMk/>
+            <pc:sldMk cId="2082920116" sldId="553"/>
+            <ac:spMk id="3" creationId="{BBB851E1-CAB3-0610-15EB-15D06A8AFC3A}"/>
+          </ac:spMkLst>
+        </pc:spChg>
+      </pc:sldChg>
+      <pc:sldChg chg="modSp">
+        <pc:chgData name="Zhao Jin" userId="cd05a825-544c-438a-9ba1-08e63db50b47" providerId="ADAL" clId="{AA4ACA00-E97E-4189-9E7F-86EECD49ACFD}" dt="2024-02-01T09:41:45.070" v="0"/>
+        <pc:sldMkLst>
+          <pc:docMk/>
+          <pc:sldMk cId="1659983766" sldId="554"/>
+        </pc:sldMkLst>
+        <pc:spChg chg="mod">
+          <ac:chgData name="Zhao Jin" userId="cd05a825-544c-438a-9ba1-08e63db50b47" providerId="ADAL" clId="{AA4ACA00-E97E-4189-9E7F-86EECD49ACFD}" dt="2024-02-01T09:41:45.070" v="0"/>
+          <ac:spMkLst>
+            <pc:docMk/>
+            <pc:sldMk cId="1659983766" sldId="554"/>
+            <ac:spMk id="3" creationId="{BED89586-C97A-2AC4-E199-43CAB13D8B21}"/>
+          </ac:spMkLst>
+        </pc:spChg>
+      </pc:sldChg>
+      <pc:sldChg chg="modSp">
+        <pc:chgData name="Zhao Jin" userId="cd05a825-544c-438a-9ba1-08e63db50b47" providerId="ADAL" clId="{AA4ACA00-E97E-4189-9E7F-86EECD49ACFD}" dt="2024-02-01T09:41:45.070" v="0"/>
+        <pc:sldMkLst>
+          <pc:docMk/>
+          <pc:sldMk cId="686532275" sldId="558"/>
+        </pc:sldMkLst>
+        <pc:spChg chg="mod">
+          <ac:chgData name="Zhao Jin" userId="cd05a825-544c-438a-9ba1-08e63db50b47" providerId="ADAL" clId="{AA4ACA00-E97E-4189-9E7F-86EECD49ACFD}" dt="2024-02-01T09:41:45.070" v="0"/>
+          <ac:spMkLst>
+            <pc:docMk/>
+            <pc:sldMk cId="686532275" sldId="558"/>
+            <ac:spMk id="3" creationId="{80865E46-A579-1B0C-AE3F-8D1788B9C465}"/>
+          </ac:spMkLst>
+        </pc:spChg>
+      </pc:sldChg>
+      <pc:sldChg chg="modSp">
+        <pc:chgData name="Zhao Jin" userId="cd05a825-544c-438a-9ba1-08e63db50b47" providerId="ADAL" clId="{AA4ACA00-E97E-4189-9E7F-86EECD49ACFD}" dt="2024-02-01T09:41:45.070" v="0"/>
+        <pc:sldMkLst>
+          <pc:docMk/>
+          <pc:sldMk cId="1986771488" sldId="561"/>
+        </pc:sldMkLst>
+        <pc:spChg chg="mod">
+          <ac:chgData name="Zhao Jin" userId="cd05a825-544c-438a-9ba1-08e63db50b47" providerId="ADAL" clId="{AA4ACA00-E97E-4189-9E7F-86EECD49ACFD}" dt="2024-02-01T09:41:45.070" v="0"/>
+          <ac:spMkLst>
+            <pc:docMk/>
+            <pc:sldMk cId="1986771488" sldId="561"/>
+            <ac:spMk id="3" creationId="{E70C7FD7-BFA0-36DC-7DA4-219DC37862E8}"/>
+          </ac:spMkLst>
+        </pc:spChg>
+      </pc:sldChg>
+      <pc:sldChg chg="modSp mod">
+        <pc:chgData name="Zhao Jin" userId="cd05a825-544c-438a-9ba1-08e63db50b47" providerId="ADAL" clId="{AA4ACA00-E97E-4189-9E7F-86EECD49ACFD}" dt="2024-02-01T09:41:58.957" v="1" actId="255"/>
+        <pc:sldMkLst>
+          <pc:docMk/>
+          <pc:sldMk cId="1276365520" sldId="564"/>
+        </pc:sldMkLst>
+        <pc:spChg chg="mod">
+          <ac:chgData name="Zhao Jin" userId="cd05a825-544c-438a-9ba1-08e63db50b47" providerId="ADAL" clId="{AA4ACA00-E97E-4189-9E7F-86EECD49ACFD}" dt="2024-02-01T09:41:58.957" v="1" actId="255"/>
+          <ac:spMkLst>
+            <pc:docMk/>
+            <pc:sldMk cId="1276365520" sldId="564"/>
+            <ac:spMk id="3" creationId="{12CD9103-1F56-A3F4-BD22-380C2A01B5C8}"/>
+          </ac:spMkLst>
+        </pc:spChg>
+      </pc:sldChg>
+      <pc:sldChg chg="modSp">
+        <pc:chgData name="Zhao Jin" userId="cd05a825-544c-438a-9ba1-08e63db50b47" providerId="ADAL" clId="{AA4ACA00-E97E-4189-9E7F-86EECD49ACFD}" dt="2024-02-01T09:41:45.070" v="0"/>
+        <pc:sldMkLst>
+          <pc:docMk/>
+          <pc:sldMk cId="827193018" sldId="565"/>
+        </pc:sldMkLst>
+        <pc:spChg chg="mod">
+          <ac:chgData name="Zhao Jin" userId="cd05a825-544c-438a-9ba1-08e63db50b47" providerId="ADAL" clId="{AA4ACA00-E97E-4189-9E7F-86EECD49ACFD}" dt="2024-02-01T09:41:45.070" v="0"/>
+          <ac:spMkLst>
+            <pc:docMk/>
+            <pc:sldMk cId="827193018" sldId="565"/>
+            <ac:spMk id="3" creationId="{F9FD9C48-FB96-7EF9-D842-AB2B4A91AC53}"/>
+          </ac:spMkLst>
+        </pc:spChg>
+      </pc:sldChg>
+      <pc:sldChg chg="modSp mod">
+        <pc:chgData name="Zhao Jin" userId="cd05a825-544c-438a-9ba1-08e63db50b47" providerId="ADAL" clId="{AA4ACA00-E97E-4189-9E7F-86EECD49ACFD}" dt="2024-02-01T09:42:07.282" v="2" actId="404"/>
+        <pc:sldMkLst>
+          <pc:docMk/>
+          <pc:sldMk cId="3959984611" sldId="566"/>
+        </pc:sldMkLst>
+        <pc:spChg chg="mod">
+          <ac:chgData name="Zhao Jin" userId="cd05a825-544c-438a-9ba1-08e63db50b47" providerId="ADAL" clId="{AA4ACA00-E97E-4189-9E7F-86EECD49ACFD}" dt="2024-02-01T09:42:07.282" v="2" actId="404"/>
+          <ac:spMkLst>
+            <pc:docMk/>
+            <pc:sldMk cId="3959984611" sldId="566"/>
+            <ac:spMk id="3" creationId="{8E89D432-F5D5-78E4-396B-7A7767B873E4}"/>
+          </ac:spMkLst>
+        </pc:spChg>
+      </pc:sldChg>
+      <pc:sldChg chg="modSp">
+        <pc:chgData name="Zhao Jin" userId="cd05a825-544c-438a-9ba1-08e63db50b47" providerId="ADAL" clId="{AA4ACA00-E97E-4189-9E7F-86EECD49ACFD}" dt="2024-02-01T09:41:45.070" v="0"/>
+        <pc:sldMkLst>
+          <pc:docMk/>
+          <pc:sldMk cId="2879329457" sldId="568"/>
+        </pc:sldMkLst>
+        <pc:spChg chg="mod">
+          <ac:chgData name="Zhao Jin" userId="cd05a825-544c-438a-9ba1-08e63db50b47" providerId="ADAL" clId="{AA4ACA00-E97E-4189-9E7F-86EECD49ACFD}" dt="2024-02-01T09:41:45.070" v="0"/>
+          <ac:spMkLst>
+            <pc:docMk/>
+            <pc:sldMk cId="2879329457" sldId="568"/>
+            <ac:spMk id="3" creationId="{13D4E90E-B741-C1B5-17BD-F432ED0E4672}"/>
+          </ac:spMkLst>
+        </pc:spChg>
+      </pc:sldChg>
+      <pc:sldChg chg="modSp">
+        <pc:chgData name="Zhao Jin" userId="cd05a825-544c-438a-9ba1-08e63db50b47" providerId="ADAL" clId="{AA4ACA00-E97E-4189-9E7F-86EECD49ACFD}" dt="2024-02-01T09:41:45.070" v="0"/>
+        <pc:sldMkLst>
+          <pc:docMk/>
+          <pc:sldMk cId="4240540711" sldId="569"/>
+        </pc:sldMkLst>
+        <pc:spChg chg="mod">
+          <ac:chgData name="Zhao Jin" userId="cd05a825-544c-438a-9ba1-08e63db50b47" providerId="ADAL" clId="{AA4ACA00-E97E-4189-9E7F-86EECD49ACFD}" dt="2024-02-01T09:41:45.070" v="0"/>
+          <ac:spMkLst>
+            <pc:docMk/>
+            <pc:sldMk cId="4240540711" sldId="569"/>
+            <ac:spMk id="3" creationId="{C9B28BC9-1FE9-028A-C44D-9B5F11086857}"/>
+          </ac:spMkLst>
+        </pc:spChg>
+      </pc:sldChg>
+      <pc:sldMasterChg chg="modSp modSldLayout">
+        <pc:chgData name="Zhao Jin" userId="cd05a825-544c-438a-9ba1-08e63db50b47" providerId="ADAL" clId="{AA4ACA00-E97E-4189-9E7F-86EECD49ACFD}" dt="2024-02-01T09:41:45.070" v="0"/>
+        <pc:sldMasterMkLst>
+          <pc:docMk/>
+          <pc:sldMasterMk cId="0" sldId="2147485087"/>
+        </pc:sldMasterMkLst>
+        <pc:spChg chg="mod">
+          <ac:chgData name="Zhao Jin" userId="cd05a825-544c-438a-9ba1-08e63db50b47" providerId="ADAL" clId="{AA4ACA00-E97E-4189-9E7F-86EECD49ACFD}" dt="2024-02-01T09:41:45.070" v="0"/>
+          <ac:spMkLst>
+            <pc:docMk/>
+            <pc:sldMasterMk cId="0" sldId="2147485087"/>
+            <ac:spMk id="6" creationId="{00000000-0000-0000-0000-000000000000}"/>
+          </ac:spMkLst>
+        </pc:spChg>
+        <pc:sldLayoutChg chg="modSp">
+          <pc:chgData name="Zhao Jin" userId="cd05a825-544c-438a-9ba1-08e63db50b47" providerId="ADAL" clId="{AA4ACA00-E97E-4189-9E7F-86EECD49ACFD}" dt="2024-02-01T09:41:45.070" v="0"/>
+          <pc:sldLayoutMkLst>
+            <pc:docMk/>
+            <pc:sldMasterMk cId="0" sldId="2147485087"/>
+            <pc:sldLayoutMk cId="0" sldId="2147485088"/>
+          </pc:sldLayoutMkLst>
+          <pc:spChg chg="mod">
+            <ac:chgData name="Zhao Jin" userId="cd05a825-544c-438a-9ba1-08e63db50b47" providerId="ADAL" clId="{AA4ACA00-E97E-4189-9E7F-86EECD49ACFD}" dt="2024-02-01T09:41:45.070" v="0"/>
+            <ac:spMkLst>
+              <pc:docMk/>
+              <pc:sldMasterMk cId="0" sldId="2147485087"/>
+              <pc:sldLayoutMk cId="0" sldId="2147485088"/>
+              <ac:spMk id="6" creationId="{00000000-0000-0000-0000-000000000000}"/>
+            </ac:spMkLst>
+          </pc:spChg>
+        </pc:sldLayoutChg>
+        <pc:sldLayoutChg chg="modSp">
+          <pc:chgData name="Zhao Jin" userId="cd05a825-544c-438a-9ba1-08e63db50b47" providerId="ADAL" clId="{AA4ACA00-E97E-4189-9E7F-86EECD49ACFD}" dt="2024-02-01T09:41:45.070" v="0"/>
+          <pc:sldLayoutMkLst>
+            <pc:docMk/>
+            <pc:sldMasterMk cId="0" sldId="2147485087"/>
+            <pc:sldLayoutMk cId="0" sldId="2147485089"/>
+          </pc:sldLayoutMkLst>
+          <pc:spChg chg="mod">
+            <ac:chgData name="Zhao Jin" userId="cd05a825-544c-438a-9ba1-08e63db50b47" providerId="ADAL" clId="{AA4ACA00-E97E-4189-9E7F-86EECD49ACFD}" dt="2024-02-01T09:41:45.070" v="0"/>
+            <ac:spMkLst>
+              <pc:docMk/>
+              <pc:sldMasterMk cId="0" sldId="2147485087"/>
+              <pc:sldLayoutMk cId="0" sldId="2147485089"/>
+              <ac:spMk id="6" creationId="{00000000-0000-0000-0000-000000000000}"/>
+            </ac:spMkLst>
+          </pc:spChg>
+        </pc:sldLayoutChg>
+        <pc:sldLayoutChg chg="modSp">
+          <pc:chgData name="Zhao Jin" userId="cd05a825-544c-438a-9ba1-08e63db50b47" providerId="ADAL" clId="{AA4ACA00-E97E-4189-9E7F-86EECD49ACFD}" dt="2024-02-01T09:41:45.070" v="0"/>
+          <pc:sldLayoutMkLst>
+            <pc:docMk/>
+            <pc:sldMasterMk cId="0" sldId="2147485087"/>
+            <pc:sldLayoutMk cId="0" sldId="2147485090"/>
+          </pc:sldLayoutMkLst>
+          <pc:spChg chg="mod">
+            <ac:chgData name="Zhao Jin" userId="cd05a825-544c-438a-9ba1-08e63db50b47" providerId="ADAL" clId="{AA4ACA00-E97E-4189-9E7F-86EECD49ACFD}" dt="2024-02-01T09:41:45.070" v="0"/>
+            <ac:spMkLst>
+              <pc:docMk/>
+              <pc:sldMasterMk cId="0" sldId="2147485087"/>
+              <pc:sldLayoutMk cId="0" sldId="2147485090"/>
+              <ac:spMk id="6" creationId="{00000000-0000-0000-0000-000000000000}"/>
+            </ac:spMkLst>
+          </pc:spChg>
+        </pc:sldLayoutChg>
+        <pc:sldLayoutChg chg="modSp">
+          <pc:chgData name="Zhao Jin" userId="cd05a825-544c-438a-9ba1-08e63db50b47" providerId="ADAL" clId="{AA4ACA00-E97E-4189-9E7F-86EECD49ACFD}" dt="2024-02-01T09:41:45.070" v="0"/>
+          <pc:sldLayoutMkLst>
+            <pc:docMk/>
+            <pc:sldMasterMk cId="0" sldId="2147485087"/>
+            <pc:sldLayoutMk cId="0" sldId="2147485091"/>
+          </pc:sldLayoutMkLst>
+          <pc:spChg chg="mod">
+            <ac:chgData name="Zhao Jin" userId="cd05a825-544c-438a-9ba1-08e63db50b47" providerId="ADAL" clId="{AA4ACA00-E97E-4189-9E7F-86EECD49ACFD}" dt="2024-02-01T09:41:45.070" v="0"/>
+            <ac:spMkLst>
+              <pc:docMk/>
+              <pc:sldMasterMk cId="0" sldId="2147485087"/>
+              <pc:sldLayoutMk cId="0" sldId="2147485091"/>
+              <ac:spMk id="7" creationId="{00000000-0000-0000-0000-000000000000}"/>
+            </ac:spMkLst>
+          </pc:spChg>
+        </pc:sldLayoutChg>
+        <pc:sldLayoutChg chg="modSp">
+          <pc:chgData name="Zhao Jin" userId="cd05a825-544c-438a-9ba1-08e63db50b47" providerId="ADAL" clId="{AA4ACA00-E97E-4189-9E7F-86EECD49ACFD}" dt="2024-02-01T09:41:45.070" v="0"/>
+          <pc:sldLayoutMkLst>
+            <pc:docMk/>
+            <pc:sldMasterMk cId="0" sldId="2147485087"/>
+            <pc:sldLayoutMk cId="0" sldId="2147485092"/>
+          </pc:sldLayoutMkLst>
+          <pc:spChg chg="mod">
+            <ac:chgData name="Zhao Jin" userId="cd05a825-544c-438a-9ba1-08e63db50b47" providerId="ADAL" clId="{AA4ACA00-E97E-4189-9E7F-86EECD49ACFD}" dt="2024-02-01T09:41:45.070" v="0"/>
+            <ac:spMkLst>
+              <pc:docMk/>
+              <pc:sldMasterMk cId="0" sldId="2147485087"/>
+              <pc:sldLayoutMk cId="0" sldId="2147485092"/>
+              <ac:spMk id="9" creationId="{00000000-0000-0000-0000-000000000000}"/>
+            </ac:spMkLst>
+          </pc:spChg>
+        </pc:sldLayoutChg>
+        <pc:sldLayoutChg chg="modSp">
+          <pc:chgData name="Zhao Jin" userId="cd05a825-544c-438a-9ba1-08e63db50b47" providerId="ADAL" clId="{AA4ACA00-E97E-4189-9E7F-86EECD49ACFD}" dt="2024-02-01T09:41:45.070" v="0"/>
+          <pc:sldLayoutMkLst>
+            <pc:docMk/>
+            <pc:sldMasterMk cId="0" sldId="2147485087"/>
+            <pc:sldLayoutMk cId="0" sldId="2147485093"/>
+          </pc:sldLayoutMkLst>
+          <pc:spChg chg="mod">
+            <ac:chgData name="Zhao Jin" userId="cd05a825-544c-438a-9ba1-08e63db50b47" providerId="ADAL" clId="{AA4ACA00-E97E-4189-9E7F-86EECD49ACFD}" dt="2024-02-01T09:41:45.070" v="0"/>
+            <ac:spMkLst>
+              <pc:docMk/>
+              <pc:sldMasterMk cId="0" sldId="2147485087"/>
+              <pc:sldLayoutMk cId="0" sldId="2147485093"/>
+              <ac:spMk id="5" creationId="{00000000-0000-0000-0000-000000000000}"/>
+            </ac:spMkLst>
+          </pc:spChg>
+        </pc:sldLayoutChg>
+        <pc:sldLayoutChg chg="modSp">
+          <pc:chgData name="Zhao Jin" userId="cd05a825-544c-438a-9ba1-08e63db50b47" providerId="ADAL" clId="{AA4ACA00-E97E-4189-9E7F-86EECD49ACFD}" dt="2024-02-01T09:41:45.070" v="0"/>
+          <pc:sldLayoutMkLst>
+            <pc:docMk/>
+            <pc:sldMasterMk cId="0" sldId="2147485087"/>
+            <pc:sldLayoutMk cId="0" sldId="2147485094"/>
+          </pc:sldLayoutMkLst>
+          <pc:spChg chg="mod">
+            <ac:chgData name="Zhao Jin" userId="cd05a825-544c-438a-9ba1-08e63db50b47" providerId="ADAL" clId="{AA4ACA00-E97E-4189-9E7F-86EECD49ACFD}" dt="2024-02-01T09:41:45.070" v="0"/>
+            <ac:spMkLst>
+              <pc:docMk/>
+              <pc:sldMasterMk cId="0" sldId="2147485087"/>
+              <pc:sldLayoutMk cId="0" sldId="2147485094"/>
+              <ac:spMk id="4" creationId="{00000000-0000-0000-0000-000000000000}"/>
+            </ac:spMkLst>
+          </pc:spChg>
+        </pc:sldLayoutChg>
+        <pc:sldLayoutChg chg="modSp">
+          <pc:chgData name="Zhao Jin" userId="cd05a825-544c-438a-9ba1-08e63db50b47" providerId="ADAL" clId="{AA4ACA00-E97E-4189-9E7F-86EECD49ACFD}" dt="2024-02-01T09:41:45.070" v="0"/>
+          <pc:sldLayoutMkLst>
+            <pc:docMk/>
+            <pc:sldMasterMk cId="0" sldId="2147485087"/>
+            <pc:sldLayoutMk cId="0" sldId="2147485095"/>
+          </pc:sldLayoutMkLst>
+          <pc:spChg chg="mod">
+            <ac:chgData name="Zhao Jin" userId="cd05a825-544c-438a-9ba1-08e63db50b47" providerId="ADAL" clId="{AA4ACA00-E97E-4189-9E7F-86EECD49ACFD}" dt="2024-02-01T09:41:45.070" v="0"/>
+            <ac:spMkLst>
+              <pc:docMk/>
+              <pc:sldMasterMk cId="0" sldId="2147485087"/>
+              <pc:sldLayoutMk cId="0" sldId="2147485095"/>
+              <ac:spMk id="7" creationId="{00000000-0000-0000-0000-000000000000}"/>
+            </ac:spMkLst>
+          </pc:spChg>
+        </pc:sldLayoutChg>
+        <pc:sldLayoutChg chg="modSp">
+          <pc:chgData name="Zhao Jin" userId="cd05a825-544c-438a-9ba1-08e63db50b47" providerId="ADAL" clId="{AA4ACA00-E97E-4189-9E7F-86EECD49ACFD}" dt="2024-02-01T09:41:45.070" v="0"/>
+          <pc:sldLayoutMkLst>
+            <pc:docMk/>
+            <pc:sldMasterMk cId="0" sldId="2147485087"/>
+            <pc:sldLayoutMk cId="0" sldId="2147485096"/>
+          </pc:sldLayoutMkLst>
+          <pc:spChg chg="mod">
+            <ac:chgData name="Zhao Jin" userId="cd05a825-544c-438a-9ba1-08e63db50b47" providerId="ADAL" clId="{AA4ACA00-E97E-4189-9E7F-86EECD49ACFD}" dt="2024-02-01T09:41:45.070" v="0"/>
+            <ac:spMkLst>
+              <pc:docMk/>
+              <pc:sldMasterMk cId="0" sldId="2147485087"/>
+              <pc:sldLayoutMk cId="0" sldId="2147485096"/>
+              <ac:spMk id="7" creationId="{00000000-0000-0000-0000-000000000000}"/>
+            </ac:spMkLst>
+          </pc:spChg>
+        </pc:sldLayoutChg>
+        <pc:sldLayoutChg chg="modSp">
+          <pc:chgData name="Zhao Jin" userId="cd05a825-544c-438a-9ba1-08e63db50b47" providerId="ADAL" clId="{AA4ACA00-E97E-4189-9E7F-86EECD49ACFD}" dt="2024-02-01T09:41:45.070" v="0"/>
+          <pc:sldLayoutMkLst>
+            <pc:docMk/>
+            <pc:sldMasterMk cId="0" sldId="2147485087"/>
+            <pc:sldLayoutMk cId="0" sldId="2147485097"/>
+          </pc:sldLayoutMkLst>
+          <pc:spChg chg="mod">
+            <ac:chgData name="Zhao Jin" userId="cd05a825-544c-438a-9ba1-08e63db50b47" providerId="ADAL" clId="{AA4ACA00-E97E-4189-9E7F-86EECD49ACFD}" dt="2024-02-01T09:41:45.070" v="0"/>
+            <ac:spMkLst>
+              <pc:docMk/>
+              <pc:sldMasterMk cId="0" sldId="2147485087"/>
+              <pc:sldLayoutMk cId="0" sldId="2147485097"/>
+              <ac:spMk id="6" creationId="{00000000-0000-0000-0000-000000000000}"/>
+            </ac:spMkLst>
+          </pc:spChg>
+        </pc:sldLayoutChg>
+        <pc:sldLayoutChg chg="modSp">
+          <pc:chgData name="Zhao Jin" userId="cd05a825-544c-438a-9ba1-08e63db50b47" providerId="ADAL" clId="{AA4ACA00-E97E-4189-9E7F-86EECD49ACFD}" dt="2024-02-01T09:41:45.070" v="0"/>
+          <pc:sldLayoutMkLst>
+            <pc:docMk/>
+            <pc:sldMasterMk cId="0" sldId="2147485087"/>
+            <pc:sldLayoutMk cId="0" sldId="2147485098"/>
+          </pc:sldLayoutMkLst>
+          <pc:spChg chg="mod">
+            <ac:chgData name="Zhao Jin" userId="cd05a825-544c-438a-9ba1-08e63db50b47" providerId="ADAL" clId="{AA4ACA00-E97E-4189-9E7F-86EECD49ACFD}" dt="2024-02-01T09:41:45.070" v="0"/>
+            <ac:spMkLst>
+              <pc:docMk/>
+              <pc:sldMasterMk cId="0" sldId="2147485087"/>
+              <pc:sldLayoutMk cId="0" sldId="2147485098"/>
+              <ac:spMk id="6" creationId="{00000000-0000-0000-0000-000000000000}"/>
+            </ac:spMkLst>
+          </pc:spChg>
+        </pc:sldLayoutChg>
+      </pc:sldMasterChg>
+    </pc:docChg>
+  </pc:docChgLst>
+  <pc:docChgLst>
     <pc:chgData name="Zhao Jin" userId="cd05a825-544c-438a-9ba1-08e63db50b47" providerId="ADAL" clId="{6A3951C8-7780-4031-8A2B-7971BC0F9707}"/>
     <pc:docChg chg="modSld">
       <pc:chgData name="Zhao Jin" userId="cd05a825-544c-438a-9ba1-08e63db50b47" providerId="ADAL" clId="{6A3951C8-7780-4031-8A2B-7971BC0F9707}" dt="2021-01-27T06:40:05.693" v="157" actId="20577"/>
@@ -2348,7 +2739,7 @@
               <a:pPr>
                 <a:defRPr/>
               </a:pPr>
-              <a:t>1/31/2024</a:t>
+              <a:t>2/1/2024</a:t>
             </a:fld>
             <a:endParaRPr lang="en-US"/>
           </a:p>
@@ -4329,7 +4720,7 @@
             </a:pPr>
             <a:r>
               <a:rPr lang="en-US" dirty="0"/>
-              <a:t>Week2 - </a:t>
+              <a:t>Week4R - </a:t>
             </a:r>
             <a:fld id="{2E4790E1-2590-4AEE-892D-AB46A7688113}" type="slidenum">
               <a:rPr lang="en-US" smtClean="0"/>
@@ -4550,7 +4941,7 @@
             </a:pPr>
             <a:r>
               <a:rPr lang="en-US" dirty="0"/>
-              <a:t>Week2 - </a:t>
+              <a:t>Week4R - </a:t>
             </a:r>
             <a:fld id="{2E4790E1-2590-4AEE-892D-AB46A7688113}" type="slidenum">
               <a:rPr lang="en-US" smtClean="0"/>
@@ -4748,7 +5139,7 @@
             </a:pPr>
             <a:r>
               <a:rPr lang="en-US" dirty="0"/>
-              <a:t>Week2 - </a:t>
+              <a:t>Week4R - </a:t>
             </a:r>
             <a:fld id="{2E4790E1-2590-4AEE-892D-AB46A7688113}" type="slidenum">
               <a:rPr lang="en-US" smtClean="0"/>
@@ -4938,7 +5329,7 @@
             </a:pPr>
             <a:r>
               <a:rPr lang="en-US" dirty="0"/>
-              <a:t>Week2 - </a:t>
+              <a:t>Week4R - </a:t>
             </a:r>
             <a:fld id="{2E4790E1-2590-4AEE-892D-AB46A7688113}" type="slidenum">
               <a:rPr lang="en-US" smtClean="0"/>
@@ -5213,7 +5604,7 @@
             </a:pPr>
             <a:r>
               <a:rPr lang="en-US" dirty="0"/>
-              <a:t>Week2 - </a:t>
+              <a:t>Week4R - </a:t>
             </a:r>
             <a:fld id="{2E4790E1-2590-4AEE-892D-AB46A7688113}" type="slidenum">
               <a:rPr lang="en-US" smtClean="0"/>
@@ -5553,7 +5944,7 @@
             </a:pPr>
             <a:r>
               <a:rPr lang="en-US" dirty="0"/>
-              <a:t>Week2 - </a:t>
+              <a:t>Week4R - </a:t>
             </a:r>
             <a:fld id="{2E4790E1-2590-4AEE-892D-AB46A7688113}" type="slidenum">
               <a:rPr lang="en-US" smtClean="0"/>
@@ -6042,7 +6433,7 @@
             </a:pPr>
             <a:r>
               <a:rPr lang="en-US" dirty="0"/>
-              <a:t>Week2 - </a:t>
+              <a:t>Week4R - </a:t>
             </a:r>
             <a:fld id="{2E4790E1-2590-4AEE-892D-AB46A7688113}" type="slidenum">
               <a:rPr lang="en-US" smtClean="0"/>
@@ -6212,7 +6603,7 @@
             </a:pPr>
             <a:r>
               <a:rPr lang="en-US" dirty="0"/>
-              <a:t>Week2 - </a:t>
+              <a:t>Week4R - </a:t>
             </a:r>
             <a:fld id="{2E4790E1-2590-4AEE-892D-AB46A7688113}" type="slidenum">
               <a:rPr lang="en-US" smtClean="0"/>
@@ -6325,7 +6716,7 @@
             </a:pPr>
             <a:r>
               <a:rPr lang="en-US" dirty="0"/>
-              <a:t>Week2 - </a:t>
+              <a:t>Week4R - </a:t>
             </a:r>
             <a:fld id="{2E4790E1-2590-4AEE-892D-AB46A7688113}" type="slidenum">
               <a:rPr lang="en-US" smtClean="0"/>
@@ -6622,7 +7013,7 @@
             </a:pPr>
             <a:r>
               <a:rPr lang="en-US" dirty="0"/>
-              <a:t>Week2 - </a:t>
+              <a:t>Week4R - </a:t>
             </a:r>
             <a:fld id="{2E4790E1-2590-4AEE-892D-AB46A7688113}" type="slidenum">
               <a:rPr lang="en-US" smtClean="0"/>
@@ -6950,7 +7341,7 @@
             </a:pPr>
             <a:r>
               <a:rPr lang="en-US" dirty="0"/>
-              <a:t>Week2 - </a:t>
+              <a:t>Week4R - </a:t>
             </a:r>
             <a:fld id="{2E4790E1-2590-4AEE-892D-AB46A7688113}" type="slidenum">
               <a:rPr lang="en-US" smtClean="0"/>
@@ -7302,7 +7693,7 @@
             </a:pPr>
             <a:r>
               <a:rPr lang="en-US" dirty="0"/>
-              <a:t>Week2 - </a:t>
+              <a:t>Week4R - </a:t>
             </a:r>
             <a:fld id="{2E4790E1-2590-4AEE-892D-AB46A7688113}" type="slidenum">
               <a:rPr lang="en-US" smtClean="0"/>
@@ -7334,7 +7725,7 @@
   <p:transition>
     <p:fade/>
   </p:transition>
-  <p:hf sldNum="0" hdr="0" dt="0"/>
+  <p:hf hdr="0" dt="0"/>
   <p:txStyles>
     <p:titleStyle>
       <a:lvl1pPr algn="l" defTabSz="914400" rtl="0" eaLnBrk="1" latinLnBrk="0" hangingPunct="1">
@@ -9455,6 +9846,45 @@
           </a:p>
         </p:txBody>
       </p:sp>
+      <p:sp>
+        <p:nvSpPr>
+          <p:cNvPr id="3" name="Slide Number Placeholder 2">
+            <a:extLst>
+              <a:ext uri="{FF2B5EF4-FFF2-40B4-BE49-F238E27FC236}">
+                <a16:creationId xmlns:a16="http://schemas.microsoft.com/office/drawing/2014/main" id="{12CD9103-1F56-A3F4-BD22-380C2A01B5C8}"/>
+              </a:ext>
+            </a:extLst>
+          </p:cNvPr>
+          <p:cNvSpPr>
+            <a:spLocks noGrp="1"/>
+          </p:cNvSpPr>
+          <p:nvPr>
+            <p:ph type="sldNum" sz="quarter" idx="12"/>
+          </p:nvPr>
+        </p:nvSpPr>
+        <p:spPr/>
+        <p:txBody>
+          <a:bodyPr/>
+          <a:lstStyle/>
+          <a:p>
+            <a:pPr>
+              <a:defRPr/>
+            </a:pPr>
+            <a:r>
+              <a:rPr lang="en-US" sz="1100" dirty="0"/>
+              <a:t>Week4R - </a:t>
+            </a:r>
+            <a:fld id="{2E4790E1-2590-4AEE-892D-AB46A7688113}" type="slidenum">
+              <a:rPr lang="en-US" sz="1100" smtClean="0"/>
+              <a:pPr>
+                <a:defRPr/>
+              </a:pPr>
+              <a:t>10</a:t>
+            </a:fld>
+            <a:endParaRPr lang="en-US" sz="1100" dirty="0"/>
+          </a:p>
+        </p:txBody>
+      </p:sp>
     </p:spTree>
     <p:extLst>
       <p:ext uri="{BB962C8B-B14F-4D97-AF65-F5344CB8AC3E}">
@@ -10449,6 +10879,45 @@
               <a:rPr lang="en-US"/>
               <a:t>CS1010 (AY2023/24 Semester 2)</a:t>
             </a:r>
+            <a:endParaRPr lang="en-US" dirty="0"/>
+          </a:p>
+        </p:txBody>
+      </p:sp>
+      <p:sp>
+        <p:nvSpPr>
+          <p:cNvPr id="3" name="Slide Number Placeholder 2">
+            <a:extLst>
+              <a:ext uri="{FF2B5EF4-FFF2-40B4-BE49-F238E27FC236}">
+                <a16:creationId xmlns:a16="http://schemas.microsoft.com/office/drawing/2014/main" id="{E70C7FD7-BFA0-36DC-7DA4-219DC37862E8}"/>
+              </a:ext>
+            </a:extLst>
+          </p:cNvPr>
+          <p:cNvSpPr>
+            <a:spLocks noGrp="1"/>
+          </p:cNvSpPr>
+          <p:nvPr>
+            <p:ph type="sldNum" sz="quarter" idx="12"/>
+          </p:nvPr>
+        </p:nvSpPr>
+        <p:spPr/>
+        <p:txBody>
+          <a:bodyPr/>
+          <a:lstStyle/>
+          <a:p>
+            <a:pPr>
+              <a:defRPr/>
+            </a:pPr>
+            <a:r>
+              <a:rPr lang="en-US" dirty="0"/>
+              <a:t>Week4R - </a:t>
+            </a:r>
+            <a:fld id="{2E4790E1-2590-4AEE-892D-AB46A7688113}" type="slidenum">
+              <a:rPr lang="en-US" smtClean="0"/>
+              <a:pPr>
+                <a:defRPr/>
+              </a:pPr>
+              <a:t>11</a:t>
+            </a:fld>
             <a:endParaRPr lang="en-US" dirty="0"/>
           </a:p>
         </p:txBody>
@@ -11904,6 +12373,45 @@
           </a:p>
         </p:txBody>
       </p:sp>
+      <p:sp>
+        <p:nvSpPr>
+          <p:cNvPr id="3" name="Slide Number Placeholder 2">
+            <a:extLst>
+              <a:ext uri="{FF2B5EF4-FFF2-40B4-BE49-F238E27FC236}">
+                <a16:creationId xmlns:a16="http://schemas.microsoft.com/office/drawing/2014/main" id="{8E89D432-F5D5-78E4-396B-7A7767B873E4}"/>
+              </a:ext>
+            </a:extLst>
+          </p:cNvPr>
+          <p:cNvSpPr>
+            <a:spLocks noGrp="1"/>
+          </p:cNvSpPr>
+          <p:nvPr>
+            <p:ph type="sldNum" sz="quarter" idx="12"/>
+          </p:nvPr>
+        </p:nvSpPr>
+        <p:spPr/>
+        <p:txBody>
+          <a:bodyPr/>
+          <a:lstStyle/>
+          <a:p>
+            <a:pPr>
+              <a:defRPr/>
+            </a:pPr>
+            <a:r>
+              <a:rPr lang="en-US" sz="1100" dirty="0"/>
+              <a:t>Week4R - </a:t>
+            </a:r>
+            <a:fld id="{2E4790E1-2590-4AEE-892D-AB46A7688113}" type="slidenum">
+              <a:rPr lang="en-US" sz="1100" smtClean="0"/>
+              <a:pPr>
+                <a:defRPr/>
+              </a:pPr>
+              <a:t>12</a:t>
+            </a:fld>
+            <a:endParaRPr lang="en-US" sz="1100" dirty="0"/>
+          </a:p>
+        </p:txBody>
+      </p:sp>
     </p:spTree>
     <p:extLst>
       <p:ext uri="{BB962C8B-B14F-4D97-AF65-F5344CB8AC3E}">
@@ -12043,6 +12551,45 @@
               <a:t>CS1010 (AY2023/24 Semester 2)</a:t>
             </a:r>
             <a:endParaRPr lang="en-US" dirty="0"/>
+          </a:p>
+        </p:txBody>
+      </p:sp>
+      <p:sp>
+        <p:nvSpPr>
+          <p:cNvPr id="3" name="Slide Number Placeholder 2">
+            <a:extLst>
+              <a:ext uri="{FF2B5EF4-FFF2-40B4-BE49-F238E27FC236}">
+                <a16:creationId xmlns:a16="http://schemas.microsoft.com/office/drawing/2014/main" id="{81713552-50D7-1D8D-9EAB-D3900CECE1CA}"/>
+              </a:ext>
+            </a:extLst>
+          </p:cNvPr>
+          <p:cNvSpPr>
+            <a:spLocks noGrp="1"/>
+          </p:cNvSpPr>
+          <p:nvPr>
+            <p:ph type="sldNum" sz="quarter" idx="12"/>
+          </p:nvPr>
+        </p:nvSpPr>
+        <p:spPr/>
+        <p:txBody>
+          <a:bodyPr/>
+          <a:lstStyle/>
+          <a:p>
+            <a:pPr>
+              <a:defRPr/>
+            </a:pPr>
+            <a:r>
+              <a:rPr lang="en-US" sz="1100" dirty="0"/>
+              <a:t>Week4R - </a:t>
+            </a:r>
+            <a:fld id="{2E4790E1-2590-4AEE-892D-AB46A7688113}" type="slidenum">
+              <a:rPr lang="en-US" sz="1100" smtClean="0"/>
+              <a:pPr>
+                <a:defRPr/>
+              </a:pPr>
+              <a:t>13</a:t>
+            </a:fld>
+            <a:endParaRPr lang="en-US" sz="1100" dirty="0"/>
           </a:p>
         </p:txBody>
       </p:sp>
@@ -13538,6 +14085,45 @@
           </a:p>
         </p:txBody>
       </p:sp>
+      <p:sp>
+        <p:nvSpPr>
+          <p:cNvPr id="3" name="Slide Number Placeholder 2">
+            <a:extLst>
+              <a:ext uri="{FF2B5EF4-FFF2-40B4-BE49-F238E27FC236}">
+                <a16:creationId xmlns:a16="http://schemas.microsoft.com/office/drawing/2014/main" id="{BED89586-C97A-2AC4-E199-43CAB13D8B21}"/>
+              </a:ext>
+            </a:extLst>
+          </p:cNvPr>
+          <p:cNvSpPr>
+            <a:spLocks noGrp="1"/>
+          </p:cNvSpPr>
+          <p:nvPr>
+            <p:ph type="sldNum" sz="quarter" idx="12"/>
+          </p:nvPr>
+        </p:nvSpPr>
+        <p:spPr/>
+        <p:txBody>
+          <a:bodyPr/>
+          <a:lstStyle/>
+          <a:p>
+            <a:pPr>
+              <a:defRPr/>
+            </a:pPr>
+            <a:r>
+              <a:rPr lang="en-US" dirty="0"/>
+              <a:t>Week4R - </a:t>
+            </a:r>
+            <a:fld id="{2E4790E1-2590-4AEE-892D-AB46A7688113}" type="slidenum">
+              <a:rPr lang="en-US" smtClean="0"/>
+              <a:pPr>
+                <a:defRPr/>
+              </a:pPr>
+              <a:t>2</a:t>
+            </a:fld>
+            <a:endParaRPr lang="en-US" dirty="0"/>
+          </a:p>
+        </p:txBody>
+      </p:sp>
     </p:spTree>
     <p:extLst>
       <p:ext uri="{BB962C8B-B14F-4D97-AF65-F5344CB8AC3E}">
@@ -14428,6 +15014,45 @@
               <a:rPr lang="en-US"/>
               <a:t>CS1010 (AY2023/24 Semester 2)</a:t>
             </a:r>
+            <a:endParaRPr lang="en-US" dirty="0"/>
+          </a:p>
+        </p:txBody>
+      </p:sp>
+      <p:sp>
+        <p:nvSpPr>
+          <p:cNvPr id="3" name="Slide Number Placeholder 2">
+            <a:extLst>
+              <a:ext uri="{FF2B5EF4-FFF2-40B4-BE49-F238E27FC236}">
+                <a16:creationId xmlns:a16="http://schemas.microsoft.com/office/drawing/2014/main" id="{C9B28BC9-1FE9-028A-C44D-9B5F11086857}"/>
+              </a:ext>
+            </a:extLst>
+          </p:cNvPr>
+          <p:cNvSpPr>
+            <a:spLocks noGrp="1"/>
+          </p:cNvSpPr>
+          <p:nvPr>
+            <p:ph type="sldNum" sz="quarter" idx="12"/>
+          </p:nvPr>
+        </p:nvSpPr>
+        <p:spPr/>
+        <p:txBody>
+          <a:bodyPr/>
+          <a:lstStyle/>
+          <a:p>
+            <a:pPr>
+              <a:defRPr/>
+            </a:pPr>
+            <a:r>
+              <a:rPr lang="en-US" dirty="0"/>
+              <a:t>Week4R - </a:t>
+            </a:r>
+            <a:fld id="{2E4790E1-2590-4AEE-892D-AB46A7688113}" type="slidenum">
+              <a:rPr lang="en-US" smtClean="0"/>
+              <a:pPr>
+                <a:defRPr/>
+              </a:pPr>
+              <a:t>3</a:t>
+            </a:fld>
             <a:endParaRPr lang="en-US" dirty="0"/>
           </a:p>
         </p:txBody>
@@ -15370,6 +15995,45 @@
               <a:rPr lang="en-US"/>
               <a:t>CS1010 (AY2023/24 Semester 2)</a:t>
             </a:r>
+            <a:endParaRPr lang="en-US" dirty="0"/>
+          </a:p>
+        </p:txBody>
+      </p:sp>
+      <p:sp>
+        <p:nvSpPr>
+          <p:cNvPr id="3" name="Slide Number Placeholder 2">
+            <a:extLst>
+              <a:ext uri="{FF2B5EF4-FFF2-40B4-BE49-F238E27FC236}">
+                <a16:creationId xmlns:a16="http://schemas.microsoft.com/office/drawing/2014/main" id="{80865E46-A579-1B0C-AE3F-8D1788B9C465}"/>
+              </a:ext>
+            </a:extLst>
+          </p:cNvPr>
+          <p:cNvSpPr>
+            <a:spLocks noGrp="1"/>
+          </p:cNvSpPr>
+          <p:nvPr>
+            <p:ph type="sldNum" sz="quarter" idx="12"/>
+          </p:nvPr>
+        </p:nvSpPr>
+        <p:spPr/>
+        <p:txBody>
+          <a:bodyPr/>
+          <a:lstStyle/>
+          <a:p>
+            <a:pPr>
+              <a:defRPr/>
+            </a:pPr>
+            <a:r>
+              <a:rPr lang="en-US" dirty="0"/>
+              <a:t>Week4R - </a:t>
+            </a:r>
+            <a:fld id="{2E4790E1-2590-4AEE-892D-AB46A7688113}" type="slidenum">
+              <a:rPr lang="en-US" smtClean="0"/>
+              <a:pPr>
+                <a:defRPr/>
+              </a:pPr>
+              <a:t>4</a:t>
+            </a:fld>
             <a:endParaRPr lang="en-US" dirty="0"/>
           </a:p>
         </p:txBody>
@@ -17377,6 +18041,45 @@
           </a:p>
         </p:txBody>
       </p:sp>
+      <p:sp>
+        <p:nvSpPr>
+          <p:cNvPr id="3" name="Slide Number Placeholder 2">
+            <a:extLst>
+              <a:ext uri="{FF2B5EF4-FFF2-40B4-BE49-F238E27FC236}">
+                <a16:creationId xmlns:a16="http://schemas.microsoft.com/office/drawing/2014/main" id="{13D4E90E-B741-C1B5-17BD-F432ED0E4672}"/>
+              </a:ext>
+            </a:extLst>
+          </p:cNvPr>
+          <p:cNvSpPr>
+            <a:spLocks noGrp="1"/>
+          </p:cNvSpPr>
+          <p:nvPr>
+            <p:ph type="sldNum" sz="quarter" idx="12"/>
+          </p:nvPr>
+        </p:nvSpPr>
+        <p:spPr/>
+        <p:txBody>
+          <a:bodyPr/>
+          <a:lstStyle/>
+          <a:p>
+            <a:pPr>
+              <a:defRPr/>
+            </a:pPr>
+            <a:r>
+              <a:rPr lang="en-US" dirty="0"/>
+              <a:t>Week4R - </a:t>
+            </a:r>
+            <a:fld id="{2E4790E1-2590-4AEE-892D-AB46A7688113}" type="slidenum">
+              <a:rPr lang="en-US" smtClean="0"/>
+              <a:pPr>
+                <a:defRPr/>
+              </a:pPr>
+              <a:t>5</a:t>
+            </a:fld>
+            <a:endParaRPr lang="en-US" dirty="0"/>
+          </a:p>
+        </p:txBody>
+      </p:sp>
     </p:spTree>
     <p:extLst>
       <p:ext uri="{BB962C8B-B14F-4D97-AF65-F5344CB8AC3E}">
@@ -19022,6 +19725,45 @@
           </a:p>
         </p:txBody>
       </p:sp>
+      <p:sp>
+        <p:nvSpPr>
+          <p:cNvPr id="3" name="Slide Number Placeholder 2">
+            <a:extLst>
+              <a:ext uri="{FF2B5EF4-FFF2-40B4-BE49-F238E27FC236}">
+                <a16:creationId xmlns:a16="http://schemas.microsoft.com/office/drawing/2014/main" id="{FAF54E3F-28C9-0180-8809-5C3D38133E59}"/>
+              </a:ext>
+            </a:extLst>
+          </p:cNvPr>
+          <p:cNvSpPr>
+            <a:spLocks noGrp="1"/>
+          </p:cNvSpPr>
+          <p:nvPr>
+            <p:ph type="sldNum" sz="quarter" idx="12"/>
+          </p:nvPr>
+        </p:nvSpPr>
+        <p:spPr/>
+        <p:txBody>
+          <a:bodyPr/>
+          <a:lstStyle/>
+          <a:p>
+            <a:pPr>
+              <a:defRPr/>
+            </a:pPr>
+            <a:r>
+              <a:rPr lang="en-US" dirty="0"/>
+              <a:t>Week4R - </a:t>
+            </a:r>
+            <a:fld id="{2E4790E1-2590-4AEE-892D-AB46A7688113}" type="slidenum">
+              <a:rPr lang="en-US" smtClean="0"/>
+              <a:pPr>
+                <a:defRPr/>
+              </a:pPr>
+              <a:t>6</a:t>
+            </a:fld>
+            <a:endParaRPr lang="en-US" dirty="0"/>
+          </a:p>
+        </p:txBody>
+      </p:sp>
     </p:spTree>
     <p:extLst>
       <p:ext uri="{BB962C8B-B14F-4D97-AF65-F5344CB8AC3E}">
@@ -19704,6 +20446,45 @@
               <a:rPr lang="en-US"/>
               <a:t>CS1010 (AY2023/24 Semester 2)</a:t>
             </a:r>
+            <a:endParaRPr lang="en-US" dirty="0"/>
+          </a:p>
+        </p:txBody>
+      </p:sp>
+      <p:sp>
+        <p:nvSpPr>
+          <p:cNvPr id="3" name="Slide Number Placeholder 2">
+            <a:extLst>
+              <a:ext uri="{FF2B5EF4-FFF2-40B4-BE49-F238E27FC236}">
+                <a16:creationId xmlns:a16="http://schemas.microsoft.com/office/drawing/2014/main" id="{F0B9B32B-FD26-37EB-1A12-0D1B14490FD0}"/>
+              </a:ext>
+            </a:extLst>
+          </p:cNvPr>
+          <p:cNvSpPr>
+            <a:spLocks noGrp="1"/>
+          </p:cNvSpPr>
+          <p:nvPr>
+            <p:ph type="sldNum" sz="quarter" idx="12"/>
+          </p:nvPr>
+        </p:nvSpPr>
+        <p:spPr/>
+        <p:txBody>
+          <a:bodyPr/>
+          <a:lstStyle/>
+          <a:p>
+            <a:pPr>
+              <a:defRPr/>
+            </a:pPr>
+            <a:r>
+              <a:rPr lang="en-US" dirty="0"/>
+              <a:t>Week4R - </a:t>
+            </a:r>
+            <a:fld id="{2E4790E1-2590-4AEE-892D-AB46A7688113}" type="slidenum">
+              <a:rPr lang="en-US" smtClean="0"/>
+              <a:pPr>
+                <a:defRPr/>
+              </a:pPr>
+              <a:t>7</a:t>
+            </a:fld>
             <a:endParaRPr lang="en-US" dirty="0"/>
           </a:p>
         </p:txBody>
@@ -20589,6 +21370,45 @@
               <a:rPr lang="en-US"/>
               <a:t>CS1010 (AY2023/24 Semester 2)</a:t>
             </a:r>
+            <a:endParaRPr lang="en-US" dirty="0"/>
+          </a:p>
+        </p:txBody>
+      </p:sp>
+      <p:sp>
+        <p:nvSpPr>
+          <p:cNvPr id="3" name="Slide Number Placeholder 2">
+            <a:extLst>
+              <a:ext uri="{FF2B5EF4-FFF2-40B4-BE49-F238E27FC236}">
+                <a16:creationId xmlns:a16="http://schemas.microsoft.com/office/drawing/2014/main" id="{F9FD9C48-FB96-7EF9-D842-AB2B4A91AC53}"/>
+              </a:ext>
+            </a:extLst>
+          </p:cNvPr>
+          <p:cNvSpPr>
+            <a:spLocks noGrp="1"/>
+          </p:cNvSpPr>
+          <p:nvPr>
+            <p:ph type="sldNum" sz="quarter" idx="12"/>
+          </p:nvPr>
+        </p:nvSpPr>
+        <p:spPr/>
+        <p:txBody>
+          <a:bodyPr/>
+          <a:lstStyle/>
+          <a:p>
+            <a:pPr>
+              <a:defRPr/>
+            </a:pPr>
+            <a:r>
+              <a:rPr lang="en-US" dirty="0"/>
+              <a:t>Week4R - </a:t>
+            </a:r>
+            <a:fld id="{2E4790E1-2590-4AEE-892D-AB46A7688113}" type="slidenum">
+              <a:rPr lang="en-US" smtClean="0"/>
+              <a:pPr>
+                <a:defRPr/>
+              </a:pPr>
+              <a:t>8</a:t>
+            </a:fld>
             <a:endParaRPr lang="en-US" dirty="0"/>
           </a:p>
         </p:txBody>
@@ -23892,6 +24712,45 @@
           </a:p>
         </p:txBody>
       </p:sp>
+      <p:sp>
+        <p:nvSpPr>
+          <p:cNvPr id="3" name="Slide Number Placeholder 2">
+            <a:extLst>
+              <a:ext uri="{FF2B5EF4-FFF2-40B4-BE49-F238E27FC236}">
+                <a16:creationId xmlns:a16="http://schemas.microsoft.com/office/drawing/2014/main" id="{BBB851E1-CAB3-0610-15EB-15D06A8AFC3A}"/>
+              </a:ext>
+            </a:extLst>
+          </p:cNvPr>
+          <p:cNvSpPr>
+            <a:spLocks noGrp="1"/>
+          </p:cNvSpPr>
+          <p:nvPr>
+            <p:ph type="sldNum" sz="quarter" idx="12"/>
+          </p:nvPr>
+        </p:nvSpPr>
+        <p:spPr/>
+        <p:txBody>
+          <a:bodyPr/>
+          <a:lstStyle/>
+          <a:p>
+            <a:pPr>
+              <a:defRPr/>
+            </a:pPr>
+            <a:r>
+              <a:rPr lang="en-US" dirty="0"/>
+              <a:t>Week4R - </a:t>
+            </a:r>
+            <a:fld id="{2E4790E1-2590-4AEE-892D-AB46A7688113}" type="slidenum">
+              <a:rPr lang="en-US" smtClean="0"/>
+              <a:pPr>
+                <a:defRPr/>
+              </a:pPr>
+              <a:t>9</a:t>
+            </a:fld>
+            <a:endParaRPr lang="en-US" dirty="0"/>
+          </a:p>
+        </p:txBody>
+      </p:sp>
     </p:spTree>
     <p:extLst>
       <p:ext uri="{BB962C8B-B14F-4D97-AF65-F5344CB8AC3E}">

--- a/slides/Week4_Recap.pptx
+++ b/slides/Week4_Recap.pptx
@@ -13,10 +13,10 @@
   <p:sldIdLst>
     <p:sldId id="256" r:id="rId2"/>
     <p:sldId id="554" r:id="rId3"/>
-    <p:sldId id="569" r:id="rId4"/>
-    <p:sldId id="558" r:id="rId5"/>
-    <p:sldId id="568" r:id="rId6"/>
-    <p:sldId id="524" r:id="rId7"/>
+    <p:sldId id="558" r:id="rId4"/>
+    <p:sldId id="569" r:id="rId5"/>
+    <p:sldId id="524" r:id="rId6"/>
+    <p:sldId id="568" r:id="rId7"/>
     <p:sldId id="552" r:id="rId8"/>
     <p:sldId id="565" r:id="rId9"/>
     <p:sldId id="553" r:id="rId10"/>
@@ -188,7 +188,7 @@
 <file path=ppt/revisionInfo.xml><?xml version="1.0" encoding="utf-8"?>
 <p1510:revInfo xmlns:a="http://schemas.openxmlformats.org/drawingml/2006/main" xmlns:r="http://schemas.openxmlformats.org/officeDocument/2006/relationships" xmlns:p1510="http://schemas.microsoft.com/office/powerpoint/2015/10/main">
   <p1510:revLst>
-    <p1510:client id="{AA4ACA00-E97E-4189-9E7F-86EECD49ACFD}" v="2" dt="2024-02-01T09:41:45.071"/>
+    <p1510:client id="{65DF620D-469E-41D9-8DF1-7AF47666A053}" v="8" dt="2024-02-09T07:13:10.732"/>
   </p1510:revLst>
 </p1510:revInfo>
 </file>
@@ -440,8 +440,8 @@
   </pc:docChgLst>
   <pc:docChgLst>
     <pc:chgData name="Zhao Jin" userId="cd05a825-544c-438a-9ba1-08e63db50b47" providerId="ADAL" clId="{65DF620D-469E-41D9-8DF1-7AF47666A053}"/>
-    <pc:docChg chg="undo custSel modSld">
-      <pc:chgData name="Zhao Jin" userId="cd05a825-544c-438a-9ba1-08e63db50b47" providerId="ADAL" clId="{65DF620D-469E-41D9-8DF1-7AF47666A053}" dt="2024-01-31T05:14:29.741" v="12" actId="27636"/>
+    <pc:docChg chg="undo custSel addSld delSld modSld sldOrd">
+      <pc:chgData name="Zhao Jin" userId="cd05a825-544c-438a-9ba1-08e63db50b47" providerId="ADAL" clId="{65DF620D-469E-41D9-8DF1-7AF47666A053}" dt="2024-02-09T07:14:12.765" v="201" actId="207"/>
       <pc:docMkLst>
         <pc:docMk/>
       </pc:docMkLst>
@@ -468,8 +468,8 @@
           </ac:picMkLst>
         </pc:picChg>
       </pc:sldChg>
-      <pc:sldChg chg="modSp">
-        <pc:chgData name="Zhao Jin" userId="cd05a825-544c-438a-9ba1-08e63db50b47" providerId="ADAL" clId="{65DF620D-469E-41D9-8DF1-7AF47666A053}" dt="2024-01-31T05:14:29.665" v="9"/>
+      <pc:sldChg chg="modSp mod ord">
+        <pc:chgData name="Zhao Jin" userId="cd05a825-544c-438a-9ba1-08e63db50b47" providerId="ADAL" clId="{65DF620D-469E-41D9-8DF1-7AF47666A053}" dt="2024-02-09T07:09:14.692" v="108"/>
         <pc:sldMkLst>
           <pc:docMk/>
           <pc:sldMk cId="2775173622" sldId="524"/>
@@ -482,13 +482,37 @@
             <ac:spMk id="9" creationId="{00000000-0000-0000-0000-000000000000}"/>
           </ac:spMkLst>
         </pc:spChg>
+        <pc:graphicFrameChg chg="mod">
+          <ac:chgData name="Zhao Jin" userId="cd05a825-544c-438a-9ba1-08e63db50b47" providerId="ADAL" clId="{65DF620D-469E-41D9-8DF1-7AF47666A053}" dt="2024-02-09T07:08:31.592" v="84"/>
+          <ac:graphicFrameMkLst>
+            <pc:docMk/>
+            <pc:sldMk cId="2775173622" sldId="524"/>
+            <ac:graphicFrameMk id="5" creationId="{9E742EBA-8F43-4310-AD68-B4660B9ECF59}"/>
+          </ac:graphicFrameMkLst>
+        </pc:graphicFrameChg>
+        <pc:graphicFrameChg chg="modGraphic">
+          <ac:chgData name="Zhao Jin" userId="cd05a825-544c-438a-9ba1-08e63db50b47" providerId="ADAL" clId="{65DF620D-469E-41D9-8DF1-7AF47666A053}" dt="2024-02-09T07:09:06.979" v="106" actId="14734"/>
+          <ac:graphicFrameMkLst>
+            <pc:docMk/>
+            <pc:sldMk cId="2775173622" sldId="524"/>
+            <ac:graphicFrameMk id="7" creationId="{1DC5F05D-202E-4474-8067-C5632E06F885}"/>
+          </ac:graphicFrameMkLst>
+        </pc:graphicFrameChg>
       </pc:sldChg>
       <pc:sldChg chg="modSp mod">
-        <pc:chgData name="Zhao Jin" userId="cd05a825-544c-438a-9ba1-08e63db50b47" providerId="ADAL" clId="{65DF620D-469E-41D9-8DF1-7AF47666A053}" dt="2024-01-31T05:14:29.741" v="12" actId="27636"/>
+        <pc:chgData name="Zhao Jin" userId="cd05a825-544c-438a-9ba1-08e63db50b47" providerId="ADAL" clId="{65DF620D-469E-41D9-8DF1-7AF47666A053}" dt="2024-02-09T07:14:12.765" v="201" actId="207"/>
         <pc:sldMkLst>
           <pc:docMk/>
           <pc:sldMk cId="4078418712" sldId="525"/>
         </pc:sldMkLst>
+        <pc:spChg chg="mod">
+          <ac:chgData name="Zhao Jin" userId="cd05a825-544c-438a-9ba1-08e63db50b47" providerId="ADAL" clId="{65DF620D-469E-41D9-8DF1-7AF47666A053}" dt="2024-02-09T07:14:12.765" v="201" actId="207"/>
+          <ac:spMkLst>
+            <pc:docMk/>
+            <pc:sldMk cId="4078418712" sldId="525"/>
+            <ac:spMk id="8" creationId="{00000000-0000-0000-0000-000000000000}"/>
+          </ac:spMkLst>
+        </pc:spChg>
         <pc:spChg chg="mod">
           <ac:chgData name="Zhao Jin" userId="cd05a825-544c-438a-9ba1-08e63db50b47" providerId="ADAL" clId="{65DF620D-469E-41D9-8DF1-7AF47666A053}" dt="2024-01-31T05:14:29.741" v="12" actId="27636"/>
           <ac:spMkLst>
@@ -529,7 +553,7 @@
         </pc:spChg>
       </pc:sldChg>
       <pc:sldChg chg="modSp mod">
-        <pc:chgData name="Zhao Jin" userId="cd05a825-544c-438a-9ba1-08e63db50b47" providerId="ADAL" clId="{65DF620D-469E-41D9-8DF1-7AF47666A053}" dt="2024-01-31T05:14:29.665" v="9"/>
+        <pc:chgData name="Zhao Jin" userId="cd05a825-544c-438a-9ba1-08e63db50b47" providerId="ADAL" clId="{65DF620D-469E-41D9-8DF1-7AF47666A053}" dt="2024-02-09T07:04:43.582" v="18" actId="1076"/>
         <pc:sldMkLst>
           <pc:docMk/>
           <pc:sldMk cId="1659983766" sldId="554"/>
@@ -542,9 +566,17 @@
             <ac:spMk id="7" creationId="{00000000-0000-0000-0000-000000000000}"/>
           </ac:spMkLst>
         </pc:spChg>
+        <pc:spChg chg="mod">
+          <ac:chgData name="Zhao Jin" userId="cd05a825-544c-438a-9ba1-08e63db50b47" providerId="ADAL" clId="{65DF620D-469E-41D9-8DF1-7AF47666A053}" dt="2024-02-09T07:04:43.582" v="18" actId="1076"/>
+          <ac:spMkLst>
+            <pc:docMk/>
+            <pc:sldMk cId="1659983766" sldId="554"/>
+            <ac:spMk id="27" creationId="{92A14019-DDA0-4208-9F61-99DDC433B2BD}"/>
+          </ac:spMkLst>
+        </pc:spChg>
       </pc:sldChg>
-      <pc:sldChg chg="modSp">
-        <pc:chgData name="Zhao Jin" userId="cd05a825-544c-438a-9ba1-08e63db50b47" providerId="ADAL" clId="{65DF620D-469E-41D9-8DF1-7AF47666A053}" dt="2024-01-31T05:14:29.665" v="9"/>
+      <pc:sldChg chg="addSp delSp modSp mod">
+        <pc:chgData name="Zhao Jin" userId="cd05a825-544c-438a-9ba1-08e63db50b47" providerId="ADAL" clId="{65DF620D-469E-41D9-8DF1-7AF47666A053}" dt="2024-02-09T07:06:39.223" v="30"/>
         <pc:sldMkLst>
           <pc:docMk/>
           <pc:sldMk cId="686532275" sldId="558"/>
@@ -557,9 +589,41 @@
             <ac:spMk id="7" creationId="{00000000-0000-0000-0000-000000000000}"/>
           </ac:spMkLst>
         </pc:spChg>
+        <pc:spChg chg="mod">
+          <ac:chgData name="Zhao Jin" userId="cd05a825-544c-438a-9ba1-08e63db50b47" providerId="ADAL" clId="{65DF620D-469E-41D9-8DF1-7AF47666A053}" dt="2024-02-09T07:05:44.553" v="22"/>
+          <ac:spMkLst>
+            <pc:docMk/>
+            <pc:sldMk cId="686532275" sldId="558"/>
+            <ac:spMk id="9" creationId="{279DD0F7-7371-46CC-B55A-367690ADD30F}"/>
+          </ac:spMkLst>
+        </pc:spChg>
+        <pc:graphicFrameChg chg="del">
+          <ac:chgData name="Zhao Jin" userId="cd05a825-544c-438a-9ba1-08e63db50b47" providerId="ADAL" clId="{65DF620D-469E-41D9-8DF1-7AF47666A053}" dt="2024-02-09T07:05:54.040" v="23" actId="478"/>
+          <ac:graphicFrameMkLst>
+            <pc:docMk/>
+            <pc:sldMk cId="686532275" sldId="558"/>
+            <ac:graphicFrameMk id="10" creationId="{B07397E8-8FF1-4DF2-8C73-DB57A0C0D228}"/>
+          </ac:graphicFrameMkLst>
+        </pc:graphicFrameChg>
+        <pc:picChg chg="add del mod">
+          <ac:chgData name="Zhao Jin" userId="cd05a825-544c-438a-9ba1-08e63db50b47" providerId="ADAL" clId="{65DF620D-469E-41D9-8DF1-7AF47666A053}" dt="2024-02-09T07:06:38.301" v="29" actId="478"/>
+          <ac:picMkLst>
+            <pc:docMk/>
+            <pc:sldMk cId="686532275" sldId="558"/>
+            <ac:picMk id="4" creationId="{6A020C31-628B-4B54-95EB-2870BDD76654}"/>
+          </ac:picMkLst>
+        </pc:picChg>
+        <pc:picChg chg="add mod">
+          <ac:chgData name="Zhao Jin" userId="cd05a825-544c-438a-9ba1-08e63db50b47" providerId="ADAL" clId="{65DF620D-469E-41D9-8DF1-7AF47666A053}" dt="2024-02-09T07:06:39.223" v="30"/>
+          <ac:picMkLst>
+            <pc:docMk/>
+            <pc:sldMk cId="686532275" sldId="558"/>
+            <ac:picMk id="5" creationId="{CED67AB4-40C4-C066-C8DD-3E0BAE68323E}"/>
+          </ac:picMkLst>
+        </pc:picChg>
       </pc:sldChg>
-      <pc:sldChg chg="modSp">
-        <pc:chgData name="Zhao Jin" userId="cd05a825-544c-438a-9ba1-08e63db50b47" providerId="ADAL" clId="{65DF620D-469E-41D9-8DF1-7AF47666A053}" dt="2024-01-31T05:14:29.665" v="9"/>
+      <pc:sldChg chg="modSp mod">
+        <pc:chgData name="Zhao Jin" userId="cd05a825-544c-438a-9ba1-08e63db50b47" providerId="ADAL" clId="{65DF620D-469E-41D9-8DF1-7AF47666A053}" dt="2024-02-09T07:12:31.858" v="154"/>
         <pc:sldMkLst>
           <pc:docMk/>
           <pc:sldMk cId="1986771488" sldId="561"/>
@@ -572,9 +636,17 @@
             <ac:spMk id="7" creationId="{00000000-0000-0000-0000-000000000000}"/>
           </ac:spMkLst>
         </pc:spChg>
+        <pc:spChg chg="mod">
+          <ac:chgData name="Zhao Jin" userId="cd05a825-544c-438a-9ba1-08e63db50b47" providerId="ADAL" clId="{65DF620D-469E-41D9-8DF1-7AF47666A053}" dt="2024-02-09T07:12:31.858" v="154"/>
+          <ac:spMkLst>
+            <pc:docMk/>
+            <pc:sldMk cId="1986771488" sldId="561"/>
+            <ac:spMk id="49" creationId="{00000000-0000-0000-0000-000000000000}"/>
+          </ac:spMkLst>
+        </pc:spChg>
       </pc:sldChg>
       <pc:sldChg chg="modSp mod">
-        <pc:chgData name="Zhao Jin" userId="cd05a825-544c-438a-9ba1-08e63db50b47" providerId="ADAL" clId="{65DF620D-469E-41D9-8DF1-7AF47666A053}" dt="2024-01-31T05:14:29.729" v="10" actId="27636"/>
+        <pc:chgData name="Zhao Jin" userId="cd05a825-544c-438a-9ba1-08e63db50b47" providerId="ADAL" clId="{65DF620D-469E-41D9-8DF1-7AF47666A053}" dt="2024-02-09T07:12:00.435" v="153" actId="20577"/>
         <pc:sldMkLst>
           <pc:docMk/>
           <pc:sldMk cId="1276365520" sldId="564"/>
@@ -585,6 +657,14 @@
             <pc:docMk/>
             <pc:sldMk cId="1276365520" sldId="564"/>
             <ac:spMk id="7" creationId="{00000000-0000-0000-0000-000000000000}"/>
+          </ac:spMkLst>
+        </pc:spChg>
+        <pc:spChg chg="mod">
+          <ac:chgData name="Zhao Jin" userId="cd05a825-544c-438a-9ba1-08e63db50b47" providerId="ADAL" clId="{65DF620D-469E-41D9-8DF1-7AF47666A053}" dt="2024-02-09T07:12:00.435" v="153" actId="20577"/>
+          <ac:spMkLst>
+            <pc:docMk/>
+            <pc:sldMk cId="1276365520" sldId="564"/>
+            <ac:spMk id="14" creationId="{3BE09EC5-9C6D-4841-A5F4-9A5837974E20}"/>
           </ac:spMkLst>
         </pc:spChg>
       </pc:sldChg>
@@ -603,12 +683,28 @@
           </ac:spMkLst>
         </pc:spChg>
       </pc:sldChg>
-      <pc:sldChg chg="modSp mod">
-        <pc:chgData name="Zhao Jin" userId="cd05a825-544c-438a-9ba1-08e63db50b47" providerId="ADAL" clId="{65DF620D-469E-41D9-8DF1-7AF47666A053}" dt="2024-01-31T05:14:29.734" v="11" actId="27636"/>
+      <pc:sldChg chg="addSp delSp modSp mod">
+        <pc:chgData name="Zhao Jin" userId="cd05a825-544c-438a-9ba1-08e63db50b47" providerId="ADAL" clId="{65DF620D-469E-41D9-8DF1-7AF47666A053}" dt="2024-02-09T07:13:21.985" v="171" actId="20577"/>
         <pc:sldMkLst>
           <pc:docMk/>
           <pc:sldMk cId="3959984611" sldId="566"/>
         </pc:sldMkLst>
+        <pc:spChg chg="add mod">
+          <ac:chgData name="Zhao Jin" userId="cd05a825-544c-438a-9ba1-08e63db50b47" providerId="ADAL" clId="{65DF620D-469E-41D9-8DF1-7AF47666A053}" dt="2024-02-09T07:13:10.732" v="160"/>
+          <ac:spMkLst>
+            <pc:docMk/>
+            <pc:sldMk cId="3959984611" sldId="566"/>
+            <ac:spMk id="4" creationId="{F7FE67D0-93BE-36F3-48DF-7285E561729F}"/>
+          </ac:spMkLst>
+        </pc:spChg>
+        <pc:spChg chg="mod">
+          <ac:chgData name="Zhao Jin" userId="cd05a825-544c-438a-9ba1-08e63db50b47" providerId="ADAL" clId="{65DF620D-469E-41D9-8DF1-7AF47666A053}" dt="2024-02-09T07:13:10.732" v="160"/>
+          <ac:spMkLst>
+            <pc:docMk/>
+            <pc:sldMk cId="3959984611" sldId="566"/>
+            <ac:spMk id="6" creationId="{5A5FD035-6194-5DE2-DA40-758FEF81235E}"/>
+          </ac:spMkLst>
+        </pc:spChg>
         <pc:spChg chg="mod">
           <ac:chgData name="Zhao Jin" userId="cd05a825-544c-438a-9ba1-08e63db50b47" providerId="ADAL" clId="{65DF620D-469E-41D9-8DF1-7AF47666A053}" dt="2024-01-31T05:14:29.734" v="11" actId="27636"/>
           <ac:spMkLst>
@@ -617,9 +713,161 @@
             <ac:spMk id="7" creationId="{00000000-0000-0000-0000-000000000000}"/>
           </ac:spMkLst>
         </pc:spChg>
+        <pc:spChg chg="mod">
+          <ac:chgData name="Zhao Jin" userId="cd05a825-544c-438a-9ba1-08e63db50b47" providerId="ADAL" clId="{65DF620D-469E-41D9-8DF1-7AF47666A053}" dt="2024-02-09T07:13:21.985" v="171" actId="20577"/>
+          <ac:spMkLst>
+            <pc:docMk/>
+            <pc:sldMk cId="3959984611" sldId="566"/>
+            <ac:spMk id="8" creationId="{00000000-0000-0000-0000-000000000000}"/>
+          </ac:spMkLst>
+        </pc:spChg>
+        <pc:spChg chg="mod">
+          <ac:chgData name="Zhao Jin" userId="cd05a825-544c-438a-9ba1-08e63db50b47" providerId="ADAL" clId="{65DF620D-469E-41D9-8DF1-7AF47666A053}" dt="2024-02-09T07:13:10.732" v="160"/>
+          <ac:spMkLst>
+            <pc:docMk/>
+            <pc:sldMk cId="3959984611" sldId="566"/>
+            <ac:spMk id="14" creationId="{2C6932F8-B087-2354-2F04-D62C304843DC}"/>
+          </ac:spMkLst>
+        </pc:spChg>
+        <pc:spChg chg="del mod">
+          <ac:chgData name="Zhao Jin" userId="cd05a825-544c-438a-9ba1-08e63db50b47" providerId="ADAL" clId="{65DF620D-469E-41D9-8DF1-7AF47666A053}" dt="2024-02-09T07:13:09.225" v="158" actId="478"/>
+          <ac:spMkLst>
+            <pc:docMk/>
+            <pc:sldMk cId="3959984611" sldId="566"/>
+            <ac:spMk id="16" creationId="{D2096CE0-F283-4186-90FF-7C54FF151885}"/>
+          </ac:spMkLst>
+        </pc:spChg>
+        <pc:spChg chg="mod">
+          <ac:chgData name="Zhao Jin" userId="cd05a825-544c-438a-9ba1-08e63db50b47" providerId="ADAL" clId="{65DF620D-469E-41D9-8DF1-7AF47666A053}" dt="2024-02-09T07:13:10.732" v="160"/>
+          <ac:spMkLst>
+            <pc:docMk/>
+            <pc:sldMk cId="3959984611" sldId="566"/>
+            <ac:spMk id="29" creationId="{F1F1C944-F83C-631C-832F-4D807BF75F89}"/>
+          </ac:spMkLst>
+        </pc:spChg>
+        <pc:spChg chg="mod">
+          <ac:chgData name="Zhao Jin" userId="cd05a825-544c-438a-9ba1-08e63db50b47" providerId="ADAL" clId="{65DF620D-469E-41D9-8DF1-7AF47666A053}" dt="2024-02-09T07:13:10.732" v="160"/>
+          <ac:spMkLst>
+            <pc:docMk/>
+            <pc:sldMk cId="3959984611" sldId="566"/>
+            <ac:spMk id="30" creationId="{9350956E-1441-08C1-C3EB-96F7B3B95F64}"/>
+          </ac:spMkLst>
+        </pc:spChg>
+        <pc:spChg chg="mod">
+          <ac:chgData name="Zhao Jin" userId="cd05a825-544c-438a-9ba1-08e63db50b47" providerId="ADAL" clId="{65DF620D-469E-41D9-8DF1-7AF47666A053}" dt="2024-02-09T07:13:10.732" v="160"/>
+          <ac:spMkLst>
+            <pc:docMk/>
+            <pc:sldMk cId="3959984611" sldId="566"/>
+            <ac:spMk id="36" creationId="{770A68DF-959C-58B8-0083-B4E64A72B63E}"/>
+          </ac:spMkLst>
+        </pc:spChg>
+        <pc:grpChg chg="add mod">
+          <ac:chgData name="Zhao Jin" userId="cd05a825-544c-438a-9ba1-08e63db50b47" providerId="ADAL" clId="{65DF620D-469E-41D9-8DF1-7AF47666A053}" dt="2024-02-09T07:13:10.732" v="160"/>
+          <ac:grpSpMkLst>
+            <pc:docMk/>
+            <pc:sldMk cId="3959984611" sldId="566"/>
+            <ac:grpSpMk id="5" creationId="{99BB26AC-879F-F7C0-EA86-D7F60BCB44B2}"/>
+          </ac:grpSpMkLst>
+        </pc:grpChg>
+        <pc:grpChg chg="del">
+          <ac:chgData name="Zhao Jin" userId="cd05a825-544c-438a-9ba1-08e63db50b47" providerId="ADAL" clId="{65DF620D-469E-41D9-8DF1-7AF47666A053}" dt="2024-02-09T07:13:09.643" v="159" actId="478"/>
+          <ac:grpSpMkLst>
+            <pc:docMk/>
+            <pc:sldMk cId="3959984611" sldId="566"/>
+            <ac:grpSpMk id="9" creationId="{37416115-CEE5-4CFE-A531-47FECA5A527E}"/>
+          </ac:grpSpMkLst>
+        </pc:grpChg>
+        <pc:cxnChg chg="mod">
+          <ac:chgData name="Zhao Jin" userId="cd05a825-544c-438a-9ba1-08e63db50b47" providerId="ADAL" clId="{65DF620D-469E-41D9-8DF1-7AF47666A053}" dt="2024-02-09T07:13:10.732" v="160"/>
+          <ac:cxnSpMkLst>
+            <pc:docMk/>
+            <pc:sldMk cId="3959984611" sldId="566"/>
+            <ac:cxnSpMk id="7" creationId="{A2BDF99B-7291-F4AF-ED2E-B8D47EFA249A}"/>
+          </ac:cxnSpMkLst>
+        </pc:cxnChg>
+        <pc:cxnChg chg="mod">
+          <ac:chgData name="Zhao Jin" userId="cd05a825-544c-438a-9ba1-08e63db50b47" providerId="ADAL" clId="{65DF620D-469E-41D9-8DF1-7AF47666A053}" dt="2024-02-09T07:13:09.643" v="159" actId="478"/>
+          <ac:cxnSpMkLst>
+            <pc:docMk/>
+            <pc:sldMk cId="3959984611" sldId="566"/>
+            <ac:cxnSpMk id="11" creationId="{5375CFEE-B18D-4AF5-A183-92F82A04AB95}"/>
+          </ac:cxnSpMkLst>
+        </pc:cxnChg>
+        <pc:cxnChg chg="mod">
+          <ac:chgData name="Zhao Jin" userId="cd05a825-544c-438a-9ba1-08e63db50b47" providerId="ADAL" clId="{65DF620D-469E-41D9-8DF1-7AF47666A053}" dt="2024-02-09T07:13:10.732" v="160"/>
+          <ac:cxnSpMkLst>
+            <pc:docMk/>
+            <pc:sldMk cId="3959984611" sldId="566"/>
+            <ac:cxnSpMk id="12" creationId="{B7E9ABA7-9ED2-C944-C3EA-018EF2065EF5}"/>
+          </ac:cxnSpMkLst>
+        </pc:cxnChg>
+        <pc:cxnChg chg="mod">
+          <ac:chgData name="Zhao Jin" userId="cd05a825-544c-438a-9ba1-08e63db50b47" providerId="ADAL" clId="{65DF620D-469E-41D9-8DF1-7AF47666A053}" dt="2024-02-09T07:13:10.732" v="160"/>
+          <ac:cxnSpMkLst>
+            <pc:docMk/>
+            <pc:sldMk cId="3959984611" sldId="566"/>
+            <ac:cxnSpMk id="13" creationId="{9C783BB3-5830-DDE1-1565-AA3CBFC5FF81}"/>
+          </ac:cxnSpMkLst>
+        </pc:cxnChg>
+        <pc:cxnChg chg="mod">
+          <ac:chgData name="Zhao Jin" userId="cd05a825-544c-438a-9ba1-08e63db50b47" providerId="ADAL" clId="{65DF620D-469E-41D9-8DF1-7AF47666A053}" dt="2024-02-09T07:13:10.732" v="160"/>
+          <ac:cxnSpMkLst>
+            <pc:docMk/>
+            <pc:sldMk cId="3959984611" sldId="566"/>
+            <ac:cxnSpMk id="31" creationId="{B367FD6A-E937-8516-7350-8BBDD682C04F}"/>
+          </ac:cxnSpMkLst>
+        </pc:cxnChg>
+        <pc:cxnChg chg="mod">
+          <ac:chgData name="Zhao Jin" userId="cd05a825-544c-438a-9ba1-08e63db50b47" providerId="ADAL" clId="{65DF620D-469E-41D9-8DF1-7AF47666A053}" dt="2024-02-09T07:13:10.732" v="160"/>
+          <ac:cxnSpMkLst>
+            <pc:docMk/>
+            <pc:sldMk cId="3959984611" sldId="566"/>
+            <ac:cxnSpMk id="32" creationId="{E2510953-1D34-AAD7-0F11-5483AB445A8F}"/>
+          </ac:cxnSpMkLst>
+        </pc:cxnChg>
+        <pc:cxnChg chg="mod">
+          <ac:chgData name="Zhao Jin" userId="cd05a825-544c-438a-9ba1-08e63db50b47" providerId="ADAL" clId="{65DF620D-469E-41D9-8DF1-7AF47666A053}" dt="2024-02-09T07:13:10.732" v="160"/>
+          <ac:cxnSpMkLst>
+            <pc:docMk/>
+            <pc:sldMk cId="3959984611" sldId="566"/>
+            <ac:cxnSpMk id="33" creationId="{90239D6E-2DD7-6EB9-5A99-2C631AF98876}"/>
+          </ac:cxnSpMkLst>
+        </pc:cxnChg>
+        <pc:cxnChg chg="mod">
+          <ac:chgData name="Zhao Jin" userId="cd05a825-544c-438a-9ba1-08e63db50b47" providerId="ADAL" clId="{65DF620D-469E-41D9-8DF1-7AF47666A053}" dt="2024-02-09T07:13:10.732" v="160"/>
+          <ac:cxnSpMkLst>
+            <pc:docMk/>
+            <pc:sldMk cId="3959984611" sldId="566"/>
+            <ac:cxnSpMk id="34" creationId="{3056A4B6-67E3-C63C-415E-84F245570405}"/>
+          </ac:cxnSpMkLst>
+        </pc:cxnChg>
+        <pc:cxnChg chg="mod">
+          <ac:chgData name="Zhao Jin" userId="cd05a825-544c-438a-9ba1-08e63db50b47" providerId="ADAL" clId="{65DF620D-469E-41D9-8DF1-7AF47666A053}" dt="2024-02-09T07:13:10.732" v="160"/>
+          <ac:cxnSpMkLst>
+            <pc:docMk/>
+            <pc:sldMk cId="3959984611" sldId="566"/>
+            <ac:cxnSpMk id="35" creationId="{23EB5E70-9F40-E3DD-71B2-2B278B245755}"/>
+          </ac:cxnSpMkLst>
+        </pc:cxnChg>
+        <pc:cxnChg chg="mod">
+          <ac:chgData name="Zhao Jin" userId="cd05a825-544c-438a-9ba1-08e63db50b47" providerId="ADAL" clId="{65DF620D-469E-41D9-8DF1-7AF47666A053}" dt="2024-02-09T07:13:10.732" v="160"/>
+          <ac:cxnSpMkLst>
+            <pc:docMk/>
+            <pc:sldMk cId="3959984611" sldId="566"/>
+            <ac:cxnSpMk id="37" creationId="{DACB8081-018F-E06C-0AC2-35B02F25D07E}"/>
+          </ac:cxnSpMkLst>
+        </pc:cxnChg>
+        <pc:cxnChg chg="mod">
+          <ac:chgData name="Zhao Jin" userId="cd05a825-544c-438a-9ba1-08e63db50b47" providerId="ADAL" clId="{65DF620D-469E-41D9-8DF1-7AF47666A053}" dt="2024-02-09T07:13:10.732" v="160"/>
+          <ac:cxnSpMkLst>
+            <pc:docMk/>
+            <pc:sldMk cId="3959984611" sldId="566"/>
+            <ac:cxnSpMk id="38" creationId="{DF36DA74-8920-4436-1BAE-5BE02092D32C}"/>
+          </ac:cxnSpMkLst>
+        </pc:cxnChg>
       </pc:sldChg>
-      <pc:sldChg chg="modSp">
-        <pc:chgData name="Zhao Jin" userId="cd05a825-544c-438a-9ba1-08e63db50b47" providerId="ADAL" clId="{65DF620D-469E-41D9-8DF1-7AF47666A053}" dt="2024-01-31T05:14:29.665" v="9"/>
+      <pc:sldChg chg="modSp mod">
+        <pc:chgData name="Zhao Jin" userId="cd05a825-544c-438a-9ba1-08e63db50b47" providerId="ADAL" clId="{65DF620D-469E-41D9-8DF1-7AF47666A053}" dt="2024-02-09T07:09:32.329" v="111" actId="1076"/>
         <pc:sldMkLst>
           <pc:docMk/>
           <pc:sldMk cId="2879329457" sldId="568"/>
@@ -632,9 +880,25 @@
             <ac:spMk id="9" creationId="{00000000-0000-0000-0000-000000000000}"/>
           </ac:spMkLst>
         </pc:spChg>
+        <pc:graphicFrameChg chg="mod">
+          <ac:chgData name="Zhao Jin" userId="cd05a825-544c-438a-9ba1-08e63db50b47" providerId="ADAL" clId="{65DF620D-469E-41D9-8DF1-7AF47666A053}" dt="2024-02-09T07:06:55.318" v="31"/>
+          <ac:graphicFrameMkLst>
+            <pc:docMk/>
+            <pc:sldMk cId="2879329457" sldId="568"/>
+            <ac:graphicFrameMk id="5" creationId="{9E742EBA-8F43-4310-AD68-B4660B9ECF59}"/>
+          </ac:graphicFrameMkLst>
+        </pc:graphicFrameChg>
+        <pc:graphicFrameChg chg="mod modGraphic">
+          <ac:chgData name="Zhao Jin" userId="cd05a825-544c-438a-9ba1-08e63db50b47" providerId="ADAL" clId="{65DF620D-469E-41D9-8DF1-7AF47666A053}" dt="2024-02-09T07:09:32.329" v="111" actId="1076"/>
+          <ac:graphicFrameMkLst>
+            <pc:docMk/>
+            <pc:sldMk cId="2879329457" sldId="568"/>
+            <ac:graphicFrameMk id="8" creationId="{C8DA87BB-C4AB-4A3F-B99E-7CAF8E3AC125}"/>
+          </ac:graphicFrameMkLst>
+        </pc:graphicFrameChg>
       </pc:sldChg>
-      <pc:sldChg chg="modSp">
-        <pc:chgData name="Zhao Jin" userId="cd05a825-544c-438a-9ba1-08e63db50b47" providerId="ADAL" clId="{65DF620D-469E-41D9-8DF1-7AF47666A053}" dt="2024-01-31T05:14:29.665" v="9"/>
+      <pc:sldChg chg="addSp delSp modSp mod ord">
+        <pc:chgData name="Zhao Jin" userId="cd05a825-544c-438a-9ba1-08e63db50b47" providerId="ADAL" clId="{65DF620D-469E-41D9-8DF1-7AF47666A053}" dt="2024-02-09T07:06:05.558" v="28"/>
         <pc:sldMkLst>
           <pc:docMk/>
           <pc:sldMk cId="4240540711" sldId="569"/>
@@ -647,6 +911,53 @@
             <ac:spMk id="7" creationId="{00000000-0000-0000-0000-000000000000}"/>
           </ac:spMkLst>
         </pc:spChg>
+        <pc:spChg chg="mod">
+          <ac:chgData name="Zhao Jin" userId="cd05a825-544c-438a-9ba1-08e63db50b47" providerId="ADAL" clId="{65DF620D-469E-41D9-8DF1-7AF47666A053}" dt="2024-02-09T07:05:36.133" v="21"/>
+          <ac:spMkLst>
+            <pc:docMk/>
+            <pc:sldMk cId="4240540711" sldId="569"/>
+            <ac:spMk id="9" creationId="{279DD0F7-7371-46CC-B55A-367690ADD30F}"/>
+          </ac:spMkLst>
+        </pc:spChg>
+        <pc:picChg chg="add del mod">
+          <ac:chgData name="Zhao Jin" userId="cd05a825-544c-438a-9ba1-08e63db50b47" providerId="ADAL" clId="{65DF620D-469E-41D9-8DF1-7AF47666A053}" dt="2024-02-09T07:06:02.660" v="25" actId="478"/>
+          <ac:picMkLst>
+            <pc:docMk/>
+            <pc:sldMk cId="4240540711" sldId="569"/>
+            <ac:picMk id="4" creationId="{21D944CA-4B67-14EE-7534-352430682D59}"/>
+          </ac:picMkLst>
+        </pc:picChg>
+        <pc:picChg chg="add mod">
+          <ac:chgData name="Zhao Jin" userId="cd05a825-544c-438a-9ba1-08e63db50b47" providerId="ADAL" clId="{65DF620D-469E-41D9-8DF1-7AF47666A053}" dt="2024-02-09T07:06:03.736" v="26"/>
+          <ac:picMkLst>
+            <pc:docMk/>
+            <pc:sldMk cId="4240540711" sldId="569"/>
+            <ac:picMk id="5" creationId="{4B11997C-7AE4-B7F4-0AC7-D60041896F8F}"/>
+          </ac:picMkLst>
+        </pc:picChg>
+        <pc:picChg chg="del">
+          <ac:chgData name="Zhao Jin" userId="cd05a825-544c-438a-9ba1-08e63db50b47" providerId="ADAL" clId="{65DF620D-469E-41D9-8DF1-7AF47666A053}" dt="2024-02-09T07:04:20.531" v="14" actId="478"/>
+          <ac:picMkLst>
+            <pc:docMk/>
+            <pc:sldMk cId="4240540711" sldId="569"/>
+            <ac:picMk id="6" creationId="{3C6114E5-8048-4B49-9203-9B6E6AC2505F}"/>
+          </ac:picMkLst>
+        </pc:picChg>
+      </pc:sldChg>
+      <pc:sldChg chg="modSp add del mod">
+        <pc:chgData name="Zhao Jin" userId="cd05a825-544c-438a-9ba1-08e63db50b47" providerId="ADAL" clId="{65DF620D-469E-41D9-8DF1-7AF47666A053}" dt="2024-02-09T07:11:17.273" v="151" actId="47"/>
+        <pc:sldMkLst>
+          <pc:docMk/>
+          <pc:sldMk cId="4069648964" sldId="570"/>
+        </pc:sldMkLst>
+        <pc:graphicFrameChg chg="modGraphic">
+          <ac:chgData name="Zhao Jin" userId="cd05a825-544c-438a-9ba1-08e63db50b47" providerId="ADAL" clId="{65DF620D-469E-41D9-8DF1-7AF47666A053}" dt="2024-02-09T07:10:59.354" v="148" actId="20577"/>
+          <ac:graphicFrameMkLst>
+            <pc:docMk/>
+            <pc:sldMk cId="4069648964" sldId="570"/>
+            <ac:graphicFrameMk id="8" creationId="{BC6D2803-A9DD-84E1-00FF-D95BBA615C70}"/>
+          </ac:graphicFrameMkLst>
+        </pc:graphicFrameChg>
       </pc:sldChg>
     </pc:docChg>
   </pc:docChgLst>
@@ -2739,7 +3050,7 @@
               <a:pPr>
                 <a:defRPr/>
               </a:pPr>
-              <a:t>2/1/2024</a:t>
+              <a:t>2/9/2024</a:t>
             </a:fld>
             <a:endParaRPr lang="en-US"/>
           </a:p>
@@ -3757,7 +4068,7 @@
     </p:spTree>
     <p:extLst>
       <p:ext uri="{BB962C8B-B14F-4D97-AF65-F5344CB8AC3E}">
-        <p14:creationId xmlns:p14="http://schemas.microsoft.com/office/powerpoint/2010/main" val="720020646"/>
+        <p14:creationId xmlns:p14="http://schemas.microsoft.com/office/powerpoint/2010/main" val="3288152934"/>
       </p:ext>
     </p:extLst>
   </p:cSld>
@@ -3874,7 +4185,7 @@
     </p:spTree>
     <p:extLst>
       <p:ext uri="{BB962C8B-B14F-4D97-AF65-F5344CB8AC3E}">
-        <p14:creationId xmlns:p14="http://schemas.microsoft.com/office/powerpoint/2010/main" val="3288152934"/>
+        <p14:creationId xmlns:p14="http://schemas.microsoft.com/office/powerpoint/2010/main" val="720020646"/>
       </p:ext>
     </p:extLst>
   </p:cSld>
@@ -3993,7 +4304,7 @@
     </p:spTree>
     <p:extLst>
       <p:ext uri="{BB962C8B-B14F-4D97-AF65-F5344CB8AC3E}">
-        <p14:creationId xmlns:p14="http://schemas.microsoft.com/office/powerpoint/2010/main" val="2833486859"/>
+        <p14:creationId xmlns:p14="http://schemas.microsoft.com/office/powerpoint/2010/main" val="1097231052"/>
       </p:ext>
     </p:extLst>
   </p:cSld>
@@ -4112,7 +4423,7 @@
     </p:spTree>
     <p:extLst>
       <p:ext uri="{BB962C8B-B14F-4D97-AF65-F5344CB8AC3E}">
-        <p14:creationId xmlns:p14="http://schemas.microsoft.com/office/powerpoint/2010/main" val="1097231052"/>
+        <p14:creationId xmlns:p14="http://schemas.microsoft.com/office/powerpoint/2010/main" val="2833486859"/>
       </p:ext>
     </p:extLst>
   </p:cSld>
@@ -10591,50 +10902,64 @@
               <a:t>Example: </a:t>
             </a:r>
             <a:r>
-              <a:rPr lang="en-US" dirty="0" err="1">
-                <a:sym typeface="Wingdings" panose="05000000000000000000" pitchFamily="2" charset="2"/>
-              </a:rPr>
-              <a:t>has_been_overseas_recently</a:t>
-            </a:r>
-            <a:r>
               <a:rPr lang="en-US" dirty="0">
-                <a:sym typeface="Wingdings" panose="05000000000000000000" pitchFamily="2" charset="2"/>
-              </a:rPr>
-              <a:t>(person) </a:t>
+                <a:highlight>
+                  <a:srgbClr val="FFFF00"/>
+                </a:highlight>
+              </a:rPr>
+              <a:t>(number &lt; 100000)</a:t>
+            </a:r>
+            <a:r>
+              <a:rPr lang="en-US" dirty="0"/>
+              <a:t> &amp;&amp; </a:t>
+            </a:r>
+            <a:r>
+              <a:rPr lang="en-US" dirty="0" err="1"/>
+              <a:t>is_prime</a:t>
+            </a:r>
+            <a:r>
+              <a:rPr lang="en-US" dirty="0"/>
+              <a:t>(number) VS</a:t>
+            </a:r>
+          </a:p>
+          <a:p>
+            <a:pPr marL="274320" lvl="1" indent="0" fontAlgn="auto">
+              <a:spcBef>
+                <a:spcPts val="600"/>
+              </a:spcBef>
+              <a:spcAft>
+                <a:spcPts val="0"/>
+              </a:spcAft>
+              <a:buClr>
+                <a:schemeClr val="tx1">
+                  <a:lumMod val="90000"/>
+                  <a:lumOff val="10000"/>
+                </a:schemeClr>
+              </a:buClr>
+              <a:buSzPct val="100000"/>
+              <a:buNone/>
+            </a:pPr>
+            <a:r>
+              <a:rPr lang="en-US" dirty="0"/>
+              <a:t>                     </a:t>
+            </a:r>
+            <a:r>
+              <a:rPr lang="en-US" dirty="0" err="1"/>
+              <a:t>is_prime</a:t>
+            </a:r>
+            <a:r>
+              <a:rPr lang="en-US" dirty="0"/>
+              <a:t>(number) &amp;&amp; </a:t>
             </a:r>
             <a:r>
               <a:rPr lang="en-US" dirty="0">
-                <a:solidFill>
-                  <a:srgbClr val="C00000"/>
-                </a:solidFill>
-                <a:sym typeface="Wingdings" panose="05000000000000000000" pitchFamily="2" charset="2"/>
-              </a:rPr>
-              <a:t>|| </a:t>
-            </a:r>
-            <a:br>
-              <a:rPr lang="en-US" dirty="0">
-                <a:sym typeface="Wingdings" panose="05000000000000000000" pitchFamily="2" charset="2"/>
-              </a:rPr>
-            </a:br>
-            <a:r>
-              <a:rPr lang="en-US" dirty="0">
-                <a:sym typeface="Wingdings" panose="05000000000000000000" pitchFamily="2" charset="2"/>
-              </a:rPr>
-              <a:t>                </a:t>
-            </a:r>
-            <a:r>
-              <a:rPr lang="en-US" dirty="0" err="1">
-                <a:sym typeface="Wingdings" panose="05000000000000000000" pitchFamily="2" charset="2"/>
-              </a:rPr>
-              <a:t>is_tested_positive</a:t>
-            </a:r>
-            <a:r>
-              <a:rPr lang="en-US" dirty="0">
-                <a:sym typeface="Wingdings" panose="05000000000000000000" pitchFamily="2" charset="2"/>
-              </a:rPr>
-              <a:t>(person)</a:t>
-            </a:r>
-            <a:endParaRPr lang="en-US" sz="1900" dirty="0">
+                <a:highlight>
+                  <a:srgbClr val="FFFF00"/>
+                </a:highlight>
+              </a:rPr>
+              <a:t>(number &lt; 100000)</a:t>
+            </a:r>
+            <a:endParaRPr lang="en-US" dirty="0">
               <a:sym typeface="Wingdings" panose="05000000000000000000" pitchFamily="2" charset="2"/>
             </a:endParaRPr>
           </a:p>
@@ -11118,12 +11443,8 @@
               <a:defRPr/>
             </a:pPr>
             <a:r>
-              <a:rPr lang="en-US"/>
-              <a:t>Important: Write </a:t>
-            </a:r>
-            <a:r>
               <a:rPr lang="en-US" dirty="0"/>
-              <a:t>an assertion based on </a:t>
+              <a:t>Important: Write an assertion based on </a:t>
             </a:r>
             <a:r>
               <a:rPr lang="en-US" dirty="0">
@@ -11331,16 +11652,235 @@
               <a:buChar char="§"/>
               <a:defRPr/>
             </a:pPr>
+            <a:r>
+              <a:rPr lang="fr-FR" dirty="0"/>
+              <a:t>((max == x) &amp;&amp; (max &gt; y)) || ((max &gt;= x) &amp;&amp; (max == y))</a:t>
+            </a:r>
+            <a:endParaRPr lang="en-US" dirty="0"/>
+          </a:p>
+          <a:p>
+            <a:pPr marL="347663" indent="-347663">
+              <a:spcBef>
+                <a:spcPts val="600"/>
+              </a:spcBef>
+              <a:buClr>
+                <a:schemeClr val="tx1">
+                  <a:lumMod val="90000"/>
+                  <a:lumOff val="10000"/>
+                </a:schemeClr>
+              </a:buClr>
+              <a:buSzPct val="100000"/>
+              <a:buFont typeface="Wingdings" panose="05000000000000000000" pitchFamily="2" charset="2"/>
+              <a:buChar char="§"/>
+              <a:defRPr/>
+            </a:pPr>
+            <a:endParaRPr lang="en-US" dirty="0"/>
+          </a:p>
+          <a:p>
+            <a:pPr marL="347663" indent="-347663">
+              <a:spcBef>
+                <a:spcPts val="600"/>
+              </a:spcBef>
+              <a:buClr>
+                <a:schemeClr val="tx1">
+                  <a:lumMod val="90000"/>
+                  <a:lumOff val="10000"/>
+                </a:schemeClr>
+              </a:buClr>
+              <a:buSzPct val="100000"/>
+              <a:buFont typeface="Wingdings" panose="05000000000000000000" pitchFamily="2" charset="2"/>
+              <a:buChar char="§"/>
+              <a:defRPr/>
+            </a:pPr>
+            <a:endParaRPr lang="en-US" dirty="0"/>
+          </a:p>
+          <a:p>
+            <a:pPr marL="347663" indent="-347663">
+              <a:spcBef>
+                <a:spcPts val="600"/>
+              </a:spcBef>
+              <a:buClr>
+                <a:schemeClr val="tx1">
+                  <a:lumMod val="90000"/>
+                  <a:lumOff val="10000"/>
+                </a:schemeClr>
+              </a:buClr>
+              <a:buSzPct val="100000"/>
+              <a:buFont typeface="Wingdings" panose="05000000000000000000" pitchFamily="2" charset="2"/>
+              <a:buChar char="§"/>
+              <a:defRPr/>
+            </a:pPr>
+            <a:endParaRPr lang="en-US" dirty="0"/>
+          </a:p>
+          <a:p>
+            <a:pPr marL="347663" indent="-347663">
+              <a:spcBef>
+                <a:spcPts val="600"/>
+              </a:spcBef>
+              <a:buClr>
+                <a:schemeClr val="tx1">
+                  <a:lumMod val="90000"/>
+                  <a:lumOff val="10000"/>
+                </a:schemeClr>
+              </a:buClr>
+              <a:buSzPct val="100000"/>
+              <a:buFont typeface="Wingdings" panose="05000000000000000000" pitchFamily="2" charset="2"/>
+              <a:buChar char="§"/>
+              <a:defRPr/>
+            </a:pPr>
+            <a:endParaRPr lang="en-US" dirty="0"/>
+          </a:p>
+          <a:p>
+            <a:pPr marL="347663" indent="-347663">
+              <a:spcBef>
+                <a:spcPts val="600"/>
+              </a:spcBef>
+              <a:buClr>
+                <a:schemeClr val="tx1">
+                  <a:lumMod val="90000"/>
+                  <a:lumOff val="10000"/>
+                </a:schemeClr>
+              </a:buClr>
+              <a:buSzPct val="100000"/>
+              <a:buFont typeface="Wingdings" panose="05000000000000000000" pitchFamily="2" charset="2"/>
+              <a:buChar char="§"/>
+              <a:defRPr/>
+            </a:pPr>
+            <a:endParaRPr lang="en-US" dirty="0"/>
+          </a:p>
+          <a:p>
+            <a:pPr marL="347663" indent="-347663">
+              <a:spcBef>
+                <a:spcPts val="600"/>
+              </a:spcBef>
+              <a:buClr>
+                <a:schemeClr val="tx1">
+                  <a:lumMod val="90000"/>
+                  <a:lumOff val="10000"/>
+                </a:schemeClr>
+              </a:buClr>
+              <a:buSzPct val="100000"/>
+              <a:buFont typeface="Wingdings" panose="05000000000000000000" pitchFamily="2" charset="2"/>
+              <a:buChar char="§"/>
+              <a:defRPr/>
+            </a:pPr>
+            <a:endParaRPr lang="en-US" dirty="0"/>
+          </a:p>
+          <a:p>
+            <a:pPr marL="347663" indent="-347663">
+              <a:spcBef>
+                <a:spcPts val="600"/>
+              </a:spcBef>
+              <a:buClr>
+                <a:schemeClr val="tx1">
+                  <a:lumMod val="90000"/>
+                  <a:lumOff val="10000"/>
+                </a:schemeClr>
+              </a:buClr>
+              <a:buSzPct val="100000"/>
+              <a:buFont typeface="Wingdings" panose="05000000000000000000" pitchFamily="2" charset="2"/>
+              <a:buChar char="§"/>
+              <a:defRPr/>
+            </a:pPr>
+            <a:endParaRPr lang="en-US" dirty="0"/>
+          </a:p>
+          <a:p>
+            <a:pPr marL="347663" indent="-347663">
+              <a:spcBef>
+                <a:spcPts val="600"/>
+              </a:spcBef>
+              <a:buClr>
+                <a:schemeClr val="tx1">
+                  <a:lumMod val="90000"/>
+                  <a:lumOff val="10000"/>
+                </a:schemeClr>
+              </a:buClr>
+              <a:buSzPct val="100000"/>
+              <a:buFont typeface="Wingdings" panose="05000000000000000000" pitchFamily="2" charset="2"/>
+              <a:buChar char="§"/>
+              <a:defRPr/>
+            </a:pPr>
             <a:endParaRPr lang="en-US" dirty="0"/>
           </a:p>
         </p:txBody>
       </p:sp>
       <p:sp>
         <p:nvSpPr>
-          <p:cNvPr id="16" name="TextBox 15">
+          <p:cNvPr id="2" name="Footer Placeholder 1">
             <a:extLst>
               <a:ext uri="{FF2B5EF4-FFF2-40B4-BE49-F238E27FC236}">
-                <a16:creationId xmlns:a16="http://schemas.microsoft.com/office/drawing/2014/main" id="{D2096CE0-F283-4186-90FF-7C54FF151885}"/>
+                <a16:creationId xmlns:a16="http://schemas.microsoft.com/office/drawing/2014/main" id="{E47CC947-1D9F-6105-8EF4-18E2E62963AB}"/>
+              </a:ext>
+            </a:extLst>
+          </p:cNvPr>
+          <p:cNvSpPr>
+            <a:spLocks noGrp="1"/>
+          </p:cNvSpPr>
+          <p:nvPr>
+            <p:ph type="ftr" sz="quarter" idx="11"/>
+          </p:nvPr>
+        </p:nvSpPr>
+        <p:spPr/>
+        <p:txBody>
+          <a:bodyPr/>
+          <a:lstStyle/>
+          <a:p>
+            <a:pPr algn="l">
+              <a:defRPr/>
+            </a:pPr>
+            <a:r>
+              <a:rPr lang="en-US"/>
+              <a:t>CS1010 (AY2023/24 Semester 2)</a:t>
+            </a:r>
+            <a:endParaRPr lang="en-US" dirty="0"/>
+          </a:p>
+        </p:txBody>
+      </p:sp>
+      <p:sp>
+        <p:nvSpPr>
+          <p:cNvPr id="3" name="Slide Number Placeholder 2">
+            <a:extLst>
+              <a:ext uri="{FF2B5EF4-FFF2-40B4-BE49-F238E27FC236}">
+                <a16:creationId xmlns:a16="http://schemas.microsoft.com/office/drawing/2014/main" id="{8E89D432-F5D5-78E4-396B-7A7767B873E4}"/>
+              </a:ext>
+            </a:extLst>
+          </p:cNvPr>
+          <p:cNvSpPr>
+            <a:spLocks noGrp="1"/>
+          </p:cNvSpPr>
+          <p:nvPr>
+            <p:ph type="sldNum" sz="quarter" idx="12"/>
+          </p:nvPr>
+        </p:nvSpPr>
+        <p:spPr/>
+        <p:txBody>
+          <a:bodyPr/>
+          <a:lstStyle/>
+          <a:p>
+            <a:pPr>
+              <a:defRPr/>
+            </a:pPr>
+            <a:r>
+              <a:rPr lang="en-US" sz="1100" dirty="0"/>
+              <a:t>Week4R - </a:t>
+            </a:r>
+            <a:fld id="{2E4790E1-2590-4AEE-892D-AB46A7688113}" type="slidenum">
+              <a:rPr lang="en-US" sz="1100" smtClean="0"/>
+              <a:pPr>
+                <a:defRPr/>
+              </a:pPr>
+              <a:t>12</a:t>
+            </a:fld>
+            <a:endParaRPr lang="en-US" sz="1100" dirty="0"/>
+          </a:p>
+        </p:txBody>
+      </p:sp>
+      <p:sp>
+        <p:nvSpPr>
+          <p:cNvPr id="4" name="TextBox 3">
+            <a:extLst>
+              <a:ext uri="{FF2B5EF4-FFF2-40B4-BE49-F238E27FC236}">
+                <a16:creationId xmlns:a16="http://schemas.microsoft.com/office/drawing/2014/main" id="{F7FE67D0-93BE-36F3-48DF-7285E561729F}"/>
               </a:ext>
             </a:extLst>
           </p:cNvPr>
@@ -11349,8 +11889,8 @@
         </p:nvSpPr>
         <p:spPr>
           <a:xfrm>
-            <a:off x="1039914" y="2976254"/>
-            <a:ext cx="3756490" cy="2862322"/>
+            <a:off x="1039913" y="2976254"/>
+            <a:ext cx="4892671" cy="2862322"/>
           </a:xfrm>
           <a:prstGeom prst="rect">
             <a:avLst/>
@@ -11394,34 +11934,37 @@
               </a:tabLst>
             </a:pPr>
             <a:r>
-              <a:rPr lang="es-ES" sz="2000" i="0" dirty="0" err="1">
+              <a:rPr lang="es-ES" sz="2000" b="1" i="0" dirty="0" err="1">
                 <a:solidFill>
                   <a:srgbClr val="0000FF"/>
                 </a:solidFill>
                 <a:effectLst/>
-                <a:latin typeface="Roboto Mono"/>
+                <a:latin typeface="Courier New" panose="02070309020205020404" pitchFamily="49" charset="0"/>
+                <a:cs typeface="Courier New" panose="02070309020205020404" pitchFamily="49" charset="0"/>
               </a:rPr>
               <a:t>if</a:t>
             </a:r>
             <a:r>
-              <a:rPr lang="es-ES" sz="2000" i="0" dirty="0">
+              <a:rPr lang="es-ES" sz="2000" b="1" i="0" dirty="0">
                 <a:solidFill>
                   <a:srgbClr val="0000FF"/>
                 </a:solidFill>
                 <a:effectLst/>
-                <a:latin typeface="Roboto Mono"/>
+                <a:latin typeface="Courier New" panose="02070309020205020404" pitchFamily="49" charset="0"/>
+                <a:cs typeface="Courier New" panose="02070309020205020404" pitchFamily="49" charset="0"/>
               </a:rPr>
               <a:t> </a:t>
             </a:r>
             <a:r>
-              <a:rPr lang="es-ES" sz="2000" i="0" dirty="0">
+              <a:rPr lang="es-ES" sz="2000" b="1" i="0" dirty="0">
                 <a:solidFill>
                   <a:schemeClr val="tx1"/>
                 </a:solidFill>
                 <a:effectLst/>
-                <a:latin typeface="Roboto Mono"/>
-              </a:rPr>
-              <a:t>(…) { </a:t>
+                <a:latin typeface="Courier New" panose="02070309020205020404" pitchFamily="49" charset="0"/>
+                <a:cs typeface="Courier New" panose="02070309020205020404" pitchFamily="49" charset="0"/>
+              </a:rPr>
+              <a:t>(x &gt; y) { </a:t>
             </a:r>
           </a:p>
           <a:p>
@@ -11435,16 +11978,17 @@
               </a:tabLst>
             </a:pPr>
             <a:r>
-              <a:rPr lang="es-ES" sz="2000" dirty="0">
+              <a:rPr lang="es-ES" sz="2000" b="1" dirty="0">
                 <a:solidFill>
                   <a:schemeClr val="tx1"/>
                 </a:solidFill>
-                <a:latin typeface="Roboto Mono"/>
+                <a:latin typeface="Courier New" panose="02070309020205020404" pitchFamily="49" charset="0"/>
+                <a:cs typeface="Courier New" panose="02070309020205020404" pitchFamily="49" charset="0"/>
               </a:rPr>
               <a:t>    </a:t>
             </a:r>
             <a:r>
-              <a:rPr lang="es-ES" sz="2000" i="0" dirty="0">
+              <a:rPr lang="es-ES" sz="2000" b="1" i="0" dirty="0">
                 <a:solidFill>
                   <a:schemeClr val="tx1"/>
                 </a:solidFill>
@@ -11452,7 +11996,8 @@
                 <a:highlight>
                   <a:srgbClr val="FFFF00"/>
                 </a:highlight>
-                <a:latin typeface="Roboto Mono"/>
+                <a:latin typeface="Courier New" panose="02070309020205020404" pitchFamily="49" charset="0"/>
+                <a:cs typeface="Courier New" panose="02070309020205020404" pitchFamily="49" charset="0"/>
               </a:rPr>
               <a:t>// { x &gt; y } </a:t>
             </a:r>
@@ -11468,23 +12013,36 @@
               </a:tabLst>
             </a:pPr>
             <a:r>
-              <a:rPr lang="es-ES" sz="2000" dirty="0">
+              <a:rPr lang="es-ES" sz="2000" b="1" dirty="0">
                 <a:solidFill>
                   <a:schemeClr val="tx1"/>
                 </a:solidFill>
-                <a:latin typeface="Roboto Mono"/>
+                <a:latin typeface="Courier New" panose="02070309020205020404" pitchFamily="49" charset="0"/>
+                <a:cs typeface="Courier New" panose="02070309020205020404" pitchFamily="49" charset="0"/>
               </a:rPr>
               <a:t>    </a:t>
             </a:r>
             <a:r>
-              <a:rPr lang="es-ES" sz="2000" i="0" dirty="0">
+              <a:rPr lang="es-ES" sz="2000" b="1" i="0" dirty="0" err="1">
                 <a:solidFill>
                   <a:schemeClr val="tx1"/>
                 </a:solidFill>
                 <a:effectLst/>
-                <a:latin typeface="Roboto Mono"/>
-              </a:rPr>
-              <a:t>… </a:t>
+                <a:latin typeface="Courier New" panose="02070309020205020404" pitchFamily="49" charset="0"/>
+                <a:cs typeface="Courier New" panose="02070309020205020404" pitchFamily="49" charset="0"/>
+              </a:rPr>
+              <a:t>max</a:t>
+            </a:r>
+            <a:r>
+              <a:rPr lang="es-ES" sz="2000" b="1" i="0" dirty="0">
+                <a:solidFill>
+                  <a:schemeClr val="tx1"/>
+                </a:solidFill>
+                <a:effectLst/>
+                <a:latin typeface="Courier New" panose="02070309020205020404" pitchFamily="49" charset="0"/>
+                <a:cs typeface="Courier New" panose="02070309020205020404" pitchFamily="49" charset="0"/>
+              </a:rPr>
+              <a:t> = x;</a:t>
             </a:r>
           </a:p>
           <a:p>
@@ -11498,76 +12056,82 @@
               </a:tabLst>
             </a:pPr>
             <a:r>
-              <a:rPr lang="es-ES" sz="2000" dirty="0">
+              <a:rPr lang="es-ES" sz="2000" b="1" dirty="0">
                 <a:solidFill>
                   <a:schemeClr val="tx1"/>
                 </a:solidFill>
-                <a:latin typeface="Roboto Mono"/>
+                <a:latin typeface="Courier New" panose="02070309020205020404" pitchFamily="49" charset="0"/>
+                <a:cs typeface="Courier New" panose="02070309020205020404" pitchFamily="49" charset="0"/>
               </a:rPr>
               <a:t>    </a:t>
             </a:r>
             <a:r>
-              <a:rPr lang="es-ES" sz="2000" dirty="0">
+              <a:rPr lang="es-ES" sz="2000" b="1" dirty="0">
                 <a:solidFill>
                   <a:schemeClr val="tx1"/>
                 </a:solidFill>
                 <a:highlight>
                   <a:srgbClr val="FFFF00"/>
                 </a:highlight>
-                <a:latin typeface="Roboto Mono"/>
+                <a:latin typeface="Courier New" panose="02070309020205020404" pitchFamily="49" charset="0"/>
+                <a:cs typeface="Courier New" panose="02070309020205020404" pitchFamily="49" charset="0"/>
               </a:rPr>
               <a:t>//  {</a:t>
             </a:r>
             <a:r>
-              <a:rPr lang="es-ES" sz="2000" dirty="0" err="1">
+              <a:rPr lang="es-ES" sz="2000" b="1" dirty="0" err="1">
                 <a:solidFill>
                   <a:schemeClr val="tx1"/>
                 </a:solidFill>
                 <a:highlight>
                   <a:srgbClr val="FFFF00"/>
                 </a:highlight>
-                <a:latin typeface="Roboto Mono"/>
+                <a:latin typeface="Courier New" panose="02070309020205020404" pitchFamily="49" charset="0"/>
+                <a:cs typeface="Courier New" panose="02070309020205020404" pitchFamily="49" charset="0"/>
               </a:rPr>
               <a:t>max</a:t>
             </a:r>
             <a:r>
-              <a:rPr lang="es-ES" sz="2000" dirty="0">
+              <a:rPr lang="es-ES" sz="2000" b="1" dirty="0">
                 <a:solidFill>
                   <a:schemeClr val="tx1"/>
                 </a:solidFill>
                 <a:highlight>
                   <a:srgbClr val="FFFF00"/>
                 </a:highlight>
-                <a:latin typeface="Roboto Mono"/>
+                <a:latin typeface="Courier New" panose="02070309020205020404" pitchFamily="49" charset="0"/>
+                <a:cs typeface="Courier New" panose="02070309020205020404" pitchFamily="49" charset="0"/>
               </a:rPr>
               <a:t> == x &amp;&amp; </a:t>
             </a:r>
             <a:r>
-              <a:rPr lang="es-ES" sz="2000" dirty="0" err="1">
+              <a:rPr lang="es-ES" sz="2000" b="1" dirty="0" err="1">
                 <a:solidFill>
                   <a:schemeClr val="tx1"/>
                 </a:solidFill>
                 <a:highlight>
                   <a:srgbClr val="FFFF00"/>
                 </a:highlight>
-                <a:latin typeface="Roboto Mono"/>
+                <a:latin typeface="Courier New" panose="02070309020205020404" pitchFamily="49" charset="0"/>
+                <a:cs typeface="Courier New" panose="02070309020205020404" pitchFamily="49" charset="0"/>
               </a:rPr>
               <a:t>max</a:t>
             </a:r>
             <a:r>
-              <a:rPr lang="es-ES" sz="2000" dirty="0">
+              <a:rPr lang="es-ES" sz="2000" b="1" dirty="0">
                 <a:solidFill>
                   <a:schemeClr val="tx1"/>
                 </a:solidFill>
                 <a:highlight>
                   <a:srgbClr val="FFFF00"/>
                 </a:highlight>
-                <a:latin typeface="Roboto Mono"/>
+                <a:latin typeface="Courier New" panose="02070309020205020404" pitchFamily="49" charset="0"/>
+                <a:cs typeface="Courier New" panose="02070309020205020404" pitchFamily="49" charset="0"/>
               </a:rPr>
               <a:t> &gt; y</a:t>
             </a:r>
             <a:r>
-              <a:rPr lang="es-ES" sz="2000" i="0" dirty="0">
+              <a:rPr lang="es-ES" sz="2000" b="1" i="0" dirty="0">
                 <a:solidFill>
                   <a:schemeClr val="tx1"/>
                 </a:solidFill>
@@ -11575,7 +12139,8 @@
                 <a:highlight>
                   <a:srgbClr val="FFFF00"/>
                 </a:highlight>
-                <a:latin typeface="Roboto Mono"/>
+                <a:latin typeface="Courier New" panose="02070309020205020404" pitchFamily="49" charset="0"/>
+                <a:cs typeface="Courier New" panose="02070309020205020404" pitchFamily="49" charset="0"/>
               </a:rPr>
               <a:t>} </a:t>
             </a:r>
@@ -11591,32 +12156,35 @@
               </a:tabLst>
             </a:pPr>
             <a:r>
-              <a:rPr lang="es-ES" sz="2000" i="0" dirty="0" err="1">
+              <a:rPr lang="es-ES" sz="2000" b="1" i="0" dirty="0" err="1">
                 <a:solidFill>
                   <a:srgbClr val="0000FF"/>
                 </a:solidFill>
                 <a:effectLst/>
-                <a:latin typeface="Roboto Mono"/>
+                <a:latin typeface="Courier New" panose="02070309020205020404" pitchFamily="49" charset="0"/>
+                <a:cs typeface="Courier New" panose="02070309020205020404" pitchFamily="49" charset="0"/>
               </a:rPr>
               <a:t>else</a:t>
             </a:r>
             <a:r>
-              <a:rPr lang="es-ES" sz="2000" i="0" dirty="0">
+              <a:rPr lang="es-ES" sz="2000" b="1" i="0" dirty="0">
                 <a:solidFill>
                   <a:srgbClr val="0000FF"/>
                 </a:solidFill>
                 <a:effectLst/>
-                <a:latin typeface="Roboto Mono"/>
+                <a:latin typeface="Courier New" panose="02070309020205020404" pitchFamily="49" charset="0"/>
+                <a:cs typeface="Courier New" panose="02070309020205020404" pitchFamily="49" charset="0"/>
               </a:rPr>
               <a:t> </a:t>
             </a:r>
             <a:r>
-              <a:rPr lang="es-ES" sz="2000" i="0" dirty="0">
+              <a:rPr lang="es-ES" sz="2000" b="1" i="0" dirty="0">
                 <a:solidFill>
                   <a:schemeClr val="tx1"/>
                 </a:solidFill>
                 <a:effectLst/>
-                <a:latin typeface="Roboto Mono"/>
+                <a:latin typeface="Courier New" panose="02070309020205020404" pitchFamily="49" charset="0"/>
+                <a:cs typeface="Courier New" panose="02070309020205020404" pitchFamily="49" charset="0"/>
               </a:rPr>
               <a:t>{ </a:t>
             </a:r>
@@ -11632,16 +12200,17 @@
               </a:tabLst>
             </a:pPr>
             <a:r>
-              <a:rPr lang="es-ES" sz="2000" dirty="0">
+              <a:rPr lang="es-ES" sz="2000" b="1" dirty="0">
                 <a:solidFill>
                   <a:schemeClr val="tx1"/>
                 </a:solidFill>
-                <a:latin typeface="Roboto Mono"/>
+                <a:latin typeface="Courier New" panose="02070309020205020404" pitchFamily="49" charset="0"/>
+                <a:cs typeface="Courier New" panose="02070309020205020404" pitchFamily="49" charset="0"/>
               </a:rPr>
               <a:t>    </a:t>
             </a:r>
             <a:r>
-              <a:rPr lang="es-ES" sz="2000" i="0" dirty="0">
+              <a:rPr lang="es-ES" sz="2000" b="1" i="0" dirty="0">
                 <a:solidFill>
                   <a:schemeClr val="tx1"/>
                 </a:solidFill>
@@ -11649,7 +12218,8 @@
                 <a:highlight>
                   <a:srgbClr val="FFFF00"/>
                 </a:highlight>
-                <a:latin typeface="Roboto Mono"/>
+                <a:latin typeface="Courier New" panose="02070309020205020404" pitchFamily="49" charset="0"/>
+                <a:cs typeface="Courier New" panose="02070309020205020404" pitchFamily="49" charset="0"/>
               </a:rPr>
               <a:t>// { x &lt;= y } </a:t>
             </a:r>
@@ -11665,13 +12235,34 @@
               </a:tabLst>
             </a:pPr>
             <a:r>
-              <a:rPr lang="es-ES" sz="2000" dirty="0">
+              <a:rPr lang="es-ES" sz="2000" b="1" dirty="0">
                 <a:solidFill>
                   <a:schemeClr val="tx1"/>
                 </a:solidFill>
-                <a:latin typeface="Roboto Mono"/>
-              </a:rPr>
-              <a:t>    …</a:t>
+                <a:latin typeface="Courier New" panose="02070309020205020404" pitchFamily="49" charset="0"/>
+                <a:cs typeface="Courier New" panose="02070309020205020404" pitchFamily="49" charset="0"/>
+              </a:rPr>
+              <a:t>    </a:t>
+            </a:r>
+            <a:r>
+              <a:rPr lang="es-ES" sz="2000" b="1" dirty="0" err="1">
+                <a:solidFill>
+                  <a:schemeClr val="tx1"/>
+                </a:solidFill>
+                <a:latin typeface="Courier New" panose="02070309020205020404" pitchFamily="49" charset="0"/>
+                <a:cs typeface="Courier New" panose="02070309020205020404" pitchFamily="49" charset="0"/>
+              </a:rPr>
+              <a:t>max</a:t>
+            </a:r>
+            <a:r>
+              <a:rPr lang="es-ES" sz="2000" b="1" dirty="0">
+                <a:solidFill>
+                  <a:schemeClr val="tx1"/>
+                </a:solidFill>
+                <a:latin typeface="Courier New" panose="02070309020205020404" pitchFamily="49" charset="0"/>
+                <a:cs typeface="Courier New" panose="02070309020205020404" pitchFamily="49" charset="0"/>
+              </a:rPr>
+              <a:t> = y;</a:t>
             </a:r>
           </a:p>
           <a:p>
@@ -11685,38 +12276,41 @@
               </a:tabLst>
             </a:pPr>
             <a:r>
-              <a:rPr lang="es-ES" sz="2000" dirty="0">
+              <a:rPr lang="es-ES" sz="2000" b="1" dirty="0">
                 <a:solidFill>
                   <a:schemeClr val="tx1"/>
                 </a:solidFill>
-                <a:latin typeface="Roboto Mono"/>
+                <a:latin typeface="Courier New" panose="02070309020205020404" pitchFamily="49" charset="0"/>
+                <a:cs typeface="Courier New" panose="02070309020205020404" pitchFamily="49" charset="0"/>
               </a:rPr>
               <a:t>    </a:t>
             </a:r>
             <a:r>
-              <a:rPr lang="es-ES" sz="2000" dirty="0">
+              <a:rPr lang="es-ES" sz="2000" b="1" dirty="0">
                 <a:solidFill>
                   <a:schemeClr val="tx1"/>
                 </a:solidFill>
                 <a:highlight>
                   <a:srgbClr val="FFFF00"/>
                 </a:highlight>
-                <a:latin typeface="Roboto Mono"/>
+                <a:latin typeface="Courier New" panose="02070309020205020404" pitchFamily="49" charset="0"/>
+                <a:cs typeface="Courier New" panose="02070309020205020404" pitchFamily="49" charset="0"/>
               </a:rPr>
               <a:t>//  {</a:t>
             </a:r>
             <a:r>
-              <a:rPr lang="en-US" sz="2000" b="0" i="0" dirty="0">
+              <a:rPr lang="en-US" sz="2000" b="1" i="0" dirty="0">
                 <a:effectLst/>
                 <a:highlight>
                   <a:srgbClr val="FFFF00"/>
                 </a:highlight>
-                <a:latin typeface="Roboto Mono"/>
+                <a:latin typeface="Courier New" panose="02070309020205020404" pitchFamily="49" charset="0"/>
+                <a:cs typeface="Courier New" panose="02070309020205020404" pitchFamily="49" charset="0"/>
               </a:rPr>
               <a:t>max &gt;= x &amp;&amp; max == y</a:t>
             </a:r>
             <a:r>
-              <a:rPr lang="es-ES" sz="2000" i="0" dirty="0">
+              <a:rPr lang="es-ES" sz="2000" b="1" i="0" dirty="0">
                 <a:solidFill>
                   <a:schemeClr val="tx1"/>
                 </a:solidFill>
@@ -11724,7 +12318,8 @@
                 <a:highlight>
                   <a:srgbClr val="FFFF00"/>
                 </a:highlight>
-                <a:latin typeface="Roboto Mono"/>
+                <a:latin typeface="Courier New" panose="02070309020205020404" pitchFamily="49" charset="0"/>
+                <a:cs typeface="Courier New" panose="02070309020205020404" pitchFamily="49" charset="0"/>
               </a:rPr>
               <a:t>} </a:t>
             </a:r>
@@ -11740,23 +12335,24 @@
               </a:tabLst>
             </a:pPr>
             <a:r>
-              <a:rPr lang="es-ES" sz="2000" i="0" dirty="0">
+              <a:rPr lang="es-ES" sz="2000" b="1" i="0" dirty="0">
                 <a:solidFill>
                   <a:schemeClr val="tx1"/>
                 </a:solidFill>
                 <a:effectLst/>
-                <a:latin typeface="Roboto Mono"/>
+                <a:latin typeface="Courier New" panose="02070309020205020404" pitchFamily="49" charset="0"/>
+                <a:cs typeface="Courier New" panose="02070309020205020404" pitchFamily="49" charset="0"/>
               </a:rPr>
               <a:t>}</a:t>
             </a:r>
-            <a:endParaRPr lang="es-ES" sz="2000" dirty="0">
+            <a:endParaRPr lang="es-ES" sz="2000" b="1" dirty="0">
               <a:solidFill>
                 <a:schemeClr val="tx1"/>
               </a:solidFill>
               <a:highlight>
                 <a:srgbClr val="FFFF00"/>
               </a:highlight>
-              <a:latin typeface="Roboto Mono"/>
+              <a:latin typeface="Courier New" panose="02070309020205020404" pitchFamily="49" charset="0"/>
               <a:cs typeface="Courier New" panose="02070309020205020404" pitchFamily="49" charset="0"/>
             </a:endParaRPr>
           </a:p>
@@ -11764,10 +12360,10 @@
       </p:sp>
       <p:grpSp>
         <p:nvGrpSpPr>
-          <p:cNvPr id="9" name="Group 53">
+          <p:cNvPr id="5" name="Group 53">
             <a:extLst>
               <a:ext uri="{FF2B5EF4-FFF2-40B4-BE49-F238E27FC236}">
-                <a16:creationId xmlns:a16="http://schemas.microsoft.com/office/drawing/2014/main" id="{37416115-CEE5-4CFE-A531-47FECA5A527E}"/>
+                <a16:creationId xmlns:a16="http://schemas.microsoft.com/office/drawing/2014/main" id="{99BB26AC-879F-F7C0-EA86-D7F60BCB44B2}"/>
               </a:ext>
             </a:extLst>
           </p:cNvPr>
@@ -11778,7 +12374,7 @@
         </p:nvGrpSpPr>
         <p:grpSpPr bwMode="auto">
           <a:xfrm>
-            <a:off x="5094276" y="3358933"/>
+            <a:off x="6289328" y="3358933"/>
             <a:ext cx="2411413" cy="1537336"/>
             <a:chOff x="6445623" y="3191438"/>
             <a:chExt cx="2411506" cy="1537425"/>
@@ -11786,10 +12382,10 @@
         </p:grpSpPr>
         <p:sp>
           <p:nvSpPr>
-            <p:cNvPr id="10" name="Flowchart: Decision 9">
+            <p:cNvPr id="6" name="Flowchart: Decision 5">
               <a:extLst>
                 <a:ext uri="{FF2B5EF4-FFF2-40B4-BE49-F238E27FC236}">
-                  <a16:creationId xmlns:a16="http://schemas.microsoft.com/office/drawing/2014/main" id="{08836371-BB3C-4342-87C0-77D5EBA6FCC3}"/>
+                  <a16:creationId xmlns:a16="http://schemas.microsoft.com/office/drawing/2014/main" id="{5A5FD035-6194-5DE2-DA40-758FEF81235E}"/>
                 </a:ext>
               </a:extLst>
             </p:cNvPr>
@@ -11831,16 +12427,16 @@
         </p:sp>
         <p:cxnSp>
           <p:nvCxnSpPr>
-            <p:cNvPr id="11" name="Straight Arrow Connector 33">
+            <p:cNvPr id="7" name="Straight Arrow Connector 33">
               <a:extLst>
                 <a:ext uri="{FF2B5EF4-FFF2-40B4-BE49-F238E27FC236}">
-                  <a16:creationId xmlns:a16="http://schemas.microsoft.com/office/drawing/2014/main" id="{5375CFEE-B18D-4AF5-A183-92F82A04AB95}"/>
+                  <a16:creationId xmlns:a16="http://schemas.microsoft.com/office/drawing/2014/main" id="{A2BDF99B-7291-F4AF-ED2E-B8D47EFA249A}"/>
                 </a:ext>
               </a:extLst>
             </p:cNvPr>
             <p:cNvCxnSpPr>
               <a:cxnSpLocks noChangeShapeType="1"/>
-              <a:endCxn id="10" idx="0"/>
+              <a:endCxn id="6" idx="0"/>
             </p:cNvCxnSpPr>
             <p:nvPr/>
           </p:nvCxnSpPr>
@@ -11865,10 +12461,10 @@
         </p:cxnSp>
         <p:cxnSp>
           <p:nvCxnSpPr>
-            <p:cNvPr id="15" name="Straight Connector 35">
+            <p:cNvPr id="12" name="Straight Connector 35">
               <a:extLst>
                 <a:ext uri="{FF2B5EF4-FFF2-40B4-BE49-F238E27FC236}">
-                  <a16:creationId xmlns:a16="http://schemas.microsoft.com/office/drawing/2014/main" id="{73C893A1-DD8E-4E4E-83CC-5A89F4ACC0A6}"/>
+                  <a16:creationId xmlns:a16="http://schemas.microsoft.com/office/drawing/2014/main" id="{B7E9ABA7-9ED2-C944-C3EA-018EF2065EF5}"/>
                 </a:ext>
               </a:extLst>
             </p:cNvPr>
@@ -11898,10 +12494,10 @@
         </p:cxnSp>
         <p:cxnSp>
           <p:nvCxnSpPr>
-            <p:cNvPr id="17" name="Straight Arrow Connector 36">
+            <p:cNvPr id="13" name="Straight Arrow Connector 36">
               <a:extLst>
                 <a:ext uri="{FF2B5EF4-FFF2-40B4-BE49-F238E27FC236}">
-                  <a16:creationId xmlns:a16="http://schemas.microsoft.com/office/drawing/2014/main" id="{963E351B-1BA8-47E3-A16D-9B4E0D46A460}"/>
+                  <a16:creationId xmlns:a16="http://schemas.microsoft.com/office/drawing/2014/main" id="{9C783BB3-5830-DDE1-1565-AA3CBFC5FF81}"/>
                 </a:ext>
               </a:extLst>
             </p:cNvPr>
@@ -11931,10 +12527,10 @@
         </p:cxnSp>
         <p:sp>
           <p:nvSpPr>
-            <p:cNvPr id="18" name="Flowchart: Process 17">
+            <p:cNvPr id="14" name="Flowchart: Process 13">
               <a:extLst>
                 <a:ext uri="{FF2B5EF4-FFF2-40B4-BE49-F238E27FC236}">
-                  <a16:creationId xmlns:a16="http://schemas.microsoft.com/office/drawing/2014/main" id="{BF92340A-905F-46DA-BF56-C9F60F2D7CAA}"/>
+                  <a16:creationId xmlns:a16="http://schemas.microsoft.com/office/drawing/2014/main" id="{2C6932F8-B087-2354-2F04-D62C304843DC}"/>
                 </a:ext>
               </a:extLst>
             </p:cNvPr>
@@ -11976,10 +12572,10 @@
         </p:sp>
         <p:sp>
           <p:nvSpPr>
-            <p:cNvPr id="19" name="TextBox 38">
+            <p:cNvPr id="29" name="TextBox 38">
               <a:extLst>
                 <a:ext uri="{FF2B5EF4-FFF2-40B4-BE49-F238E27FC236}">
-                  <a16:creationId xmlns:a16="http://schemas.microsoft.com/office/drawing/2014/main" id="{03D1309A-A066-4C86-8100-4C6992A034EA}"/>
+                  <a16:creationId xmlns:a16="http://schemas.microsoft.com/office/drawing/2014/main" id="{F1F1C944-F83C-631C-832F-4D807BF75F89}"/>
                 </a:ext>
               </a:extLst>
             </p:cNvPr>
@@ -12021,10 +12617,10 @@
         </p:sp>
         <p:sp>
           <p:nvSpPr>
-            <p:cNvPr id="20" name="TextBox 39">
+            <p:cNvPr id="30" name="TextBox 39">
               <a:extLst>
                 <a:ext uri="{FF2B5EF4-FFF2-40B4-BE49-F238E27FC236}">
-                  <a16:creationId xmlns:a16="http://schemas.microsoft.com/office/drawing/2014/main" id="{2CC8D76A-5525-4CC9-B0A0-BFD852C2A19F}"/>
+                  <a16:creationId xmlns:a16="http://schemas.microsoft.com/office/drawing/2014/main" id="{9350956E-1441-08C1-C3EB-96F7B3B95F64}"/>
                 </a:ext>
               </a:extLst>
             </p:cNvPr>
@@ -12066,10 +12662,10 @@
         </p:sp>
         <p:cxnSp>
           <p:nvCxnSpPr>
-            <p:cNvPr id="21" name="Straight Arrow Connector 40">
+            <p:cNvPr id="31" name="Straight Arrow Connector 40">
               <a:extLst>
                 <a:ext uri="{FF2B5EF4-FFF2-40B4-BE49-F238E27FC236}">
-                  <a16:creationId xmlns:a16="http://schemas.microsoft.com/office/drawing/2014/main" id="{AE62E0C0-4E46-4362-A2F9-068AFC7EF8B7}"/>
+                  <a16:creationId xmlns:a16="http://schemas.microsoft.com/office/drawing/2014/main" id="{B367FD6A-E937-8516-7350-8BBDD682C04F}"/>
                 </a:ext>
               </a:extLst>
             </p:cNvPr>
@@ -12099,10 +12695,10 @@
         </p:cxnSp>
         <p:cxnSp>
           <p:nvCxnSpPr>
-            <p:cNvPr id="22" name="Straight Connector 41">
+            <p:cNvPr id="32" name="Straight Connector 41">
               <a:extLst>
                 <a:ext uri="{FF2B5EF4-FFF2-40B4-BE49-F238E27FC236}">
-                  <a16:creationId xmlns:a16="http://schemas.microsoft.com/office/drawing/2014/main" id="{FD4006F1-C86A-4664-97FF-A2B28453F4E6}"/>
+                  <a16:creationId xmlns:a16="http://schemas.microsoft.com/office/drawing/2014/main" id="{E2510953-1D34-AAD7-0F11-5483AB445A8F}"/>
                 </a:ext>
               </a:extLst>
             </p:cNvPr>
@@ -12132,10 +12728,10 @@
         </p:cxnSp>
         <p:cxnSp>
           <p:nvCxnSpPr>
-            <p:cNvPr id="23" name="Straight Arrow Connector 42">
+            <p:cNvPr id="33" name="Straight Arrow Connector 42">
               <a:extLst>
                 <a:ext uri="{FF2B5EF4-FFF2-40B4-BE49-F238E27FC236}">
-                  <a16:creationId xmlns:a16="http://schemas.microsoft.com/office/drawing/2014/main" id="{429DDC02-367B-4646-8F3E-B1B1574788CB}"/>
+                  <a16:creationId xmlns:a16="http://schemas.microsoft.com/office/drawing/2014/main" id="{90239D6E-2DD7-6EB9-5A99-2C631AF98876}"/>
                 </a:ext>
               </a:extLst>
             </p:cNvPr>
@@ -12165,10 +12761,10 @@
         </p:cxnSp>
         <p:cxnSp>
           <p:nvCxnSpPr>
-            <p:cNvPr id="24" name="Straight Connector 43">
+            <p:cNvPr id="34" name="Straight Connector 43">
               <a:extLst>
                 <a:ext uri="{FF2B5EF4-FFF2-40B4-BE49-F238E27FC236}">
-                  <a16:creationId xmlns:a16="http://schemas.microsoft.com/office/drawing/2014/main" id="{573B404F-ADCF-4858-B7CA-9FB5E9D857AB}"/>
+                  <a16:creationId xmlns:a16="http://schemas.microsoft.com/office/drawing/2014/main" id="{3056A4B6-67E3-C63C-415E-84F245570405}"/>
                 </a:ext>
               </a:extLst>
             </p:cNvPr>
@@ -12198,10 +12794,10 @@
         </p:cxnSp>
         <p:cxnSp>
           <p:nvCxnSpPr>
-            <p:cNvPr id="25" name="Straight Arrow Connector 47">
+            <p:cNvPr id="35" name="Straight Arrow Connector 47">
               <a:extLst>
                 <a:ext uri="{FF2B5EF4-FFF2-40B4-BE49-F238E27FC236}">
-                  <a16:creationId xmlns:a16="http://schemas.microsoft.com/office/drawing/2014/main" id="{22621656-7BC3-43FB-A4C5-515AB8EA21F9}"/>
+                  <a16:creationId xmlns:a16="http://schemas.microsoft.com/office/drawing/2014/main" id="{23EB5E70-9F40-E3DD-71B2-2B278B245755}"/>
                 </a:ext>
               </a:extLst>
             </p:cNvPr>
@@ -12231,10 +12827,10 @@
         </p:cxnSp>
         <p:sp>
           <p:nvSpPr>
-            <p:cNvPr id="26" name="Flowchart: Process 25">
+            <p:cNvPr id="36" name="Flowchart: Process 35">
               <a:extLst>
                 <a:ext uri="{FF2B5EF4-FFF2-40B4-BE49-F238E27FC236}">
-                  <a16:creationId xmlns:a16="http://schemas.microsoft.com/office/drawing/2014/main" id="{D5940203-D294-4EA2-BA43-5CB057899C1D}"/>
+                  <a16:creationId xmlns:a16="http://schemas.microsoft.com/office/drawing/2014/main" id="{770A68DF-959C-58B8-0083-B4E64A72B63E}"/>
                 </a:ext>
               </a:extLst>
             </p:cNvPr>
@@ -12276,10 +12872,10 @@
         </p:sp>
         <p:cxnSp>
           <p:nvCxnSpPr>
-            <p:cNvPr id="27" name="Straight Connector 49">
+            <p:cNvPr id="37" name="Straight Connector 49">
               <a:extLst>
                 <a:ext uri="{FF2B5EF4-FFF2-40B4-BE49-F238E27FC236}">
-                  <a16:creationId xmlns:a16="http://schemas.microsoft.com/office/drawing/2014/main" id="{F529B452-3C49-4035-BB64-802C22695584}"/>
+                  <a16:creationId xmlns:a16="http://schemas.microsoft.com/office/drawing/2014/main" id="{DACB8081-018F-E06C-0AC2-35B02F25D07E}"/>
                 </a:ext>
               </a:extLst>
             </p:cNvPr>
@@ -12309,10 +12905,10 @@
         </p:cxnSp>
         <p:cxnSp>
           <p:nvCxnSpPr>
-            <p:cNvPr id="28" name="Straight Arrow Connector 51">
+            <p:cNvPr id="38" name="Straight Arrow Connector 51">
               <a:extLst>
                 <a:ext uri="{FF2B5EF4-FFF2-40B4-BE49-F238E27FC236}">
-                  <a16:creationId xmlns:a16="http://schemas.microsoft.com/office/drawing/2014/main" id="{7E3D8EF6-8416-445A-B46B-1F3F04F0AE42}"/>
+                  <a16:creationId xmlns:a16="http://schemas.microsoft.com/office/drawing/2014/main" id="{DF36DA74-8920-4436-1BAE-5BE02092D32C}"/>
                 </a:ext>
               </a:extLst>
             </p:cNvPr>
@@ -12341,77 +12937,6 @@
           </p:spPr>
         </p:cxnSp>
       </p:grpSp>
-      <p:sp>
-        <p:nvSpPr>
-          <p:cNvPr id="2" name="Footer Placeholder 1">
-            <a:extLst>
-              <a:ext uri="{FF2B5EF4-FFF2-40B4-BE49-F238E27FC236}">
-                <a16:creationId xmlns:a16="http://schemas.microsoft.com/office/drawing/2014/main" id="{E47CC947-1D9F-6105-8EF4-18E2E62963AB}"/>
-              </a:ext>
-            </a:extLst>
-          </p:cNvPr>
-          <p:cNvSpPr>
-            <a:spLocks noGrp="1"/>
-          </p:cNvSpPr>
-          <p:nvPr>
-            <p:ph type="ftr" sz="quarter" idx="11"/>
-          </p:nvPr>
-        </p:nvSpPr>
-        <p:spPr/>
-        <p:txBody>
-          <a:bodyPr/>
-          <a:lstStyle/>
-          <a:p>
-            <a:pPr algn="l">
-              <a:defRPr/>
-            </a:pPr>
-            <a:r>
-              <a:rPr lang="en-US"/>
-              <a:t>CS1010 (AY2023/24 Semester 2)</a:t>
-            </a:r>
-            <a:endParaRPr lang="en-US" dirty="0"/>
-          </a:p>
-        </p:txBody>
-      </p:sp>
-      <p:sp>
-        <p:nvSpPr>
-          <p:cNvPr id="3" name="Slide Number Placeholder 2">
-            <a:extLst>
-              <a:ext uri="{FF2B5EF4-FFF2-40B4-BE49-F238E27FC236}">
-                <a16:creationId xmlns:a16="http://schemas.microsoft.com/office/drawing/2014/main" id="{8E89D432-F5D5-78E4-396B-7A7767B873E4}"/>
-              </a:ext>
-            </a:extLst>
-          </p:cNvPr>
-          <p:cNvSpPr>
-            <a:spLocks noGrp="1"/>
-          </p:cNvSpPr>
-          <p:nvPr>
-            <p:ph type="sldNum" sz="quarter" idx="12"/>
-          </p:nvPr>
-        </p:nvSpPr>
-        <p:spPr/>
-        <p:txBody>
-          <a:bodyPr/>
-          <a:lstStyle/>
-          <a:p>
-            <a:pPr>
-              <a:defRPr/>
-            </a:pPr>
-            <a:r>
-              <a:rPr lang="en-US" sz="1100" dirty="0"/>
-              <a:t>Week4R - </a:t>
-            </a:r>
-            <a:fld id="{2E4790E1-2590-4AEE-892D-AB46A7688113}" type="slidenum">
-              <a:rPr lang="en-US" sz="1100" smtClean="0"/>
-              <a:pPr>
-                <a:defRPr/>
-              </a:pPr>
-              <a:t>12</a:t>
-            </a:fld>
-            <a:endParaRPr lang="en-US" sz="1100" dirty="0"/>
-          </a:p>
-        </p:txBody>
-      </p:sp>
     </p:spTree>
     <p:extLst>
       <p:ext uri="{BB962C8B-B14F-4D97-AF65-F5344CB8AC3E}">
@@ -12485,20 +13010,42 @@
               <a:buSzPct val="120000"/>
             </a:pPr>
             <a:r>
+              <a:rPr lang="en-US" sz="6000" dirty="0"/>
+              <a:t>Think </a:t>
+            </a:r>
+            <a:r>
               <a:rPr lang="en-US" sz="6000" dirty="0">
                 <a:solidFill>
                   <a:srgbClr val="0000FF"/>
                 </a:solidFill>
               </a:rPr>
-              <a:t>Clarify your </a:t>
-            </a:r>
-            <a:r>
-              <a:rPr lang="en-US" sz="6000">
+              <a:t>logically</a:t>
+            </a:r>
+            <a:r>
+              <a:rPr lang="en-US" sz="6000" dirty="0"/>
+              <a:t>!</a:t>
+            </a:r>
+            <a:br>
+              <a:rPr lang="en-US" sz="6000" dirty="0"/>
+            </a:br>
+            <a:br>
+              <a:rPr lang="en-US" sz="6000" dirty="0"/>
+            </a:br>
+            <a:r>
+              <a:rPr lang="en-US" sz="6000" dirty="0"/>
+              <a:t>Clarify your doubts before </a:t>
+            </a:r>
+            <a:r>
+              <a:rPr lang="en-US" sz="6000" dirty="0">
                 <a:solidFill>
                   <a:srgbClr val="0000FF"/>
                 </a:solidFill>
               </a:rPr>
-              <a:t>doubts before it is too late!</a:t>
+              <a:t>PE0</a:t>
+            </a:r>
+            <a:r>
+              <a:rPr lang="en-US" sz="6000" dirty="0"/>
+              <a:t>!</a:t>
             </a:r>
             <a:endParaRPr lang="en-US" sz="3200" dirty="0"/>
           </a:p>
@@ -12514,11 +13061,7 @@
               </a:buClr>
               <a:buSzPct val="120000"/>
             </a:pPr>
-            <a:endParaRPr lang="en-GB" sz="2800" dirty="0">
-              <a:solidFill>
-                <a:srgbClr val="0000FF"/>
-              </a:solidFill>
-            </a:endParaRPr>
+            <a:endParaRPr lang="en-GB" sz="2800" dirty="0"/>
           </a:p>
         </p:txBody>
       </p:sp>
@@ -13455,7 +13998,7 @@
         <p:spPr>
           <a:xfrm>
             <a:off x="587375" y="3591123"/>
-            <a:ext cx="4597574" cy="923330"/>
+            <a:ext cx="4597574" cy="1200329"/>
           </a:xfrm>
           <a:prstGeom prst="rect">
             <a:avLst/>
@@ -13516,27 +14059,7 @@
                 <a:latin typeface="Courier New" panose="02070309020205020404" pitchFamily="49" charset="0"/>
                 <a:cs typeface="Courier New" panose="02070309020205020404" pitchFamily="49" charset="0"/>
               </a:rPr>
-              <a:t> (</a:t>
-            </a:r>
-            <a:r>
-              <a:rPr lang="en-US" b="1" dirty="0" err="1">
-                <a:solidFill>
-                  <a:schemeClr val="tx1"/>
-                </a:solidFill>
-                <a:latin typeface="Courier New" panose="02070309020205020404" pitchFamily="49" charset="0"/>
-                <a:cs typeface="Courier New" panose="02070309020205020404" pitchFamily="49" charset="0"/>
-              </a:rPr>
-              <a:t>max_so_far</a:t>
-            </a:r>
-            <a:r>
-              <a:rPr lang="en-US" b="1" dirty="0">
-                <a:solidFill>
-                  <a:schemeClr val="tx1"/>
-                </a:solidFill>
-                <a:latin typeface="Courier New" panose="02070309020205020404" pitchFamily="49" charset="0"/>
-                <a:cs typeface="Courier New" panose="02070309020205020404" pitchFamily="49" charset="0"/>
-              </a:rPr>
-              <a:t> &lt; x) {</a:t>
+              <a:t> (m &gt;= x) {</a:t>
             </a:r>
           </a:p>
           <a:p>
@@ -13557,27 +14080,17 @@
                 <a:latin typeface="Courier New" panose="02070309020205020404" pitchFamily="49" charset="0"/>
                 <a:cs typeface="Courier New" panose="02070309020205020404" pitchFamily="49" charset="0"/>
               </a:rPr>
-              <a:t>  </a:t>
-            </a:r>
-            <a:r>
-              <a:rPr lang="en-US" b="1" dirty="0" err="1">
-                <a:solidFill>
-                  <a:schemeClr val="tx1"/>
+              <a:t>  m = x; </a:t>
+            </a:r>
+            <a:r>
+              <a:rPr lang="en-US" b="1" dirty="0">
+                <a:solidFill>
+                  <a:srgbClr val="006600"/>
                 </a:solidFill>
                 <a:latin typeface="Courier New" panose="02070309020205020404" pitchFamily="49" charset="0"/>
                 <a:cs typeface="Courier New" panose="02070309020205020404" pitchFamily="49" charset="0"/>
               </a:rPr>
-              <a:t>max_so_far</a:t>
-            </a:r>
-            <a:r>
-              <a:rPr lang="en-US" b="1" dirty="0">
-                <a:solidFill>
-                  <a:schemeClr val="tx1"/>
-                </a:solidFill>
-                <a:latin typeface="Courier New" panose="02070309020205020404" pitchFamily="49" charset="0"/>
-                <a:cs typeface="Courier New" panose="02070309020205020404" pitchFamily="49" charset="0"/>
-              </a:rPr>
-              <a:t> = x; // update max</a:t>
+              <a:t>// update max</a:t>
             </a:r>
           </a:p>
           <a:p>
@@ -13599,6 +14112,27 @@
                 <a:cs typeface="Courier New" panose="02070309020205020404" pitchFamily="49" charset="0"/>
               </a:rPr>
               <a:t>}</a:t>
+            </a:r>
+          </a:p>
+          <a:p>
+            <a:pPr>
+              <a:tabLst>
+                <a:tab pos="347663" algn="l"/>
+                <a:tab pos="682625" algn="l"/>
+                <a:tab pos="1087438" algn="l"/>
+                <a:tab pos="1377950" algn="l"/>
+                <a:tab pos="1712913" algn="l"/>
+              </a:tabLst>
+            </a:pPr>
+            <a:r>
+              <a:rPr lang="en-US" b="1" dirty="0">
+                <a:solidFill>
+                  <a:schemeClr val="tx1"/>
+                </a:solidFill>
+                <a:latin typeface="Courier New" panose="02070309020205020404" pitchFamily="49" charset="0"/>
+                <a:cs typeface="Courier New" panose="02070309020205020404" pitchFamily="49" charset="0"/>
+              </a:rPr>
+              <a:t>cs1010_println_long(m);</a:t>
             </a:r>
           </a:p>
         </p:txBody>
@@ -14267,6 +14801,778 @@
           <a:p>
             <a:pPr eaLnBrk="1" hangingPunct="1"/>
             <a:r>
+              <a:rPr lang="en-GB" sz="3600" i="1" dirty="0">
+                <a:solidFill>
+                  <a:srgbClr val="0000FF"/>
+                </a:solidFill>
+                <a:latin typeface="Garamond" panose="02020404030301010803" pitchFamily="18" charset="0"/>
+              </a:rPr>
+              <a:t>if-(else-if-)else…</a:t>
+            </a:r>
+            <a:r>
+              <a:rPr lang="en-GB" sz="3600" dirty="0">
+                <a:solidFill>
+                  <a:srgbClr val="0000FF"/>
+                </a:solidFill>
+              </a:rPr>
+              <a:t> Statements </a:t>
+            </a:r>
+          </a:p>
+        </p:txBody>
+      </p:sp>
+      <p:sp>
+        <p:nvSpPr>
+          <p:cNvPr id="8" name="Content Placeholder 5"/>
+          <p:cNvSpPr>
+            <a:spLocks noGrp="1"/>
+          </p:cNvSpPr>
+          <p:nvPr>
+            <p:ph idx="1"/>
+          </p:nvPr>
+        </p:nvSpPr>
+        <p:spPr>
+          <a:xfrm>
+            <a:off x="587375" y="1187451"/>
+            <a:ext cx="8229600" cy="3384550"/>
+          </a:xfrm>
+        </p:spPr>
+        <p:txBody>
+          <a:bodyPr/>
+          <a:lstStyle/>
+          <a:p>
+            <a:pPr marL="621983" lvl="1" indent="-347663">
+              <a:spcBef>
+                <a:spcPts val="600"/>
+              </a:spcBef>
+              <a:buClr>
+                <a:schemeClr val="tx1">
+                  <a:lumMod val="90000"/>
+                  <a:lumOff val="10000"/>
+                </a:schemeClr>
+              </a:buClr>
+              <a:buSzPct val="100000"/>
+              <a:buFont typeface="Wingdings" panose="05000000000000000000" pitchFamily="2" charset="2"/>
+              <a:buChar char="§"/>
+              <a:defRPr/>
+            </a:pPr>
+            <a:r>
+              <a:rPr lang="en-US" sz="2400" dirty="0"/>
+              <a:t>Problem: Print a letter grade based on a score</a:t>
+            </a:r>
+            <a:endParaRPr lang="en-US" sz="2800" dirty="0"/>
+          </a:p>
+          <a:p>
+            <a:pPr marL="274320" lvl="1" indent="0">
+              <a:spcBef>
+                <a:spcPts val="600"/>
+              </a:spcBef>
+              <a:buClr>
+                <a:schemeClr val="tx1">
+                  <a:lumMod val="90000"/>
+                  <a:lumOff val="10000"/>
+                </a:schemeClr>
+              </a:buClr>
+              <a:buSzPct val="100000"/>
+              <a:buNone/>
+              <a:defRPr/>
+            </a:pPr>
+            <a:endParaRPr lang="en-US" sz="2400" dirty="0"/>
+          </a:p>
+          <a:p>
+            <a:pPr marL="621983" lvl="1" indent="-347663">
+              <a:spcBef>
+                <a:spcPts val="600"/>
+              </a:spcBef>
+              <a:buClr>
+                <a:schemeClr val="tx1">
+                  <a:lumMod val="90000"/>
+                  <a:lumOff val="10000"/>
+                </a:schemeClr>
+              </a:buClr>
+              <a:buSzPct val="100000"/>
+              <a:buFont typeface="Wingdings" panose="05000000000000000000" pitchFamily="2" charset="2"/>
+              <a:buChar char="§"/>
+              <a:defRPr/>
+            </a:pPr>
+            <a:endParaRPr lang="en-US" sz="2400" dirty="0"/>
+          </a:p>
+          <a:p>
+            <a:pPr marL="621983" lvl="1" indent="-347663">
+              <a:spcBef>
+                <a:spcPts val="600"/>
+              </a:spcBef>
+              <a:buClr>
+                <a:schemeClr val="tx1">
+                  <a:lumMod val="90000"/>
+                  <a:lumOff val="10000"/>
+                </a:schemeClr>
+              </a:buClr>
+              <a:buSzPct val="100000"/>
+              <a:buFont typeface="Wingdings" panose="05000000000000000000" pitchFamily="2" charset="2"/>
+              <a:buChar char="§"/>
+              <a:defRPr/>
+            </a:pPr>
+            <a:endParaRPr lang="en-US" dirty="0"/>
+          </a:p>
+          <a:p>
+            <a:pPr marL="621983" lvl="1" indent="-347663">
+              <a:spcBef>
+                <a:spcPts val="600"/>
+              </a:spcBef>
+              <a:buClr>
+                <a:schemeClr val="tx1">
+                  <a:lumMod val="90000"/>
+                  <a:lumOff val="10000"/>
+                </a:schemeClr>
+              </a:buClr>
+              <a:buSzPct val="100000"/>
+              <a:buFont typeface="Wingdings" panose="05000000000000000000" pitchFamily="2" charset="2"/>
+              <a:buChar char="§"/>
+              <a:defRPr/>
+            </a:pPr>
+            <a:endParaRPr lang="en-US" dirty="0"/>
+          </a:p>
+        </p:txBody>
+      </p:sp>
+      <p:sp>
+        <p:nvSpPr>
+          <p:cNvPr id="9" name="TextBox 8">
+            <a:extLst>
+              <a:ext uri="{FF2B5EF4-FFF2-40B4-BE49-F238E27FC236}">
+                <a16:creationId xmlns:a16="http://schemas.microsoft.com/office/drawing/2014/main" id="{279DD0F7-7371-46CC-B55A-367690ADD30F}"/>
+              </a:ext>
+            </a:extLst>
+          </p:cNvPr>
+          <p:cNvSpPr txBox="1"/>
+          <p:nvPr/>
+        </p:nvSpPr>
+        <p:spPr>
+          <a:xfrm>
+            <a:off x="844357" y="1725915"/>
+            <a:ext cx="4109480" cy="3139321"/>
+          </a:xfrm>
+          <a:prstGeom prst="rect">
+            <a:avLst/>
+          </a:prstGeom>
+          <a:solidFill>
+            <a:schemeClr val="bg1"/>
+          </a:solidFill>
+          <a:ln w="19050">
+            <a:solidFill>
+              <a:schemeClr val="tx1"/>
+            </a:solidFill>
+          </a:ln>
+        </p:spPr>
+        <p:style>
+          <a:lnRef idx="2">
+            <a:schemeClr val="accent6"/>
+          </a:lnRef>
+          <a:fillRef idx="1">
+            <a:schemeClr val="lt1"/>
+          </a:fillRef>
+          <a:effectRef idx="0">
+            <a:schemeClr val="accent6"/>
+          </a:effectRef>
+          <a:fontRef idx="minor">
+            <a:schemeClr val="dk1"/>
+          </a:fontRef>
+        </p:style>
+        <p:txBody>
+          <a:bodyPr wrap="square" lIns="91440" tIns="45720" rIns="91440" bIns="45720" rtlCol="0" anchor="t">
+            <a:spAutoFit/>
+          </a:bodyPr>
+          <a:lstStyle/>
+          <a:p>
+            <a:pPr>
+              <a:tabLst>
+                <a:tab pos="347663" algn="l"/>
+                <a:tab pos="682625" algn="l"/>
+                <a:tab pos="1087438" algn="l"/>
+                <a:tab pos="1377950" algn="l"/>
+                <a:tab pos="1712913" algn="l"/>
+              </a:tabLst>
+            </a:pPr>
+            <a:r>
+              <a:rPr lang="en-US" b="1" dirty="0">
+                <a:solidFill>
+                  <a:schemeClr val="tx1"/>
+                </a:solidFill>
+                <a:latin typeface="Courier New" panose="02070309020205020404" pitchFamily="49" charset="0"/>
+                <a:cs typeface="Courier New" panose="02070309020205020404" pitchFamily="49" charset="0"/>
+              </a:rPr>
+              <a:t>…</a:t>
+            </a:r>
+          </a:p>
+          <a:p>
+            <a:pPr>
+              <a:tabLst>
+                <a:tab pos="347663" algn="l"/>
+                <a:tab pos="682625" algn="l"/>
+                <a:tab pos="1087438" algn="l"/>
+                <a:tab pos="1377950" algn="l"/>
+                <a:tab pos="1712913" algn="l"/>
+              </a:tabLst>
+            </a:pPr>
+            <a:r>
+              <a:rPr lang="en-US" b="1" dirty="0">
+                <a:solidFill>
+                  <a:schemeClr val="tx1"/>
+                </a:solidFill>
+                <a:latin typeface="Courier New" panose="02070309020205020404" pitchFamily="49" charset="0"/>
+                <a:cs typeface="Courier New" panose="02070309020205020404" pitchFamily="49" charset="0"/>
+              </a:rPr>
+              <a:t>  </a:t>
+            </a:r>
+            <a:r>
+              <a:rPr lang="en-US" b="1" dirty="0">
+                <a:solidFill>
+                  <a:srgbClr val="0000FF"/>
+                </a:solidFill>
+                <a:latin typeface="Courier New" panose="02070309020205020404" pitchFamily="49" charset="0"/>
+                <a:cs typeface="Courier New" panose="02070309020205020404" pitchFamily="49" charset="0"/>
+              </a:rPr>
+              <a:t>if</a:t>
+            </a:r>
+            <a:r>
+              <a:rPr lang="en-US" b="1" dirty="0">
+                <a:solidFill>
+                  <a:schemeClr val="tx1"/>
+                </a:solidFill>
+                <a:latin typeface="Courier New" panose="02070309020205020404" pitchFamily="49" charset="0"/>
+                <a:cs typeface="Courier New" panose="02070309020205020404" pitchFamily="49" charset="0"/>
+              </a:rPr>
+              <a:t> (score &gt;= </a:t>
+            </a:r>
+            <a:r>
+              <a:rPr lang="en-US" b="1" dirty="0">
+                <a:solidFill>
+                  <a:srgbClr val="C00000"/>
+                </a:solidFill>
+                <a:latin typeface="Courier New" panose="02070309020205020404" pitchFamily="49" charset="0"/>
+                <a:cs typeface="Courier New" panose="02070309020205020404" pitchFamily="49" charset="0"/>
+              </a:rPr>
+              <a:t>8</a:t>
+            </a:r>
+            <a:r>
+              <a:rPr lang="en-US" b="1" dirty="0">
+                <a:solidFill>
+                  <a:schemeClr val="tx1"/>
+                </a:solidFill>
+                <a:latin typeface="Courier New" panose="02070309020205020404" pitchFamily="49" charset="0"/>
+                <a:cs typeface="Courier New" panose="02070309020205020404" pitchFamily="49" charset="0"/>
+              </a:rPr>
+              <a:t>) {</a:t>
+            </a:r>
+          </a:p>
+          <a:p>
+            <a:pPr>
+              <a:tabLst>
+                <a:tab pos="347663" algn="l"/>
+                <a:tab pos="682625" algn="l"/>
+                <a:tab pos="1087438" algn="l"/>
+                <a:tab pos="1377950" algn="l"/>
+                <a:tab pos="1712913" algn="l"/>
+              </a:tabLst>
+            </a:pPr>
+            <a:r>
+              <a:rPr lang="en-US" b="1" dirty="0">
+                <a:solidFill>
+                  <a:schemeClr val="tx1"/>
+                </a:solidFill>
+                <a:latin typeface="Courier New" panose="02070309020205020404" pitchFamily="49" charset="0"/>
+                <a:cs typeface="Courier New" panose="02070309020205020404" pitchFamily="49" charset="0"/>
+              </a:rPr>
+              <a:t>    </a:t>
+            </a:r>
+            <a:r>
+              <a:rPr lang="en-US" b="1" dirty="0">
+                <a:solidFill>
+                  <a:srgbClr val="006600"/>
+                </a:solidFill>
+                <a:latin typeface="Courier New" panose="02070309020205020404" pitchFamily="49" charset="0"/>
+                <a:cs typeface="Courier New" panose="02070309020205020404" pitchFamily="49" charset="0"/>
+              </a:rPr>
+              <a:t>// print "A"</a:t>
+            </a:r>
+          </a:p>
+          <a:p>
+            <a:pPr>
+              <a:tabLst>
+                <a:tab pos="347663" algn="l"/>
+                <a:tab pos="682625" algn="l"/>
+                <a:tab pos="1087438" algn="l"/>
+                <a:tab pos="1377950" algn="l"/>
+                <a:tab pos="1712913" algn="l"/>
+              </a:tabLst>
+            </a:pPr>
+            <a:r>
+              <a:rPr lang="en-US" b="1" dirty="0">
+                <a:solidFill>
+                  <a:schemeClr val="tx1"/>
+                </a:solidFill>
+                <a:latin typeface="Courier New" panose="02070309020205020404" pitchFamily="49" charset="0"/>
+                <a:cs typeface="Courier New" panose="02070309020205020404" pitchFamily="49" charset="0"/>
+              </a:rPr>
+              <a:t>  } </a:t>
+            </a:r>
+            <a:r>
+              <a:rPr lang="en-US" b="1" dirty="0">
+                <a:solidFill>
+                  <a:srgbClr val="0000FF"/>
+                </a:solidFill>
+                <a:latin typeface="Courier New" panose="02070309020205020404" pitchFamily="49" charset="0"/>
+                <a:cs typeface="Courier New" panose="02070309020205020404" pitchFamily="49" charset="0"/>
+              </a:rPr>
+              <a:t>else</a:t>
+            </a:r>
+            <a:r>
+              <a:rPr lang="en-US" b="1" dirty="0">
+                <a:solidFill>
+                  <a:schemeClr val="tx1"/>
+                </a:solidFill>
+                <a:latin typeface="Courier New" panose="02070309020205020404" pitchFamily="49" charset="0"/>
+                <a:cs typeface="Courier New" panose="02070309020205020404" pitchFamily="49" charset="0"/>
+              </a:rPr>
+              <a:t> </a:t>
+            </a:r>
+            <a:r>
+              <a:rPr lang="en-US" b="1" dirty="0">
+                <a:solidFill>
+                  <a:srgbClr val="0000FF"/>
+                </a:solidFill>
+                <a:latin typeface="Courier New" panose="02070309020205020404" pitchFamily="49" charset="0"/>
+                <a:cs typeface="Courier New" panose="02070309020205020404" pitchFamily="49" charset="0"/>
+              </a:rPr>
+              <a:t>if</a:t>
+            </a:r>
+            <a:r>
+              <a:rPr lang="en-US" b="1" dirty="0">
+                <a:solidFill>
+                  <a:schemeClr val="tx1"/>
+                </a:solidFill>
+                <a:latin typeface="Courier New" panose="02070309020205020404" pitchFamily="49" charset="0"/>
+                <a:cs typeface="Courier New" panose="02070309020205020404" pitchFamily="49" charset="0"/>
+              </a:rPr>
+              <a:t> (score &gt;= </a:t>
+            </a:r>
+            <a:r>
+              <a:rPr lang="en-US" b="1" dirty="0">
+                <a:solidFill>
+                  <a:srgbClr val="C00000"/>
+                </a:solidFill>
+                <a:latin typeface="Courier New" panose="02070309020205020404" pitchFamily="49" charset="0"/>
+                <a:cs typeface="Courier New" panose="02070309020205020404" pitchFamily="49" charset="0"/>
+              </a:rPr>
+              <a:t>5</a:t>
+            </a:r>
+            <a:r>
+              <a:rPr lang="en-US" b="1" dirty="0">
+                <a:solidFill>
+                  <a:schemeClr val="tx1"/>
+                </a:solidFill>
+                <a:latin typeface="Courier New" panose="02070309020205020404" pitchFamily="49" charset="0"/>
+                <a:cs typeface="Courier New" panose="02070309020205020404" pitchFamily="49" charset="0"/>
+              </a:rPr>
+              <a:t>) {</a:t>
+            </a:r>
+          </a:p>
+          <a:p>
+            <a:pPr>
+              <a:tabLst>
+                <a:tab pos="347663" algn="l"/>
+                <a:tab pos="682625" algn="l"/>
+                <a:tab pos="1087438" algn="l"/>
+                <a:tab pos="1377950" algn="l"/>
+                <a:tab pos="1712913" algn="l"/>
+              </a:tabLst>
+            </a:pPr>
+            <a:r>
+              <a:rPr lang="en-US" b="1" dirty="0">
+                <a:solidFill>
+                  <a:schemeClr val="tx1"/>
+                </a:solidFill>
+                <a:latin typeface="Courier New" panose="02070309020205020404" pitchFamily="49" charset="0"/>
+                <a:cs typeface="Courier New" panose="02070309020205020404" pitchFamily="49" charset="0"/>
+              </a:rPr>
+              <a:t>    </a:t>
+            </a:r>
+            <a:r>
+              <a:rPr lang="en-US" b="1" dirty="0">
+                <a:solidFill>
+                  <a:srgbClr val="006600"/>
+                </a:solidFill>
+                <a:latin typeface="Courier New" panose="02070309020205020404" pitchFamily="49" charset="0"/>
+                <a:cs typeface="Courier New" panose="02070309020205020404" pitchFamily="49" charset="0"/>
+              </a:rPr>
+              <a:t>// print "B"</a:t>
+            </a:r>
+          </a:p>
+          <a:p>
+            <a:pPr>
+              <a:tabLst>
+                <a:tab pos="347663" algn="l"/>
+                <a:tab pos="682625" algn="l"/>
+                <a:tab pos="1087438" algn="l"/>
+                <a:tab pos="1377950" algn="l"/>
+                <a:tab pos="1712913" algn="l"/>
+              </a:tabLst>
+            </a:pPr>
+            <a:r>
+              <a:rPr lang="en-US" b="1" dirty="0">
+                <a:solidFill>
+                  <a:schemeClr val="tx1"/>
+                </a:solidFill>
+                <a:latin typeface="Courier New" panose="02070309020205020404" pitchFamily="49" charset="0"/>
+                <a:cs typeface="Courier New" panose="02070309020205020404" pitchFamily="49" charset="0"/>
+              </a:rPr>
+              <a:t>  } </a:t>
+            </a:r>
+            <a:r>
+              <a:rPr lang="en-US" b="1" dirty="0">
+                <a:solidFill>
+                  <a:srgbClr val="0000FF"/>
+                </a:solidFill>
+                <a:latin typeface="Courier New" panose="02070309020205020404" pitchFamily="49" charset="0"/>
+                <a:cs typeface="Courier New" panose="02070309020205020404" pitchFamily="49" charset="0"/>
+              </a:rPr>
+              <a:t>else if</a:t>
+            </a:r>
+            <a:r>
+              <a:rPr lang="en-US" b="1" dirty="0">
+                <a:solidFill>
+                  <a:schemeClr val="tx1"/>
+                </a:solidFill>
+                <a:latin typeface="Courier New" panose="02070309020205020404" pitchFamily="49" charset="0"/>
+                <a:cs typeface="Courier New" panose="02070309020205020404" pitchFamily="49" charset="0"/>
+              </a:rPr>
+              <a:t> (score &gt;= </a:t>
+            </a:r>
+            <a:r>
+              <a:rPr lang="en-US" b="1" dirty="0">
+                <a:solidFill>
+                  <a:srgbClr val="C00000"/>
+                </a:solidFill>
+                <a:latin typeface="Courier New" panose="02070309020205020404" pitchFamily="49" charset="0"/>
+                <a:cs typeface="Courier New" panose="02070309020205020404" pitchFamily="49" charset="0"/>
+              </a:rPr>
+              <a:t>3</a:t>
+            </a:r>
+            <a:r>
+              <a:rPr lang="en-US" b="1" dirty="0">
+                <a:solidFill>
+                  <a:schemeClr val="tx1"/>
+                </a:solidFill>
+                <a:latin typeface="Courier New" panose="02070309020205020404" pitchFamily="49" charset="0"/>
+                <a:cs typeface="Courier New" panose="02070309020205020404" pitchFamily="49" charset="0"/>
+              </a:rPr>
+              <a:t>) {</a:t>
+            </a:r>
+          </a:p>
+          <a:p>
+            <a:pPr>
+              <a:tabLst>
+                <a:tab pos="347663" algn="l"/>
+                <a:tab pos="682625" algn="l"/>
+                <a:tab pos="1087438" algn="l"/>
+                <a:tab pos="1377950" algn="l"/>
+                <a:tab pos="1712913" algn="l"/>
+              </a:tabLst>
+            </a:pPr>
+            <a:r>
+              <a:rPr lang="en-US" b="1" dirty="0">
+                <a:solidFill>
+                  <a:schemeClr val="tx1"/>
+                </a:solidFill>
+                <a:latin typeface="Courier New" panose="02070309020205020404" pitchFamily="49" charset="0"/>
+                <a:cs typeface="Courier New" panose="02070309020205020404" pitchFamily="49" charset="0"/>
+              </a:rPr>
+              <a:t>   </a:t>
+            </a:r>
+            <a:r>
+              <a:rPr lang="en-US" b="1" dirty="0">
+                <a:solidFill>
+                  <a:srgbClr val="006600"/>
+                </a:solidFill>
+                <a:latin typeface="Courier New" panose="02070309020205020404" pitchFamily="49" charset="0"/>
+                <a:cs typeface="Courier New" panose="02070309020205020404" pitchFamily="49" charset="0"/>
+              </a:rPr>
+              <a:t> // print "C"      </a:t>
+            </a:r>
+          </a:p>
+          <a:p>
+            <a:pPr>
+              <a:tabLst>
+                <a:tab pos="347663" algn="l"/>
+                <a:tab pos="682625" algn="l"/>
+                <a:tab pos="1087438" algn="l"/>
+                <a:tab pos="1377950" algn="l"/>
+                <a:tab pos="1712913" algn="l"/>
+              </a:tabLst>
+            </a:pPr>
+            <a:r>
+              <a:rPr lang="en-US" b="1" dirty="0">
+                <a:solidFill>
+                  <a:schemeClr val="tx1"/>
+                </a:solidFill>
+                <a:latin typeface="Courier New" panose="02070309020205020404" pitchFamily="49" charset="0"/>
+                <a:cs typeface="Courier New" panose="02070309020205020404" pitchFamily="49" charset="0"/>
+              </a:rPr>
+              <a:t>  } </a:t>
+            </a:r>
+            <a:r>
+              <a:rPr lang="en-US" b="1" dirty="0">
+                <a:solidFill>
+                  <a:srgbClr val="0000FF"/>
+                </a:solidFill>
+                <a:latin typeface="Courier New" panose="02070309020205020404" pitchFamily="49" charset="0"/>
+                <a:cs typeface="Courier New" panose="02070309020205020404" pitchFamily="49" charset="0"/>
+              </a:rPr>
+              <a:t>else </a:t>
+            </a:r>
+            <a:r>
+              <a:rPr lang="en-US" b="1" dirty="0">
+                <a:solidFill>
+                  <a:schemeClr val="tx1"/>
+                </a:solidFill>
+                <a:latin typeface="Courier New" panose="02070309020205020404" pitchFamily="49" charset="0"/>
+                <a:cs typeface="Courier New" panose="02070309020205020404" pitchFamily="49" charset="0"/>
+              </a:rPr>
+              <a:t>{</a:t>
+            </a:r>
+          </a:p>
+          <a:p>
+            <a:pPr>
+              <a:tabLst>
+                <a:tab pos="347663" algn="l"/>
+                <a:tab pos="682625" algn="l"/>
+                <a:tab pos="1087438" algn="l"/>
+                <a:tab pos="1377950" algn="l"/>
+                <a:tab pos="1712913" algn="l"/>
+              </a:tabLst>
+            </a:pPr>
+            <a:r>
+              <a:rPr lang="en-US" b="1" dirty="0">
+                <a:solidFill>
+                  <a:schemeClr val="tx1"/>
+                </a:solidFill>
+                <a:latin typeface="Courier New" panose="02070309020205020404" pitchFamily="49" charset="0"/>
+                <a:cs typeface="Courier New" panose="02070309020205020404" pitchFamily="49" charset="0"/>
+              </a:rPr>
+              <a:t>  </a:t>
+            </a:r>
+            <a:r>
+              <a:rPr lang="en-US" b="1" dirty="0">
+                <a:solidFill>
+                  <a:srgbClr val="006600"/>
+                </a:solidFill>
+                <a:latin typeface="Courier New" panose="02070309020205020404" pitchFamily="49" charset="0"/>
+                <a:cs typeface="Courier New" panose="02070309020205020404" pitchFamily="49" charset="0"/>
+              </a:rPr>
+              <a:t>  // print "D"</a:t>
+            </a:r>
+          </a:p>
+          <a:p>
+            <a:pPr>
+              <a:tabLst>
+                <a:tab pos="347663" algn="l"/>
+                <a:tab pos="682625" algn="l"/>
+                <a:tab pos="1087438" algn="l"/>
+                <a:tab pos="1377950" algn="l"/>
+                <a:tab pos="1712913" algn="l"/>
+              </a:tabLst>
+            </a:pPr>
+            <a:r>
+              <a:rPr lang="en-US" b="1" dirty="0">
+                <a:solidFill>
+                  <a:schemeClr val="tx1"/>
+                </a:solidFill>
+                <a:latin typeface="Courier New" panose="02070309020205020404" pitchFamily="49" charset="0"/>
+                <a:cs typeface="Courier New" panose="02070309020205020404" pitchFamily="49" charset="0"/>
+              </a:rPr>
+              <a:t>  }</a:t>
+            </a:r>
+          </a:p>
+          <a:p>
+            <a:pPr>
+              <a:tabLst>
+                <a:tab pos="347663" algn="l"/>
+                <a:tab pos="682625" algn="l"/>
+                <a:tab pos="1087438" algn="l"/>
+                <a:tab pos="1377950" algn="l"/>
+                <a:tab pos="1712913" algn="l"/>
+              </a:tabLst>
+            </a:pPr>
+            <a:r>
+              <a:rPr lang="en-US" b="1" dirty="0">
+                <a:solidFill>
+                  <a:schemeClr val="tx1"/>
+                </a:solidFill>
+                <a:latin typeface="Courier New" panose="02070309020205020404" pitchFamily="49" charset="0"/>
+                <a:cs typeface="Courier New" panose="02070309020205020404" pitchFamily="49" charset="0"/>
+              </a:rPr>
+              <a:t>…</a:t>
+            </a:r>
+          </a:p>
+        </p:txBody>
+      </p:sp>
+      <p:sp>
+        <p:nvSpPr>
+          <p:cNvPr id="2" name="Footer Placeholder 1">
+            <a:extLst>
+              <a:ext uri="{FF2B5EF4-FFF2-40B4-BE49-F238E27FC236}">
+                <a16:creationId xmlns:a16="http://schemas.microsoft.com/office/drawing/2014/main" id="{A7345B35-B736-ADB2-D15A-588CF0F77B1C}"/>
+              </a:ext>
+            </a:extLst>
+          </p:cNvPr>
+          <p:cNvSpPr>
+            <a:spLocks noGrp="1"/>
+          </p:cNvSpPr>
+          <p:nvPr>
+            <p:ph type="ftr" sz="quarter" idx="11"/>
+          </p:nvPr>
+        </p:nvSpPr>
+        <p:spPr/>
+        <p:txBody>
+          <a:bodyPr/>
+          <a:lstStyle/>
+          <a:p>
+            <a:pPr algn="l">
+              <a:defRPr/>
+            </a:pPr>
+            <a:r>
+              <a:rPr lang="en-US"/>
+              <a:t>CS1010 (AY2023/24 Semester 2)</a:t>
+            </a:r>
+            <a:endParaRPr lang="en-US" dirty="0"/>
+          </a:p>
+        </p:txBody>
+      </p:sp>
+      <p:sp>
+        <p:nvSpPr>
+          <p:cNvPr id="3" name="Slide Number Placeholder 2">
+            <a:extLst>
+              <a:ext uri="{FF2B5EF4-FFF2-40B4-BE49-F238E27FC236}">
+                <a16:creationId xmlns:a16="http://schemas.microsoft.com/office/drawing/2014/main" id="{80865E46-A579-1B0C-AE3F-8D1788B9C465}"/>
+              </a:ext>
+            </a:extLst>
+          </p:cNvPr>
+          <p:cNvSpPr>
+            <a:spLocks noGrp="1"/>
+          </p:cNvSpPr>
+          <p:nvPr>
+            <p:ph type="sldNum" sz="quarter" idx="12"/>
+          </p:nvPr>
+        </p:nvSpPr>
+        <p:spPr/>
+        <p:txBody>
+          <a:bodyPr/>
+          <a:lstStyle/>
+          <a:p>
+            <a:pPr>
+              <a:defRPr/>
+            </a:pPr>
+            <a:r>
+              <a:rPr lang="en-US" dirty="0"/>
+              <a:t>Week4R - </a:t>
+            </a:r>
+            <a:fld id="{2E4790E1-2590-4AEE-892D-AB46A7688113}" type="slidenum">
+              <a:rPr lang="en-US" smtClean="0"/>
+              <a:pPr>
+                <a:defRPr/>
+              </a:pPr>
+              <a:t>3</a:t>
+            </a:fld>
+            <a:endParaRPr lang="en-US" dirty="0"/>
+          </a:p>
+        </p:txBody>
+      </p:sp>
+      <p:pic>
+        <p:nvPicPr>
+          <p:cNvPr id="5" name="Picture 4">
+            <a:extLst>
+              <a:ext uri="{FF2B5EF4-FFF2-40B4-BE49-F238E27FC236}">
+                <a16:creationId xmlns:a16="http://schemas.microsoft.com/office/drawing/2014/main" id="{CED67AB4-40C4-C066-C8DD-3E0BAE68323E}"/>
+              </a:ext>
+            </a:extLst>
+          </p:cNvPr>
+          <p:cNvPicPr>
+            <a:picLocks noChangeAspect="1"/>
+          </p:cNvPicPr>
+          <p:nvPr/>
+        </p:nvPicPr>
+        <p:blipFill>
+          <a:blip r:embed="rId3"/>
+          <a:stretch>
+            <a:fillRect/>
+          </a:stretch>
+        </p:blipFill>
+        <p:spPr>
+          <a:xfrm>
+            <a:off x="3958369" y="4260834"/>
+            <a:ext cx="3499407" cy="1956986"/>
+          </a:xfrm>
+          <a:prstGeom prst="rect">
+            <a:avLst/>
+          </a:prstGeom>
+        </p:spPr>
+      </p:pic>
+    </p:spTree>
+    <p:extLst>
+      <p:ext uri="{BB962C8B-B14F-4D97-AF65-F5344CB8AC3E}">
+        <p14:creationId xmlns:p14="http://schemas.microsoft.com/office/powerpoint/2010/main" val="686532275"/>
+      </p:ext>
+    </p:extLst>
+  </p:cSld>
+  <p:clrMapOvr>
+    <a:masterClrMapping/>
+  </p:clrMapOvr>
+  <p:transition>
+    <p:fade/>
+  </p:transition>
+</p:sld>
+</file>
+
+<file path=ppt/slides/slide4.xml><?xml version="1.0" encoding="utf-8"?>
+<p:sld xmlns:a="http://schemas.openxmlformats.org/drawingml/2006/main" xmlns:r="http://schemas.openxmlformats.org/officeDocument/2006/relationships" xmlns:p="http://schemas.openxmlformats.org/presentationml/2006/main">
+  <p:cSld>
+    <p:spTree>
+      <p:nvGrpSpPr>
+        <p:cNvPr id="1" name=""/>
+        <p:cNvGrpSpPr/>
+        <p:nvPr/>
+      </p:nvGrpSpPr>
+      <p:grpSpPr>
+        <a:xfrm>
+          <a:off x="0" y="0"/>
+          <a:ext cx="0" cy="0"/>
+          <a:chOff x="0" y="0"/>
+          <a:chExt cx="0" cy="0"/>
+        </a:xfrm>
+      </p:grpSpPr>
+      <p:sp>
+        <p:nvSpPr>
+          <p:cNvPr id="14338" name="Rectangle 2"/>
+          <p:cNvSpPr>
+            <a:spLocks noGrp="1" noChangeArrowheads="1"/>
+          </p:cNvSpPr>
+          <p:nvPr>
+            <p:ph type="title"/>
+          </p:nvPr>
+        </p:nvSpPr>
+        <p:spPr>
+          <a:xfrm>
+            <a:off x="533400" y="381000"/>
+            <a:ext cx="8382000" cy="838200"/>
+          </a:xfrm>
+        </p:spPr>
+        <p:txBody>
+          <a:bodyPr>
+            <a:normAutofit/>
+          </a:bodyPr>
+          <a:lstStyle/>
+          <a:p>
+            <a:pPr eaLnBrk="1" hangingPunct="1"/>
+            <a:r>
               <a:rPr lang="en-GB" sz="3600" dirty="0">
                 <a:solidFill>
                   <a:srgbClr val="0000FF"/>
@@ -14551,7 +15857,7 @@
             <a:r>
               <a:rPr lang="en-US" b="1" dirty="0">
                 <a:solidFill>
-                  <a:schemeClr val="tx1"/>
+                  <a:srgbClr val="006600"/>
                 </a:solidFill>
                 <a:latin typeface="Courier New" panose="02070309020205020404" pitchFamily="49" charset="0"/>
                 <a:cs typeface="Courier New" panose="02070309020205020404" pitchFamily="49" charset="0"/>
@@ -14679,7 +15985,17 @@
                 <a:latin typeface="Courier New" panose="02070309020205020404" pitchFamily="49" charset="0"/>
                 <a:cs typeface="Courier New" panose="02070309020205020404" pitchFamily="49" charset="0"/>
               </a:rPr>
-              <a:t>      // print "B"</a:t>
+              <a:t>      </a:t>
+            </a:r>
+            <a:r>
+              <a:rPr lang="en-US" b="1" dirty="0">
+                <a:solidFill>
+                  <a:srgbClr val="006600"/>
+                </a:solidFill>
+                <a:latin typeface="Courier New" panose="02070309020205020404" pitchFamily="49" charset="0"/>
+                <a:cs typeface="Courier New" panose="02070309020205020404" pitchFamily="49" charset="0"/>
+              </a:rPr>
+              <a:t>// print "B"</a:t>
             </a:r>
           </a:p>
           <a:p>
@@ -14802,7 +16118,17 @@
                 <a:latin typeface="Courier New" panose="02070309020205020404" pitchFamily="49" charset="0"/>
                 <a:cs typeface="Courier New" panose="02070309020205020404" pitchFamily="49" charset="0"/>
               </a:rPr>
-              <a:t>        // print "C"      </a:t>
+              <a:t>        </a:t>
+            </a:r>
+            <a:r>
+              <a:rPr lang="en-US" b="1" dirty="0">
+                <a:solidFill>
+                  <a:srgbClr val="006600"/>
+                </a:solidFill>
+                <a:latin typeface="Courier New" panose="02070309020205020404" pitchFamily="49" charset="0"/>
+                <a:cs typeface="Courier New" panose="02070309020205020404" pitchFamily="49" charset="0"/>
+              </a:rPr>
+              <a:t>// print "C"      </a:t>
             </a:r>
           </a:p>
           <a:p>
@@ -14823,7 +16149,7 @@
                 <a:latin typeface="Courier New" panose="02070309020205020404" pitchFamily="49" charset="0"/>
                 <a:cs typeface="Courier New" panose="02070309020205020404" pitchFamily="49" charset="0"/>
               </a:rPr>
-              <a:t>    } </a:t>
+              <a:t>      } </a:t>
             </a:r>
             <a:r>
               <a:rPr lang="en-US" b="1" dirty="0">
@@ -14859,7 +16185,7 @@
             <a:r>
               <a:rPr lang="en-US" b="1" dirty="0">
                 <a:solidFill>
-                  <a:schemeClr val="tx1"/>
+                  <a:srgbClr val="006600"/>
                 </a:solidFill>
                 <a:latin typeface="Courier New" panose="02070309020205020404" pitchFamily="49" charset="0"/>
                 <a:cs typeface="Courier New" panose="02070309020205020404" pitchFamily="49" charset="0"/>
@@ -14953,39 +16279,6 @@
           </a:p>
         </p:txBody>
       </p:sp>
-      <p:pic>
-        <p:nvPicPr>
-          <p:cNvPr id="6" name="Picture 5">
-            <a:extLst>
-              <a:ext uri="{FF2B5EF4-FFF2-40B4-BE49-F238E27FC236}">
-                <a16:creationId xmlns:a16="http://schemas.microsoft.com/office/drawing/2014/main" id="{3C6114E5-8048-4B49-9203-9B6E6AC2505F}"/>
-              </a:ext>
-            </a:extLst>
-          </p:cNvPr>
-          <p:cNvPicPr>
-            <a:picLocks noChangeAspect="1"/>
-          </p:cNvPicPr>
-          <p:nvPr/>
-        </p:nvPicPr>
-        <p:blipFill>
-          <a:blip r:embed="rId3"/>
-          <a:stretch>
-            <a:fillRect/>
-          </a:stretch>
-        </p:blipFill>
-        <p:spPr>
-          <a:xfrm>
-            <a:off x="3762429" y="4253340"/>
-            <a:ext cx="5246522" cy="2428727"/>
-          </a:xfrm>
-          <a:prstGeom prst="rect">
-            <a:avLst/>
-          </a:prstGeom>
-          <a:solidFill>
-            <a:schemeClr val="bg1"/>
-          </a:solidFill>
-        </p:spPr>
-      </p:pic>
       <p:sp>
         <p:nvSpPr>
           <p:cNvPr id="2" name="Footer Placeholder 1">
@@ -15051,997 +16344,46 @@
               <a:pPr>
                 <a:defRPr/>
               </a:pPr>
-              <a:t>3</a:t>
+              <a:t>4</a:t>
             </a:fld>
             <a:endParaRPr lang="en-US" dirty="0"/>
           </a:p>
         </p:txBody>
       </p:sp>
+      <p:pic>
+        <p:nvPicPr>
+          <p:cNvPr id="5" name="Picture 4">
+            <a:extLst>
+              <a:ext uri="{FF2B5EF4-FFF2-40B4-BE49-F238E27FC236}">
+                <a16:creationId xmlns:a16="http://schemas.microsoft.com/office/drawing/2014/main" id="{4B11997C-7AE4-B7F4-0AC7-D60041896F8F}"/>
+              </a:ext>
+            </a:extLst>
+          </p:cNvPr>
+          <p:cNvPicPr>
+            <a:picLocks noChangeAspect="1"/>
+          </p:cNvPicPr>
+          <p:nvPr/>
+        </p:nvPicPr>
+        <p:blipFill>
+          <a:blip r:embed="rId3"/>
+          <a:stretch>
+            <a:fillRect/>
+          </a:stretch>
+        </p:blipFill>
+        <p:spPr>
+          <a:xfrm>
+            <a:off x="3818429" y="4572001"/>
+            <a:ext cx="4864998" cy="1760145"/>
+          </a:xfrm>
+          <a:prstGeom prst="rect">
+            <a:avLst/>
+          </a:prstGeom>
+        </p:spPr>
+      </p:pic>
     </p:spTree>
     <p:extLst>
       <p:ext uri="{BB962C8B-B14F-4D97-AF65-F5344CB8AC3E}">
         <p14:creationId xmlns:p14="http://schemas.microsoft.com/office/powerpoint/2010/main" val="4240540711"/>
-      </p:ext>
-    </p:extLst>
-  </p:cSld>
-  <p:clrMapOvr>
-    <a:masterClrMapping/>
-  </p:clrMapOvr>
-  <p:transition>
-    <p:fade/>
-  </p:transition>
-</p:sld>
-</file>
-
-<file path=ppt/slides/slide4.xml><?xml version="1.0" encoding="utf-8"?>
-<p:sld xmlns:a="http://schemas.openxmlformats.org/drawingml/2006/main" xmlns:r="http://schemas.openxmlformats.org/officeDocument/2006/relationships" xmlns:p="http://schemas.openxmlformats.org/presentationml/2006/main">
-  <p:cSld>
-    <p:spTree>
-      <p:nvGrpSpPr>
-        <p:cNvPr id="1" name=""/>
-        <p:cNvGrpSpPr/>
-        <p:nvPr/>
-      </p:nvGrpSpPr>
-      <p:grpSpPr>
-        <a:xfrm>
-          <a:off x="0" y="0"/>
-          <a:ext cx="0" cy="0"/>
-          <a:chOff x="0" y="0"/>
-          <a:chExt cx="0" cy="0"/>
-        </a:xfrm>
-      </p:grpSpPr>
-      <p:sp>
-        <p:nvSpPr>
-          <p:cNvPr id="14338" name="Rectangle 2"/>
-          <p:cNvSpPr>
-            <a:spLocks noGrp="1" noChangeArrowheads="1"/>
-          </p:cNvSpPr>
-          <p:nvPr>
-            <p:ph type="title"/>
-          </p:nvPr>
-        </p:nvSpPr>
-        <p:spPr>
-          <a:xfrm>
-            <a:off x="533400" y="381000"/>
-            <a:ext cx="8382000" cy="838200"/>
-          </a:xfrm>
-        </p:spPr>
-        <p:txBody>
-          <a:bodyPr>
-            <a:normAutofit/>
-          </a:bodyPr>
-          <a:lstStyle/>
-          <a:p>
-            <a:pPr eaLnBrk="1" hangingPunct="1"/>
-            <a:r>
-              <a:rPr lang="en-GB" sz="3600" i="1" dirty="0">
-                <a:solidFill>
-                  <a:srgbClr val="0000FF"/>
-                </a:solidFill>
-                <a:latin typeface="Garamond" panose="02020404030301010803" pitchFamily="18" charset="0"/>
-              </a:rPr>
-              <a:t>if-(else-if-)else…</a:t>
-            </a:r>
-            <a:r>
-              <a:rPr lang="en-GB" sz="3600" dirty="0">
-                <a:solidFill>
-                  <a:srgbClr val="0000FF"/>
-                </a:solidFill>
-              </a:rPr>
-              <a:t> Statements </a:t>
-            </a:r>
-          </a:p>
-        </p:txBody>
-      </p:sp>
-      <p:sp>
-        <p:nvSpPr>
-          <p:cNvPr id="8" name="Content Placeholder 5"/>
-          <p:cNvSpPr>
-            <a:spLocks noGrp="1"/>
-          </p:cNvSpPr>
-          <p:nvPr>
-            <p:ph idx="1"/>
-          </p:nvPr>
-        </p:nvSpPr>
-        <p:spPr>
-          <a:xfrm>
-            <a:off x="587375" y="1187451"/>
-            <a:ext cx="8229600" cy="3384550"/>
-          </a:xfrm>
-        </p:spPr>
-        <p:txBody>
-          <a:bodyPr/>
-          <a:lstStyle/>
-          <a:p>
-            <a:pPr marL="621983" lvl="1" indent="-347663">
-              <a:spcBef>
-                <a:spcPts val="600"/>
-              </a:spcBef>
-              <a:buClr>
-                <a:schemeClr val="tx1">
-                  <a:lumMod val="90000"/>
-                  <a:lumOff val="10000"/>
-                </a:schemeClr>
-              </a:buClr>
-              <a:buSzPct val="100000"/>
-              <a:buFont typeface="Wingdings" panose="05000000000000000000" pitchFamily="2" charset="2"/>
-              <a:buChar char="§"/>
-              <a:defRPr/>
-            </a:pPr>
-            <a:r>
-              <a:rPr lang="en-US" sz="2400" dirty="0"/>
-              <a:t>Problem: Print a letter grade based on a score</a:t>
-            </a:r>
-            <a:endParaRPr lang="en-US" sz="2800" dirty="0"/>
-          </a:p>
-          <a:p>
-            <a:pPr marL="274320" lvl="1" indent="0">
-              <a:spcBef>
-                <a:spcPts val="600"/>
-              </a:spcBef>
-              <a:buClr>
-                <a:schemeClr val="tx1">
-                  <a:lumMod val="90000"/>
-                  <a:lumOff val="10000"/>
-                </a:schemeClr>
-              </a:buClr>
-              <a:buSzPct val="100000"/>
-              <a:buNone/>
-              <a:defRPr/>
-            </a:pPr>
-            <a:endParaRPr lang="en-US" sz="2400" dirty="0"/>
-          </a:p>
-          <a:p>
-            <a:pPr marL="621983" lvl="1" indent="-347663">
-              <a:spcBef>
-                <a:spcPts val="600"/>
-              </a:spcBef>
-              <a:buClr>
-                <a:schemeClr val="tx1">
-                  <a:lumMod val="90000"/>
-                  <a:lumOff val="10000"/>
-                </a:schemeClr>
-              </a:buClr>
-              <a:buSzPct val="100000"/>
-              <a:buFont typeface="Wingdings" panose="05000000000000000000" pitchFamily="2" charset="2"/>
-              <a:buChar char="§"/>
-              <a:defRPr/>
-            </a:pPr>
-            <a:endParaRPr lang="en-US" sz="2400" dirty="0"/>
-          </a:p>
-          <a:p>
-            <a:pPr marL="621983" lvl="1" indent="-347663">
-              <a:spcBef>
-                <a:spcPts val="600"/>
-              </a:spcBef>
-              <a:buClr>
-                <a:schemeClr val="tx1">
-                  <a:lumMod val="90000"/>
-                  <a:lumOff val="10000"/>
-                </a:schemeClr>
-              </a:buClr>
-              <a:buSzPct val="100000"/>
-              <a:buFont typeface="Wingdings" panose="05000000000000000000" pitchFamily="2" charset="2"/>
-              <a:buChar char="§"/>
-              <a:defRPr/>
-            </a:pPr>
-            <a:endParaRPr lang="en-US" dirty="0"/>
-          </a:p>
-          <a:p>
-            <a:pPr marL="621983" lvl="1" indent="-347663">
-              <a:spcBef>
-                <a:spcPts val="600"/>
-              </a:spcBef>
-              <a:buClr>
-                <a:schemeClr val="tx1">
-                  <a:lumMod val="90000"/>
-                  <a:lumOff val="10000"/>
-                </a:schemeClr>
-              </a:buClr>
-              <a:buSzPct val="100000"/>
-              <a:buFont typeface="Wingdings" panose="05000000000000000000" pitchFamily="2" charset="2"/>
-              <a:buChar char="§"/>
-              <a:defRPr/>
-            </a:pPr>
-            <a:endParaRPr lang="en-US" dirty="0"/>
-          </a:p>
-        </p:txBody>
-      </p:sp>
-      <p:sp>
-        <p:nvSpPr>
-          <p:cNvPr id="9" name="TextBox 8">
-            <a:extLst>
-              <a:ext uri="{FF2B5EF4-FFF2-40B4-BE49-F238E27FC236}">
-                <a16:creationId xmlns:a16="http://schemas.microsoft.com/office/drawing/2014/main" id="{279DD0F7-7371-46CC-B55A-367690ADD30F}"/>
-              </a:ext>
-            </a:extLst>
-          </p:cNvPr>
-          <p:cNvSpPr txBox="1"/>
-          <p:nvPr/>
-        </p:nvSpPr>
-        <p:spPr>
-          <a:xfrm>
-            <a:off x="844357" y="1725915"/>
-            <a:ext cx="4109480" cy="3139321"/>
-          </a:xfrm>
-          <a:prstGeom prst="rect">
-            <a:avLst/>
-          </a:prstGeom>
-          <a:solidFill>
-            <a:schemeClr val="bg1"/>
-          </a:solidFill>
-          <a:ln w="19050">
-            <a:solidFill>
-              <a:schemeClr val="tx1"/>
-            </a:solidFill>
-          </a:ln>
-        </p:spPr>
-        <p:style>
-          <a:lnRef idx="2">
-            <a:schemeClr val="accent6"/>
-          </a:lnRef>
-          <a:fillRef idx="1">
-            <a:schemeClr val="lt1"/>
-          </a:fillRef>
-          <a:effectRef idx="0">
-            <a:schemeClr val="accent6"/>
-          </a:effectRef>
-          <a:fontRef idx="minor">
-            <a:schemeClr val="dk1"/>
-          </a:fontRef>
-        </p:style>
-        <p:txBody>
-          <a:bodyPr wrap="square" lIns="91440" tIns="45720" rIns="91440" bIns="45720" rtlCol="0" anchor="t">
-            <a:spAutoFit/>
-          </a:bodyPr>
-          <a:lstStyle/>
-          <a:p>
-            <a:pPr>
-              <a:tabLst>
-                <a:tab pos="347663" algn="l"/>
-                <a:tab pos="682625" algn="l"/>
-                <a:tab pos="1087438" algn="l"/>
-                <a:tab pos="1377950" algn="l"/>
-                <a:tab pos="1712913" algn="l"/>
-              </a:tabLst>
-            </a:pPr>
-            <a:r>
-              <a:rPr lang="en-US" b="1" dirty="0">
-                <a:solidFill>
-                  <a:schemeClr val="tx1"/>
-                </a:solidFill>
-                <a:latin typeface="Courier New" panose="02070309020205020404" pitchFamily="49" charset="0"/>
-                <a:cs typeface="Courier New" panose="02070309020205020404" pitchFamily="49" charset="0"/>
-              </a:rPr>
-              <a:t>…</a:t>
-            </a:r>
-          </a:p>
-          <a:p>
-            <a:pPr>
-              <a:tabLst>
-                <a:tab pos="347663" algn="l"/>
-                <a:tab pos="682625" algn="l"/>
-                <a:tab pos="1087438" algn="l"/>
-                <a:tab pos="1377950" algn="l"/>
-                <a:tab pos="1712913" algn="l"/>
-              </a:tabLst>
-            </a:pPr>
-            <a:r>
-              <a:rPr lang="en-US" b="1" dirty="0">
-                <a:solidFill>
-                  <a:schemeClr val="tx1"/>
-                </a:solidFill>
-                <a:latin typeface="Courier New" panose="02070309020205020404" pitchFamily="49" charset="0"/>
-                <a:cs typeface="Courier New" panose="02070309020205020404" pitchFamily="49" charset="0"/>
-              </a:rPr>
-              <a:t>  </a:t>
-            </a:r>
-            <a:r>
-              <a:rPr lang="en-US" b="1" dirty="0">
-                <a:solidFill>
-                  <a:srgbClr val="0000FF"/>
-                </a:solidFill>
-                <a:latin typeface="Courier New" panose="02070309020205020404" pitchFamily="49" charset="0"/>
-                <a:cs typeface="Courier New" panose="02070309020205020404" pitchFamily="49" charset="0"/>
-              </a:rPr>
-              <a:t>if</a:t>
-            </a:r>
-            <a:r>
-              <a:rPr lang="en-US" b="1" dirty="0">
-                <a:solidFill>
-                  <a:schemeClr val="tx1"/>
-                </a:solidFill>
-                <a:latin typeface="Courier New" panose="02070309020205020404" pitchFamily="49" charset="0"/>
-                <a:cs typeface="Courier New" panose="02070309020205020404" pitchFamily="49" charset="0"/>
-              </a:rPr>
-              <a:t> (score &gt;= </a:t>
-            </a:r>
-            <a:r>
-              <a:rPr lang="en-US" b="1" dirty="0">
-                <a:solidFill>
-                  <a:srgbClr val="C00000"/>
-                </a:solidFill>
-                <a:latin typeface="Courier New" panose="02070309020205020404" pitchFamily="49" charset="0"/>
-                <a:cs typeface="Courier New" panose="02070309020205020404" pitchFamily="49" charset="0"/>
-              </a:rPr>
-              <a:t>8</a:t>
-            </a:r>
-            <a:r>
-              <a:rPr lang="en-US" b="1" dirty="0">
-                <a:solidFill>
-                  <a:schemeClr val="tx1"/>
-                </a:solidFill>
-                <a:latin typeface="Courier New" panose="02070309020205020404" pitchFamily="49" charset="0"/>
-                <a:cs typeface="Courier New" panose="02070309020205020404" pitchFamily="49" charset="0"/>
-              </a:rPr>
-              <a:t>) {</a:t>
-            </a:r>
-          </a:p>
-          <a:p>
-            <a:pPr>
-              <a:tabLst>
-                <a:tab pos="347663" algn="l"/>
-                <a:tab pos="682625" algn="l"/>
-                <a:tab pos="1087438" algn="l"/>
-                <a:tab pos="1377950" algn="l"/>
-                <a:tab pos="1712913" algn="l"/>
-              </a:tabLst>
-            </a:pPr>
-            <a:r>
-              <a:rPr lang="en-US" b="1" dirty="0">
-                <a:solidFill>
-                  <a:schemeClr val="tx1"/>
-                </a:solidFill>
-                <a:latin typeface="Courier New" panose="02070309020205020404" pitchFamily="49" charset="0"/>
-                <a:cs typeface="Courier New" panose="02070309020205020404" pitchFamily="49" charset="0"/>
-              </a:rPr>
-              <a:t>    // print "A"</a:t>
-            </a:r>
-          </a:p>
-          <a:p>
-            <a:pPr>
-              <a:tabLst>
-                <a:tab pos="347663" algn="l"/>
-                <a:tab pos="682625" algn="l"/>
-                <a:tab pos="1087438" algn="l"/>
-                <a:tab pos="1377950" algn="l"/>
-                <a:tab pos="1712913" algn="l"/>
-              </a:tabLst>
-            </a:pPr>
-            <a:r>
-              <a:rPr lang="en-US" b="1" dirty="0">
-                <a:solidFill>
-                  <a:schemeClr val="tx1"/>
-                </a:solidFill>
-                <a:latin typeface="Courier New" panose="02070309020205020404" pitchFamily="49" charset="0"/>
-                <a:cs typeface="Courier New" panose="02070309020205020404" pitchFamily="49" charset="0"/>
-              </a:rPr>
-              <a:t>  } </a:t>
-            </a:r>
-            <a:r>
-              <a:rPr lang="en-US" b="1" dirty="0">
-                <a:solidFill>
-                  <a:srgbClr val="0000FF"/>
-                </a:solidFill>
-                <a:latin typeface="Courier New" panose="02070309020205020404" pitchFamily="49" charset="0"/>
-                <a:cs typeface="Courier New" panose="02070309020205020404" pitchFamily="49" charset="0"/>
-              </a:rPr>
-              <a:t>else</a:t>
-            </a:r>
-            <a:r>
-              <a:rPr lang="en-US" b="1" dirty="0">
-                <a:solidFill>
-                  <a:schemeClr val="tx1"/>
-                </a:solidFill>
-                <a:latin typeface="Courier New" panose="02070309020205020404" pitchFamily="49" charset="0"/>
-                <a:cs typeface="Courier New" panose="02070309020205020404" pitchFamily="49" charset="0"/>
-              </a:rPr>
-              <a:t> </a:t>
-            </a:r>
-            <a:r>
-              <a:rPr lang="en-US" b="1" dirty="0">
-                <a:solidFill>
-                  <a:srgbClr val="0000FF"/>
-                </a:solidFill>
-                <a:latin typeface="Courier New" panose="02070309020205020404" pitchFamily="49" charset="0"/>
-                <a:cs typeface="Courier New" panose="02070309020205020404" pitchFamily="49" charset="0"/>
-              </a:rPr>
-              <a:t>if</a:t>
-            </a:r>
-            <a:r>
-              <a:rPr lang="en-US" b="1" dirty="0">
-                <a:solidFill>
-                  <a:schemeClr val="tx1"/>
-                </a:solidFill>
-                <a:latin typeface="Courier New" panose="02070309020205020404" pitchFamily="49" charset="0"/>
-                <a:cs typeface="Courier New" panose="02070309020205020404" pitchFamily="49" charset="0"/>
-              </a:rPr>
-              <a:t> (score &gt;= </a:t>
-            </a:r>
-            <a:r>
-              <a:rPr lang="en-US" b="1" dirty="0">
-                <a:solidFill>
-                  <a:srgbClr val="C00000"/>
-                </a:solidFill>
-                <a:latin typeface="Courier New" panose="02070309020205020404" pitchFamily="49" charset="0"/>
-                <a:cs typeface="Courier New" panose="02070309020205020404" pitchFamily="49" charset="0"/>
-              </a:rPr>
-              <a:t>5</a:t>
-            </a:r>
-            <a:r>
-              <a:rPr lang="en-US" b="1" dirty="0">
-                <a:solidFill>
-                  <a:schemeClr val="tx1"/>
-                </a:solidFill>
-                <a:latin typeface="Courier New" panose="02070309020205020404" pitchFamily="49" charset="0"/>
-                <a:cs typeface="Courier New" panose="02070309020205020404" pitchFamily="49" charset="0"/>
-              </a:rPr>
-              <a:t>) {</a:t>
-            </a:r>
-          </a:p>
-          <a:p>
-            <a:pPr>
-              <a:tabLst>
-                <a:tab pos="347663" algn="l"/>
-                <a:tab pos="682625" algn="l"/>
-                <a:tab pos="1087438" algn="l"/>
-                <a:tab pos="1377950" algn="l"/>
-                <a:tab pos="1712913" algn="l"/>
-              </a:tabLst>
-            </a:pPr>
-            <a:r>
-              <a:rPr lang="en-US" b="1" dirty="0">
-                <a:solidFill>
-                  <a:schemeClr val="tx1"/>
-                </a:solidFill>
-                <a:latin typeface="Courier New" panose="02070309020205020404" pitchFamily="49" charset="0"/>
-                <a:cs typeface="Courier New" panose="02070309020205020404" pitchFamily="49" charset="0"/>
-              </a:rPr>
-              <a:t>    // print "B"</a:t>
-            </a:r>
-          </a:p>
-          <a:p>
-            <a:pPr>
-              <a:tabLst>
-                <a:tab pos="347663" algn="l"/>
-                <a:tab pos="682625" algn="l"/>
-                <a:tab pos="1087438" algn="l"/>
-                <a:tab pos="1377950" algn="l"/>
-                <a:tab pos="1712913" algn="l"/>
-              </a:tabLst>
-            </a:pPr>
-            <a:r>
-              <a:rPr lang="en-US" b="1" dirty="0">
-                <a:solidFill>
-                  <a:schemeClr val="tx1"/>
-                </a:solidFill>
-                <a:latin typeface="Courier New" panose="02070309020205020404" pitchFamily="49" charset="0"/>
-                <a:cs typeface="Courier New" panose="02070309020205020404" pitchFamily="49" charset="0"/>
-              </a:rPr>
-              <a:t>  } </a:t>
-            </a:r>
-            <a:r>
-              <a:rPr lang="en-US" b="1" dirty="0">
-                <a:solidFill>
-                  <a:srgbClr val="0000FF"/>
-                </a:solidFill>
-                <a:latin typeface="Courier New" panose="02070309020205020404" pitchFamily="49" charset="0"/>
-                <a:cs typeface="Courier New" panose="02070309020205020404" pitchFamily="49" charset="0"/>
-              </a:rPr>
-              <a:t>else if</a:t>
-            </a:r>
-            <a:r>
-              <a:rPr lang="en-US" b="1" dirty="0">
-                <a:solidFill>
-                  <a:schemeClr val="tx1"/>
-                </a:solidFill>
-                <a:latin typeface="Courier New" panose="02070309020205020404" pitchFamily="49" charset="0"/>
-                <a:cs typeface="Courier New" panose="02070309020205020404" pitchFamily="49" charset="0"/>
-              </a:rPr>
-              <a:t> (score &gt;= </a:t>
-            </a:r>
-            <a:r>
-              <a:rPr lang="en-US" b="1" dirty="0">
-                <a:solidFill>
-                  <a:srgbClr val="C00000"/>
-                </a:solidFill>
-                <a:latin typeface="Courier New" panose="02070309020205020404" pitchFamily="49" charset="0"/>
-                <a:cs typeface="Courier New" panose="02070309020205020404" pitchFamily="49" charset="0"/>
-              </a:rPr>
-              <a:t>3</a:t>
-            </a:r>
-            <a:r>
-              <a:rPr lang="en-US" b="1" dirty="0">
-                <a:solidFill>
-                  <a:schemeClr val="tx1"/>
-                </a:solidFill>
-                <a:latin typeface="Courier New" panose="02070309020205020404" pitchFamily="49" charset="0"/>
-                <a:cs typeface="Courier New" panose="02070309020205020404" pitchFamily="49" charset="0"/>
-              </a:rPr>
-              <a:t>) {</a:t>
-            </a:r>
-          </a:p>
-          <a:p>
-            <a:pPr>
-              <a:tabLst>
-                <a:tab pos="347663" algn="l"/>
-                <a:tab pos="682625" algn="l"/>
-                <a:tab pos="1087438" algn="l"/>
-                <a:tab pos="1377950" algn="l"/>
-                <a:tab pos="1712913" algn="l"/>
-              </a:tabLst>
-            </a:pPr>
-            <a:r>
-              <a:rPr lang="en-US" b="1" dirty="0">
-                <a:solidFill>
-                  <a:schemeClr val="tx1"/>
-                </a:solidFill>
-                <a:latin typeface="Courier New" panose="02070309020205020404" pitchFamily="49" charset="0"/>
-                <a:cs typeface="Courier New" panose="02070309020205020404" pitchFamily="49" charset="0"/>
-              </a:rPr>
-              <a:t>    // print "C"      </a:t>
-            </a:r>
-          </a:p>
-          <a:p>
-            <a:pPr>
-              <a:tabLst>
-                <a:tab pos="347663" algn="l"/>
-                <a:tab pos="682625" algn="l"/>
-                <a:tab pos="1087438" algn="l"/>
-                <a:tab pos="1377950" algn="l"/>
-                <a:tab pos="1712913" algn="l"/>
-              </a:tabLst>
-            </a:pPr>
-            <a:r>
-              <a:rPr lang="en-US" b="1" dirty="0">
-                <a:solidFill>
-                  <a:schemeClr val="tx1"/>
-                </a:solidFill>
-                <a:latin typeface="Courier New" panose="02070309020205020404" pitchFamily="49" charset="0"/>
-                <a:cs typeface="Courier New" panose="02070309020205020404" pitchFamily="49" charset="0"/>
-              </a:rPr>
-              <a:t>  } </a:t>
-            </a:r>
-            <a:r>
-              <a:rPr lang="en-US" b="1" dirty="0">
-                <a:solidFill>
-                  <a:srgbClr val="0000FF"/>
-                </a:solidFill>
-                <a:latin typeface="Courier New" panose="02070309020205020404" pitchFamily="49" charset="0"/>
-                <a:cs typeface="Courier New" panose="02070309020205020404" pitchFamily="49" charset="0"/>
-              </a:rPr>
-              <a:t>else </a:t>
-            </a:r>
-            <a:r>
-              <a:rPr lang="en-US" b="1" dirty="0">
-                <a:solidFill>
-                  <a:schemeClr val="tx1"/>
-                </a:solidFill>
-                <a:latin typeface="Courier New" panose="02070309020205020404" pitchFamily="49" charset="0"/>
-                <a:cs typeface="Courier New" panose="02070309020205020404" pitchFamily="49" charset="0"/>
-              </a:rPr>
-              <a:t>{</a:t>
-            </a:r>
-          </a:p>
-          <a:p>
-            <a:pPr>
-              <a:tabLst>
-                <a:tab pos="347663" algn="l"/>
-                <a:tab pos="682625" algn="l"/>
-                <a:tab pos="1087438" algn="l"/>
-                <a:tab pos="1377950" algn="l"/>
-                <a:tab pos="1712913" algn="l"/>
-              </a:tabLst>
-            </a:pPr>
-            <a:r>
-              <a:rPr lang="en-US" b="1" dirty="0">
-                <a:solidFill>
-                  <a:schemeClr val="tx1"/>
-                </a:solidFill>
-                <a:latin typeface="Courier New" panose="02070309020205020404" pitchFamily="49" charset="0"/>
-                <a:cs typeface="Courier New" panose="02070309020205020404" pitchFamily="49" charset="0"/>
-              </a:rPr>
-              <a:t>    // print "D"</a:t>
-            </a:r>
-          </a:p>
-          <a:p>
-            <a:pPr>
-              <a:tabLst>
-                <a:tab pos="347663" algn="l"/>
-                <a:tab pos="682625" algn="l"/>
-                <a:tab pos="1087438" algn="l"/>
-                <a:tab pos="1377950" algn="l"/>
-                <a:tab pos="1712913" algn="l"/>
-              </a:tabLst>
-            </a:pPr>
-            <a:r>
-              <a:rPr lang="en-US" b="1" dirty="0">
-                <a:solidFill>
-                  <a:schemeClr val="tx1"/>
-                </a:solidFill>
-                <a:latin typeface="Courier New" panose="02070309020205020404" pitchFamily="49" charset="0"/>
-                <a:cs typeface="Courier New" panose="02070309020205020404" pitchFamily="49" charset="0"/>
-              </a:rPr>
-              <a:t>  }</a:t>
-            </a:r>
-          </a:p>
-          <a:p>
-            <a:pPr>
-              <a:tabLst>
-                <a:tab pos="347663" algn="l"/>
-                <a:tab pos="682625" algn="l"/>
-                <a:tab pos="1087438" algn="l"/>
-                <a:tab pos="1377950" algn="l"/>
-                <a:tab pos="1712913" algn="l"/>
-              </a:tabLst>
-            </a:pPr>
-            <a:r>
-              <a:rPr lang="en-US" b="1" dirty="0">
-                <a:solidFill>
-                  <a:schemeClr val="tx1"/>
-                </a:solidFill>
-                <a:latin typeface="Courier New" panose="02070309020205020404" pitchFamily="49" charset="0"/>
-                <a:cs typeface="Courier New" panose="02070309020205020404" pitchFamily="49" charset="0"/>
-              </a:rPr>
-              <a:t>…</a:t>
-            </a:r>
-          </a:p>
-        </p:txBody>
-      </p:sp>
-      <p:graphicFrame>
-        <p:nvGraphicFramePr>
-          <p:cNvPr id="10" name="Table 9">
-            <a:extLst>
-              <a:ext uri="{FF2B5EF4-FFF2-40B4-BE49-F238E27FC236}">
-                <a16:creationId xmlns:a16="http://schemas.microsoft.com/office/drawing/2014/main" id="{B07397E8-8FF1-4DF2-8C73-DB57A0C0D228}"/>
-              </a:ext>
-            </a:extLst>
-          </p:cNvPr>
-          <p:cNvGraphicFramePr>
-            <a:graphicFrameLocks noGrp="1"/>
-          </p:cNvGraphicFramePr>
-          <p:nvPr/>
-        </p:nvGraphicFramePr>
-        <p:xfrm>
-          <a:off x="3894354" y="4340250"/>
-          <a:ext cx="4569460" cy="1828800"/>
-        </p:xfrm>
-        <a:graphic>
-          <a:graphicData uri="http://schemas.openxmlformats.org/drawingml/2006/table">
-            <a:tbl>
-              <a:tblPr>
-                <a:tableStyleId>{5940675A-B579-460E-94D1-54222C63F5DA}</a:tableStyleId>
-              </a:tblPr>
-              <a:tblGrid>
-                <a:gridCol w="2964180">
-                  <a:extLst>
-                    <a:ext uri="{9D8B030D-6E8A-4147-A177-3AD203B41FA5}">
-                      <a16:colId xmlns:a16="http://schemas.microsoft.com/office/drawing/2014/main" val="2631727857"/>
-                    </a:ext>
-                  </a:extLst>
-                </a:gridCol>
-                <a:gridCol w="1605280">
-                  <a:extLst>
-                    <a:ext uri="{9D8B030D-6E8A-4147-A177-3AD203B41FA5}">
-                      <a16:colId xmlns:a16="http://schemas.microsoft.com/office/drawing/2014/main" val="3644794925"/>
-                    </a:ext>
-                  </a:extLst>
-                </a:gridCol>
-              </a:tblGrid>
-              <a:tr h="0">
-                <a:tc>
-                  <a:txBody>
-                    <a:bodyPr/>
-                    <a:lstStyle/>
-                    <a:p>
-                      <a:pPr algn="l" fontAlgn="t"/>
-                      <a:r>
-                        <a:rPr lang="en-US" b="1" dirty="0">
-                          <a:effectLst/>
-                        </a:rPr>
-                        <a:t>Score</a:t>
-                      </a:r>
-                    </a:p>
-                  </a:txBody>
-                  <a:tcPr>
-                    <a:solidFill>
-                      <a:schemeClr val="bg1"/>
-                    </a:solidFill>
-                  </a:tcPr>
-                </a:tc>
-                <a:tc>
-                  <a:txBody>
-                    <a:bodyPr/>
-                    <a:lstStyle/>
-                    <a:p>
-                      <a:pPr algn="l" fontAlgn="t"/>
-                      <a:r>
-                        <a:rPr lang="en-US" b="1" dirty="0">
-                          <a:effectLst/>
-                        </a:rPr>
-                        <a:t>Letter Grade</a:t>
-                      </a:r>
-                    </a:p>
-                  </a:txBody>
-                  <a:tcPr>
-                    <a:solidFill>
-                      <a:schemeClr val="bg1"/>
-                    </a:solidFill>
-                  </a:tcPr>
-                </a:tc>
-                <a:extLst>
-                  <a:ext uri="{0D108BD9-81ED-4DB2-BD59-A6C34878D82A}">
-                    <a16:rowId xmlns:a16="http://schemas.microsoft.com/office/drawing/2014/main" val="240872549"/>
-                  </a:ext>
-                </a:extLst>
-              </a:tr>
-              <a:tr h="0">
-                <a:tc>
-                  <a:txBody>
-                    <a:bodyPr/>
-                    <a:lstStyle/>
-                    <a:p>
-                      <a:pPr algn="l" fontAlgn="t"/>
-                      <a:r>
-                        <a:rPr lang="en-US" b="0" dirty="0">
-                          <a:effectLst/>
-                        </a:rPr>
-                        <a:t>8 or higher</a:t>
-                      </a:r>
-                    </a:p>
-                  </a:txBody>
-                  <a:tcPr>
-                    <a:solidFill>
-                      <a:schemeClr val="bg1"/>
-                    </a:solidFill>
-                  </a:tcPr>
-                </a:tc>
-                <a:tc>
-                  <a:txBody>
-                    <a:bodyPr/>
-                    <a:lstStyle/>
-                    <a:p>
-                      <a:pPr algn="l" fontAlgn="t"/>
-                      <a:r>
-                        <a:rPr lang="en-US" b="0" dirty="0">
-                          <a:effectLst/>
-                        </a:rPr>
-                        <a:t>A</a:t>
-                      </a:r>
-                    </a:p>
-                  </a:txBody>
-                  <a:tcPr>
-                    <a:solidFill>
-                      <a:schemeClr val="bg1"/>
-                    </a:solidFill>
-                  </a:tcPr>
-                </a:tc>
-                <a:extLst>
-                  <a:ext uri="{0D108BD9-81ED-4DB2-BD59-A6C34878D82A}">
-                    <a16:rowId xmlns:a16="http://schemas.microsoft.com/office/drawing/2014/main" val="4181371937"/>
-                  </a:ext>
-                </a:extLst>
-              </a:tr>
-              <a:tr h="0">
-                <a:tc>
-                  <a:txBody>
-                    <a:bodyPr/>
-                    <a:lstStyle/>
-                    <a:p>
-                      <a:pPr algn="l" fontAlgn="t"/>
-                      <a:r>
-                        <a:rPr lang="en-US" b="0" dirty="0">
-                          <a:effectLst/>
-                        </a:rPr>
-                        <a:t>Less than 8 but 5 or higher</a:t>
-                      </a:r>
-                    </a:p>
-                  </a:txBody>
-                  <a:tcPr>
-                    <a:solidFill>
-                      <a:schemeClr val="bg1"/>
-                    </a:solidFill>
-                  </a:tcPr>
-                </a:tc>
-                <a:tc>
-                  <a:txBody>
-                    <a:bodyPr/>
-                    <a:lstStyle/>
-                    <a:p>
-                      <a:pPr algn="l" fontAlgn="t"/>
-                      <a:r>
-                        <a:rPr lang="en-US" b="0" dirty="0">
-                          <a:effectLst/>
-                        </a:rPr>
-                        <a:t>B</a:t>
-                      </a:r>
-                    </a:p>
-                  </a:txBody>
-                  <a:tcPr>
-                    <a:solidFill>
-                      <a:schemeClr val="bg1"/>
-                    </a:solidFill>
-                  </a:tcPr>
-                </a:tc>
-                <a:extLst>
-                  <a:ext uri="{0D108BD9-81ED-4DB2-BD59-A6C34878D82A}">
-                    <a16:rowId xmlns:a16="http://schemas.microsoft.com/office/drawing/2014/main" val="1257816777"/>
-                  </a:ext>
-                </a:extLst>
-              </a:tr>
-              <a:tr h="0">
-                <a:tc>
-                  <a:txBody>
-                    <a:bodyPr/>
-                    <a:lstStyle/>
-                    <a:p>
-                      <a:pPr algn="l" fontAlgn="t"/>
-                      <a:r>
-                        <a:rPr lang="en-US" b="0" dirty="0">
-                          <a:effectLst/>
-                        </a:rPr>
-                        <a:t>Less than 5 but 3 or higher</a:t>
-                      </a:r>
-                    </a:p>
-                  </a:txBody>
-                  <a:tcPr>
-                    <a:solidFill>
-                      <a:schemeClr val="bg1"/>
-                    </a:solidFill>
-                  </a:tcPr>
-                </a:tc>
-                <a:tc>
-                  <a:txBody>
-                    <a:bodyPr/>
-                    <a:lstStyle/>
-                    <a:p>
-                      <a:pPr algn="l" fontAlgn="t"/>
-                      <a:r>
-                        <a:rPr lang="en-US" b="0" dirty="0">
-                          <a:effectLst/>
-                        </a:rPr>
-                        <a:t>C</a:t>
-                      </a:r>
-                    </a:p>
-                  </a:txBody>
-                  <a:tcPr>
-                    <a:solidFill>
-                      <a:schemeClr val="bg1"/>
-                    </a:solidFill>
-                  </a:tcPr>
-                </a:tc>
-                <a:extLst>
-                  <a:ext uri="{0D108BD9-81ED-4DB2-BD59-A6C34878D82A}">
-                    <a16:rowId xmlns:a16="http://schemas.microsoft.com/office/drawing/2014/main" val="2160895748"/>
-                  </a:ext>
-                </a:extLst>
-              </a:tr>
-              <a:tr h="0">
-                <a:tc>
-                  <a:txBody>
-                    <a:bodyPr/>
-                    <a:lstStyle/>
-                    <a:p>
-                      <a:pPr algn="l" fontAlgn="t"/>
-                      <a:r>
-                        <a:rPr lang="en-US" b="0" dirty="0">
-                          <a:effectLst/>
-                        </a:rPr>
-                        <a:t>Less than 3</a:t>
-                      </a:r>
-                    </a:p>
-                  </a:txBody>
-                  <a:tcPr>
-                    <a:solidFill>
-                      <a:schemeClr val="bg1"/>
-                    </a:solidFill>
-                  </a:tcPr>
-                </a:tc>
-                <a:tc>
-                  <a:txBody>
-                    <a:bodyPr/>
-                    <a:lstStyle/>
-                    <a:p>
-                      <a:pPr algn="l" fontAlgn="t"/>
-                      <a:r>
-                        <a:rPr lang="en-US" b="0" dirty="0">
-                          <a:effectLst/>
-                        </a:rPr>
-                        <a:t>D</a:t>
-                      </a:r>
-                    </a:p>
-                  </a:txBody>
-                  <a:tcPr>
-                    <a:solidFill>
-                      <a:schemeClr val="bg1"/>
-                    </a:solidFill>
-                  </a:tcPr>
-                </a:tc>
-                <a:extLst>
-                  <a:ext uri="{0D108BD9-81ED-4DB2-BD59-A6C34878D82A}">
-                    <a16:rowId xmlns:a16="http://schemas.microsoft.com/office/drawing/2014/main" val="1177179377"/>
-                  </a:ext>
-                </a:extLst>
-              </a:tr>
-            </a:tbl>
-          </a:graphicData>
-        </a:graphic>
-      </p:graphicFrame>
-      <p:sp>
-        <p:nvSpPr>
-          <p:cNvPr id="2" name="Footer Placeholder 1">
-            <a:extLst>
-              <a:ext uri="{FF2B5EF4-FFF2-40B4-BE49-F238E27FC236}">
-                <a16:creationId xmlns:a16="http://schemas.microsoft.com/office/drawing/2014/main" id="{A7345B35-B736-ADB2-D15A-588CF0F77B1C}"/>
-              </a:ext>
-            </a:extLst>
-          </p:cNvPr>
-          <p:cNvSpPr>
-            <a:spLocks noGrp="1"/>
-          </p:cNvSpPr>
-          <p:nvPr>
-            <p:ph type="ftr" sz="quarter" idx="11"/>
-          </p:nvPr>
-        </p:nvSpPr>
-        <p:spPr/>
-        <p:txBody>
-          <a:bodyPr/>
-          <a:lstStyle/>
-          <a:p>
-            <a:pPr algn="l">
-              <a:defRPr/>
-            </a:pPr>
-            <a:r>
-              <a:rPr lang="en-US"/>
-              <a:t>CS1010 (AY2023/24 Semester 2)</a:t>
-            </a:r>
-            <a:endParaRPr lang="en-US" dirty="0"/>
-          </a:p>
-        </p:txBody>
-      </p:sp>
-      <p:sp>
-        <p:nvSpPr>
-          <p:cNvPr id="3" name="Slide Number Placeholder 2">
-            <a:extLst>
-              <a:ext uri="{FF2B5EF4-FFF2-40B4-BE49-F238E27FC236}">
-                <a16:creationId xmlns:a16="http://schemas.microsoft.com/office/drawing/2014/main" id="{80865E46-A579-1B0C-AE3F-8D1788B9C465}"/>
-              </a:ext>
-            </a:extLst>
-          </p:cNvPr>
-          <p:cNvSpPr>
-            <a:spLocks noGrp="1"/>
-          </p:cNvSpPr>
-          <p:nvPr>
-            <p:ph type="sldNum" sz="quarter" idx="12"/>
-          </p:nvPr>
-        </p:nvSpPr>
-        <p:spPr/>
-        <p:txBody>
-          <a:bodyPr/>
-          <a:lstStyle/>
-          <a:p>
-            <a:pPr>
-              <a:defRPr/>
-            </a:pPr>
-            <a:r>
-              <a:rPr lang="en-US" dirty="0"/>
-              <a:t>Week4R - </a:t>
-            </a:r>
-            <a:fld id="{2E4790E1-2590-4AEE-892D-AB46A7688113}" type="slidenum">
-              <a:rPr lang="en-US" smtClean="0"/>
-              <a:pPr>
-                <a:defRPr/>
-              </a:pPr>
-              <a:t>4</a:t>
-            </a:fld>
-            <a:endParaRPr lang="en-US" dirty="0"/>
-          </a:p>
-        </p:txBody>
-      </p:sp>
-    </p:spTree>
-    <p:extLst>
-      <p:ext uri="{BB962C8B-B14F-4D97-AF65-F5344CB8AC3E}">
-        <p14:creationId xmlns:p14="http://schemas.microsoft.com/office/powerpoint/2010/main" val="686532275"/>
       </p:ext>
     </p:extLst>
   </p:cSld>
@@ -16303,2052 +16645,10 @@
           <p:cNvGraphicFramePr>
             <a:graphicFrameLocks noGrp="1"/>
           </p:cNvGraphicFramePr>
-          <p:nvPr/>
-        </p:nvGraphicFramePr>
-        <p:xfrm>
-          <a:off x="356909" y="2181163"/>
-          <a:ext cx="8580057" cy="2209800"/>
-        </p:xfrm>
-        <a:graphic>
-          <a:graphicData uri="http://schemas.openxmlformats.org/drawingml/2006/table">
-            <a:tbl>
-              <a:tblPr firstRow="1" bandRow="1">
-                <a:tableStyleId>{5C22544A-7EE6-4342-B048-85BDC9FD1C3A}</a:tableStyleId>
-              </a:tblPr>
-              <a:tblGrid>
-                <a:gridCol w="1055053">
-                  <a:extLst>
-                    <a:ext uri="{9D8B030D-6E8A-4147-A177-3AD203B41FA5}">
-                      <a16:colId xmlns:a16="http://schemas.microsoft.com/office/drawing/2014/main" val="1347842338"/>
-                    </a:ext>
-                  </a:extLst>
-                </a:gridCol>
-                <a:gridCol w="999871">
-                  <a:extLst>
-                    <a:ext uri="{9D8B030D-6E8A-4147-A177-3AD203B41FA5}">
-                      <a16:colId xmlns:a16="http://schemas.microsoft.com/office/drawing/2014/main" val="1099576626"/>
-                    </a:ext>
-                  </a:extLst>
-                </a:gridCol>
-                <a:gridCol w="999871">
-                  <a:extLst>
-                    <a:ext uri="{9D8B030D-6E8A-4147-A177-3AD203B41FA5}">
-                      <a16:colId xmlns:a16="http://schemas.microsoft.com/office/drawing/2014/main" val="1635334105"/>
-                    </a:ext>
-                  </a:extLst>
-                </a:gridCol>
-                <a:gridCol w="999871">
-                  <a:extLst>
-                    <a:ext uri="{9D8B030D-6E8A-4147-A177-3AD203B41FA5}">
-                      <a16:colId xmlns:a16="http://schemas.microsoft.com/office/drawing/2014/main" val="1542296081"/>
-                    </a:ext>
-                  </a:extLst>
-                </a:gridCol>
-                <a:gridCol w="999871">
-                  <a:extLst>
-                    <a:ext uri="{9D8B030D-6E8A-4147-A177-3AD203B41FA5}">
-                      <a16:colId xmlns:a16="http://schemas.microsoft.com/office/drawing/2014/main" val="2383219434"/>
-                    </a:ext>
-                  </a:extLst>
-                </a:gridCol>
-                <a:gridCol w="1008380">
-                  <a:extLst>
-                    <a:ext uri="{9D8B030D-6E8A-4147-A177-3AD203B41FA5}">
-                      <a16:colId xmlns:a16="http://schemas.microsoft.com/office/drawing/2014/main" val="1166016308"/>
-                    </a:ext>
-                  </a:extLst>
-                </a:gridCol>
-                <a:gridCol w="1008380">
-                  <a:extLst>
-                    <a:ext uri="{9D8B030D-6E8A-4147-A177-3AD203B41FA5}">
-                      <a16:colId xmlns:a16="http://schemas.microsoft.com/office/drawing/2014/main" val="891563044"/>
-                    </a:ext>
-                  </a:extLst>
-                </a:gridCol>
-                <a:gridCol w="754380">
-                  <a:extLst>
-                    <a:ext uri="{9D8B030D-6E8A-4147-A177-3AD203B41FA5}">
-                      <a16:colId xmlns:a16="http://schemas.microsoft.com/office/drawing/2014/main" val="3862921074"/>
-                    </a:ext>
-                  </a:extLst>
-                </a:gridCol>
-                <a:gridCol w="754380">
-                  <a:extLst>
-                    <a:ext uri="{9D8B030D-6E8A-4147-A177-3AD203B41FA5}">
-                      <a16:colId xmlns:a16="http://schemas.microsoft.com/office/drawing/2014/main" val="830602475"/>
-                    </a:ext>
-                  </a:extLst>
-                </a:gridCol>
-              </a:tblGrid>
-              <a:tr h="0">
-                <a:tc>
-                  <a:txBody>
-                    <a:bodyPr/>
-                    <a:lstStyle/>
-                    <a:p>
-                      <a:pPr algn="ctr"/>
-                      <a:endParaRPr lang="en-US" dirty="0"/>
-                    </a:p>
-                  </a:txBody>
-                  <a:tcPr/>
-                </a:tc>
-                <a:tc>
-                  <a:txBody>
-                    <a:bodyPr/>
-                    <a:lstStyle/>
-                    <a:p>
-                      <a:pPr algn="ctr"/>
-                      <a:r>
-                        <a:rPr lang="en-US" dirty="0"/>
-                        <a:t>1000</a:t>
-                      </a:r>
-                    </a:p>
-                  </a:txBody>
-                  <a:tcPr/>
-                </a:tc>
-                <a:tc>
-                  <a:txBody>
-                    <a:bodyPr/>
-                    <a:lstStyle/>
-                    <a:p>
-                      <a:pPr algn="ctr"/>
-                      <a:r>
-                        <a:rPr lang="en-US" dirty="0"/>
-                        <a:t>1100</a:t>
-                      </a:r>
-                    </a:p>
-                  </a:txBody>
-                  <a:tcPr/>
-                </a:tc>
-                <a:tc>
-                  <a:txBody>
-                    <a:bodyPr/>
-                    <a:lstStyle/>
-                    <a:p>
-                      <a:pPr algn="ctr"/>
-                      <a:r>
-                        <a:rPr lang="en-US" dirty="0"/>
-                        <a:t>1200</a:t>
-                      </a:r>
-                    </a:p>
-                  </a:txBody>
-                  <a:tcPr/>
-                </a:tc>
-                <a:tc>
-                  <a:txBody>
-                    <a:bodyPr/>
-                    <a:lstStyle/>
-                    <a:p>
-                      <a:pPr algn="ctr"/>
-                      <a:r>
-                        <a:rPr lang="en-US" dirty="0"/>
-                        <a:t>1300</a:t>
-                      </a:r>
-                    </a:p>
-                  </a:txBody>
-                  <a:tcPr/>
-                </a:tc>
-                <a:tc>
-                  <a:txBody>
-                    <a:bodyPr/>
-                    <a:lstStyle/>
-                    <a:p>
-                      <a:pPr algn="ctr"/>
-                      <a:r>
-                        <a:rPr lang="en-US" dirty="0"/>
-                        <a:t>1400</a:t>
-                      </a:r>
-                    </a:p>
-                  </a:txBody>
-                  <a:tcPr/>
-                </a:tc>
-                <a:tc>
-                  <a:txBody>
-                    <a:bodyPr/>
-                    <a:lstStyle/>
-                    <a:p>
-                      <a:pPr algn="ctr"/>
-                      <a:r>
-                        <a:rPr lang="en-US" dirty="0"/>
-                        <a:t>1500</a:t>
-                      </a:r>
-                    </a:p>
-                  </a:txBody>
-                  <a:tcPr/>
-                </a:tc>
-                <a:tc>
-                  <a:txBody>
-                    <a:bodyPr/>
-                    <a:lstStyle/>
-                    <a:p>
-                      <a:pPr algn="ctr"/>
-                      <a:r>
-                        <a:rPr lang="en-US" dirty="0"/>
-                        <a:t>1600</a:t>
-                      </a:r>
-                    </a:p>
-                  </a:txBody>
-                  <a:tcPr/>
-                </a:tc>
-                <a:tc>
-                  <a:txBody>
-                    <a:bodyPr/>
-                    <a:lstStyle/>
-                    <a:p>
-                      <a:pPr algn="ctr"/>
-                      <a:r>
-                        <a:rPr lang="en-US" dirty="0"/>
-                        <a:t>1700</a:t>
-                      </a:r>
-                    </a:p>
-                  </a:txBody>
-                  <a:tcPr/>
-                </a:tc>
-                <a:extLst>
-                  <a:ext uri="{0D108BD9-81ED-4DB2-BD59-A6C34878D82A}">
-                    <a16:rowId xmlns:a16="http://schemas.microsoft.com/office/drawing/2014/main" val="3119535498"/>
-                  </a:ext>
-                </a:extLst>
-              </a:tr>
-              <a:tr h="0">
-                <a:tc>
-                  <a:txBody>
-                    <a:bodyPr/>
-                    <a:lstStyle/>
-                    <a:p>
-                      <a:pPr algn="l"/>
-                      <a:r>
-                        <a:rPr lang="en-US" dirty="0"/>
-                        <a:t>1 (Mon)</a:t>
-                      </a:r>
-                    </a:p>
-                  </a:txBody>
-                  <a:tcPr/>
-                </a:tc>
-                <a:tc>
-                  <a:txBody>
-                    <a:bodyPr/>
-                    <a:lstStyle/>
-                    <a:p>
-                      <a:pPr algn="ctr"/>
-                      <a:r>
-                        <a:rPr lang="en-US" dirty="0"/>
-                        <a:t>Tutorial</a:t>
-                      </a:r>
-                    </a:p>
-                  </a:txBody>
-                  <a:tcPr/>
-                </a:tc>
-                <a:tc>
-                  <a:txBody>
-                    <a:bodyPr/>
-                    <a:lstStyle/>
-                    <a:p>
-                      <a:pPr marL="0" marR="0" lvl="0" indent="0" algn="ctr" defTabSz="914400" rtl="0" eaLnBrk="1" fontAlgn="auto" latinLnBrk="0" hangingPunct="1">
-                        <a:lnSpc>
-                          <a:spcPct val="100000"/>
-                        </a:lnSpc>
-                        <a:spcBef>
-                          <a:spcPts val="0"/>
-                        </a:spcBef>
-                        <a:spcAft>
-                          <a:spcPts val="0"/>
-                        </a:spcAft>
-                        <a:buClrTx/>
-                        <a:buSzTx/>
-                        <a:buFontTx/>
-                        <a:buNone/>
-                        <a:tabLst/>
-                        <a:defRPr/>
-                      </a:pPr>
-                      <a:r>
-                        <a:rPr lang="en-US" dirty="0"/>
-                        <a:t>Tutorial</a:t>
-                      </a:r>
-                    </a:p>
-                  </a:txBody>
-                  <a:tcPr/>
-                </a:tc>
-                <a:tc>
-                  <a:txBody>
-                    <a:bodyPr/>
-                    <a:lstStyle/>
-                    <a:p>
-                      <a:pPr marL="0" marR="0" lvl="0" indent="0" algn="ctr" defTabSz="914400" rtl="0" eaLnBrk="1" fontAlgn="auto" latinLnBrk="0" hangingPunct="1">
-                        <a:lnSpc>
-                          <a:spcPct val="100000"/>
-                        </a:lnSpc>
-                        <a:spcBef>
-                          <a:spcPts val="0"/>
-                        </a:spcBef>
-                        <a:spcAft>
-                          <a:spcPts val="0"/>
-                        </a:spcAft>
-                        <a:buClrTx/>
-                        <a:buSzTx/>
-                        <a:buFontTx/>
-                        <a:buNone/>
-                        <a:tabLst/>
-                        <a:defRPr/>
-                      </a:pPr>
-                      <a:r>
-                        <a:rPr lang="en-US" dirty="0"/>
-                        <a:t>Tutorial</a:t>
-                      </a:r>
-                    </a:p>
-                  </a:txBody>
-                  <a:tcPr/>
-                </a:tc>
-                <a:tc>
-                  <a:txBody>
-                    <a:bodyPr/>
-                    <a:lstStyle/>
-                    <a:p>
-                      <a:pPr marL="0" marR="0" lvl="0" indent="0" algn="ctr" defTabSz="914400" rtl="0" eaLnBrk="1" fontAlgn="auto" latinLnBrk="0" hangingPunct="1">
-                        <a:lnSpc>
-                          <a:spcPct val="100000"/>
-                        </a:lnSpc>
-                        <a:spcBef>
-                          <a:spcPts val="0"/>
-                        </a:spcBef>
-                        <a:spcAft>
-                          <a:spcPts val="0"/>
-                        </a:spcAft>
-                        <a:buClrTx/>
-                        <a:buSzTx/>
-                        <a:buFontTx/>
-                        <a:buNone/>
-                        <a:tabLst/>
-                        <a:defRPr/>
-                      </a:pPr>
-                      <a:r>
-                        <a:rPr lang="en-US" dirty="0"/>
-                        <a:t>Tutorial</a:t>
-                      </a:r>
-                    </a:p>
-                  </a:txBody>
-                  <a:tcPr/>
-                </a:tc>
-                <a:tc>
-                  <a:txBody>
-                    <a:bodyPr/>
-                    <a:lstStyle/>
-                    <a:p>
-                      <a:pPr algn="ctr"/>
-                      <a:r>
-                        <a:rPr lang="en-US" dirty="0"/>
-                        <a:t>Lecture</a:t>
-                      </a:r>
-                    </a:p>
-                  </a:txBody>
-                  <a:tcPr/>
-                </a:tc>
-                <a:tc>
-                  <a:txBody>
-                    <a:bodyPr/>
-                    <a:lstStyle/>
-                    <a:p>
-                      <a:pPr marL="0" marR="0" lvl="0" indent="0" algn="ctr" defTabSz="914400" rtl="0" eaLnBrk="1" fontAlgn="auto" latinLnBrk="0" hangingPunct="1">
-                        <a:lnSpc>
-                          <a:spcPct val="100000"/>
-                        </a:lnSpc>
-                        <a:spcBef>
-                          <a:spcPts val="0"/>
-                        </a:spcBef>
-                        <a:spcAft>
-                          <a:spcPts val="0"/>
-                        </a:spcAft>
-                        <a:buClrTx/>
-                        <a:buSzTx/>
-                        <a:buFontTx/>
-                        <a:buNone/>
-                        <a:tabLst/>
-                        <a:defRPr/>
-                      </a:pPr>
-                      <a:r>
-                        <a:rPr lang="en-US" dirty="0"/>
-                        <a:t>Lecture</a:t>
-                      </a:r>
-                    </a:p>
-                  </a:txBody>
-                  <a:tcPr/>
-                </a:tc>
-                <a:tc>
-                  <a:txBody>
-                    <a:bodyPr/>
-                    <a:lstStyle/>
-                    <a:p>
-                      <a:pPr algn="ctr"/>
-                      <a:r>
-                        <a:rPr lang="en-US" dirty="0"/>
-                        <a:t>-</a:t>
-                      </a:r>
-                    </a:p>
-                  </a:txBody>
-                  <a:tcPr/>
-                </a:tc>
-                <a:tc>
-                  <a:txBody>
-                    <a:bodyPr/>
-                    <a:lstStyle/>
-                    <a:p>
-                      <a:pPr algn="ctr"/>
-                      <a:r>
-                        <a:rPr lang="en-US" dirty="0"/>
-                        <a:t>-</a:t>
-                      </a:r>
-                    </a:p>
-                  </a:txBody>
-                  <a:tcPr/>
-                </a:tc>
-                <a:extLst>
-                  <a:ext uri="{0D108BD9-81ED-4DB2-BD59-A6C34878D82A}">
-                    <a16:rowId xmlns:a16="http://schemas.microsoft.com/office/drawing/2014/main" val="1189146622"/>
-                  </a:ext>
-                </a:extLst>
-              </a:tr>
-              <a:tr h="370840">
-                <a:tc>
-                  <a:txBody>
-                    <a:bodyPr/>
-                    <a:lstStyle/>
-                    <a:p>
-                      <a:pPr algn="l"/>
-                      <a:r>
-                        <a:rPr lang="en-US" dirty="0"/>
-                        <a:t>2 (Tue)</a:t>
-                      </a:r>
-                    </a:p>
-                  </a:txBody>
-                  <a:tcPr/>
-                </a:tc>
-                <a:tc>
-                  <a:txBody>
-                    <a:bodyPr/>
-                    <a:lstStyle/>
-                    <a:p>
-                      <a:pPr algn="ctr"/>
-                      <a:r>
-                        <a:rPr lang="en-US" dirty="0"/>
-                        <a:t>-</a:t>
-                      </a:r>
-                    </a:p>
-                  </a:txBody>
-                  <a:tcPr/>
-                </a:tc>
-                <a:tc>
-                  <a:txBody>
-                    <a:bodyPr/>
-                    <a:lstStyle/>
-                    <a:p>
-                      <a:pPr algn="ctr"/>
-                      <a:r>
-                        <a:rPr lang="en-US" dirty="0"/>
-                        <a:t>-</a:t>
-                      </a:r>
-                    </a:p>
-                  </a:txBody>
-                  <a:tcPr/>
-                </a:tc>
-                <a:tc>
-                  <a:txBody>
-                    <a:bodyPr/>
-                    <a:lstStyle/>
-                    <a:p>
-                      <a:pPr algn="ctr"/>
-                      <a:r>
-                        <a:rPr lang="en-US" dirty="0"/>
-                        <a:t>-</a:t>
-                      </a:r>
-                    </a:p>
-                  </a:txBody>
-                  <a:tcPr/>
-                </a:tc>
-                <a:tc>
-                  <a:txBody>
-                    <a:bodyPr/>
-                    <a:lstStyle/>
-                    <a:p>
-                      <a:pPr algn="ctr"/>
-                      <a:r>
-                        <a:rPr lang="en-US" dirty="0"/>
-                        <a:t>-</a:t>
-                      </a:r>
-                    </a:p>
-                  </a:txBody>
-                  <a:tcPr/>
-                </a:tc>
-                <a:tc>
-                  <a:txBody>
-                    <a:bodyPr/>
-                    <a:lstStyle/>
-                    <a:p>
-                      <a:pPr algn="ctr"/>
-                      <a:r>
-                        <a:rPr lang="en-US" dirty="0"/>
-                        <a:t>-</a:t>
-                      </a:r>
-                    </a:p>
-                  </a:txBody>
-                  <a:tcPr/>
-                </a:tc>
-                <a:tc>
-                  <a:txBody>
-                    <a:bodyPr/>
-                    <a:lstStyle/>
-                    <a:p>
-                      <a:pPr algn="ctr"/>
-                      <a:r>
-                        <a:rPr lang="en-US" dirty="0"/>
-                        <a:t>-</a:t>
-                      </a:r>
-                    </a:p>
-                  </a:txBody>
-                  <a:tcPr/>
-                </a:tc>
-                <a:tc>
-                  <a:txBody>
-                    <a:bodyPr/>
-                    <a:lstStyle/>
-                    <a:p>
-                      <a:pPr algn="ctr"/>
-                      <a:r>
-                        <a:rPr lang="en-US" dirty="0"/>
-                        <a:t>-</a:t>
-                      </a:r>
-                    </a:p>
-                  </a:txBody>
-                  <a:tcPr/>
-                </a:tc>
-                <a:tc>
-                  <a:txBody>
-                    <a:bodyPr/>
-                    <a:lstStyle/>
-                    <a:p>
-                      <a:pPr algn="ctr"/>
-                      <a:r>
-                        <a:rPr lang="en-US" dirty="0"/>
-                        <a:t>-</a:t>
-                      </a:r>
-                    </a:p>
-                  </a:txBody>
-                  <a:tcPr/>
-                </a:tc>
-                <a:extLst>
-                  <a:ext uri="{0D108BD9-81ED-4DB2-BD59-A6C34878D82A}">
-                    <a16:rowId xmlns:a16="http://schemas.microsoft.com/office/drawing/2014/main" val="1587814231"/>
-                  </a:ext>
-                </a:extLst>
-              </a:tr>
-              <a:tr h="370840">
-                <a:tc>
-                  <a:txBody>
-                    <a:bodyPr/>
-                    <a:lstStyle/>
-                    <a:p>
-                      <a:pPr algn="l"/>
-                      <a:r>
-                        <a:rPr lang="en-US" dirty="0"/>
-                        <a:t>3 (Wed)</a:t>
-                      </a:r>
-                    </a:p>
-                  </a:txBody>
-                  <a:tcPr/>
-                </a:tc>
-                <a:tc>
-                  <a:txBody>
-                    <a:bodyPr/>
-                    <a:lstStyle/>
-                    <a:p>
-                      <a:pPr algn="ctr"/>
-                      <a:r>
-                        <a:rPr lang="en-US" dirty="0"/>
-                        <a:t>-</a:t>
-                      </a:r>
-                    </a:p>
-                  </a:txBody>
-                  <a:tcPr/>
-                </a:tc>
-                <a:tc>
-                  <a:txBody>
-                    <a:bodyPr/>
-                    <a:lstStyle/>
-                    <a:p>
-                      <a:pPr algn="ctr"/>
-                      <a:r>
-                        <a:rPr lang="en-US" dirty="0"/>
-                        <a:t>-</a:t>
-                      </a:r>
-                    </a:p>
-                  </a:txBody>
-                  <a:tcPr/>
-                </a:tc>
-                <a:tc>
-                  <a:txBody>
-                    <a:bodyPr/>
-                    <a:lstStyle/>
-                    <a:p>
-                      <a:pPr algn="ctr"/>
-                      <a:r>
-                        <a:rPr lang="en-US" dirty="0"/>
-                        <a:t>Tutorial</a:t>
-                      </a:r>
-                    </a:p>
-                  </a:txBody>
-                  <a:tcPr/>
-                </a:tc>
-                <a:tc>
-                  <a:txBody>
-                    <a:bodyPr/>
-                    <a:lstStyle/>
-                    <a:p>
-                      <a:pPr marL="0" marR="0" lvl="0" indent="0" algn="ctr" defTabSz="914400" rtl="0" eaLnBrk="1" fontAlgn="auto" latinLnBrk="0" hangingPunct="1">
-                        <a:lnSpc>
-                          <a:spcPct val="100000"/>
-                        </a:lnSpc>
-                        <a:spcBef>
-                          <a:spcPts val="0"/>
-                        </a:spcBef>
-                        <a:spcAft>
-                          <a:spcPts val="0"/>
-                        </a:spcAft>
-                        <a:buClrTx/>
-                        <a:buSzTx/>
-                        <a:buFontTx/>
-                        <a:buNone/>
-                        <a:tabLst/>
-                        <a:defRPr/>
-                      </a:pPr>
-                      <a:r>
-                        <a:rPr lang="en-US" dirty="0"/>
-                        <a:t>Tutorial</a:t>
-                      </a:r>
-                    </a:p>
-                  </a:txBody>
-                  <a:tcPr/>
-                </a:tc>
-                <a:tc>
-                  <a:txBody>
-                    <a:bodyPr/>
-                    <a:lstStyle/>
-                    <a:p>
-                      <a:pPr marL="0" marR="0" lvl="0" indent="0" algn="ctr" defTabSz="914400" rtl="0" eaLnBrk="1" fontAlgn="auto" latinLnBrk="0" hangingPunct="1">
-                        <a:lnSpc>
-                          <a:spcPct val="100000"/>
-                        </a:lnSpc>
-                        <a:spcBef>
-                          <a:spcPts val="0"/>
-                        </a:spcBef>
-                        <a:spcAft>
-                          <a:spcPts val="0"/>
-                        </a:spcAft>
-                        <a:buClrTx/>
-                        <a:buSzTx/>
-                        <a:buFontTx/>
-                        <a:buNone/>
-                        <a:tabLst/>
-                        <a:defRPr/>
-                      </a:pPr>
-                      <a:r>
-                        <a:rPr lang="en-US" dirty="0"/>
-                        <a:t>Tutorial</a:t>
-                      </a:r>
-                    </a:p>
-                  </a:txBody>
-                  <a:tcPr/>
-                </a:tc>
-                <a:tc>
-                  <a:txBody>
-                    <a:bodyPr/>
-                    <a:lstStyle/>
-                    <a:p>
-                      <a:pPr marL="0" marR="0" lvl="0" indent="0" algn="ctr" defTabSz="914400" rtl="0" eaLnBrk="1" fontAlgn="auto" latinLnBrk="0" hangingPunct="1">
-                        <a:lnSpc>
-                          <a:spcPct val="100000"/>
-                        </a:lnSpc>
-                        <a:spcBef>
-                          <a:spcPts val="0"/>
-                        </a:spcBef>
-                        <a:spcAft>
-                          <a:spcPts val="0"/>
-                        </a:spcAft>
-                        <a:buClrTx/>
-                        <a:buSzTx/>
-                        <a:buFontTx/>
-                        <a:buNone/>
-                        <a:tabLst/>
-                        <a:defRPr/>
-                      </a:pPr>
-                      <a:r>
-                        <a:rPr lang="en-US" dirty="0"/>
-                        <a:t>Tutorial</a:t>
-                      </a:r>
-                    </a:p>
-                  </a:txBody>
-                  <a:tcPr/>
-                </a:tc>
-                <a:tc>
-                  <a:txBody>
-                    <a:bodyPr/>
-                    <a:lstStyle/>
-                    <a:p>
-                      <a:pPr algn="ctr"/>
-                      <a:r>
-                        <a:rPr lang="en-US" dirty="0"/>
-                        <a:t>-</a:t>
-                      </a:r>
-                    </a:p>
-                  </a:txBody>
-                  <a:tcPr/>
-                </a:tc>
-                <a:tc>
-                  <a:txBody>
-                    <a:bodyPr/>
-                    <a:lstStyle/>
-                    <a:p>
-                      <a:pPr algn="ctr"/>
-                      <a:r>
-                        <a:rPr lang="en-US" dirty="0"/>
-                        <a:t>-</a:t>
-                      </a:r>
-                    </a:p>
-                  </a:txBody>
-                  <a:tcPr/>
-                </a:tc>
-                <a:extLst>
-                  <a:ext uri="{0D108BD9-81ED-4DB2-BD59-A6C34878D82A}">
-                    <a16:rowId xmlns:a16="http://schemas.microsoft.com/office/drawing/2014/main" val="3757010446"/>
-                  </a:ext>
-                </a:extLst>
-              </a:tr>
-              <a:tr h="370840">
-                <a:tc>
-                  <a:txBody>
-                    <a:bodyPr/>
-                    <a:lstStyle/>
-                    <a:p>
-                      <a:pPr algn="l"/>
-                      <a:r>
-                        <a:rPr lang="en-US" dirty="0"/>
-                        <a:t>4 (Thu)</a:t>
-                      </a:r>
-                    </a:p>
-                  </a:txBody>
-                  <a:tcPr/>
-                </a:tc>
-                <a:tc>
-                  <a:txBody>
-                    <a:bodyPr/>
-                    <a:lstStyle/>
-                    <a:p>
-                      <a:pPr algn="ctr"/>
-                      <a:r>
-                        <a:rPr lang="en-US" dirty="0"/>
-                        <a:t>-</a:t>
-                      </a:r>
-                    </a:p>
-                  </a:txBody>
-                  <a:tcPr/>
-                </a:tc>
-                <a:tc>
-                  <a:txBody>
-                    <a:bodyPr/>
-                    <a:lstStyle/>
-                    <a:p>
-                      <a:pPr algn="ctr"/>
-                      <a:r>
-                        <a:rPr lang="en-US" dirty="0"/>
-                        <a:t>-</a:t>
-                      </a:r>
-                    </a:p>
-                  </a:txBody>
-                  <a:tcPr/>
-                </a:tc>
-                <a:tc>
-                  <a:txBody>
-                    <a:bodyPr/>
-                    <a:lstStyle/>
-                    <a:p>
-                      <a:pPr algn="ctr"/>
-                      <a:r>
-                        <a:rPr lang="en-US" dirty="0"/>
-                        <a:t>-</a:t>
-                      </a:r>
-                    </a:p>
-                  </a:txBody>
-                  <a:tcPr/>
-                </a:tc>
-                <a:tc>
-                  <a:txBody>
-                    <a:bodyPr/>
-                    <a:lstStyle/>
-                    <a:p>
-                      <a:pPr algn="ctr"/>
-                      <a:r>
-                        <a:rPr lang="en-US" dirty="0"/>
-                        <a:t>-</a:t>
-                      </a:r>
-                    </a:p>
-                  </a:txBody>
-                  <a:tcPr/>
-                </a:tc>
-                <a:tc>
-                  <a:txBody>
-                    <a:bodyPr/>
-                    <a:lstStyle/>
-                    <a:p>
-                      <a:pPr algn="ctr"/>
-                      <a:r>
-                        <a:rPr lang="en-US" dirty="0"/>
-                        <a:t>-</a:t>
-                      </a:r>
-                    </a:p>
-                  </a:txBody>
-                  <a:tcPr/>
-                </a:tc>
-                <a:tc>
-                  <a:txBody>
-                    <a:bodyPr/>
-                    <a:lstStyle/>
-                    <a:p>
-                      <a:pPr algn="ctr"/>
-                      <a:r>
-                        <a:rPr lang="en-US" dirty="0"/>
-                        <a:t>-</a:t>
-                      </a:r>
-                    </a:p>
-                  </a:txBody>
-                  <a:tcPr/>
-                </a:tc>
-                <a:tc>
-                  <a:txBody>
-                    <a:bodyPr/>
-                    <a:lstStyle/>
-                    <a:p>
-                      <a:pPr algn="ctr"/>
-                      <a:r>
-                        <a:rPr lang="en-US" dirty="0"/>
-                        <a:t>-</a:t>
-                      </a:r>
-                    </a:p>
-                  </a:txBody>
-                  <a:tcPr/>
-                </a:tc>
-                <a:tc>
-                  <a:txBody>
-                    <a:bodyPr/>
-                    <a:lstStyle/>
-                    <a:p>
-                      <a:pPr algn="ctr"/>
-                      <a:r>
-                        <a:rPr lang="en-US" dirty="0"/>
-                        <a:t>-</a:t>
-                      </a:r>
-                    </a:p>
-                  </a:txBody>
-                  <a:tcPr/>
-                </a:tc>
-                <a:extLst>
-                  <a:ext uri="{0D108BD9-81ED-4DB2-BD59-A6C34878D82A}">
-                    <a16:rowId xmlns:a16="http://schemas.microsoft.com/office/drawing/2014/main" val="3990964516"/>
-                  </a:ext>
-                </a:extLst>
-              </a:tr>
-              <a:tr h="0">
-                <a:tc>
-                  <a:txBody>
-                    <a:bodyPr/>
-                    <a:lstStyle/>
-                    <a:p>
-                      <a:pPr algn="l"/>
-                      <a:r>
-                        <a:rPr lang="en-US" dirty="0"/>
-                        <a:t>5 (Fri)</a:t>
-                      </a:r>
-                    </a:p>
-                  </a:txBody>
-                  <a:tcPr/>
-                </a:tc>
-                <a:tc>
-                  <a:txBody>
-                    <a:bodyPr/>
-                    <a:lstStyle/>
-                    <a:p>
-                      <a:pPr algn="ctr"/>
-                      <a:r>
-                        <a:rPr lang="en-US" dirty="0"/>
-                        <a:t>-</a:t>
-                      </a:r>
-                    </a:p>
-                  </a:txBody>
-                  <a:tcPr/>
-                </a:tc>
-                <a:tc>
-                  <a:txBody>
-                    <a:bodyPr/>
-                    <a:lstStyle/>
-                    <a:p>
-                      <a:pPr algn="ctr"/>
-                      <a:r>
-                        <a:rPr lang="en-US" dirty="0"/>
-                        <a:t>-</a:t>
-                      </a:r>
-                    </a:p>
-                  </a:txBody>
-                  <a:tcPr/>
-                </a:tc>
-                <a:tc>
-                  <a:txBody>
-                    <a:bodyPr/>
-                    <a:lstStyle/>
-                    <a:p>
-                      <a:pPr algn="ctr"/>
-                      <a:r>
-                        <a:rPr lang="en-US" dirty="0"/>
-                        <a:t>-</a:t>
-                      </a:r>
-                    </a:p>
-                  </a:txBody>
-                  <a:tcPr/>
-                </a:tc>
-                <a:tc>
-                  <a:txBody>
-                    <a:bodyPr/>
-                    <a:lstStyle/>
-                    <a:p>
-                      <a:pPr algn="ctr"/>
-                      <a:r>
-                        <a:rPr lang="en-US" dirty="0"/>
-                        <a:t>-</a:t>
-                      </a:r>
-                    </a:p>
-                  </a:txBody>
-                  <a:tcPr/>
-                </a:tc>
-                <a:tc>
-                  <a:txBody>
-                    <a:bodyPr/>
-                    <a:lstStyle/>
-                    <a:p>
-                      <a:pPr algn="ctr"/>
-                      <a:r>
-                        <a:rPr lang="en-US" dirty="0"/>
-                        <a:t>-</a:t>
-                      </a:r>
-                    </a:p>
-                  </a:txBody>
-                  <a:tcPr/>
-                </a:tc>
-                <a:tc>
-                  <a:txBody>
-                    <a:bodyPr/>
-                    <a:lstStyle/>
-                    <a:p>
-                      <a:pPr algn="ctr"/>
-                      <a:r>
-                        <a:rPr lang="en-US" dirty="0"/>
-                        <a:t>-</a:t>
-                      </a:r>
-                    </a:p>
-                  </a:txBody>
-                  <a:tcPr/>
-                </a:tc>
-                <a:tc>
-                  <a:txBody>
-                    <a:bodyPr/>
-                    <a:lstStyle/>
-                    <a:p>
-                      <a:pPr algn="ctr"/>
-                      <a:r>
-                        <a:rPr lang="en-US" dirty="0"/>
-                        <a:t>-</a:t>
-                      </a:r>
-                    </a:p>
-                  </a:txBody>
-                  <a:tcPr/>
-                </a:tc>
-                <a:tc>
-                  <a:txBody>
-                    <a:bodyPr/>
-                    <a:lstStyle/>
-                    <a:p>
-                      <a:pPr algn="ctr"/>
-                      <a:r>
-                        <a:rPr lang="en-US" dirty="0"/>
-                        <a:t>-</a:t>
-                      </a:r>
-                    </a:p>
-                  </a:txBody>
-                  <a:tcPr/>
-                </a:tc>
-                <a:extLst>
-                  <a:ext uri="{0D108BD9-81ED-4DB2-BD59-A6C34878D82A}">
-                    <a16:rowId xmlns:a16="http://schemas.microsoft.com/office/drawing/2014/main" val="3537868255"/>
-                  </a:ext>
-                </a:extLst>
-              </a:tr>
-            </a:tbl>
-          </a:graphicData>
-        </a:graphic>
-      </p:graphicFrame>
-      <p:graphicFrame>
-        <p:nvGraphicFramePr>
-          <p:cNvPr id="8" name="Table 7">
-            <a:extLst>
-              <a:ext uri="{FF2B5EF4-FFF2-40B4-BE49-F238E27FC236}">
-                <a16:creationId xmlns:a16="http://schemas.microsoft.com/office/drawing/2014/main" id="{C8DA87BB-C4AB-4A3F-B99E-7CAF8E3AC125}"/>
-              </a:ext>
-            </a:extLst>
-          </p:cNvPr>
-          <p:cNvGraphicFramePr>
-            <a:graphicFrameLocks noGrp="1"/>
-          </p:cNvGraphicFramePr>
           <p:nvPr>
             <p:extLst>
               <p:ext uri="{D42A27DB-BD31-4B8C-83A1-F6EECF244321}">
-                <p14:modId xmlns:p14="http://schemas.microsoft.com/office/powerpoint/2010/main" val="2400036279"/>
-              </p:ext>
-            </p:extLst>
-          </p:nvPr>
-        </p:nvGraphicFramePr>
-        <p:xfrm>
-          <a:off x="1678478" y="4072765"/>
-          <a:ext cx="7008322" cy="2560320"/>
-        </p:xfrm>
-        <a:graphic>
-          <a:graphicData uri="http://schemas.openxmlformats.org/drawingml/2006/table">
-            <a:tbl>
-              <a:tblPr>
-                <a:tableStyleId>{5940675A-B579-460E-94D1-54222C63F5DA}</a:tableStyleId>
-              </a:tblPr>
-              <a:tblGrid>
-                <a:gridCol w="1443182">
-                  <a:extLst>
-                    <a:ext uri="{9D8B030D-6E8A-4147-A177-3AD203B41FA5}">
-                      <a16:colId xmlns:a16="http://schemas.microsoft.com/office/drawing/2014/main" val="2631727857"/>
-                    </a:ext>
-                  </a:extLst>
-                </a:gridCol>
-                <a:gridCol w="1275080">
-                  <a:extLst>
-                    <a:ext uri="{9D8B030D-6E8A-4147-A177-3AD203B41FA5}">
-                      <a16:colId xmlns:a16="http://schemas.microsoft.com/office/drawing/2014/main" val="3644794925"/>
-                    </a:ext>
-                  </a:extLst>
-                </a:gridCol>
-                <a:gridCol w="2989580">
-                  <a:extLst>
-                    <a:ext uri="{9D8B030D-6E8A-4147-A177-3AD203B41FA5}">
-                      <a16:colId xmlns:a16="http://schemas.microsoft.com/office/drawing/2014/main" val="3062032141"/>
-                    </a:ext>
-                  </a:extLst>
-                </a:gridCol>
-                <a:gridCol w="1300480">
-                  <a:extLst>
-                    <a:ext uri="{9D8B030D-6E8A-4147-A177-3AD203B41FA5}">
-                      <a16:colId xmlns:a16="http://schemas.microsoft.com/office/drawing/2014/main" val="2308904833"/>
-                    </a:ext>
-                  </a:extLst>
-                </a:gridCol>
-              </a:tblGrid>
-              <a:tr h="0">
-                <a:tc>
-                  <a:txBody>
-                    <a:bodyPr/>
-                    <a:lstStyle/>
-                    <a:p>
-                      <a:pPr algn="l" fontAlgn="t"/>
-                      <a:endParaRPr lang="en-US" b="1" dirty="0">
-                        <a:effectLst/>
-                      </a:endParaRPr>
-                    </a:p>
-                  </a:txBody>
-                  <a:tcPr>
-                    <a:solidFill>
-                      <a:schemeClr val="bg1"/>
-                    </a:solidFill>
-                  </a:tcPr>
-                </a:tc>
-                <a:tc gridSpan="3">
-                  <a:txBody>
-                    <a:bodyPr/>
-                    <a:lstStyle/>
-                    <a:p>
-                      <a:pPr algn="l" fontAlgn="t"/>
-                      <a:r>
-                        <a:rPr lang="en-US" b="1" dirty="0">
-                          <a:effectLst/>
-                        </a:rPr>
-                        <a:t>Activity</a:t>
-                      </a:r>
-                    </a:p>
-                  </a:txBody>
-                  <a:tcPr>
-                    <a:solidFill>
-                      <a:schemeClr val="bg1"/>
-                    </a:solidFill>
-                  </a:tcPr>
-                </a:tc>
-                <a:tc hMerge="1">
-                  <a:txBody>
-                    <a:bodyPr/>
-                    <a:lstStyle/>
-                    <a:p>
-                      <a:pPr algn="l" fontAlgn="t"/>
-                      <a:endParaRPr lang="en-US" b="1" dirty="0">
-                        <a:effectLst/>
-                      </a:endParaRPr>
-                    </a:p>
-                  </a:txBody>
-                  <a:tcPr/>
-                </a:tc>
-                <a:tc hMerge="1">
-                  <a:txBody>
-                    <a:bodyPr/>
-                    <a:lstStyle/>
-                    <a:p>
-                      <a:pPr algn="l" fontAlgn="t"/>
-                      <a:endParaRPr lang="en-US" b="1" dirty="0">
-                        <a:effectLst/>
-                      </a:endParaRPr>
-                    </a:p>
-                  </a:txBody>
-                  <a:tcPr/>
-                </a:tc>
-                <a:extLst>
-                  <a:ext uri="{0D108BD9-81ED-4DB2-BD59-A6C34878D82A}">
-                    <a16:rowId xmlns:a16="http://schemas.microsoft.com/office/drawing/2014/main" val="240872549"/>
-                  </a:ext>
-                </a:extLst>
-              </a:tr>
-              <a:tr h="0">
-                <a:tc>
-                  <a:txBody>
-                    <a:bodyPr/>
-                    <a:lstStyle/>
-                    <a:p>
-                      <a:pPr algn="l" fontAlgn="t"/>
-                      <a:r>
-                        <a:rPr lang="en-US" b="0" dirty="0">
-                          <a:solidFill>
-                            <a:srgbClr val="0000FF"/>
-                          </a:solidFill>
-                          <a:effectLst/>
-                        </a:rPr>
-                        <a:t>day </a:t>
-                      </a:r>
-                      <a:r>
-                        <a:rPr lang="en-US" b="0" dirty="0">
-                          <a:effectLst/>
-                        </a:rPr>
-                        <a:t>is 2/4/5</a:t>
-                      </a:r>
-                    </a:p>
-                  </a:txBody>
-                  <a:tcPr>
-                    <a:solidFill>
-                      <a:schemeClr val="bg1"/>
-                    </a:solidFill>
-                  </a:tcPr>
-                </a:tc>
-                <a:tc gridSpan="3">
-                  <a:txBody>
-                    <a:bodyPr/>
-                    <a:lstStyle/>
-                    <a:p>
-                      <a:pPr algn="l" fontAlgn="t"/>
-                      <a:r>
-                        <a:rPr lang="en-US" b="0" dirty="0">
-                          <a:effectLst/>
-                        </a:rPr>
-                        <a:t>No activity</a:t>
-                      </a:r>
-                    </a:p>
-                  </a:txBody>
-                  <a:tcPr>
-                    <a:solidFill>
-                      <a:schemeClr val="bg1"/>
-                    </a:solidFill>
-                  </a:tcPr>
-                </a:tc>
-                <a:tc hMerge="1">
-                  <a:txBody>
-                    <a:bodyPr/>
-                    <a:lstStyle/>
-                    <a:p>
-                      <a:pPr algn="l" fontAlgn="t"/>
-                      <a:endParaRPr lang="en-US" b="0" dirty="0">
-                        <a:effectLst/>
-                      </a:endParaRPr>
-                    </a:p>
-                  </a:txBody>
-                  <a:tcPr>
-                    <a:solidFill>
-                      <a:schemeClr val="bg1"/>
-                    </a:solidFill>
-                  </a:tcPr>
-                </a:tc>
-                <a:tc hMerge="1">
-                  <a:txBody>
-                    <a:bodyPr/>
-                    <a:lstStyle/>
-                    <a:p>
-                      <a:pPr algn="l" fontAlgn="t"/>
-                      <a:endParaRPr lang="en-US" b="0" dirty="0">
-                        <a:effectLst/>
-                      </a:endParaRPr>
-                    </a:p>
-                  </a:txBody>
-                  <a:tcPr/>
-                </a:tc>
-                <a:extLst>
-                  <a:ext uri="{0D108BD9-81ED-4DB2-BD59-A6C34878D82A}">
-                    <a16:rowId xmlns:a16="http://schemas.microsoft.com/office/drawing/2014/main" val="4181371937"/>
-                  </a:ext>
-                </a:extLst>
-              </a:tr>
-              <a:tr h="0">
-                <a:tc rowSpan="5">
-                  <a:txBody>
-                    <a:bodyPr/>
-                    <a:lstStyle/>
-                    <a:p>
-                      <a:pPr algn="l" fontAlgn="t"/>
-                      <a:r>
-                        <a:rPr lang="en-US" b="0" dirty="0">
-                          <a:effectLst/>
-                        </a:rPr>
-                        <a:t>Otherwise </a:t>
-                      </a:r>
-                    </a:p>
-                  </a:txBody>
-                  <a:tcPr>
-                    <a:solidFill>
-                      <a:schemeClr val="bg1"/>
-                    </a:solidFill>
-                  </a:tcPr>
-                </a:tc>
-                <a:tc rowSpan="2">
-                  <a:txBody>
-                    <a:bodyPr/>
-                    <a:lstStyle/>
-                    <a:p>
-                      <a:pPr marL="0" marR="0" lvl="0" indent="0" algn="l" defTabSz="914400" rtl="0" eaLnBrk="1" fontAlgn="t" latinLnBrk="0" hangingPunct="1">
-                        <a:lnSpc>
-                          <a:spcPct val="100000"/>
-                        </a:lnSpc>
-                        <a:spcBef>
-                          <a:spcPts val="0"/>
-                        </a:spcBef>
-                        <a:spcAft>
-                          <a:spcPts val="0"/>
-                        </a:spcAft>
-                        <a:buClrTx/>
-                        <a:buSzTx/>
-                        <a:buFontTx/>
-                        <a:buNone/>
-                        <a:tabLst/>
-                        <a:defRPr/>
-                      </a:pPr>
-                      <a:r>
-                        <a:rPr lang="en-US" b="0" dirty="0">
-                          <a:solidFill>
-                            <a:srgbClr val="0000FF"/>
-                          </a:solidFill>
-                          <a:effectLst/>
-                        </a:rPr>
-                        <a:t>day</a:t>
-                      </a:r>
-                      <a:r>
-                        <a:rPr lang="en-US" b="0" dirty="0">
-                          <a:effectLst/>
-                        </a:rPr>
-                        <a:t> is 3</a:t>
-                      </a:r>
-                    </a:p>
-                  </a:txBody>
-                  <a:tcPr>
-                    <a:solidFill>
-                      <a:schemeClr val="bg1"/>
-                    </a:solidFill>
-                  </a:tcPr>
-                </a:tc>
-                <a:tc>
-                  <a:txBody>
-                    <a:bodyPr/>
-                    <a:lstStyle/>
-                    <a:p>
-                      <a:pPr algn="l" fontAlgn="t"/>
-                      <a:r>
-                        <a:rPr lang="en-US" b="0" dirty="0">
-                          <a:solidFill>
-                            <a:srgbClr val="0000FF"/>
-                          </a:solidFill>
-                          <a:effectLst/>
-                        </a:rPr>
-                        <a:t>time</a:t>
-                      </a:r>
-                      <a:r>
-                        <a:rPr lang="en-US" b="0" dirty="0">
-                          <a:effectLst/>
-                        </a:rPr>
-                        <a:t> is between 1200-1600</a:t>
-                      </a:r>
-                    </a:p>
-                  </a:txBody>
-                  <a:tcPr>
-                    <a:solidFill>
-                      <a:schemeClr val="bg1"/>
-                    </a:solidFill>
-                  </a:tcPr>
-                </a:tc>
-                <a:tc>
-                  <a:txBody>
-                    <a:bodyPr/>
-                    <a:lstStyle/>
-                    <a:p>
-                      <a:pPr algn="l" fontAlgn="t"/>
-                      <a:r>
-                        <a:rPr lang="en-US" b="0" dirty="0">
-                          <a:effectLst/>
-                        </a:rPr>
-                        <a:t>Tutorial</a:t>
-                      </a:r>
-                    </a:p>
-                  </a:txBody>
-                  <a:tcPr>
-                    <a:solidFill>
-                      <a:schemeClr val="bg1"/>
-                    </a:solidFill>
-                  </a:tcPr>
-                </a:tc>
-                <a:extLst>
-                  <a:ext uri="{0D108BD9-81ED-4DB2-BD59-A6C34878D82A}">
-                    <a16:rowId xmlns:a16="http://schemas.microsoft.com/office/drawing/2014/main" val="1257816777"/>
-                  </a:ext>
-                </a:extLst>
-              </a:tr>
-              <a:tr h="0">
-                <a:tc vMerge="1">
-                  <a:txBody>
-                    <a:bodyPr/>
-                    <a:lstStyle/>
-                    <a:p>
-                      <a:endParaRPr lang="en-US"/>
-                    </a:p>
-                  </a:txBody>
-                  <a:tcPr/>
-                </a:tc>
-                <a:tc vMerge="1">
-                  <a:txBody>
-                    <a:bodyPr/>
-                    <a:lstStyle/>
-                    <a:p>
-                      <a:pPr marL="0" marR="0" lvl="0" indent="0" algn="l" defTabSz="914400" rtl="0" eaLnBrk="1" fontAlgn="t" latinLnBrk="0" hangingPunct="1">
-                        <a:lnSpc>
-                          <a:spcPct val="100000"/>
-                        </a:lnSpc>
-                        <a:spcBef>
-                          <a:spcPts val="0"/>
-                        </a:spcBef>
-                        <a:spcAft>
-                          <a:spcPts val="0"/>
-                        </a:spcAft>
-                        <a:buClrTx/>
-                        <a:buSzTx/>
-                        <a:buFontTx/>
-                        <a:buNone/>
-                        <a:tabLst/>
-                        <a:defRPr/>
-                      </a:pPr>
-                      <a:endParaRPr lang="en-US" b="0" dirty="0">
-                        <a:effectLst/>
-                      </a:endParaRPr>
-                    </a:p>
-                  </a:txBody>
-                  <a:tcPr>
-                    <a:solidFill>
-                      <a:schemeClr val="bg1"/>
-                    </a:solidFill>
-                  </a:tcPr>
-                </a:tc>
-                <a:tc>
-                  <a:txBody>
-                    <a:bodyPr/>
-                    <a:lstStyle/>
-                    <a:p>
-                      <a:pPr algn="l" fontAlgn="t"/>
-                      <a:r>
-                        <a:rPr lang="en-US" b="0" dirty="0">
-                          <a:effectLst/>
-                        </a:rPr>
-                        <a:t>Otherwise</a:t>
-                      </a:r>
-                    </a:p>
-                  </a:txBody>
-                  <a:tcPr>
-                    <a:solidFill>
-                      <a:schemeClr val="bg1"/>
-                    </a:solidFill>
-                  </a:tcPr>
-                </a:tc>
-                <a:tc>
-                  <a:txBody>
-                    <a:bodyPr/>
-                    <a:lstStyle/>
-                    <a:p>
-                      <a:pPr algn="l" fontAlgn="t"/>
-                      <a:r>
-                        <a:rPr lang="en-US" b="0" dirty="0">
-                          <a:effectLst/>
-                        </a:rPr>
-                        <a:t>No activity</a:t>
-                      </a:r>
-                    </a:p>
-                  </a:txBody>
-                  <a:tcPr>
-                    <a:solidFill>
-                      <a:schemeClr val="bg1"/>
-                    </a:solidFill>
-                  </a:tcPr>
-                </a:tc>
-                <a:extLst>
-                  <a:ext uri="{0D108BD9-81ED-4DB2-BD59-A6C34878D82A}">
-                    <a16:rowId xmlns:a16="http://schemas.microsoft.com/office/drawing/2014/main" val="2910684947"/>
-                  </a:ext>
-                </a:extLst>
-              </a:tr>
-              <a:tr h="0">
-                <a:tc vMerge="1">
-                  <a:txBody>
-                    <a:bodyPr/>
-                    <a:lstStyle/>
-                    <a:p>
-                      <a:pPr algn="l" fontAlgn="t"/>
-                      <a:endParaRPr lang="en-US" b="0" dirty="0">
-                        <a:effectLst/>
-                      </a:endParaRPr>
-                    </a:p>
-                  </a:txBody>
-                  <a:tcPr/>
-                </a:tc>
-                <a:tc rowSpan="3">
-                  <a:txBody>
-                    <a:bodyPr/>
-                    <a:lstStyle/>
-                    <a:p>
-                      <a:pPr algn="l" fontAlgn="t"/>
-                      <a:r>
-                        <a:rPr lang="en-US" b="0" dirty="0">
-                          <a:effectLst/>
-                        </a:rPr>
-                        <a:t>Otherwise</a:t>
-                      </a:r>
-                    </a:p>
-                  </a:txBody>
-                  <a:tcPr>
-                    <a:solidFill>
-                      <a:schemeClr val="bg1"/>
-                    </a:solidFill>
-                  </a:tcPr>
-                </a:tc>
-                <a:tc>
-                  <a:txBody>
-                    <a:bodyPr/>
-                    <a:lstStyle/>
-                    <a:p>
-                      <a:pPr algn="l" fontAlgn="t"/>
-                      <a:r>
-                        <a:rPr lang="en-US" b="0" dirty="0">
-                          <a:solidFill>
-                            <a:srgbClr val="0000FF"/>
-                          </a:solidFill>
-                          <a:effectLst/>
-                        </a:rPr>
-                        <a:t>time </a:t>
-                      </a:r>
-                      <a:r>
-                        <a:rPr lang="en-US" b="0" dirty="0">
-                          <a:effectLst/>
-                        </a:rPr>
-                        <a:t>is between 1000-1400</a:t>
-                      </a:r>
-                    </a:p>
-                  </a:txBody>
-                  <a:tcPr>
-                    <a:solidFill>
-                      <a:schemeClr val="bg1"/>
-                    </a:solidFill>
-                  </a:tcPr>
-                </a:tc>
-                <a:tc>
-                  <a:txBody>
-                    <a:bodyPr/>
-                    <a:lstStyle/>
-                    <a:p>
-                      <a:pPr marL="0" marR="0" lvl="0" indent="0" algn="l" defTabSz="914400" rtl="0" eaLnBrk="1" fontAlgn="t" latinLnBrk="0" hangingPunct="1">
-                        <a:lnSpc>
-                          <a:spcPct val="100000"/>
-                        </a:lnSpc>
-                        <a:spcBef>
-                          <a:spcPts val="0"/>
-                        </a:spcBef>
-                        <a:spcAft>
-                          <a:spcPts val="0"/>
-                        </a:spcAft>
-                        <a:buClrTx/>
-                        <a:buSzTx/>
-                        <a:buFontTx/>
-                        <a:buNone/>
-                        <a:tabLst/>
-                        <a:defRPr/>
-                      </a:pPr>
-                      <a:r>
-                        <a:rPr lang="en-US" b="0" dirty="0">
-                          <a:effectLst/>
-                        </a:rPr>
-                        <a:t>Tutorial</a:t>
-                      </a:r>
-                    </a:p>
-                  </a:txBody>
-                  <a:tcPr>
-                    <a:solidFill>
-                      <a:schemeClr val="bg1"/>
-                    </a:solidFill>
-                  </a:tcPr>
-                </a:tc>
-                <a:extLst>
-                  <a:ext uri="{0D108BD9-81ED-4DB2-BD59-A6C34878D82A}">
-                    <a16:rowId xmlns:a16="http://schemas.microsoft.com/office/drawing/2014/main" val="2160895748"/>
-                  </a:ext>
-                </a:extLst>
-              </a:tr>
-              <a:tr h="0">
-                <a:tc vMerge="1">
-                  <a:txBody>
-                    <a:bodyPr/>
-                    <a:lstStyle/>
-                    <a:p>
-                      <a:pPr algn="l" fontAlgn="t"/>
-                      <a:endParaRPr lang="en-US" b="0" dirty="0">
-                        <a:effectLst/>
-                      </a:endParaRPr>
-                    </a:p>
-                  </a:txBody>
-                  <a:tcPr/>
-                </a:tc>
-                <a:tc vMerge="1">
-                  <a:txBody>
-                    <a:bodyPr/>
-                    <a:lstStyle/>
-                    <a:p>
-                      <a:pPr algn="l" fontAlgn="t"/>
-                      <a:r>
-                        <a:rPr lang="en-US" b="0" dirty="0">
-                          <a:effectLst/>
-                        </a:rPr>
-                        <a:t>Less than 3</a:t>
-                      </a:r>
-                    </a:p>
-                  </a:txBody>
-                  <a:tcPr/>
-                </a:tc>
-                <a:tc>
-                  <a:txBody>
-                    <a:bodyPr/>
-                    <a:lstStyle/>
-                    <a:p>
-                      <a:pPr algn="l" fontAlgn="t"/>
-                      <a:r>
-                        <a:rPr lang="en-US" b="0" dirty="0">
-                          <a:solidFill>
-                            <a:srgbClr val="0000FF"/>
-                          </a:solidFill>
-                          <a:effectLst/>
-                        </a:rPr>
-                        <a:t>time</a:t>
-                      </a:r>
-                      <a:r>
-                        <a:rPr lang="en-US" b="0" dirty="0">
-                          <a:effectLst/>
-                        </a:rPr>
-                        <a:t> is between 1400-1600</a:t>
-                      </a:r>
-                    </a:p>
-                  </a:txBody>
-                  <a:tcPr>
-                    <a:solidFill>
-                      <a:schemeClr val="bg1"/>
-                    </a:solidFill>
-                  </a:tcPr>
-                </a:tc>
-                <a:tc>
-                  <a:txBody>
-                    <a:bodyPr/>
-                    <a:lstStyle/>
-                    <a:p>
-                      <a:pPr algn="l" fontAlgn="t"/>
-                      <a:r>
-                        <a:rPr lang="en-US" b="0" dirty="0">
-                          <a:effectLst/>
-                        </a:rPr>
-                        <a:t>Lecture</a:t>
-                      </a:r>
-                    </a:p>
-                  </a:txBody>
-                  <a:tcPr>
-                    <a:solidFill>
-                      <a:schemeClr val="bg1"/>
-                    </a:solidFill>
-                  </a:tcPr>
-                </a:tc>
-                <a:extLst>
-                  <a:ext uri="{0D108BD9-81ED-4DB2-BD59-A6C34878D82A}">
-                    <a16:rowId xmlns:a16="http://schemas.microsoft.com/office/drawing/2014/main" val="1177179377"/>
-                  </a:ext>
-                </a:extLst>
-              </a:tr>
-              <a:tr h="0">
-                <a:tc vMerge="1">
-                  <a:txBody>
-                    <a:bodyPr/>
-                    <a:lstStyle/>
-                    <a:p>
-                      <a:pPr algn="l" fontAlgn="t"/>
-                      <a:endParaRPr lang="en-US" b="0" dirty="0">
-                        <a:effectLst/>
-                      </a:endParaRPr>
-                    </a:p>
-                  </a:txBody>
-                  <a:tcPr>
-                    <a:solidFill>
-                      <a:schemeClr val="bg1"/>
-                    </a:solidFill>
-                  </a:tcPr>
-                </a:tc>
-                <a:tc vMerge="1">
-                  <a:txBody>
-                    <a:bodyPr/>
-                    <a:lstStyle/>
-                    <a:p>
-                      <a:pPr algn="l" fontAlgn="t"/>
-                      <a:endParaRPr lang="en-US" b="0" dirty="0">
-                        <a:effectLst/>
-                      </a:endParaRPr>
-                    </a:p>
-                  </a:txBody>
-                  <a:tcPr>
-                    <a:solidFill>
-                      <a:schemeClr val="bg1"/>
-                    </a:solidFill>
-                  </a:tcPr>
-                </a:tc>
-                <a:tc>
-                  <a:txBody>
-                    <a:bodyPr/>
-                    <a:lstStyle/>
-                    <a:p>
-                      <a:pPr algn="l" fontAlgn="t"/>
-                      <a:r>
-                        <a:rPr lang="en-US" b="0" dirty="0">
-                          <a:effectLst/>
-                        </a:rPr>
-                        <a:t>Otherwise</a:t>
-                      </a:r>
-                    </a:p>
-                  </a:txBody>
-                  <a:tcPr>
-                    <a:solidFill>
-                      <a:schemeClr val="bg1"/>
-                    </a:solidFill>
-                  </a:tcPr>
-                </a:tc>
-                <a:tc>
-                  <a:txBody>
-                    <a:bodyPr/>
-                    <a:lstStyle/>
-                    <a:p>
-                      <a:pPr marL="0" marR="0" lvl="0" indent="0" algn="l" defTabSz="914400" rtl="0" eaLnBrk="1" fontAlgn="t" latinLnBrk="0" hangingPunct="1">
-                        <a:lnSpc>
-                          <a:spcPct val="100000"/>
-                        </a:lnSpc>
-                        <a:spcBef>
-                          <a:spcPts val="0"/>
-                        </a:spcBef>
-                        <a:spcAft>
-                          <a:spcPts val="0"/>
-                        </a:spcAft>
-                        <a:buClrTx/>
-                        <a:buSzTx/>
-                        <a:buFontTx/>
-                        <a:buNone/>
-                        <a:tabLst/>
-                        <a:defRPr/>
-                      </a:pPr>
-                      <a:r>
-                        <a:rPr lang="en-US" b="0" dirty="0">
-                          <a:effectLst/>
-                        </a:rPr>
-                        <a:t>No activity</a:t>
-                      </a:r>
-                    </a:p>
-                  </a:txBody>
-                  <a:tcPr>
-                    <a:solidFill>
-                      <a:schemeClr val="bg1"/>
-                    </a:solidFill>
-                  </a:tcPr>
-                </a:tc>
-                <a:extLst>
-                  <a:ext uri="{0D108BD9-81ED-4DB2-BD59-A6C34878D82A}">
-                    <a16:rowId xmlns:a16="http://schemas.microsoft.com/office/drawing/2014/main" val="2889785638"/>
-                  </a:ext>
-                </a:extLst>
-              </a:tr>
-            </a:tbl>
-          </a:graphicData>
-        </a:graphic>
-      </p:graphicFrame>
-      <p:sp>
-        <p:nvSpPr>
-          <p:cNvPr id="2" name="Footer Placeholder 1">
-            <a:extLst>
-              <a:ext uri="{FF2B5EF4-FFF2-40B4-BE49-F238E27FC236}">
-                <a16:creationId xmlns:a16="http://schemas.microsoft.com/office/drawing/2014/main" id="{2054DF41-564D-6202-B9BD-7D488AD2E220}"/>
-              </a:ext>
-            </a:extLst>
-          </p:cNvPr>
-          <p:cNvSpPr>
-            <a:spLocks noGrp="1"/>
-          </p:cNvSpPr>
-          <p:nvPr>
-            <p:ph type="ftr" sz="quarter" idx="11"/>
-          </p:nvPr>
-        </p:nvSpPr>
-        <p:spPr/>
-        <p:txBody>
-          <a:bodyPr/>
-          <a:lstStyle/>
-          <a:p>
-            <a:pPr algn="l">
-              <a:defRPr/>
-            </a:pPr>
-            <a:r>
-              <a:rPr lang="en-US"/>
-              <a:t>CS1010 (AY2023/24 Semester 2)</a:t>
-            </a:r>
-            <a:endParaRPr lang="en-US" dirty="0"/>
-          </a:p>
-        </p:txBody>
-      </p:sp>
-      <p:sp>
-        <p:nvSpPr>
-          <p:cNvPr id="3" name="Slide Number Placeholder 2">
-            <a:extLst>
-              <a:ext uri="{FF2B5EF4-FFF2-40B4-BE49-F238E27FC236}">
-                <a16:creationId xmlns:a16="http://schemas.microsoft.com/office/drawing/2014/main" id="{13D4E90E-B741-C1B5-17BD-F432ED0E4672}"/>
-              </a:ext>
-            </a:extLst>
-          </p:cNvPr>
-          <p:cNvSpPr>
-            <a:spLocks noGrp="1"/>
-          </p:cNvSpPr>
-          <p:nvPr>
-            <p:ph type="sldNum" sz="quarter" idx="12"/>
-          </p:nvPr>
-        </p:nvSpPr>
-        <p:spPr/>
-        <p:txBody>
-          <a:bodyPr/>
-          <a:lstStyle/>
-          <a:p>
-            <a:pPr>
-              <a:defRPr/>
-            </a:pPr>
-            <a:r>
-              <a:rPr lang="en-US" dirty="0"/>
-              <a:t>Week4R - </a:t>
-            </a:r>
-            <a:fld id="{2E4790E1-2590-4AEE-892D-AB46A7688113}" type="slidenum">
-              <a:rPr lang="en-US" smtClean="0"/>
-              <a:pPr>
-                <a:defRPr/>
-              </a:pPr>
-              <a:t>5</a:t>
-            </a:fld>
-            <a:endParaRPr lang="en-US" dirty="0"/>
-          </a:p>
-        </p:txBody>
-      </p:sp>
-    </p:spTree>
-    <p:extLst>
-      <p:ext uri="{BB962C8B-B14F-4D97-AF65-F5344CB8AC3E}">
-        <p14:creationId xmlns:p14="http://schemas.microsoft.com/office/powerpoint/2010/main" val="2879329457"/>
-      </p:ext>
-    </p:extLst>
-  </p:cSld>
-  <p:clrMapOvr>
-    <a:masterClrMapping/>
-  </p:clrMapOvr>
-  <p:transition>
-    <p:fade/>
-  </p:transition>
-</p:sld>
-</file>
-
-<file path=ppt/slides/slide6.xml><?xml version="1.0" encoding="utf-8"?>
-<p:sld xmlns:a="http://schemas.openxmlformats.org/drawingml/2006/main" xmlns:r="http://schemas.openxmlformats.org/officeDocument/2006/relationships" xmlns:p="http://schemas.openxmlformats.org/presentationml/2006/main">
-  <p:cSld>
-    <p:spTree>
-      <p:nvGrpSpPr>
-        <p:cNvPr id="1" name=""/>
-        <p:cNvGrpSpPr/>
-        <p:nvPr/>
-      </p:nvGrpSpPr>
-      <p:grpSpPr>
-        <a:xfrm>
-          <a:off x="0" y="0"/>
-          <a:ext cx="0" cy="0"/>
-          <a:chOff x="0" y="0"/>
-          <a:chExt cx="0" cy="0"/>
-        </a:xfrm>
-      </p:grpSpPr>
-      <p:sp>
-        <p:nvSpPr>
-          <p:cNvPr id="25602" name="Rectangle 2"/>
-          <p:cNvSpPr>
-            <a:spLocks noGrp="1" noChangeArrowheads="1"/>
-          </p:cNvSpPr>
-          <p:nvPr>
-            <p:ph type="title"/>
-          </p:nvPr>
-        </p:nvSpPr>
-        <p:spPr>
-          <a:xfrm>
-            <a:off x="533400" y="457200"/>
-            <a:ext cx="8403566" cy="685800"/>
-          </a:xfrm>
-        </p:spPr>
-        <p:txBody>
-          <a:bodyPr>
-            <a:normAutofit fontScale="90000"/>
-          </a:bodyPr>
-          <a:lstStyle/>
-          <a:p>
-            <a:pPr eaLnBrk="1" hangingPunct="1"/>
-            <a:r>
-              <a:rPr lang="en-GB" dirty="0">
-                <a:solidFill>
-                  <a:srgbClr val="0000FF"/>
-                </a:solidFill>
-              </a:rPr>
-              <a:t>Ex#1: CS1010 Schedule</a:t>
-            </a:r>
-            <a:endParaRPr lang="en-GB" sz="3100" dirty="0">
-              <a:solidFill>
-                <a:srgbClr val="0000FF"/>
-              </a:solidFill>
-            </a:endParaRPr>
-          </a:p>
-        </p:txBody>
-      </p:sp>
-      <p:sp>
-        <p:nvSpPr>
-          <p:cNvPr id="15" name="HighlightTextShape201406241503265130"/>
-          <p:cNvSpPr>
-            <a:spLocks noChangeArrowheads="1"/>
-          </p:cNvSpPr>
-          <p:nvPr/>
-        </p:nvSpPr>
-        <p:spPr bwMode="auto">
-          <a:xfrm>
-            <a:off x="573206" y="1219201"/>
-            <a:ext cx="8363760" cy="1327230"/>
-          </a:xfrm>
-          <a:prstGeom prst="rect">
-            <a:avLst/>
-          </a:prstGeom>
-          <a:noFill/>
-          <a:ln w="9525">
-            <a:noFill/>
-            <a:miter lim="800000"/>
-            <a:headEnd/>
-            <a:tailEnd/>
-          </a:ln>
-        </p:spPr>
-        <p:txBody>
-          <a:bodyPr/>
-          <a:lstStyle/>
-          <a:p>
-            <a:pPr marL="342900" indent="-342900">
-              <a:spcBef>
-                <a:spcPts val="1200"/>
-              </a:spcBef>
-              <a:buClr>
-                <a:schemeClr val="accent4">
-                  <a:lumMod val="60000"/>
-                  <a:lumOff val="40000"/>
-                </a:schemeClr>
-              </a:buClr>
-              <a:buSzPct val="75000"/>
-              <a:buFont typeface="Wingdings" pitchFamily="2" charset="2"/>
-              <a:buChar char="n"/>
-            </a:pPr>
-            <a:r>
-              <a:rPr lang="en-US" sz="2400" dirty="0"/>
-              <a:t>Problem: Print the CS1010 schedule based on </a:t>
-            </a:r>
-            <a:r>
-              <a:rPr lang="en-US" sz="2400" dirty="0">
-                <a:solidFill>
-                  <a:srgbClr val="0000FF"/>
-                </a:solidFill>
-              </a:rPr>
-              <a:t>day </a:t>
-            </a:r>
-            <a:r>
-              <a:rPr lang="en-US" sz="2400" dirty="0"/>
-              <a:t>(1/2/3/4/5) and </a:t>
-            </a:r>
-            <a:r>
-              <a:rPr lang="en-US" sz="2400" dirty="0">
-                <a:solidFill>
-                  <a:srgbClr val="0000FF"/>
-                </a:solidFill>
-              </a:rPr>
-              <a:t>time </a:t>
-            </a:r>
-            <a:r>
-              <a:rPr lang="en-US" sz="2400" dirty="0"/>
-              <a:t>(1000/1100/…)</a:t>
-            </a:r>
-          </a:p>
-          <a:p>
-            <a:pPr lvl="1">
-              <a:spcBef>
-                <a:spcPts val="1200"/>
-              </a:spcBef>
-              <a:buClr>
-                <a:schemeClr val="accent4">
-                  <a:lumMod val="60000"/>
-                  <a:lumOff val="40000"/>
-                </a:schemeClr>
-              </a:buClr>
-              <a:buSzPct val="75000"/>
-            </a:pPr>
-            <a:endParaRPr lang="en-US" sz="2000" dirty="0">
-              <a:sym typeface="Wingdings" panose="05000000000000000000" pitchFamily="2" charset="2"/>
-            </a:endParaRPr>
-          </a:p>
-          <a:p>
-            <a:pPr marL="800100" lvl="1" indent="-342900">
-              <a:spcBef>
-                <a:spcPts val="1200"/>
-              </a:spcBef>
-              <a:buClr>
-                <a:schemeClr val="accent4">
-                  <a:lumMod val="60000"/>
-                  <a:lumOff val="40000"/>
-                </a:schemeClr>
-              </a:buClr>
-              <a:buSzPct val="75000"/>
-              <a:buFont typeface="Wingdings" pitchFamily="2" charset="2"/>
-              <a:buChar char="n"/>
-            </a:pPr>
-            <a:endParaRPr lang="en-US" sz="2000" dirty="0">
-              <a:sym typeface="Wingdings" panose="05000000000000000000" pitchFamily="2" charset="2"/>
-            </a:endParaRPr>
-          </a:p>
-          <a:p>
-            <a:pPr marL="800100" lvl="1" indent="-342900">
-              <a:spcBef>
-                <a:spcPts val="1200"/>
-              </a:spcBef>
-              <a:buClr>
-                <a:schemeClr val="accent4">
-                  <a:lumMod val="60000"/>
-                  <a:lumOff val="40000"/>
-                </a:schemeClr>
-              </a:buClr>
-              <a:buSzPct val="75000"/>
-              <a:buFont typeface="Wingdings" pitchFamily="2" charset="2"/>
-              <a:buChar char="n"/>
-            </a:pPr>
-            <a:endParaRPr lang="en-US" sz="2000" dirty="0">
-              <a:sym typeface="Wingdings" panose="05000000000000000000" pitchFamily="2" charset="2"/>
-            </a:endParaRPr>
-          </a:p>
-          <a:p>
-            <a:pPr marL="800100" lvl="1" indent="-342900">
-              <a:spcBef>
-                <a:spcPts val="1200"/>
-              </a:spcBef>
-              <a:buClr>
-                <a:schemeClr val="accent4">
-                  <a:lumMod val="60000"/>
-                  <a:lumOff val="40000"/>
-                </a:schemeClr>
-              </a:buClr>
-              <a:buSzPct val="75000"/>
-              <a:buFont typeface="Wingdings" pitchFamily="2" charset="2"/>
-              <a:buChar char="n"/>
-            </a:pPr>
-            <a:endParaRPr lang="en-US" sz="2000" dirty="0">
-              <a:sym typeface="Wingdings" panose="05000000000000000000" pitchFamily="2" charset="2"/>
-            </a:endParaRPr>
-          </a:p>
-          <a:p>
-            <a:pPr marL="800100" lvl="1" indent="-342900">
-              <a:spcBef>
-                <a:spcPts val="1200"/>
-              </a:spcBef>
-              <a:buClr>
-                <a:schemeClr val="accent4">
-                  <a:lumMod val="60000"/>
-                  <a:lumOff val="40000"/>
-                </a:schemeClr>
-              </a:buClr>
-              <a:buSzPct val="75000"/>
-              <a:buFont typeface="Wingdings" pitchFamily="2" charset="2"/>
-              <a:buChar char="n"/>
-            </a:pPr>
-            <a:endParaRPr lang="en-US" sz="2000" dirty="0">
-              <a:sym typeface="Wingdings" panose="05000000000000000000" pitchFamily="2" charset="2"/>
-            </a:endParaRPr>
-          </a:p>
-          <a:p>
-            <a:pPr>
-              <a:spcBef>
-                <a:spcPts val="1200"/>
-              </a:spcBef>
-              <a:buClr>
-                <a:schemeClr val="accent4">
-                  <a:lumMod val="60000"/>
-                  <a:lumOff val="40000"/>
-                </a:schemeClr>
-              </a:buClr>
-              <a:buSzPct val="75000"/>
-            </a:pPr>
-            <a:endParaRPr lang="en-US" sz="2400" dirty="0"/>
-          </a:p>
-        </p:txBody>
-      </p:sp>
-      <p:graphicFrame>
-        <p:nvGraphicFramePr>
-          <p:cNvPr id="5" name="Table 5">
-            <a:extLst>
-              <a:ext uri="{FF2B5EF4-FFF2-40B4-BE49-F238E27FC236}">
-                <a16:creationId xmlns:a16="http://schemas.microsoft.com/office/drawing/2014/main" id="{9E742EBA-8F43-4310-AD68-B4660B9ECF59}"/>
-              </a:ext>
-            </a:extLst>
-          </p:cNvPr>
-          <p:cNvGraphicFramePr>
-            <a:graphicFrameLocks noGrp="1"/>
-          </p:cNvGraphicFramePr>
-          <p:nvPr>
-            <p:extLst>
-              <p:ext uri="{D42A27DB-BD31-4B8C-83A1-F6EECF244321}">
-                <p14:modId xmlns:p14="http://schemas.microsoft.com/office/powerpoint/2010/main" val="2230591939"/>
+                <p14:modId xmlns:p14="http://schemas.microsoft.com/office/powerpoint/2010/main" val="272108455"/>
               </p:ext>
             </p:extLst>
           </p:nvPr>
@@ -18685,7 +16985,7 @@
                       <a:pPr algn="ctr"/>
                       <a:r>
                         <a:rPr lang="en-US" dirty="0"/>
-                        <a:t>Lecture</a:t>
+                        <a:t>-</a:t>
                       </a:r>
                     </a:p>
                   </a:txBody>
@@ -18696,26 +16996,10 @@
                     <a:bodyPr/>
                     <a:lstStyle/>
                     <a:p>
-                      <a:pPr marL="0" marR="0" lvl="0" indent="0" algn="ctr" defTabSz="914400" rtl="0" eaLnBrk="1" fontAlgn="auto" latinLnBrk="0" hangingPunct="1">
-                        <a:lnSpc>
-                          <a:spcPct val="100000"/>
-                        </a:lnSpc>
-                        <a:spcBef>
-                          <a:spcPts val="0"/>
-                        </a:spcBef>
-                        <a:spcAft>
-                          <a:spcPts val="0"/>
-                        </a:spcAft>
-                        <a:buClrTx/>
-                        <a:buSzTx/>
-                        <a:buFontTx/>
-                        <a:buNone/>
-                        <a:tabLst/>
-                        <a:defRPr/>
-                      </a:pPr>
+                      <a:pPr algn="ctr"/>
                       <a:r>
                         <a:rPr lang="en-US" dirty="0"/>
-                        <a:t>Lecture</a:t>
+                        <a:t>-</a:t>
                       </a:r>
                     </a:p>
                   </a:txBody>
@@ -18778,7 +17062,21 @@
                       <a:pPr algn="ctr"/>
                       <a:r>
                         <a:rPr lang="en-US" dirty="0"/>
-                        <a:t>-</a:t>
+                        <a:t>Lecture</a:t>
+                      </a:r>
+                    </a:p>
+                  </a:txBody>
+                  <a:tcPr/>
+                </a:tc>
+                <a:tc>
+                  <a:txBody>
+                    <a:bodyPr/>
+                    <a:lstStyle/>
+                    <a:p>
+                      <a:pPr algn="ctr"/>
+                      <a:r>
+                        <a:rPr lang="en-US" dirty="0"/>
+                        <a:t>Lecture</a:t>
                       </a:r>
                     </a:p>
                   </a:txBody>
@@ -18817,7 +17115,23 @@
                     <a:bodyPr/>
                     <a:lstStyle/>
                     <a:p>
-                      <a:pPr algn="ctr"/>
+                      <a:pPr marL="0" marR="0" lvl="0" indent="0" algn="ctr" defTabSz="914400" rtl="0" eaLnBrk="1" fontAlgn="auto" latinLnBrk="0" hangingPunct="1">
+                        <a:lnSpc>
+                          <a:spcPct val="100000"/>
+                        </a:lnSpc>
+                        <a:spcBef>
+                          <a:spcPts val="0"/>
+                        </a:spcBef>
+                        <a:spcAft>
+                          <a:spcPts val="0"/>
+                        </a:spcAft>
+                        <a:buClrTx/>
+                        <a:buSzTx/>
+                        <a:buFontTx/>
+                        <a:buNone/>
+                        <a:tabLst/>
+                        <a:defRPr/>
+                      </a:pPr>
                       <a:r>
                         <a:rPr lang="en-US" dirty="0"/>
                         <a:t>-</a:t>
@@ -18831,21 +17145,23 @@
                     <a:bodyPr/>
                     <a:lstStyle/>
                     <a:p>
-                      <a:pPr algn="ctr"/>
-                      <a:r>
-                        <a:rPr lang="en-US" dirty="0"/>
-                        <a:t>-</a:t>
-                      </a:r>
-                    </a:p>
-                  </a:txBody>
-                  <a:tcPr/>
-                </a:tc>
-                <a:tc>
-                  <a:txBody>
-                    <a:bodyPr/>
-                    <a:lstStyle/>
-                    <a:p>
-                      <a:pPr algn="ctr"/>
+                      <a:pPr marL="0" marR="0" lvl="0" indent="0" algn="ctr" defTabSz="914400" rtl="0" eaLnBrk="1" fontAlgn="auto" latinLnBrk="0" hangingPunct="1">
+                        <a:lnSpc>
+                          <a:spcPct val="100000"/>
+                        </a:lnSpc>
+                        <a:spcBef>
+                          <a:spcPts val="0"/>
+                        </a:spcBef>
+                        <a:spcAft>
+                          <a:spcPts val="0"/>
+                        </a:spcAft>
+                        <a:buClrTx/>
+                        <a:buSzTx/>
+                        <a:buFontTx/>
+                        <a:buNone/>
+                        <a:tabLst/>
+                        <a:defRPr/>
+                      </a:pPr>
                       <a:r>
                         <a:rPr lang="en-US" dirty="0"/>
                         <a:t>-</a:t>
@@ -18939,7 +17255,7 @@
                       <a:pPr algn="ctr"/>
                       <a:r>
                         <a:rPr lang="en-US" dirty="0"/>
-                        <a:t>Tutorial</a:t>
+                        <a:t>-</a:t>
                       </a:r>
                     </a:p>
                   </a:txBody>
@@ -18969,7 +17285,7 @@
                       </a:pPr>
                       <a:r>
                         <a:rPr lang="en-US" dirty="0"/>
-                        <a:t>Tutorial</a:t>
+                        <a:t>-</a:t>
                       </a:r>
                     </a:p>
                   </a:txBody>
@@ -18999,7 +17315,7 @@
                       </a:pPr>
                       <a:r>
                         <a:rPr lang="en-US" dirty="0"/>
-                        <a:t>Tutorial</a:t>
+                        <a:t>-</a:t>
                       </a:r>
                     </a:p>
                   </a:txBody>
@@ -19029,7 +17345,7 @@
                       </a:pPr>
                       <a:r>
                         <a:rPr lang="en-US" dirty="0"/>
-                        <a:t>Tutorial</a:t>
+                        <a:t>-</a:t>
                       </a:r>
                     </a:p>
                   </a:txBody>
@@ -19354,14 +17670,14 @@
           <p:nvPr>
             <p:extLst>
               <p:ext uri="{D42A27DB-BD31-4B8C-83A1-F6EECF244321}">
-                <p14:modId xmlns:p14="http://schemas.microsoft.com/office/powerpoint/2010/main" val="1640183188"/>
+                <p14:modId xmlns:p14="http://schemas.microsoft.com/office/powerpoint/2010/main" val="498912606"/>
               </p:ext>
             </p:extLst>
           </p:nvPr>
         </p:nvGraphicFramePr>
         <p:xfrm>
           <a:off x="1483762" y="4572000"/>
-          <a:ext cx="5890260" cy="1828800"/>
+          <a:ext cx="6398260" cy="1463040"/>
         </p:xfrm>
         <a:graphic>
           <a:graphicData uri="http://schemas.openxmlformats.org/drawingml/2006/table">
@@ -19370,7 +17686,7 @@
                 <a:tableStyleId>{5940675A-B579-460E-94D1-54222C63F5DA}</a:tableStyleId>
               </a:tblPr>
               <a:tblGrid>
-                <a:gridCol w="4284980">
+                <a:gridCol w="4792980">
                   <a:extLst>
                     <a:ext uri="{9D8B030D-6E8A-4147-A177-3AD203B41FA5}">
                       <a16:colId xmlns:a16="http://schemas.microsoft.com/office/drawing/2014/main" val="2631727857"/>
@@ -19510,6 +17826,15 @@
                       <a:r>
                         <a:rPr lang="en-US" b="0" dirty="0">
                           <a:solidFill>
+                            <a:schemeClr val="tx1"/>
+                          </a:solidFill>
+                          <a:effectLst/>
+                        </a:rPr>
+                        <a:t>Else </a:t>
+                      </a:r>
+                      <a:r>
+                        <a:rPr lang="en-US" b="0" dirty="0">
+                          <a:solidFill>
                             <a:srgbClr val="0000FF"/>
                           </a:solidFill>
                           <a:effectLst/>
@@ -19520,7 +17845,7 @@
                         <a:rPr lang="en-US" b="0" dirty="0">
                           <a:effectLst/>
                         </a:rPr>
-                        <a:t> is 1 and </a:t>
+                        <a:t> is 2 and </a:t>
                       </a:r>
                       <a:r>
                         <a:rPr lang="en-US" b="0" dirty="0">
@@ -19535,7 +17860,7 @@
                         <a:rPr lang="en-US" b="0" dirty="0">
                           <a:effectLst/>
                         </a:rPr>
-                        <a:t>is between 1400-1600</a:t>
+                        <a:t>is between 1000-1200</a:t>
                       </a:r>
                     </a:p>
                   </a:txBody>
@@ -19580,80 +17905,9 @@
                       <a:pPr algn="l" fontAlgn="t"/>
                       <a:r>
                         <a:rPr lang="en-US" b="0" dirty="0">
-                          <a:solidFill>
-                            <a:srgbClr val="0000FF"/>
-                          </a:solidFill>
                           <a:effectLst/>
                         </a:rPr>
-                        <a:t>day</a:t>
-                      </a:r>
-                      <a:r>
-                        <a:rPr lang="en-US" b="0" dirty="0">
-                          <a:effectLst/>
-                        </a:rPr>
-                        <a:t> is 3 and </a:t>
-                      </a:r>
-                      <a:r>
-                        <a:rPr lang="en-US" b="0" dirty="0">
-                          <a:solidFill>
-                            <a:srgbClr val="0000FF"/>
-                          </a:solidFill>
-                          <a:effectLst/>
-                        </a:rPr>
-                        <a:t>time</a:t>
-                      </a:r>
-                      <a:r>
-                        <a:rPr lang="en-US" b="0" dirty="0">
-                          <a:effectLst/>
-                        </a:rPr>
-                        <a:t> is between 1200-1600</a:t>
-                      </a:r>
-                    </a:p>
-                  </a:txBody>
-                  <a:tcPr>
-                    <a:solidFill>
-                      <a:schemeClr val="bg1"/>
-                    </a:solidFill>
-                  </a:tcPr>
-                </a:tc>
-                <a:tc>
-                  <a:txBody>
-                    <a:bodyPr/>
-                    <a:lstStyle/>
-                    <a:p>
-                      <a:pPr algn="l" fontAlgn="t"/>
-                      <a:r>
-                        <a:rPr lang="en-US" b="0" dirty="0">
-                          <a:effectLst/>
-                        </a:rPr>
-                        <a:t>Tutorial</a:t>
-                      </a:r>
-                    </a:p>
-                  </a:txBody>
-                  <a:tcPr>
-                    <a:solidFill>
-                      <a:schemeClr val="bg1"/>
-                    </a:solidFill>
-                  </a:tcPr>
-                </a:tc>
-                <a:extLst>
-                  <a:ext uri="{0D108BD9-81ED-4DB2-BD59-A6C34878D82A}">
-                    <a16:rowId xmlns:a16="http://schemas.microsoft.com/office/drawing/2014/main" val="2160895748"/>
-                  </a:ext>
-                </a:extLst>
-              </a:tr>
-              <a:tr h="0">
-                <a:tc>
-                  <a:txBody>
-                    <a:bodyPr/>
-                    <a:lstStyle/>
-                    <a:p>
-                      <a:pPr algn="l" fontAlgn="t"/>
-                      <a:r>
-                        <a:rPr lang="en-US" b="0" dirty="0">
-                          <a:effectLst/>
-                        </a:rPr>
-                        <a:t>Otherwise</a:t>
+                        <a:t>Else</a:t>
                       </a:r>
                     </a:p>
                   </a:txBody>
@@ -19758,7 +18012,7 @@
               <a:pPr>
                 <a:defRPr/>
               </a:pPr>
-              <a:t>6</a:t>
+              <a:t>5</a:t>
             </a:fld>
             <a:endParaRPr lang="en-US" dirty="0"/>
           </a:p>
@@ -19768,6 +18022,1985 @@
     <p:extLst>
       <p:ext uri="{BB962C8B-B14F-4D97-AF65-F5344CB8AC3E}">
         <p14:creationId xmlns:p14="http://schemas.microsoft.com/office/powerpoint/2010/main" val="2775173622"/>
+      </p:ext>
+    </p:extLst>
+  </p:cSld>
+  <p:clrMapOvr>
+    <a:masterClrMapping/>
+  </p:clrMapOvr>
+  <p:transition>
+    <p:fade/>
+  </p:transition>
+</p:sld>
+</file>
+
+<file path=ppt/slides/slide6.xml><?xml version="1.0" encoding="utf-8"?>
+<p:sld xmlns:a="http://schemas.openxmlformats.org/drawingml/2006/main" xmlns:r="http://schemas.openxmlformats.org/officeDocument/2006/relationships" xmlns:p="http://schemas.openxmlformats.org/presentationml/2006/main">
+  <p:cSld>
+    <p:spTree>
+      <p:nvGrpSpPr>
+        <p:cNvPr id="1" name=""/>
+        <p:cNvGrpSpPr/>
+        <p:nvPr/>
+      </p:nvGrpSpPr>
+      <p:grpSpPr>
+        <a:xfrm>
+          <a:off x="0" y="0"/>
+          <a:ext cx="0" cy="0"/>
+          <a:chOff x="0" y="0"/>
+          <a:chExt cx="0" cy="0"/>
+        </a:xfrm>
+      </p:grpSpPr>
+      <p:sp>
+        <p:nvSpPr>
+          <p:cNvPr id="25602" name="Rectangle 2"/>
+          <p:cNvSpPr>
+            <a:spLocks noGrp="1" noChangeArrowheads="1"/>
+          </p:cNvSpPr>
+          <p:nvPr>
+            <p:ph type="title"/>
+          </p:nvPr>
+        </p:nvSpPr>
+        <p:spPr>
+          <a:xfrm>
+            <a:off x="533400" y="457200"/>
+            <a:ext cx="8403566" cy="685800"/>
+          </a:xfrm>
+        </p:spPr>
+        <p:txBody>
+          <a:bodyPr>
+            <a:normAutofit fontScale="90000"/>
+          </a:bodyPr>
+          <a:lstStyle/>
+          <a:p>
+            <a:pPr eaLnBrk="1" hangingPunct="1"/>
+            <a:r>
+              <a:rPr lang="en-GB" dirty="0">
+                <a:solidFill>
+                  <a:srgbClr val="0000FF"/>
+                </a:solidFill>
+              </a:rPr>
+              <a:t>Ex#1: CS1010 Schedule</a:t>
+            </a:r>
+            <a:endParaRPr lang="en-GB" sz="3100" dirty="0">
+              <a:solidFill>
+                <a:srgbClr val="0000FF"/>
+              </a:solidFill>
+            </a:endParaRPr>
+          </a:p>
+        </p:txBody>
+      </p:sp>
+      <p:sp>
+        <p:nvSpPr>
+          <p:cNvPr id="15" name="HighlightTextShape201406241503265130"/>
+          <p:cNvSpPr>
+            <a:spLocks noChangeArrowheads="1"/>
+          </p:cNvSpPr>
+          <p:nvPr/>
+        </p:nvSpPr>
+        <p:spPr bwMode="auto">
+          <a:xfrm>
+            <a:off x="573206" y="1219201"/>
+            <a:ext cx="8363760" cy="1327230"/>
+          </a:xfrm>
+          <a:prstGeom prst="rect">
+            <a:avLst/>
+          </a:prstGeom>
+          <a:noFill/>
+          <a:ln w="9525">
+            <a:noFill/>
+            <a:miter lim="800000"/>
+            <a:headEnd/>
+            <a:tailEnd/>
+          </a:ln>
+        </p:spPr>
+        <p:txBody>
+          <a:bodyPr/>
+          <a:lstStyle/>
+          <a:p>
+            <a:pPr marL="342900" indent="-342900">
+              <a:spcBef>
+                <a:spcPts val="1200"/>
+              </a:spcBef>
+              <a:buClr>
+                <a:schemeClr val="accent4">
+                  <a:lumMod val="60000"/>
+                  <a:lumOff val="40000"/>
+                </a:schemeClr>
+              </a:buClr>
+              <a:buSzPct val="75000"/>
+              <a:buFont typeface="Wingdings" pitchFamily="2" charset="2"/>
+              <a:buChar char="n"/>
+            </a:pPr>
+            <a:r>
+              <a:rPr lang="en-US" sz="2400" dirty="0"/>
+              <a:t>Problem: Print the CS1010 schedule based on </a:t>
+            </a:r>
+            <a:r>
+              <a:rPr lang="en-US" sz="2400" dirty="0">
+                <a:solidFill>
+                  <a:srgbClr val="0000FF"/>
+                </a:solidFill>
+              </a:rPr>
+              <a:t>day </a:t>
+            </a:r>
+            <a:r>
+              <a:rPr lang="en-US" sz="2400" dirty="0"/>
+              <a:t>(1/2/3/4/5) and </a:t>
+            </a:r>
+            <a:r>
+              <a:rPr lang="en-US" sz="2400" dirty="0">
+                <a:solidFill>
+                  <a:srgbClr val="0000FF"/>
+                </a:solidFill>
+              </a:rPr>
+              <a:t>time </a:t>
+            </a:r>
+            <a:r>
+              <a:rPr lang="en-US" sz="2400" dirty="0"/>
+              <a:t>(1000/1100/…)</a:t>
+            </a:r>
+          </a:p>
+          <a:p>
+            <a:pPr lvl="1">
+              <a:spcBef>
+                <a:spcPts val="1200"/>
+              </a:spcBef>
+              <a:buClr>
+                <a:schemeClr val="accent4">
+                  <a:lumMod val="60000"/>
+                  <a:lumOff val="40000"/>
+                </a:schemeClr>
+              </a:buClr>
+              <a:buSzPct val="75000"/>
+            </a:pPr>
+            <a:endParaRPr lang="en-US" sz="2000" dirty="0">
+              <a:sym typeface="Wingdings" panose="05000000000000000000" pitchFamily="2" charset="2"/>
+            </a:endParaRPr>
+          </a:p>
+          <a:p>
+            <a:pPr marL="800100" lvl="1" indent="-342900">
+              <a:spcBef>
+                <a:spcPts val="1200"/>
+              </a:spcBef>
+              <a:buClr>
+                <a:schemeClr val="accent4">
+                  <a:lumMod val="60000"/>
+                  <a:lumOff val="40000"/>
+                </a:schemeClr>
+              </a:buClr>
+              <a:buSzPct val="75000"/>
+              <a:buFont typeface="Wingdings" pitchFamily="2" charset="2"/>
+              <a:buChar char="n"/>
+            </a:pPr>
+            <a:endParaRPr lang="en-US" sz="2000" dirty="0">
+              <a:sym typeface="Wingdings" panose="05000000000000000000" pitchFamily="2" charset="2"/>
+            </a:endParaRPr>
+          </a:p>
+          <a:p>
+            <a:pPr marL="800100" lvl="1" indent="-342900">
+              <a:spcBef>
+                <a:spcPts val="1200"/>
+              </a:spcBef>
+              <a:buClr>
+                <a:schemeClr val="accent4">
+                  <a:lumMod val="60000"/>
+                  <a:lumOff val="40000"/>
+                </a:schemeClr>
+              </a:buClr>
+              <a:buSzPct val="75000"/>
+              <a:buFont typeface="Wingdings" pitchFamily="2" charset="2"/>
+              <a:buChar char="n"/>
+            </a:pPr>
+            <a:endParaRPr lang="en-US" sz="2000" dirty="0">
+              <a:sym typeface="Wingdings" panose="05000000000000000000" pitchFamily="2" charset="2"/>
+            </a:endParaRPr>
+          </a:p>
+          <a:p>
+            <a:pPr marL="800100" lvl="1" indent="-342900">
+              <a:spcBef>
+                <a:spcPts val="1200"/>
+              </a:spcBef>
+              <a:buClr>
+                <a:schemeClr val="accent4">
+                  <a:lumMod val="60000"/>
+                  <a:lumOff val="40000"/>
+                </a:schemeClr>
+              </a:buClr>
+              <a:buSzPct val="75000"/>
+              <a:buFont typeface="Wingdings" pitchFamily="2" charset="2"/>
+              <a:buChar char="n"/>
+            </a:pPr>
+            <a:endParaRPr lang="en-US" sz="2000" dirty="0">
+              <a:sym typeface="Wingdings" panose="05000000000000000000" pitchFamily="2" charset="2"/>
+            </a:endParaRPr>
+          </a:p>
+          <a:p>
+            <a:pPr marL="800100" lvl="1" indent="-342900">
+              <a:spcBef>
+                <a:spcPts val="1200"/>
+              </a:spcBef>
+              <a:buClr>
+                <a:schemeClr val="accent4">
+                  <a:lumMod val="60000"/>
+                  <a:lumOff val="40000"/>
+                </a:schemeClr>
+              </a:buClr>
+              <a:buSzPct val="75000"/>
+              <a:buFont typeface="Wingdings" pitchFamily="2" charset="2"/>
+              <a:buChar char="n"/>
+            </a:pPr>
+            <a:endParaRPr lang="en-US" sz="2000" dirty="0">
+              <a:sym typeface="Wingdings" panose="05000000000000000000" pitchFamily="2" charset="2"/>
+            </a:endParaRPr>
+          </a:p>
+          <a:p>
+            <a:pPr>
+              <a:spcBef>
+                <a:spcPts val="1200"/>
+              </a:spcBef>
+              <a:buClr>
+                <a:schemeClr val="accent4">
+                  <a:lumMod val="60000"/>
+                  <a:lumOff val="40000"/>
+                </a:schemeClr>
+              </a:buClr>
+              <a:buSzPct val="75000"/>
+            </a:pPr>
+            <a:endParaRPr lang="en-US" sz="2400" dirty="0"/>
+          </a:p>
+        </p:txBody>
+      </p:sp>
+      <p:graphicFrame>
+        <p:nvGraphicFramePr>
+          <p:cNvPr id="5" name="Table 5">
+            <a:extLst>
+              <a:ext uri="{FF2B5EF4-FFF2-40B4-BE49-F238E27FC236}">
+                <a16:creationId xmlns:a16="http://schemas.microsoft.com/office/drawing/2014/main" id="{9E742EBA-8F43-4310-AD68-B4660B9ECF59}"/>
+              </a:ext>
+            </a:extLst>
+          </p:cNvPr>
+          <p:cNvGraphicFramePr>
+            <a:graphicFrameLocks noGrp="1"/>
+          </p:cNvGraphicFramePr>
+          <p:nvPr>
+            <p:extLst>
+              <p:ext uri="{D42A27DB-BD31-4B8C-83A1-F6EECF244321}">
+                <p14:modId xmlns:p14="http://schemas.microsoft.com/office/powerpoint/2010/main" val="143217002"/>
+              </p:ext>
+            </p:extLst>
+          </p:nvPr>
+        </p:nvGraphicFramePr>
+        <p:xfrm>
+          <a:off x="356909" y="2181163"/>
+          <a:ext cx="8580057" cy="2209800"/>
+        </p:xfrm>
+        <a:graphic>
+          <a:graphicData uri="http://schemas.openxmlformats.org/drawingml/2006/table">
+            <a:tbl>
+              <a:tblPr firstRow="1" bandRow="1">
+                <a:tableStyleId>{5C22544A-7EE6-4342-B048-85BDC9FD1C3A}</a:tableStyleId>
+              </a:tblPr>
+              <a:tblGrid>
+                <a:gridCol w="1055053">
+                  <a:extLst>
+                    <a:ext uri="{9D8B030D-6E8A-4147-A177-3AD203B41FA5}">
+                      <a16:colId xmlns:a16="http://schemas.microsoft.com/office/drawing/2014/main" val="1347842338"/>
+                    </a:ext>
+                  </a:extLst>
+                </a:gridCol>
+                <a:gridCol w="999871">
+                  <a:extLst>
+                    <a:ext uri="{9D8B030D-6E8A-4147-A177-3AD203B41FA5}">
+                      <a16:colId xmlns:a16="http://schemas.microsoft.com/office/drawing/2014/main" val="1099576626"/>
+                    </a:ext>
+                  </a:extLst>
+                </a:gridCol>
+                <a:gridCol w="999871">
+                  <a:extLst>
+                    <a:ext uri="{9D8B030D-6E8A-4147-A177-3AD203B41FA5}">
+                      <a16:colId xmlns:a16="http://schemas.microsoft.com/office/drawing/2014/main" val="1635334105"/>
+                    </a:ext>
+                  </a:extLst>
+                </a:gridCol>
+                <a:gridCol w="999871">
+                  <a:extLst>
+                    <a:ext uri="{9D8B030D-6E8A-4147-A177-3AD203B41FA5}">
+                      <a16:colId xmlns:a16="http://schemas.microsoft.com/office/drawing/2014/main" val="1542296081"/>
+                    </a:ext>
+                  </a:extLst>
+                </a:gridCol>
+                <a:gridCol w="999871">
+                  <a:extLst>
+                    <a:ext uri="{9D8B030D-6E8A-4147-A177-3AD203B41FA5}">
+                      <a16:colId xmlns:a16="http://schemas.microsoft.com/office/drawing/2014/main" val="2383219434"/>
+                    </a:ext>
+                  </a:extLst>
+                </a:gridCol>
+                <a:gridCol w="1008380">
+                  <a:extLst>
+                    <a:ext uri="{9D8B030D-6E8A-4147-A177-3AD203B41FA5}">
+                      <a16:colId xmlns:a16="http://schemas.microsoft.com/office/drawing/2014/main" val="1166016308"/>
+                    </a:ext>
+                  </a:extLst>
+                </a:gridCol>
+                <a:gridCol w="1008380">
+                  <a:extLst>
+                    <a:ext uri="{9D8B030D-6E8A-4147-A177-3AD203B41FA5}">
+                      <a16:colId xmlns:a16="http://schemas.microsoft.com/office/drawing/2014/main" val="891563044"/>
+                    </a:ext>
+                  </a:extLst>
+                </a:gridCol>
+                <a:gridCol w="754380">
+                  <a:extLst>
+                    <a:ext uri="{9D8B030D-6E8A-4147-A177-3AD203B41FA5}">
+                      <a16:colId xmlns:a16="http://schemas.microsoft.com/office/drawing/2014/main" val="3862921074"/>
+                    </a:ext>
+                  </a:extLst>
+                </a:gridCol>
+                <a:gridCol w="754380">
+                  <a:extLst>
+                    <a:ext uri="{9D8B030D-6E8A-4147-A177-3AD203B41FA5}">
+                      <a16:colId xmlns:a16="http://schemas.microsoft.com/office/drawing/2014/main" val="830602475"/>
+                    </a:ext>
+                  </a:extLst>
+                </a:gridCol>
+              </a:tblGrid>
+              <a:tr h="0">
+                <a:tc>
+                  <a:txBody>
+                    <a:bodyPr/>
+                    <a:lstStyle/>
+                    <a:p>
+                      <a:pPr algn="ctr"/>
+                      <a:endParaRPr lang="en-US" dirty="0"/>
+                    </a:p>
+                  </a:txBody>
+                  <a:tcPr/>
+                </a:tc>
+                <a:tc>
+                  <a:txBody>
+                    <a:bodyPr/>
+                    <a:lstStyle/>
+                    <a:p>
+                      <a:pPr algn="ctr"/>
+                      <a:r>
+                        <a:rPr lang="en-US" dirty="0"/>
+                        <a:t>1000</a:t>
+                      </a:r>
+                    </a:p>
+                  </a:txBody>
+                  <a:tcPr/>
+                </a:tc>
+                <a:tc>
+                  <a:txBody>
+                    <a:bodyPr/>
+                    <a:lstStyle/>
+                    <a:p>
+                      <a:pPr algn="ctr"/>
+                      <a:r>
+                        <a:rPr lang="en-US" dirty="0"/>
+                        <a:t>1100</a:t>
+                      </a:r>
+                    </a:p>
+                  </a:txBody>
+                  <a:tcPr/>
+                </a:tc>
+                <a:tc>
+                  <a:txBody>
+                    <a:bodyPr/>
+                    <a:lstStyle/>
+                    <a:p>
+                      <a:pPr algn="ctr"/>
+                      <a:r>
+                        <a:rPr lang="en-US" dirty="0"/>
+                        <a:t>1200</a:t>
+                      </a:r>
+                    </a:p>
+                  </a:txBody>
+                  <a:tcPr/>
+                </a:tc>
+                <a:tc>
+                  <a:txBody>
+                    <a:bodyPr/>
+                    <a:lstStyle/>
+                    <a:p>
+                      <a:pPr algn="ctr"/>
+                      <a:r>
+                        <a:rPr lang="en-US" dirty="0"/>
+                        <a:t>1300</a:t>
+                      </a:r>
+                    </a:p>
+                  </a:txBody>
+                  <a:tcPr/>
+                </a:tc>
+                <a:tc>
+                  <a:txBody>
+                    <a:bodyPr/>
+                    <a:lstStyle/>
+                    <a:p>
+                      <a:pPr algn="ctr"/>
+                      <a:r>
+                        <a:rPr lang="en-US" dirty="0"/>
+                        <a:t>1400</a:t>
+                      </a:r>
+                    </a:p>
+                  </a:txBody>
+                  <a:tcPr/>
+                </a:tc>
+                <a:tc>
+                  <a:txBody>
+                    <a:bodyPr/>
+                    <a:lstStyle/>
+                    <a:p>
+                      <a:pPr algn="ctr"/>
+                      <a:r>
+                        <a:rPr lang="en-US" dirty="0"/>
+                        <a:t>1500</a:t>
+                      </a:r>
+                    </a:p>
+                  </a:txBody>
+                  <a:tcPr/>
+                </a:tc>
+                <a:tc>
+                  <a:txBody>
+                    <a:bodyPr/>
+                    <a:lstStyle/>
+                    <a:p>
+                      <a:pPr algn="ctr"/>
+                      <a:r>
+                        <a:rPr lang="en-US" dirty="0"/>
+                        <a:t>1600</a:t>
+                      </a:r>
+                    </a:p>
+                  </a:txBody>
+                  <a:tcPr/>
+                </a:tc>
+                <a:tc>
+                  <a:txBody>
+                    <a:bodyPr/>
+                    <a:lstStyle/>
+                    <a:p>
+                      <a:pPr algn="ctr"/>
+                      <a:r>
+                        <a:rPr lang="en-US" dirty="0"/>
+                        <a:t>1700</a:t>
+                      </a:r>
+                    </a:p>
+                  </a:txBody>
+                  <a:tcPr/>
+                </a:tc>
+                <a:extLst>
+                  <a:ext uri="{0D108BD9-81ED-4DB2-BD59-A6C34878D82A}">
+                    <a16:rowId xmlns:a16="http://schemas.microsoft.com/office/drawing/2014/main" val="3119535498"/>
+                  </a:ext>
+                </a:extLst>
+              </a:tr>
+              <a:tr h="0">
+                <a:tc>
+                  <a:txBody>
+                    <a:bodyPr/>
+                    <a:lstStyle/>
+                    <a:p>
+                      <a:pPr algn="l"/>
+                      <a:r>
+                        <a:rPr lang="en-US" dirty="0"/>
+                        <a:t>1 (Mon)</a:t>
+                      </a:r>
+                    </a:p>
+                  </a:txBody>
+                  <a:tcPr/>
+                </a:tc>
+                <a:tc>
+                  <a:txBody>
+                    <a:bodyPr/>
+                    <a:lstStyle/>
+                    <a:p>
+                      <a:pPr algn="ctr"/>
+                      <a:r>
+                        <a:rPr lang="en-US" dirty="0"/>
+                        <a:t>Tutorial</a:t>
+                      </a:r>
+                    </a:p>
+                  </a:txBody>
+                  <a:tcPr/>
+                </a:tc>
+                <a:tc>
+                  <a:txBody>
+                    <a:bodyPr/>
+                    <a:lstStyle/>
+                    <a:p>
+                      <a:pPr marL="0" marR="0" lvl="0" indent="0" algn="ctr" defTabSz="914400" rtl="0" eaLnBrk="1" fontAlgn="auto" latinLnBrk="0" hangingPunct="1">
+                        <a:lnSpc>
+                          <a:spcPct val="100000"/>
+                        </a:lnSpc>
+                        <a:spcBef>
+                          <a:spcPts val="0"/>
+                        </a:spcBef>
+                        <a:spcAft>
+                          <a:spcPts val="0"/>
+                        </a:spcAft>
+                        <a:buClrTx/>
+                        <a:buSzTx/>
+                        <a:buFontTx/>
+                        <a:buNone/>
+                        <a:tabLst/>
+                        <a:defRPr/>
+                      </a:pPr>
+                      <a:r>
+                        <a:rPr lang="en-US" dirty="0"/>
+                        <a:t>Tutorial</a:t>
+                      </a:r>
+                    </a:p>
+                  </a:txBody>
+                  <a:tcPr/>
+                </a:tc>
+                <a:tc>
+                  <a:txBody>
+                    <a:bodyPr/>
+                    <a:lstStyle/>
+                    <a:p>
+                      <a:pPr marL="0" marR="0" lvl="0" indent="0" algn="ctr" defTabSz="914400" rtl="0" eaLnBrk="1" fontAlgn="auto" latinLnBrk="0" hangingPunct="1">
+                        <a:lnSpc>
+                          <a:spcPct val="100000"/>
+                        </a:lnSpc>
+                        <a:spcBef>
+                          <a:spcPts val="0"/>
+                        </a:spcBef>
+                        <a:spcAft>
+                          <a:spcPts val="0"/>
+                        </a:spcAft>
+                        <a:buClrTx/>
+                        <a:buSzTx/>
+                        <a:buFontTx/>
+                        <a:buNone/>
+                        <a:tabLst/>
+                        <a:defRPr/>
+                      </a:pPr>
+                      <a:r>
+                        <a:rPr lang="en-US" dirty="0"/>
+                        <a:t>Tutorial</a:t>
+                      </a:r>
+                    </a:p>
+                  </a:txBody>
+                  <a:tcPr/>
+                </a:tc>
+                <a:tc>
+                  <a:txBody>
+                    <a:bodyPr/>
+                    <a:lstStyle/>
+                    <a:p>
+                      <a:pPr marL="0" marR="0" lvl="0" indent="0" algn="ctr" defTabSz="914400" rtl="0" eaLnBrk="1" fontAlgn="auto" latinLnBrk="0" hangingPunct="1">
+                        <a:lnSpc>
+                          <a:spcPct val="100000"/>
+                        </a:lnSpc>
+                        <a:spcBef>
+                          <a:spcPts val="0"/>
+                        </a:spcBef>
+                        <a:spcAft>
+                          <a:spcPts val="0"/>
+                        </a:spcAft>
+                        <a:buClrTx/>
+                        <a:buSzTx/>
+                        <a:buFontTx/>
+                        <a:buNone/>
+                        <a:tabLst/>
+                        <a:defRPr/>
+                      </a:pPr>
+                      <a:r>
+                        <a:rPr lang="en-US" dirty="0"/>
+                        <a:t>Tutorial</a:t>
+                      </a:r>
+                    </a:p>
+                  </a:txBody>
+                  <a:tcPr/>
+                </a:tc>
+                <a:tc>
+                  <a:txBody>
+                    <a:bodyPr/>
+                    <a:lstStyle/>
+                    <a:p>
+                      <a:pPr algn="ctr"/>
+                      <a:r>
+                        <a:rPr lang="en-US" dirty="0"/>
+                        <a:t>-</a:t>
+                      </a:r>
+                    </a:p>
+                  </a:txBody>
+                  <a:tcPr/>
+                </a:tc>
+                <a:tc>
+                  <a:txBody>
+                    <a:bodyPr/>
+                    <a:lstStyle/>
+                    <a:p>
+                      <a:pPr algn="ctr"/>
+                      <a:r>
+                        <a:rPr lang="en-US" dirty="0"/>
+                        <a:t>-</a:t>
+                      </a:r>
+                    </a:p>
+                  </a:txBody>
+                  <a:tcPr/>
+                </a:tc>
+                <a:tc>
+                  <a:txBody>
+                    <a:bodyPr/>
+                    <a:lstStyle/>
+                    <a:p>
+                      <a:pPr algn="ctr"/>
+                      <a:r>
+                        <a:rPr lang="en-US" dirty="0"/>
+                        <a:t>-</a:t>
+                      </a:r>
+                    </a:p>
+                  </a:txBody>
+                  <a:tcPr/>
+                </a:tc>
+                <a:tc>
+                  <a:txBody>
+                    <a:bodyPr/>
+                    <a:lstStyle/>
+                    <a:p>
+                      <a:pPr algn="ctr"/>
+                      <a:r>
+                        <a:rPr lang="en-US" dirty="0"/>
+                        <a:t>-</a:t>
+                      </a:r>
+                    </a:p>
+                  </a:txBody>
+                  <a:tcPr/>
+                </a:tc>
+                <a:extLst>
+                  <a:ext uri="{0D108BD9-81ED-4DB2-BD59-A6C34878D82A}">
+                    <a16:rowId xmlns:a16="http://schemas.microsoft.com/office/drawing/2014/main" val="1189146622"/>
+                  </a:ext>
+                </a:extLst>
+              </a:tr>
+              <a:tr h="370840">
+                <a:tc>
+                  <a:txBody>
+                    <a:bodyPr/>
+                    <a:lstStyle/>
+                    <a:p>
+                      <a:pPr algn="l"/>
+                      <a:r>
+                        <a:rPr lang="en-US" dirty="0"/>
+                        <a:t>2 (Tue)</a:t>
+                      </a:r>
+                    </a:p>
+                  </a:txBody>
+                  <a:tcPr/>
+                </a:tc>
+                <a:tc>
+                  <a:txBody>
+                    <a:bodyPr/>
+                    <a:lstStyle/>
+                    <a:p>
+                      <a:pPr algn="ctr"/>
+                      <a:r>
+                        <a:rPr lang="en-US" dirty="0"/>
+                        <a:t>Lecture</a:t>
+                      </a:r>
+                    </a:p>
+                  </a:txBody>
+                  <a:tcPr/>
+                </a:tc>
+                <a:tc>
+                  <a:txBody>
+                    <a:bodyPr/>
+                    <a:lstStyle/>
+                    <a:p>
+                      <a:pPr algn="ctr"/>
+                      <a:r>
+                        <a:rPr lang="en-US" dirty="0"/>
+                        <a:t>Lecture</a:t>
+                      </a:r>
+                    </a:p>
+                  </a:txBody>
+                  <a:tcPr/>
+                </a:tc>
+                <a:tc>
+                  <a:txBody>
+                    <a:bodyPr/>
+                    <a:lstStyle/>
+                    <a:p>
+                      <a:pPr algn="ctr"/>
+                      <a:r>
+                        <a:rPr lang="en-US" dirty="0"/>
+                        <a:t>-</a:t>
+                      </a:r>
+                    </a:p>
+                  </a:txBody>
+                  <a:tcPr/>
+                </a:tc>
+                <a:tc>
+                  <a:txBody>
+                    <a:bodyPr/>
+                    <a:lstStyle/>
+                    <a:p>
+                      <a:pPr algn="ctr"/>
+                      <a:r>
+                        <a:rPr lang="en-US" dirty="0"/>
+                        <a:t>-</a:t>
+                      </a:r>
+                    </a:p>
+                  </a:txBody>
+                  <a:tcPr/>
+                </a:tc>
+                <a:tc>
+                  <a:txBody>
+                    <a:bodyPr/>
+                    <a:lstStyle/>
+                    <a:p>
+                      <a:pPr marL="0" marR="0" lvl="0" indent="0" algn="ctr" defTabSz="914400" rtl="0" eaLnBrk="1" fontAlgn="auto" latinLnBrk="0" hangingPunct="1">
+                        <a:lnSpc>
+                          <a:spcPct val="100000"/>
+                        </a:lnSpc>
+                        <a:spcBef>
+                          <a:spcPts val="0"/>
+                        </a:spcBef>
+                        <a:spcAft>
+                          <a:spcPts val="0"/>
+                        </a:spcAft>
+                        <a:buClrTx/>
+                        <a:buSzTx/>
+                        <a:buFontTx/>
+                        <a:buNone/>
+                        <a:tabLst/>
+                        <a:defRPr/>
+                      </a:pPr>
+                      <a:r>
+                        <a:rPr lang="en-US" dirty="0"/>
+                        <a:t>-</a:t>
+                      </a:r>
+                    </a:p>
+                  </a:txBody>
+                  <a:tcPr/>
+                </a:tc>
+                <a:tc>
+                  <a:txBody>
+                    <a:bodyPr/>
+                    <a:lstStyle/>
+                    <a:p>
+                      <a:pPr marL="0" marR="0" lvl="0" indent="0" algn="ctr" defTabSz="914400" rtl="0" eaLnBrk="1" fontAlgn="auto" latinLnBrk="0" hangingPunct="1">
+                        <a:lnSpc>
+                          <a:spcPct val="100000"/>
+                        </a:lnSpc>
+                        <a:spcBef>
+                          <a:spcPts val="0"/>
+                        </a:spcBef>
+                        <a:spcAft>
+                          <a:spcPts val="0"/>
+                        </a:spcAft>
+                        <a:buClrTx/>
+                        <a:buSzTx/>
+                        <a:buFontTx/>
+                        <a:buNone/>
+                        <a:tabLst/>
+                        <a:defRPr/>
+                      </a:pPr>
+                      <a:r>
+                        <a:rPr lang="en-US" dirty="0"/>
+                        <a:t>-</a:t>
+                      </a:r>
+                    </a:p>
+                  </a:txBody>
+                  <a:tcPr/>
+                </a:tc>
+                <a:tc>
+                  <a:txBody>
+                    <a:bodyPr/>
+                    <a:lstStyle/>
+                    <a:p>
+                      <a:pPr algn="ctr"/>
+                      <a:r>
+                        <a:rPr lang="en-US" dirty="0"/>
+                        <a:t>-</a:t>
+                      </a:r>
+                    </a:p>
+                  </a:txBody>
+                  <a:tcPr/>
+                </a:tc>
+                <a:tc>
+                  <a:txBody>
+                    <a:bodyPr/>
+                    <a:lstStyle/>
+                    <a:p>
+                      <a:pPr algn="ctr"/>
+                      <a:r>
+                        <a:rPr lang="en-US" dirty="0"/>
+                        <a:t>-</a:t>
+                      </a:r>
+                    </a:p>
+                  </a:txBody>
+                  <a:tcPr/>
+                </a:tc>
+                <a:extLst>
+                  <a:ext uri="{0D108BD9-81ED-4DB2-BD59-A6C34878D82A}">
+                    <a16:rowId xmlns:a16="http://schemas.microsoft.com/office/drawing/2014/main" val="1587814231"/>
+                  </a:ext>
+                </a:extLst>
+              </a:tr>
+              <a:tr h="370840">
+                <a:tc>
+                  <a:txBody>
+                    <a:bodyPr/>
+                    <a:lstStyle/>
+                    <a:p>
+                      <a:pPr algn="l"/>
+                      <a:r>
+                        <a:rPr lang="en-US" dirty="0"/>
+                        <a:t>3 (Wed)</a:t>
+                      </a:r>
+                    </a:p>
+                  </a:txBody>
+                  <a:tcPr/>
+                </a:tc>
+                <a:tc>
+                  <a:txBody>
+                    <a:bodyPr/>
+                    <a:lstStyle/>
+                    <a:p>
+                      <a:pPr algn="ctr"/>
+                      <a:r>
+                        <a:rPr lang="en-US" dirty="0"/>
+                        <a:t>-</a:t>
+                      </a:r>
+                    </a:p>
+                  </a:txBody>
+                  <a:tcPr/>
+                </a:tc>
+                <a:tc>
+                  <a:txBody>
+                    <a:bodyPr/>
+                    <a:lstStyle/>
+                    <a:p>
+                      <a:pPr algn="ctr"/>
+                      <a:r>
+                        <a:rPr lang="en-US" dirty="0"/>
+                        <a:t>-</a:t>
+                      </a:r>
+                    </a:p>
+                  </a:txBody>
+                  <a:tcPr/>
+                </a:tc>
+                <a:tc>
+                  <a:txBody>
+                    <a:bodyPr/>
+                    <a:lstStyle/>
+                    <a:p>
+                      <a:pPr algn="ctr"/>
+                      <a:r>
+                        <a:rPr lang="en-US" dirty="0"/>
+                        <a:t>-</a:t>
+                      </a:r>
+                    </a:p>
+                  </a:txBody>
+                  <a:tcPr/>
+                </a:tc>
+                <a:tc>
+                  <a:txBody>
+                    <a:bodyPr/>
+                    <a:lstStyle/>
+                    <a:p>
+                      <a:pPr marL="0" marR="0" lvl="0" indent="0" algn="ctr" defTabSz="914400" rtl="0" eaLnBrk="1" fontAlgn="auto" latinLnBrk="0" hangingPunct="1">
+                        <a:lnSpc>
+                          <a:spcPct val="100000"/>
+                        </a:lnSpc>
+                        <a:spcBef>
+                          <a:spcPts val="0"/>
+                        </a:spcBef>
+                        <a:spcAft>
+                          <a:spcPts val="0"/>
+                        </a:spcAft>
+                        <a:buClrTx/>
+                        <a:buSzTx/>
+                        <a:buFontTx/>
+                        <a:buNone/>
+                        <a:tabLst/>
+                        <a:defRPr/>
+                      </a:pPr>
+                      <a:r>
+                        <a:rPr lang="en-US" dirty="0"/>
+                        <a:t>-</a:t>
+                      </a:r>
+                    </a:p>
+                  </a:txBody>
+                  <a:tcPr/>
+                </a:tc>
+                <a:tc>
+                  <a:txBody>
+                    <a:bodyPr/>
+                    <a:lstStyle/>
+                    <a:p>
+                      <a:pPr marL="0" marR="0" lvl="0" indent="0" algn="ctr" defTabSz="914400" rtl="0" eaLnBrk="1" fontAlgn="auto" latinLnBrk="0" hangingPunct="1">
+                        <a:lnSpc>
+                          <a:spcPct val="100000"/>
+                        </a:lnSpc>
+                        <a:spcBef>
+                          <a:spcPts val="0"/>
+                        </a:spcBef>
+                        <a:spcAft>
+                          <a:spcPts val="0"/>
+                        </a:spcAft>
+                        <a:buClrTx/>
+                        <a:buSzTx/>
+                        <a:buFontTx/>
+                        <a:buNone/>
+                        <a:tabLst/>
+                        <a:defRPr/>
+                      </a:pPr>
+                      <a:r>
+                        <a:rPr lang="en-US" dirty="0"/>
+                        <a:t>-</a:t>
+                      </a:r>
+                    </a:p>
+                  </a:txBody>
+                  <a:tcPr/>
+                </a:tc>
+                <a:tc>
+                  <a:txBody>
+                    <a:bodyPr/>
+                    <a:lstStyle/>
+                    <a:p>
+                      <a:pPr marL="0" marR="0" lvl="0" indent="0" algn="ctr" defTabSz="914400" rtl="0" eaLnBrk="1" fontAlgn="auto" latinLnBrk="0" hangingPunct="1">
+                        <a:lnSpc>
+                          <a:spcPct val="100000"/>
+                        </a:lnSpc>
+                        <a:spcBef>
+                          <a:spcPts val="0"/>
+                        </a:spcBef>
+                        <a:spcAft>
+                          <a:spcPts val="0"/>
+                        </a:spcAft>
+                        <a:buClrTx/>
+                        <a:buSzTx/>
+                        <a:buFontTx/>
+                        <a:buNone/>
+                        <a:tabLst/>
+                        <a:defRPr/>
+                      </a:pPr>
+                      <a:r>
+                        <a:rPr lang="en-US" dirty="0"/>
+                        <a:t>-</a:t>
+                      </a:r>
+                    </a:p>
+                  </a:txBody>
+                  <a:tcPr/>
+                </a:tc>
+                <a:tc>
+                  <a:txBody>
+                    <a:bodyPr/>
+                    <a:lstStyle/>
+                    <a:p>
+                      <a:pPr algn="ctr"/>
+                      <a:r>
+                        <a:rPr lang="en-US" dirty="0"/>
+                        <a:t>-</a:t>
+                      </a:r>
+                    </a:p>
+                  </a:txBody>
+                  <a:tcPr/>
+                </a:tc>
+                <a:tc>
+                  <a:txBody>
+                    <a:bodyPr/>
+                    <a:lstStyle/>
+                    <a:p>
+                      <a:pPr algn="ctr"/>
+                      <a:r>
+                        <a:rPr lang="en-US" dirty="0"/>
+                        <a:t>-</a:t>
+                      </a:r>
+                    </a:p>
+                  </a:txBody>
+                  <a:tcPr/>
+                </a:tc>
+                <a:extLst>
+                  <a:ext uri="{0D108BD9-81ED-4DB2-BD59-A6C34878D82A}">
+                    <a16:rowId xmlns:a16="http://schemas.microsoft.com/office/drawing/2014/main" val="3757010446"/>
+                  </a:ext>
+                </a:extLst>
+              </a:tr>
+              <a:tr h="370840">
+                <a:tc>
+                  <a:txBody>
+                    <a:bodyPr/>
+                    <a:lstStyle/>
+                    <a:p>
+                      <a:pPr algn="l"/>
+                      <a:r>
+                        <a:rPr lang="en-US" dirty="0"/>
+                        <a:t>4 (Thu)</a:t>
+                      </a:r>
+                    </a:p>
+                  </a:txBody>
+                  <a:tcPr/>
+                </a:tc>
+                <a:tc>
+                  <a:txBody>
+                    <a:bodyPr/>
+                    <a:lstStyle/>
+                    <a:p>
+                      <a:pPr algn="ctr"/>
+                      <a:r>
+                        <a:rPr lang="en-US" dirty="0"/>
+                        <a:t>-</a:t>
+                      </a:r>
+                    </a:p>
+                  </a:txBody>
+                  <a:tcPr/>
+                </a:tc>
+                <a:tc>
+                  <a:txBody>
+                    <a:bodyPr/>
+                    <a:lstStyle/>
+                    <a:p>
+                      <a:pPr algn="ctr"/>
+                      <a:r>
+                        <a:rPr lang="en-US" dirty="0"/>
+                        <a:t>-</a:t>
+                      </a:r>
+                    </a:p>
+                  </a:txBody>
+                  <a:tcPr/>
+                </a:tc>
+                <a:tc>
+                  <a:txBody>
+                    <a:bodyPr/>
+                    <a:lstStyle/>
+                    <a:p>
+                      <a:pPr algn="ctr"/>
+                      <a:r>
+                        <a:rPr lang="en-US" dirty="0"/>
+                        <a:t>-</a:t>
+                      </a:r>
+                    </a:p>
+                  </a:txBody>
+                  <a:tcPr/>
+                </a:tc>
+                <a:tc>
+                  <a:txBody>
+                    <a:bodyPr/>
+                    <a:lstStyle/>
+                    <a:p>
+                      <a:pPr algn="ctr"/>
+                      <a:r>
+                        <a:rPr lang="en-US" dirty="0"/>
+                        <a:t>-</a:t>
+                      </a:r>
+                    </a:p>
+                  </a:txBody>
+                  <a:tcPr/>
+                </a:tc>
+                <a:tc>
+                  <a:txBody>
+                    <a:bodyPr/>
+                    <a:lstStyle/>
+                    <a:p>
+                      <a:pPr algn="ctr"/>
+                      <a:r>
+                        <a:rPr lang="en-US" dirty="0"/>
+                        <a:t>-</a:t>
+                      </a:r>
+                    </a:p>
+                  </a:txBody>
+                  <a:tcPr/>
+                </a:tc>
+                <a:tc>
+                  <a:txBody>
+                    <a:bodyPr/>
+                    <a:lstStyle/>
+                    <a:p>
+                      <a:pPr algn="ctr"/>
+                      <a:r>
+                        <a:rPr lang="en-US" dirty="0"/>
+                        <a:t>-</a:t>
+                      </a:r>
+                    </a:p>
+                  </a:txBody>
+                  <a:tcPr/>
+                </a:tc>
+                <a:tc>
+                  <a:txBody>
+                    <a:bodyPr/>
+                    <a:lstStyle/>
+                    <a:p>
+                      <a:pPr algn="ctr"/>
+                      <a:r>
+                        <a:rPr lang="en-US" dirty="0"/>
+                        <a:t>-</a:t>
+                      </a:r>
+                    </a:p>
+                  </a:txBody>
+                  <a:tcPr/>
+                </a:tc>
+                <a:tc>
+                  <a:txBody>
+                    <a:bodyPr/>
+                    <a:lstStyle/>
+                    <a:p>
+                      <a:pPr algn="ctr"/>
+                      <a:r>
+                        <a:rPr lang="en-US" dirty="0"/>
+                        <a:t>-</a:t>
+                      </a:r>
+                    </a:p>
+                  </a:txBody>
+                  <a:tcPr/>
+                </a:tc>
+                <a:extLst>
+                  <a:ext uri="{0D108BD9-81ED-4DB2-BD59-A6C34878D82A}">
+                    <a16:rowId xmlns:a16="http://schemas.microsoft.com/office/drawing/2014/main" val="3990964516"/>
+                  </a:ext>
+                </a:extLst>
+              </a:tr>
+              <a:tr h="0">
+                <a:tc>
+                  <a:txBody>
+                    <a:bodyPr/>
+                    <a:lstStyle/>
+                    <a:p>
+                      <a:pPr algn="l"/>
+                      <a:r>
+                        <a:rPr lang="en-US" dirty="0"/>
+                        <a:t>5 (Fri)</a:t>
+                      </a:r>
+                    </a:p>
+                  </a:txBody>
+                  <a:tcPr/>
+                </a:tc>
+                <a:tc>
+                  <a:txBody>
+                    <a:bodyPr/>
+                    <a:lstStyle/>
+                    <a:p>
+                      <a:pPr algn="ctr"/>
+                      <a:r>
+                        <a:rPr lang="en-US" dirty="0"/>
+                        <a:t>-</a:t>
+                      </a:r>
+                    </a:p>
+                  </a:txBody>
+                  <a:tcPr/>
+                </a:tc>
+                <a:tc>
+                  <a:txBody>
+                    <a:bodyPr/>
+                    <a:lstStyle/>
+                    <a:p>
+                      <a:pPr algn="ctr"/>
+                      <a:r>
+                        <a:rPr lang="en-US" dirty="0"/>
+                        <a:t>-</a:t>
+                      </a:r>
+                    </a:p>
+                  </a:txBody>
+                  <a:tcPr/>
+                </a:tc>
+                <a:tc>
+                  <a:txBody>
+                    <a:bodyPr/>
+                    <a:lstStyle/>
+                    <a:p>
+                      <a:pPr algn="ctr"/>
+                      <a:r>
+                        <a:rPr lang="en-US" dirty="0"/>
+                        <a:t>-</a:t>
+                      </a:r>
+                    </a:p>
+                  </a:txBody>
+                  <a:tcPr/>
+                </a:tc>
+                <a:tc>
+                  <a:txBody>
+                    <a:bodyPr/>
+                    <a:lstStyle/>
+                    <a:p>
+                      <a:pPr algn="ctr"/>
+                      <a:r>
+                        <a:rPr lang="en-US" dirty="0"/>
+                        <a:t>-</a:t>
+                      </a:r>
+                    </a:p>
+                  </a:txBody>
+                  <a:tcPr/>
+                </a:tc>
+                <a:tc>
+                  <a:txBody>
+                    <a:bodyPr/>
+                    <a:lstStyle/>
+                    <a:p>
+                      <a:pPr algn="ctr"/>
+                      <a:r>
+                        <a:rPr lang="en-US" dirty="0"/>
+                        <a:t>-</a:t>
+                      </a:r>
+                    </a:p>
+                  </a:txBody>
+                  <a:tcPr/>
+                </a:tc>
+                <a:tc>
+                  <a:txBody>
+                    <a:bodyPr/>
+                    <a:lstStyle/>
+                    <a:p>
+                      <a:pPr algn="ctr"/>
+                      <a:r>
+                        <a:rPr lang="en-US" dirty="0"/>
+                        <a:t>-</a:t>
+                      </a:r>
+                    </a:p>
+                  </a:txBody>
+                  <a:tcPr/>
+                </a:tc>
+                <a:tc>
+                  <a:txBody>
+                    <a:bodyPr/>
+                    <a:lstStyle/>
+                    <a:p>
+                      <a:pPr algn="ctr"/>
+                      <a:r>
+                        <a:rPr lang="en-US" dirty="0"/>
+                        <a:t>-</a:t>
+                      </a:r>
+                    </a:p>
+                  </a:txBody>
+                  <a:tcPr/>
+                </a:tc>
+                <a:tc>
+                  <a:txBody>
+                    <a:bodyPr/>
+                    <a:lstStyle/>
+                    <a:p>
+                      <a:pPr algn="ctr"/>
+                      <a:r>
+                        <a:rPr lang="en-US" dirty="0"/>
+                        <a:t>-</a:t>
+                      </a:r>
+                    </a:p>
+                  </a:txBody>
+                  <a:tcPr/>
+                </a:tc>
+                <a:extLst>
+                  <a:ext uri="{0D108BD9-81ED-4DB2-BD59-A6C34878D82A}">
+                    <a16:rowId xmlns:a16="http://schemas.microsoft.com/office/drawing/2014/main" val="3537868255"/>
+                  </a:ext>
+                </a:extLst>
+              </a:tr>
+            </a:tbl>
+          </a:graphicData>
+        </a:graphic>
+      </p:graphicFrame>
+      <p:graphicFrame>
+        <p:nvGraphicFramePr>
+          <p:cNvPr id="8" name="Table 7">
+            <a:extLst>
+              <a:ext uri="{FF2B5EF4-FFF2-40B4-BE49-F238E27FC236}">
+                <a16:creationId xmlns:a16="http://schemas.microsoft.com/office/drawing/2014/main" id="{C8DA87BB-C4AB-4A3F-B99E-7CAF8E3AC125}"/>
+              </a:ext>
+            </a:extLst>
+          </p:cNvPr>
+          <p:cNvGraphicFramePr>
+            <a:graphicFrameLocks noGrp="1"/>
+          </p:cNvGraphicFramePr>
+          <p:nvPr>
+            <p:extLst>
+              <p:ext uri="{D42A27DB-BD31-4B8C-83A1-F6EECF244321}">
+                <p14:modId xmlns:p14="http://schemas.microsoft.com/office/powerpoint/2010/main" val="1594084184"/>
+              </p:ext>
+            </p:extLst>
+          </p:nvPr>
+        </p:nvGraphicFramePr>
+        <p:xfrm>
+          <a:off x="1511564" y="4488600"/>
+          <a:ext cx="7008322" cy="2194560"/>
+        </p:xfrm>
+        <a:graphic>
+          <a:graphicData uri="http://schemas.openxmlformats.org/drawingml/2006/table">
+            <a:tbl>
+              <a:tblPr>
+                <a:tableStyleId>{5940675A-B579-460E-94D1-54222C63F5DA}</a:tableStyleId>
+              </a:tblPr>
+              <a:tblGrid>
+                <a:gridCol w="1443182">
+                  <a:extLst>
+                    <a:ext uri="{9D8B030D-6E8A-4147-A177-3AD203B41FA5}">
+                      <a16:colId xmlns:a16="http://schemas.microsoft.com/office/drawing/2014/main" val="2631727857"/>
+                    </a:ext>
+                  </a:extLst>
+                </a:gridCol>
+                <a:gridCol w="1275080">
+                  <a:extLst>
+                    <a:ext uri="{9D8B030D-6E8A-4147-A177-3AD203B41FA5}">
+                      <a16:colId xmlns:a16="http://schemas.microsoft.com/office/drawing/2014/main" val="3644794925"/>
+                    </a:ext>
+                  </a:extLst>
+                </a:gridCol>
+                <a:gridCol w="2989580">
+                  <a:extLst>
+                    <a:ext uri="{9D8B030D-6E8A-4147-A177-3AD203B41FA5}">
+                      <a16:colId xmlns:a16="http://schemas.microsoft.com/office/drawing/2014/main" val="3062032141"/>
+                    </a:ext>
+                  </a:extLst>
+                </a:gridCol>
+                <a:gridCol w="1300480">
+                  <a:extLst>
+                    <a:ext uri="{9D8B030D-6E8A-4147-A177-3AD203B41FA5}">
+                      <a16:colId xmlns:a16="http://schemas.microsoft.com/office/drawing/2014/main" val="2308904833"/>
+                    </a:ext>
+                  </a:extLst>
+                </a:gridCol>
+              </a:tblGrid>
+              <a:tr h="0">
+                <a:tc>
+                  <a:txBody>
+                    <a:bodyPr/>
+                    <a:lstStyle/>
+                    <a:p>
+                      <a:pPr algn="l" fontAlgn="t"/>
+                      <a:endParaRPr lang="en-US" b="1" dirty="0">
+                        <a:effectLst/>
+                      </a:endParaRPr>
+                    </a:p>
+                  </a:txBody>
+                  <a:tcPr>
+                    <a:solidFill>
+                      <a:schemeClr val="bg1"/>
+                    </a:solidFill>
+                  </a:tcPr>
+                </a:tc>
+                <a:tc gridSpan="3">
+                  <a:txBody>
+                    <a:bodyPr/>
+                    <a:lstStyle/>
+                    <a:p>
+                      <a:pPr algn="l" fontAlgn="t"/>
+                      <a:r>
+                        <a:rPr lang="en-US" b="1" dirty="0">
+                          <a:effectLst/>
+                        </a:rPr>
+                        <a:t>Activity</a:t>
+                      </a:r>
+                    </a:p>
+                  </a:txBody>
+                  <a:tcPr>
+                    <a:solidFill>
+                      <a:schemeClr val="bg1"/>
+                    </a:solidFill>
+                  </a:tcPr>
+                </a:tc>
+                <a:tc hMerge="1">
+                  <a:txBody>
+                    <a:bodyPr/>
+                    <a:lstStyle/>
+                    <a:p>
+                      <a:pPr algn="l" fontAlgn="t"/>
+                      <a:endParaRPr lang="en-US" b="1" dirty="0">
+                        <a:effectLst/>
+                      </a:endParaRPr>
+                    </a:p>
+                  </a:txBody>
+                  <a:tcPr/>
+                </a:tc>
+                <a:tc hMerge="1">
+                  <a:txBody>
+                    <a:bodyPr/>
+                    <a:lstStyle/>
+                    <a:p>
+                      <a:pPr algn="l" fontAlgn="t"/>
+                      <a:endParaRPr lang="en-US" b="1" dirty="0">
+                        <a:effectLst/>
+                      </a:endParaRPr>
+                    </a:p>
+                  </a:txBody>
+                  <a:tcPr/>
+                </a:tc>
+                <a:extLst>
+                  <a:ext uri="{0D108BD9-81ED-4DB2-BD59-A6C34878D82A}">
+                    <a16:rowId xmlns:a16="http://schemas.microsoft.com/office/drawing/2014/main" val="240872549"/>
+                  </a:ext>
+                </a:extLst>
+              </a:tr>
+              <a:tr h="0">
+                <a:tc>
+                  <a:txBody>
+                    <a:bodyPr/>
+                    <a:lstStyle/>
+                    <a:p>
+                      <a:pPr algn="l" fontAlgn="t"/>
+                      <a:r>
+                        <a:rPr lang="en-US" b="0" dirty="0">
+                          <a:solidFill>
+                            <a:srgbClr val="0000FF"/>
+                          </a:solidFill>
+                          <a:effectLst/>
+                        </a:rPr>
+                        <a:t>day </a:t>
+                      </a:r>
+                      <a:r>
+                        <a:rPr lang="en-US" b="0" dirty="0">
+                          <a:effectLst/>
+                        </a:rPr>
+                        <a:t>&gt;= 3</a:t>
+                      </a:r>
+                    </a:p>
+                  </a:txBody>
+                  <a:tcPr>
+                    <a:solidFill>
+                      <a:schemeClr val="bg1"/>
+                    </a:solidFill>
+                  </a:tcPr>
+                </a:tc>
+                <a:tc gridSpan="3">
+                  <a:txBody>
+                    <a:bodyPr/>
+                    <a:lstStyle/>
+                    <a:p>
+                      <a:pPr algn="l" fontAlgn="t"/>
+                      <a:r>
+                        <a:rPr lang="en-US" b="0" dirty="0">
+                          <a:effectLst/>
+                        </a:rPr>
+                        <a:t>No activity</a:t>
+                      </a:r>
+                    </a:p>
+                  </a:txBody>
+                  <a:tcPr>
+                    <a:solidFill>
+                      <a:schemeClr val="bg1"/>
+                    </a:solidFill>
+                  </a:tcPr>
+                </a:tc>
+                <a:tc hMerge="1">
+                  <a:txBody>
+                    <a:bodyPr/>
+                    <a:lstStyle/>
+                    <a:p>
+                      <a:pPr algn="l" fontAlgn="t"/>
+                      <a:endParaRPr lang="en-US" b="0" dirty="0">
+                        <a:effectLst/>
+                      </a:endParaRPr>
+                    </a:p>
+                  </a:txBody>
+                  <a:tcPr>
+                    <a:solidFill>
+                      <a:schemeClr val="bg1"/>
+                    </a:solidFill>
+                  </a:tcPr>
+                </a:tc>
+                <a:tc hMerge="1">
+                  <a:txBody>
+                    <a:bodyPr/>
+                    <a:lstStyle/>
+                    <a:p>
+                      <a:pPr algn="l" fontAlgn="t"/>
+                      <a:endParaRPr lang="en-US" b="0" dirty="0">
+                        <a:effectLst/>
+                      </a:endParaRPr>
+                    </a:p>
+                  </a:txBody>
+                  <a:tcPr/>
+                </a:tc>
+                <a:extLst>
+                  <a:ext uri="{0D108BD9-81ED-4DB2-BD59-A6C34878D82A}">
+                    <a16:rowId xmlns:a16="http://schemas.microsoft.com/office/drawing/2014/main" val="4181371937"/>
+                  </a:ext>
+                </a:extLst>
+              </a:tr>
+              <a:tr h="0">
+                <a:tc rowSpan="4">
+                  <a:txBody>
+                    <a:bodyPr/>
+                    <a:lstStyle/>
+                    <a:p>
+                      <a:pPr algn="l" fontAlgn="t"/>
+                      <a:r>
+                        <a:rPr lang="en-US" b="0" dirty="0">
+                          <a:effectLst/>
+                        </a:rPr>
+                        <a:t>Else </a:t>
+                      </a:r>
+                    </a:p>
+                  </a:txBody>
+                  <a:tcPr>
+                    <a:solidFill>
+                      <a:schemeClr val="bg1"/>
+                    </a:solidFill>
+                  </a:tcPr>
+                </a:tc>
+                <a:tc rowSpan="2">
+                  <a:txBody>
+                    <a:bodyPr/>
+                    <a:lstStyle/>
+                    <a:p>
+                      <a:pPr marL="0" marR="0" lvl="0" indent="0" algn="l" defTabSz="914400" rtl="0" eaLnBrk="1" fontAlgn="t" latinLnBrk="0" hangingPunct="1">
+                        <a:lnSpc>
+                          <a:spcPct val="100000"/>
+                        </a:lnSpc>
+                        <a:spcBef>
+                          <a:spcPts val="0"/>
+                        </a:spcBef>
+                        <a:spcAft>
+                          <a:spcPts val="0"/>
+                        </a:spcAft>
+                        <a:buClrTx/>
+                        <a:buSzTx/>
+                        <a:buFontTx/>
+                        <a:buNone/>
+                        <a:tabLst/>
+                        <a:defRPr/>
+                      </a:pPr>
+                      <a:r>
+                        <a:rPr lang="en-US" b="0" dirty="0">
+                          <a:solidFill>
+                            <a:srgbClr val="0000FF"/>
+                          </a:solidFill>
+                          <a:effectLst/>
+                        </a:rPr>
+                        <a:t>day</a:t>
+                      </a:r>
+                      <a:r>
+                        <a:rPr lang="en-US" b="0" dirty="0">
+                          <a:effectLst/>
+                        </a:rPr>
+                        <a:t> is 2</a:t>
+                      </a:r>
+                    </a:p>
+                  </a:txBody>
+                  <a:tcPr>
+                    <a:solidFill>
+                      <a:schemeClr val="bg1"/>
+                    </a:solidFill>
+                  </a:tcPr>
+                </a:tc>
+                <a:tc>
+                  <a:txBody>
+                    <a:bodyPr/>
+                    <a:lstStyle/>
+                    <a:p>
+                      <a:pPr algn="l" fontAlgn="t"/>
+                      <a:r>
+                        <a:rPr lang="en-US" b="0" dirty="0">
+                          <a:solidFill>
+                            <a:srgbClr val="0000FF"/>
+                          </a:solidFill>
+                          <a:effectLst/>
+                        </a:rPr>
+                        <a:t>time</a:t>
+                      </a:r>
+                      <a:r>
+                        <a:rPr lang="en-US" b="0" dirty="0">
+                          <a:effectLst/>
+                        </a:rPr>
+                        <a:t> is between 1000-1200</a:t>
+                      </a:r>
+                    </a:p>
+                  </a:txBody>
+                  <a:tcPr>
+                    <a:solidFill>
+                      <a:schemeClr val="bg1"/>
+                    </a:solidFill>
+                  </a:tcPr>
+                </a:tc>
+                <a:tc>
+                  <a:txBody>
+                    <a:bodyPr/>
+                    <a:lstStyle/>
+                    <a:p>
+                      <a:pPr algn="l" fontAlgn="t"/>
+                      <a:r>
+                        <a:rPr lang="en-US" b="0" dirty="0">
+                          <a:effectLst/>
+                        </a:rPr>
+                        <a:t>Lecture</a:t>
+                      </a:r>
+                    </a:p>
+                  </a:txBody>
+                  <a:tcPr>
+                    <a:solidFill>
+                      <a:schemeClr val="bg1"/>
+                    </a:solidFill>
+                  </a:tcPr>
+                </a:tc>
+                <a:extLst>
+                  <a:ext uri="{0D108BD9-81ED-4DB2-BD59-A6C34878D82A}">
+                    <a16:rowId xmlns:a16="http://schemas.microsoft.com/office/drawing/2014/main" val="1257816777"/>
+                  </a:ext>
+                </a:extLst>
+              </a:tr>
+              <a:tr h="0">
+                <a:tc vMerge="1">
+                  <a:txBody>
+                    <a:bodyPr/>
+                    <a:lstStyle/>
+                    <a:p>
+                      <a:endParaRPr lang="en-US"/>
+                    </a:p>
+                  </a:txBody>
+                  <a:tcPr/>
+                </a:tc>
+                <a:tc vMerge="1">
+                  <a:txBody>
+                    <a:bodyPr/>
+                    <a:lstStyle/>
+                    <a:p>
+                      <a:pPr marL="0" marR="0" lvl="0" indent="0" algn="l" defTabSz="914400" rtl="0" eaLnBrk="1" fontAlgn="t" latinLnBrk="0" hangingPunct="1">
+                        <a:lnSpc>
+                          <a:spcPct val="100000"/>
+                        </a:lnSpc>
+                        <a:spcBef>
+                          <a:spcPts val="0"/>
+                        </a:spcBef>
+                        <a:spcAft>
+                          <a:spcPts val="0"/>
+                        </a:spcAft>
+                        <a:buClrTx/>
+                        <a:buSzTx/>
+                        <a:buFontTx/>
+                        <a:buNone/>
+                        <a:tabLst/>
+                        <a:defRPr/>
+                      </a:pPr>
+                      <a:endParaRPr lang="en-US" b="0" dirty="0">
+                        <a:effectLst/>
+                      </a:endParaRPr>
+                    </a:p>
+                  </a:txBody>
+                  <a:tcPr>
+                    <a:solidFill>
+                      <a:schemeClr val="bg1"/>
+                    </a:solidFill>
+                  </a:tcPr>
+                </a:tc>
+                <a:tc>
+                  <a:txBody>
+                    <a:bodyPr/>
+                    <a:lstStyle/>
+                    <a:p>
+                      <a:pPr algn="l" fontAlgn="t"/>
+                      <a:r>
+                        <a:rPr lang="en-US" b="0" dirty="0">
+                          <a:effectLst/>
+                        </a:rPr>
+                        <a:t>Else</a:t>
+                      </a:r>
+                    </a:p>
+                  </a:txBody>
+                  <a:tcPr>
+                    <a:solidFill>
+                      <a:schemeClr val="bg1"/>
+                    </a:solidFill>
+                  </a:tcPr>
+                </a:tc>
+                <a:tc>
+                  <a:txBody>
+                    <a:bodyPr/>
+                    <a:lstStyle/>
+                    <a:p>
+                      <a:pPr algn="l" fontAlgn="t"/>
+                      <a:r>
+                        <a:rPr lang="en-US" b="0" dirty="0">
+                          <a:effectLst/>
+                        </a:rPr>
+                        <a:t>No activity</a:t>
+                      </a:r>
+                    </a:p>
+                  </a:txBody>
+                  <a:tcPr>
+                    <a:solidFill>
+                      <a:schemeClr val="bg1"/>
+                    </a:solidFill>
+                  </a:tcPr>
+                </a:tc>
+                <a:extLst>
+                  <a:ext uri="{0D108BD9-81ED-4DB2-BD59-A6C34878D82A}">
+                    <a16:rowId xmlns:a16="http://schemas.microsoft.com/office/drawing/2014/main" val="2910684947"/>
+                  </a:ext>
+                </a:extLst>
+              </a:tr>
+              <a:tr h="0">
+                <a:tc vMerge="1">
+                  <a:txBody>
+                    <a:bodyPr/>
+                    <a:lstStyle/>
+                    <a:p>
+                      <a:pPr algn="l" fontAlgn="t"/>
+                      <a:endParaRPr lang="en-US" b="0" dirty="0">
+                        <a:effectLst/>
+                      </a:endParaRPr>
+                    </a:p>
+                  </a:txBody>
+                  <a:tcPr/>
+                </a:tc>
+                <a:tc rowSpan="2">
+                  <a:txBody>
+                    <a:bodyPr/>
+                    <a:lstStyle/>
+                    <a:p>
+                      <a:pPr algn="l" fontAlgn="t"/>
+                      <a:r>
+                        <a:rPr lang="en-US" b="0" dirty="0">
+                          <a:effectLst/>
+                        </a:rPr>
+                        <a:t>Else</a:t>
+                      </a:r>
+                    </a:p>
+                  </a:txBody>
+                  <a:tcPr>
+                    <a:solidFill>
+                      <a:schemeClr val="bg1"/>
+                    </a:solidFill>
+                  </a:tcPr>
+                </a:tc>
+                <a:tc>
+                  <a:txBody>
+                    <a:bodyPr/>
+                    <a:lstStyle/>
+                    <a:p>
+                      <a:pPr algn="l" fontAlgn="t"/>
+                      <a:r>
+                        <a:rPr lang="en-US" b="0" dirty="0">
+                          <a:solidFill>
+                            <a:srgbClr val="0000FF"/>
+                          </a:solidFill>
+                          <a:effectLst/>
+                        </a:rPr>
+                        <a:t>time </a:t>
+                      </a:r>
+                      <a:r>
+                        <a:rPr lang="en-US" b="0" dirty="0">
+                          <a:effectLst/>
+                        </a:rPr>
+                        <a:t>is between 1000-1400</a:t>
+                      </a:r>
+                    </a:p>
+                  </a:txBody>
+                  <a:tcPr>
+                    <a:solidFill>
+                      <a:schemeClr val="bg1"/>
+                    </a:solidFill>
+                  </a:tcPr>
+                </a:tc>
+                <a:tc>
+                  <a:txBody>
+                    <a:bodyPr/>
+                    <a:lstStyle/>
+                    <a:p>
+                      <a:pPr marL="0" marR="0" lvl="0" indent="0" algn="l" defTabSz="914400" rtl="0" eaLnBrk="1" fontAlgn="t" latinLnBrk="0" hangingPunct="1">
+                        <a:lnSpc>
+                          <a:spcPct val="100000"/>
+                        </a:lnSpc>
+                        <a:spcBef>
+                          <a:spcPts val="0"/>
+                        </a:spcBef>
+                        <a:spcAft>
+                          <a:spcPts val="0"/>
+                        </a:spcAft>
+                        <a:buClrTx/>
+                        <a:buSzTx/>
+                        <a:buFontTx/>
+                        <a:buNone/>
+                        <a:tabLst/>
+                        <a:defRPr/>
+                      </a:pPr>
+                      <a:r>
+                        <a:rPr lang="en-US" b="0" dirty="0">
+                          <a:effectLst/>
+                        </a:rPr>
+                        <a:t>Tutorial</a:t>
+                      </a:r>
+                    </a:p>
+                  </a:txBody>
+                  <a:tcPr>
+                    <a:solidFill>
+                      <a:schemeClr val="bg1"/>
+                    </a:solidFill>
+                  </a:tcPr>
+                </a:tc>
+                <a:extLst>
+                  <a:ext uri="{0D108BD9-81ED-4DB2-BD59-A6C34878D82A}">
+                    <a16:rowId xmlns:a16="http://schemas.microsoft.com/office/drawing/2014/main" val="2160895748"/>
+                  </a:ext>
+                </a:extLst>
+              </a:tr>
+              <a:tr h="0">
+                <a:tc vMerge="1">
+                  <a:txBody>
+                    <a:bodyPr/>
+                    <a:lstStyle/>
+                    <a:p>
+                      <a:pPr algn="l" fontAlgn="t"/>
+                      <a:endParaRPr lang="en-US" b="0" dirty="0">
+                        <a:effectLst/>
+                      </a:endParaRPr>
+                    </a:p>
+                  </a:txBody>
+                  <a:tcPr>
+                    <a:solidFill>
+                      <a:schemeClr val="bg1"/>
+                    </a:solidFill>
+                  </a:tcPr>
+                </a:tc>
+                <a:tc vMerge="1">
+                  <a:txBody>
+                    <a:bodyPr/>
+                    <a:lstStyle/>
+                    <a:p>
+                      <a:pPr algn="l" fontAlgn="t"/>
+                      <a:endParaRPr lang="en-US" b="0" dirty="0">
+                        <a:effectLst/>
+                      </a:endParaRPr>
+                    </a:p>
+                  </a:txBody>
+                  <a:tcPr>
+                    <a:solidFill>
+                      <a:schemeClr val="bg1"/>
+                    </a:solidFill>
+                  </a:tcPr>
+                </a:tc>
+                <a:tc>
+                  <a:txBody>
+                    <a:bodyPr/>
+                    <a:lstStyle/>
+                    <a:p>
+                      <a:pPr algn="l" fontAlgn="t"/>
+                      <a:r>
+                        <a:rPr lang="en-US" b="0" dirty="0">
+                          <a:effectLst/>
+                        </a:rPr>
+                        <a:t>Else</a:t>
+                      </a:r>
+                    </a:p>
+                  </a:txBody>
+                  <a:tcPr>
+                    <a:solidFill>
+                      <a:schemeClr val="bg1"/>
+                    </a:solidFill>
+                  </a:tcPr>
+                </a:tc>
+                <a:tc>
+                  <a:txBody>
+                    <a:bodyPr/>
+                    <a:lstStyle/>
+                    <a:p>
+                      <a:pPr marL="0" marR="0" lvl="0" indent="0" algn="l" defTabSz="914400" rtl="0" eaLnBrk="1" fontAlgn="t" latinLnBrk="0" hangingPunct="1">
+                        <a:lnSpc>
+                          <a:spcPct val="100000"/>
+                        </a:lnSpc>
+                        <a:spcBef>
+                          <a:spcPts val="0"/>
+                        </a:spcBef>
+                        <a:spcAft>
+                          <a:spcPts val="0"/>
+                        </a:spcAft>
+                        <a:buClrTx/>
+                        <a:buSzTx/>
+                        <a:buFontTx/>
+                        <a:buNone/>
+                        <a:tabLst/>
+                        <a:defRPr/>
+                      </a:pPr>
+                      <a:r>
+                        <a:rPr lang="en-US" b="0" dirty="0">
+                          <a:effectLst/>
+                        </a:rPr>
+                        <a:t>No activity</a:t>
+                      </a:r>
+                    </a:p>
+                  </a:txBody>
+                  <a:tcPr>
+                    <a:solidFill>
+                      <a:schemeClr val="bg1"/>
+                    </a:solidFill>
+                  </a:tcPr>
+                </a:tc>
+                <a:extLst>
+                  <a:ext uri="{0D108BD9-81ED-4DB2-BD59-A6C34878D82A}">
+                    <a16:rowId xmlns:a16="http://schemas.microsoft.com/office/drawing/2014/main" val="2889785638"/>
+                  </a:ext>
+                </a:extLst>
+              </a:tr>
+            </a:tbl>
+          </a:graphicData>
+        </a:graphic>
+      </p:graphicFrame>
+      <p:sp>
+        <p:nvSpPr>
+          <p:cNvPr id="2" name="Footer Placeholder 1">
+            <a:extLst>
+              <a:ext uri="{FF2B5EF4-FFF2-40B4-BE49-F238E27FC236}">
+                <a16:creationId xmlns:a16="http://schemas.microsoft.com/office/drawing/2014/main" id="{2054DF41-564D-6202-B9BD-7D488AD2E220}"/>
+              </a:ext>
+            </a:extLst>
+          </p:cNvPr>
+          <p:cNvSpPr>
+            <a:spLocks noGrp="1"/>
+          </p:cNvSpPr>
+          <p:nvPr>
+            <p:ph type="ftr" sz="quarter" idx="11"/>
+          </p:nvPr>
+        </p:nvSpPr>
+        <p:spPr/>
+        <p:txBody>
+          <a:bodyPr/>
+          <a:lstStyle/>
+          <a:p>
+            <a:pPr algn="l">
+              <a:defRPr/>
+            </a:pPr>
+            <a:r>
+              <a:rPr lang="en-US"/>
+              <a:t>CS1010 (AY2023/24 Semester 2)</a:t>
+            </a:r>
+            <a:endParaRPr lang="en-US" dirty="0"/>
+          </a:p>
+        </p:txBody>
+      </p:sp>
+      <p:sp>
+        <p:nvSpPr>
+          <p:cNvPr id="3" name="Slide Number Placeholder 2">
+            <a:extLst>
+              <a:ext uri="{FF2B5EF4-FFF2-40B4-BE49-F238E27FC236}">
+                <a16:creationId xmlns:a16="http://schemas.microsoft.com/office/drawing/2014/main" id="{13D4E90E-B741-C1B5-17BD-F432ED0E4672}"/>
+              </a:ext>
+            </a:extLst>
+          </p:cNvPr>
+          <p:cNvSpPr>
+            <a:spLocks noGrp="1"/>
+          </p:cNvSpPr>
+          <p:nvPr>
+            <p:ph type="sldNum" sz="quarter" idx="12"/>
+          </p:nvPr>
+        </p:nvSpPr>
+        <p:spPr/>
+        <p:txBody>
+          <a:bodyPr/>
+          <a:lstStyle/>
+          <a:p>
+            <a:pPr>
+              <a:defRPr/>
+            </a:pPr>
+            <a:r>
+              <a:rPr lang="en-US" dirty="0"/>
+              <a:t>Week4R - </a:t>
+            </a:r>
+            <a:fld id="{2E4790E1-2590-4AEE-892D-AB46A7688113}" type="slidenum">
+              <a:rPr lang="en-US" smtClean="0"/>
+              <a:pPr>
+                <a:defRPr/>
+              </a:pPr>
+              <a:t>6</a:t>
+            </a:fld>
+            <a:endParaRPr lang="en-US" dirty="0"/>
+          </a:p>
+        </p:txBody>
+      </p:sp>
+    </p:spTree>
+    <p:extLst>
+      <p:ext uri="{BB962C8B-B14F-4D97-AF65-F5344CB8AC3E}">
+        <p14:creationId xmlns:p14="http://schemas.microsoft.com/office/powerpoint/2010/main" val="2879329457"/>
       </p:ext>
     </p:extLst>
   </p:cSld>

--- a/slides/Week4_Recap.pptx
+++ b/slides/Week4_Recap.pptx
@@ -5,26 +5,27 @@
     <p:sldMasterId id="2147485087" r:id="rId1"/>
   </p:sldMasterIdLst>
   <p:notesMasterIdLst>
-    <p:notesMasterId r:id="rId16"/>
+    <p:notesMasterId r:id="rId17"/>
   </p:notesMasterIdLst>
   <p:handoutMasterIdLst>
-    <p:handoutMasterId r:id="rId17"/>
+    <p:handoutMasterId r:id="rId18"/>
   </p:handoutMasterIdLst>
   <p:sldIdLst>
     <p:sldId id="256" r:id="rId2"/>
-    <p:sldId id="554" r:id="rId3"/>
-    <p:sldId id="570" r:id="rId4"/>
-    <p:sldId id="558" r:id="rId5"/>
-    <p:sldId id="569" r:id="rId6"/>
-    <p:sldId id="524" r:id="rId7"/>
-    <p:sldId id="568" r:id="rId8"/>
-    <p:sldId id="552" r:id="rId9"/>
-    <p:sldId id="565" r:id="rId10"/>
-    <p:sldId id="553" r:id="rId11"/>
-    <p:sldId id="564" r:id="rId12"/>
-    <p:sldId id="561" r:id="rId13"/>
-    <p:sldId id="566" r:id="rId14"/>
-    <p:sldId id="525" r:id="rId15"/>
+    <p:sldId id="571" r:id="rId3"/>
+    <p:sldId id="554" r:id="rId4"/>
+    <p:sldId id="570" r:id="rId5"/>
+    <p:sldId id="558" r:id="rId6"/>
+    <p:sldId id="569" r:id="rId7"/>
+    <p:sldId id="524" r:id="rId8"/>
+    <p:sldId id="568" r:id="rId9"/>
+    <p:sldId id="552" r:id="rId10"/>
+    <p:sldId id="565" r:id="rId11"/>
+    <p:sldId id="553" r:id="rId12"/>
+    <p:sldId id="564" r:id="rId13"/>
+    <p:sldId id="561" r:id="rId14"/>
+    <p:sldId id="566" r:id="rId15"/>
+    <p:sldId id="525" r:id="rId16"/>
   </p:sldIdLst>
   <p:sldSz cx="9144000" cy="6858000" type="screen4x3"/>
   <p:notesSz cx="7010400" cy="9296400"/>
@@ -189,6 +190,7 @@
 <file path=ppt/revisionInfo.xml><?xml version="1.0" encoding="utf-8"?>
 <p1510:revInfo xmlns:a="http://schemas.openxmlformats.org/drawingml/2006/main" xmlns:r="http://schemas.openxmlformats.org/officeDocument/2006/relationships" xmlns:p1510="http://schemas.microsoft.com/office/powerpoint/2015/10/main">
   <p1510:revLst>
+    <p1510:client id="{2F7C533B-0560-4D70-A311-FE55343F3ED3}" v="2" dt="2024-02-13T01:40:01.257"/>
     <p1510:client id="{65DF620D-469E-41D9-8DF1-7AF47666A053}" v="26" dt="2024-02-13T01:35:16.400"/>
   </p1510:revLst>
 </p1510:revInfo>
@@ -436,6 +438,173 @@
             <ac:spMk id="24582" creationId="{00000000-0000-0000-0000-000000000000}"/>
           </ac:spMkLst>
         </pc:spChg>
+      </pc:sldChg>
+    </pc:docChg>
+  </pc:docChgLst>
+  <pc:docChgLst>
+    <pc:chgData name="Zhao Jin" userId="cd05a825-544c-438a-9ba1-08e63db50b47" providerId="ADAL" clId="{2F7C533B-0560-4D70-A311-FE55343F3ED3}"/>
+    <pc:docChg chg="custSel addSld modSld">
+      <pc:chgData name="Zhao Jin" userId="cd05a825-544c-438a-9ba1-08e63db50b47" providerId="ADAL" clId="{2F7C533B-0560-4D70-A311-FE55343F3ED3}" dt="2024-02-13T01:40:05.450" v="6" actId="478"/>
+      <pc:docMkLst>
+        <pc:docMk/>
+      </pc:docMkLst>
+      <pc:sldChg chg="delSp mod">
+        <pc:chgData name="Zhao Jin" userId="cd05a825-544c-438a-9ba1-08e63db50b47" providerId="ADAL" clId="{2F7C533B-0560-4D70-A311-FE55343F3ED3}" dt="2024-02-13T01:40:05.450" v="6" actId="478"/>
+        <pc:sldMkLst>
+          <pc:docMk/>
+          <pc:sldMk cId="1659983766" sldId="554"/>
+        </pc:sldMkLst>
+        <pc:spChg chg="del">
+          <ac:chgData name="Zhao Jin" userId="cd05a825-544c-438a-9ba1-08e63db50b47" providerId="ADAL" clId="{2F7C533B-0560-4D70-A311-FE55343F3ED3}" dt="2024-02-13T01:40:05.450" v="6" actId="478"/>
+          <ac:spMkLst>
+            <pc:docMk/>
+            <pc:sldMk cId="1659983766" sldId="554"/>
+            <ac:spMk id="4" creationId="{9655803E-BFC1-0165-F7D6-171BB1B54DBF}"/>
+          </ac:spMkLst>
+        </pc:spChg>
+      </pc:sldChg>
+      <pc:sldChg chg="addSp delSp modSp add mod delAnim">
+        <pc:chgData name="Zhao Jin" userId="cd05a825-544c-438a-9ba1-08e63db50b47" providerId="ADAL" clId="{2F7C533B-0560-4D70-A311-FE55343F3ED3}" dt="2024-02-13T01:40:01.257" v="5"/>
+        <pc:sldMkLst>
+          <pc:docMk/>
+          <pc:sldMk cId="2191908359" sldId="571"/>
+        </pc:sldMkLst>
+        <pc:spChg chg="del">
+          <ac:chgData name="Zhao Jin" userId="cd05a825-544c-438a-9ba1-08e63db50b47" providerId="ADAL" clId="{2F7C533B-0560-4D70-A311-FE55343F3ED3}" dt="2024-02-13T01:40:00.014" v="4" actId="478"/>
+          <ac:spMkLst>
+            <pc:docMk/>
+            <pc:sldMk cId="2191908359" sldId="571"/>
+            <ac:spMk id="4" creationId="{1F3D7FC1-38E2-6923-1035-443D8C7B8327}"/>
+          </ac:spMkLst>
+        </pc:spChg>
+        <pc:spChg chg="add del mod">
+          <ac:chgData name="Zhao Jin" userId="cd05a825-544c-438a-9ba1-08e63db50b47" providerId="ADAL" clId="{2F7C533B-0560-4D70-A311-FE55343F3ED3}" dt="2024-02-13T01:39:56.103" v="2" actId="478"/>
+          <ac:spMkLst>
+            <pc:docMk/>
+            <pc:sldMk cId="2191908359" sldId="571"/>
+            <ac:spMk id="6" creationId="{D9556672-7DFD-2B04-F71A-51A7381BBC3E}"/>
+          </ac:spMkLst>
+        </pc:spChg>
+        <pc:spChg chg="add mod">
+          <ac:chgData name="Zhao Jin" userId="cd05a825-544c-438a-9ba1-08e63db50b47" providerId="ADAL" clId="{2F7C533B-0560-4D70-A311-FE55343F3ED3}" dt="2024-02-13T01:40:01.257" v="5"/>
+          <ac:spMkLst>
+            <pc:docMk/>
+            <pc:sldMk cId="2191908359" sldId="571"/>
+            <ac:spMk id="7" creationId="{53C11392-7249-55B0-522A-27F530C4B339}"/>
+          </ac:spMkLst>
+        </pc:spChg>
+        <pc:spChg chg="add mod">
+          <ac:chgData name="Zhao Jin" userId="cd05a825-544c-438a-9ba1-08e63db50b47" providerId="ADAL" clId="{2F7C533B-0560-4D70-A311-FE55343F3ED3}" dt="2024-02-13T01:40:01.257" v="5"/>
+          <ac:spMkLst>
+            <pc:docMk/>
+            <pc:sldMk cId="2191908359" sldId="571"/>
+            <ac:spMk id="8" creationId="{B2679D13-AD49-494F-4048-F10409426800}"/>
+          </ac:spMkLst>
+        </pc:spChg>
+        <pc:spChg chg="del">
+          <ac:chgData name="Zhao Jin" userId="cd05a825-544c-438a-9ba1-08e63db50b47" providerId="ADAL" clId="{2F7C533B-0560-4D70-A311-FE55343F3ED3}" dt="2024-02-13T01:40:00.014" v="4" actId="478"/>
+          <ac:spMkLst>
+            <pc:docMk/>
+            <pc:sldMk cId="2191908359" sldId="571"/>
+            <ac:spMk id="27" creationId="{5115010E-38E2-2475-8C97-87A4A3CE995B}"/>
+          </ac:spMkLst>
+        </pc:spChg>
+        <pc:spChg chg="del">
+          <ac:chgData name="Zhao Jin" userId="cd05a825-544c-438a-9ba1-08e63db50b47" providerId="ADAL" clId="{2F7C533B-0560-4D70-A311-FE55343F3ED3}" dt="2024-02-13T01:39:56.944" v="3" actId="478"/>
+          <ac:spMkLst>
+            <pc:docMk/>
+            <pc:sldMk cId="2191908359" sldId="571"/>
+            <ac:spMk id="49" creationId="{8554EE21-DB18-B3E4-C1DF-D4185145B2E0}"/>
+          </ac:spMkLst>
+        </pc:spChg>
+        <pc:spChg chg="del">
+          <ac:chgData name="Zhao Jin" userId="cd05a825-544c-438a-9ba1-08e63db50b47" providerId="ADAL" clId="{2F7C533B-0560-4D70-A311-FE55343F3ED3}" dt="2024-02-13T01:39:54.367" v="1" actId="478"/>
+          <ac:spMkLst>
+            <pc:docMk/>
+            <pc:sldMk cId="2191908359" sldId="571"/>
+            <ac:spMk id="14338" creationId="{357F5F2B-DC4C-5443-F663-F407E5F32371}"/>
+          </ac:spMkLst>
+        </pc:spChg>
+        <pc:grpChg chg="del">
+          <ac:chgData name="Zhao Jin" userId="cd05a825-544c-438a-9ba1-08e63db50b47" providerId="ADAL" clId="{2F7C533B-0560-4D70-A311-FE55343F3ED3}" dt="2024-02-13T01:40:00.014" v="4" actId="478"/>
+          <ac:grpSpMkLst>
+            <pc:docMk/>
+            <pc:sldMk cId="2191908359" sldId="571"/>
+            <ac:grpSpMk id="28" creationId="{82E9E7CB-057E-32DC-8E57-62DD9F0504A4}"/>
+          </ac:grpSpMkLst>
+        </pc:grpChg>
+        <pc:grpChg chg="del">
+          <ac:chgData name="Zhao Jin" userId="cd05a825-544c-438a-9ba1-08e63db50b47" providerId="ADAL" clId="{2F7C533B-0560-4D70-A311-FE55343F3ED3}" dt="2024-02-13T01:40:00.014" v="4" actId="478"/>
+          <ac:grpSpMkLst>
+            <pc:docMk/>
+            <pc:sldMk cId="2191908359" sldId="571"/>
+            <ac:grpSpMk id="31" creationId="{F3F928C2-D5CF-6859-9A92-A2F4A0BCACFC}"/>
+          </ac:grpSpMkLst>
+        </pc:grpChg>
+        <pc:picChg chg="add mod">
+          <ac:chgData name="Zhao Jin" userId="cd05a825-544c-438a-9ba1-08e63db50b47" providerId="ADAL" clId="{2F7C533B-0560-4D70-A311-FE55343F3ED3}" dt="2024-02-13T01:40:01.257" v="5"/>
+          <ac:picMkLst>
+            <pc:docMk/>
+            <pc:sldMk cId="2191908359" sldId="571"/>
+            <ac:picMk id="9" creationId="{E255233A-D2E3-1DC3-F6AD-56D929B830D2}"/>
+          </ac:picMkLst>
+        </pc:picChg>
+        <pc:picChg chg="add mod">
+          <ac:chgData name="Zhao Jin" userId="cd05a825-544c-438a-9ba1-08e63db50b47" providerId="ADAL" clId="{2F7C533B-0560-4D70-A311-FE55343F3ED3}" dt="2024-02-13T01:40:01.257" v="5"/>
+          <ac:picMkLst>
+            <pc:docMk/>
+            <pc:sldMk cId="2191908359" sldId="571"/>
+            <ac:picMk id="10" creationId="{4907F6DE-54A2-4357-14CE-97544140F0DB}"/>
+          </ac:picMkLst>
+        </pc:picChg>
+        <pc:picChg chg="add mod">
+          <ac:chgData name="Zhao Jin" userId="cd05a825-544c-438a-9ba1-08e63db50b47" providerId="ADAL" clId="{2F7C533B-0560-4D70-A311-FE55343F3ED3}" dt="2024-02-13T01:40:01.257" v="5"/>
+          <ac:picMkLst>
+            <pc:docMk/>
+            <pc:sldMk cId="2191908359" sldId="571"/>
+            <ac:picMk id="11" creationId="{0DE804B9-A853-CF03-EE68-394E540F6889}"/>
+          </ac:picMkLst>
+        </pc:picChg>
+        <pc:cxnChg chg="mod">
+          <ac:chgData name="Zhao Jin" userId="cd05a825-544c-438a-9ba1-08e63db50b47" providerId="ADAL" clId="{2F7C533B-0560-4D70-A311-FE55343F3ED3}" dt="2024-02-13T01:40:00.014" v="4" actId="478"/>
+          <ac:cxnSpMkLst>
+            <pc:docMk/>
+            <pc:sldMk cId="2191908359" sldId="571"/>
+            <ac:cxnSpMk id="30" creationId="{A7D3E121-9B7E-7BC8-23D9-44414509F4B0}"/>
+          </ac:cxnSpMkLst>
+        </pc:cxnChg>
+        <pc:cxnChg chg="mod">
+          <ac:chgData name="Zhao Jin" userId="cd05a825-544c-438a-9ba1-08e63db50b47" providerId="ADAL" clId="{2F7C533B-0560-4D70-A311-FE55343F3ED3}" dt="2024-02-13T01:40:00.014" v="4" actId="478"/>
+          <ac:cxnSpMkLst>
+            <pc:docMk/>
+            <pc:sldMk cId="2191908359" sldId="571"/>
+            <ac:cxnSpMk id="33" creationId="{B37DC81B-0F67-B096-9703-510EBC94D41D}"/>
+          </ac:cxnSpMkLst>
+        </pc:cxnChg>
+        <pc:cxnChg chg="mod">
+          <ac:chgData name="Zhao Jin" userId="cd05a825-544c-438a-9ba1-08e63db50b47" providerId="ADAL" clId="{2F7C533B-0560-4D70-A311-FE55343F3ED3}" dt="2024-02-13T01:40:00.014" v="4" actId="478"/>
+          <ac:cxnSpMkLst>
+            <pc:docMk/>
+            <pc:sldMk cId="2191908359" sldId="571"/>
+            <ac:cxnSpMk id="51" creationId="{5153181A-F08E-AF68-3DB8-DA41D726B4A7}"/>
+          </ac:cxnSpMkLst>
+        </pc:cxnChg>
+        <pc:cxnChg chg="mod">
+          <ac:chgData name="Zhao Jin" userId="cd05a825-544c-438a-9ba1-08e63db50b47" providerId="ADAL" clId="{2F7C533B-0560-4D70-A311-FE55343F3ED3}" dt="2024-02-13T01:40:00.014" v="4" actId="478"/>
+          <ac:cxnSpMkLst>
+            <pc:docMk/>
+            <pc:sldMk cId="2191908359" sldId="571"/>
+            <ac:cxnSpMk id="56" creationId="{21DDF073-6D55-43B2-9B76-195620208EAF}"/>
+          </ac:cxnSpMkLst>
+        </pc:cxnChg>
+        <pc:cxnChg chg="mod">
+          <ac:chgData name="Zhao Jin" userId="cd05a825-544c-438a-9ba1-08e63db50b47" providerId="ADAL" clId="{2F7C533B-0560-4D70-A311-FE55343F3ED3}" dt="2024-02-13T01:40:00.014" v="4" actId="478"/>
+          <ac:cxnSpMkLst>
+            <pc:docMk/>
+            <pc:sldMk cId="2191908359" sldId="571"/>
+            <ac:cxnSpMk id="57" creationId="{D5CFD538-6564-E610-3F8F-2818A881E6DA}"/>
+          </ac:cxnSpMkLst>
+        </pc:cxnChg>
       </pc:sldChg>
     </pc:docChg>
   </pc:docChgLst>
@@ -3667,7 +3836,7 @@
     </p:spTree>
     <p:extLst>
       <p:ext uri="{BB962C8B-B14F-4D97-AF65-F5344CB8AC3E}">
-        <p14:creationId xmlns:p14="http://schemas.microsoft.com/office/powerpoint/2010/main" val="2894944361"/>
+        <p14:creationId xmlns:p14="http://schemas.microsoft.com/office/powerpoint/2010/main" val="652880702"/>
       </p:ext>
     </p:extLst>
   </p:cSld>
@@ -3777,14 +3946,14 @@
             <a:pPr eaLnBrk="1" hangingPunct="1">
               <a:defRPr/>
             </a:pPr>
-            <a:endParaRPr lang="en-US" dirty="0"/>
+            <a:endParaRPr lang="en-US"/>
           </a:p>
         </p:txBody>
       </p:sp>
     </p:spTree>
     <p:extLst>
       <p:ext uri="{BB962C8B-B14F-4D97-AF65-F5344CB8AC3E}">
-        <p14:creationId xmlns:p14="http://schemas.microsoft.com/office/powerpoint/2010/main" val="1364725876"/>
+        <p14:creationId xmlns:p14="http://schemas.microsoft.com/office/powerpoint/2010/main" val="2894944361"/>
       </p:ext>
     </p:extLst>
   </p:cSld>
@@ -3901,7 +4070,7 @@
     </p:spTree>
     <p:extLst>
       <p:ext uri="{BB962C8B-B14F-4D97-AF65-F5344CB8AC3E}">
-        <p14:creationId xmlns:p14="http://schemas.microsoft.com/office/powerpoint/2010/main" val="118342373"/>
+        <p14:creationId xmlns:p14="http://schemas.microsoft.com/office/powerpoint/2010/main" val="1364725876"/>
       </p:ext>
     </p:extLst>
   </p:cSld>
@@ -4018,6 +4187,123 @@
     </p:spTree>
     <p:extLst>
       <p:ext uri="{BB962C8B-B14F-4D97-AF65-F5344CB8AC3E}">
+        <p14:creationId xmlns:p14="http://schemas.microsoft.com/office/powerpoint/2010/main" val="118342373"/>
+      </p:ext>
+    </p:extLst>
+  </p:cSld>
+  <p:clrMapOvr>
+    <a:masterClrMapping/>
+  </p:clrMapOvr>
+</p:notes>
+</file>
+
+<file path=ppt/notesSlides/notesSlide14.xml><?xml version="1.0" encoding="utf-8"?>
+<p:notes xmlns:a="http://schemas.openxmlformats.org/drawingml/2006/main" xmlns:r="http://schemas.openxmlformats.org/officeDocument/2006/relationships" xmlns:p="http://schemas.openxmlformats.org/presentationml/2006/main">
+  <p:cSld>
+    <p:spTree>
+      <p:nvGrpSpPr>
+        <p:cNvPr id="1" name=""/>
+        <p:cNvGrpSpPr/>
+        <p:nvPr/>
+      </p:nvGrpSpPr>
+      <p:grpSpPr>
+        <a:xfrm>
+          <a:off x="0" y="0"/>
+          <a:ext cx="0" cy="0"/>
+          <a:chOff x="0" y="0"/>
+          <a:chExt cx="0" cy="0"/>
+        </a:xfrm>
+      </p:grpSpPr>
+      <p:sp>
+        <p:nvSpPr>
+          <p:cNvPr id="64514" name="Rectangle 2"/>
+          <p:cNvSpPr>
+            <a:spLocks noGrp="1" noChangeArrowheads="1"/>
+          </p:cNvSpPr>
+          <p:nvPr>
+            <p:ph type="hdr" sz="quarter"/>
+          </p:nvPr>
+        </p:nvSpPr>
+        <p:spPr bwMode="auto">
+          <a:xfrm>
+            <a:off x="0" y="0"/>
+            <a:ext cx="3038786" cy="465341"/>
+          </a:xfrm>
+          <a:noFill/>
+          <a:ln>
+            <a:miter lim="800000"/>
+            <a:headEnd/>
+            <a:tailEnd/>
+          </a:ln>
+        </p:spPr>
+        <p:txBody>
+          <a:bodyPr wrap="square" numCol="1" anchor="t" anchorCtr="0" compatLnSpc="1">
+            <a:prstTxWarp prst="textNoShape">
+              <a:avLst/>
+            </a:prstTxWarp>
+          </a:bodyPr>
+          <a:lstStyle/>
+          <a:p>
+            <a:r>
+              <a:rPr lang="en-US"/>
+              <a:t>CS1010 Programming Methodology</a:t>
+            </a:r>
+          </a:p>
+        </p:txBody>
+      </p:sp>
+      <p:sp>
+        <p:nvSpPr>
+          <p:cNvPr id="64515" name="Rectangle 2"/>
+          <p:cNvSpPr>
+            <a:spLocks noGrp="1" noRot="1" noChangeAspect="1" noChangeArrowheads="1" noTextEdit="1"/>
+          </p:cNvSpPr>
+          <p:nvPr>
+            <p:ph type="sldImg"/>
+          </p:nvPr>
+        </p:nvSpPr>
+        <p:spPr bwMode="auto">
+          <a:xfrm>
+            <a:off x="1182688" y="696913"/>
+            <a:ext cx="4648200" cy="3486150"/>
+          </a:xfrm>
+          <a:noFill/>
+          <a:ln>
+            <a:solidFill>
+              <a:srgbClr val="000000"/>
+            </a:solidFill>
+            <a:miter lim="800000"/>
+            <a:headEnd/>
+            <a:tailEnd/>
+          </a:ln>
+        </p:spPr>
+      </p:sp>
+      <p:sp>
+        <p:nvSpPr>
+          <p:cNvPr id="64516" name="Rectangle 3"/>
+          <p:cNvSpPr>
+            <a:spLocks noGrp="1" noChangeArrowheads="1"/>
+          </p:cNvSpPr>
+          <p:nvPr>
+            <p:ph type="body" idx="1"/>
+          </p:nvPr>
+        </p:nvSpPr>
+        <p:spPr>
+          <a:ln w="9525"/>
+        </p:spPr>
+        <p:txBody>
+          <a:bodyPr/>
+          <a:lstStyle/>
+          <a:p>
+            <a:pPr eaLnBrk="1" hangingPunct="1">
+              <a:defRPr/>
+            </a:pPr>
+            <a:endParaRPr lang="en-US" dirty="0"/>
+          </a:p>
+        </p:txBody>
+      </p:sp>
+    </p:spTree>
+    <p:extLst>
+      <p:ext uri="{BB962C8B-B14F-4D97-AF65-F5344CB8AC3E}">
         <p14:creationId xmlns:p14="http://schemas.microsoft.com/office/powerpoint/2010/main" val="1293920977"/>
       </p:ext>
     </p:extLst>
@@ -4028,7 +4314,7 @@
 </p:notes>
 </file>
 
-<file path=ppt/notesSlides/notesSlide14.xml><?xml version="1.0" encoding="utf-8"?>
+<file path=ppt/notesSlides/notesSlide15.xml><?xml version="1.0" encoding="utf-8"?>
 <p:notes xmlns:a="http://schemas.openxmlformats.org/drawingml/2006/main" xmlns:r="http://schemas.openxmlformats.org/officeDocument/2006/relationships" xmlns:p="http://schemas.openxmlformats.org/presentationml/2006/main">
   <p:cSld>
     <p:spTree>
@@ -4149,6 +4435,147 @@
   <p:cSld>
     <p:spTree>
       <p:nvGrpSpPr>
+        <p:cNvPr id="1" name="">
+          <a:extLst>
+            <a:ext uri="{FF2B5EF4-FFF2-40B4-BE49-F238E27FC236}">
+              <a16:creationId xmlns:a16="http://schemas.microsoft.com/office/drawing/2014/main" id="{FF060461-070F-5729-E347-6C5E4D4F7318}"/>
+            </a:ext>
+          </a:extLst>
+        </p:cNvPr>
+        <p:cNvGrpSpPr/>
+        <p:nvPr/>
+      </p:nvGrpSpPr>
+      <p:grpSpPr>
+        <a:xfrm>
+          <a:off x="0" y="0"/>
+          <a:ext cx="0" cy="0"/>
+          <a:chOff x="0" y="0"/>
+          <a:chExt cx="0" cy="0"/>
+        </a:xfrm>
+      </p:grpSpPr>
+      <p:sp>
+        <p:nvSpPr>
+          <p:cNvPr id="64514" name="Rectangle 2">
+            <a:extLst>
+              <a:ext uri="{FF2B5EF4-FFF2-40B4-BE49-F238E27FC236}">
+                <a16:creationId xmlns:a16="http://schemas.microsoft.com/office/drawing/2014/main" id="{6E54661A-D5AB-E0FA-FF7F-A5271F0F050E}"/>
+              </a:ext>
+            </a:extLst>
+          </p:cNvPr>
+          <p:cNvSpPr>
+            <a:spLocks noGrp="1" noChangeArrowheads="1"/>
+          </p:cNvSpPr>
+          <p:nvPr>
+            <p:ph type="hdr" sz="quarter"/>
+          </p:nvPr>
+        </p:nvSpPr>
+        <p:spPr bwMode="auto">
+          <a:xfrm>
+            <a:off x="0" y="0"/>
+            <a:ext cx="3038786" cy="465341"/>
+          </a:xfrm>
+          <a:noFill/>
+          <a:ln>
+            <a:miter lim="800000"/>
+            <a:headEnd/>
+            <a:tailEnd/>
+          </a:ln>
+        </p:spPr>
+        <p:txBody>
+          <a:bodyPr wrap="square" numCol="1" anchor="t" anchorCtr="0" compatLnSpc="1">
+            <a:prstTxWarp prst="textNoShape">
+              <a:avLst/>
+            </a:prstTxWarp>
+          </a:bodyPr>
+          <a:lstStyle/>
+          <a:p>
+            <a:r>
+              <a:rPr lang="en-US"/>
+              <a:t>CS1010 Programming Methodology</a:t>
+            </a:r>
+          </a:p>
+        </p:txBody>
+      </p:sp>
+      <p:sp>
+        <p:nvSpPr>
+          <p:cNvPr id="64515" name="Rectangle 2">
+            <a:extLst>
+              <a:ext uri="{FF2B5EF4-FFF2-40B4-BE49-F238E27FC236}">
+                <a16:creationId xmlns:a16="http://schemas.microsoft.com/office/drawing/2014/main" id="{8299673E-DBE5-16E8-5F13-453420A65241}"/>
+              </a:ext>
+            </a:extLst>
+          </p:cNvPr>
+          <p:cNvSpPr>
+            <a:spLocks noGrp="1" noRot="1" noChangeAspect="1" noChangeArrowheads="1" noTextEdit="1"/>
+          </p:cNvSpPr>
+          <p:nvPr>
+            <p:ph type="sldImg"/>
+          </p:nvPr>
+        </p:nvSpPr>
+        <p:spPr bwMode="auto">
+          <a:xfrm>
+            <a:off x="1182688" y="696913"/>
+            <a:ext cx="4648200" cy="3486150"/>
+          </a:xfrm>
+          <a:noFill/>
+          <a:ln>
+            <a:solidFill>
+              <a:srgbClr val="000000"/>
+            </a:solidFill>
+            <a:miter lim="800000"/>
+            <a:headEnd/>
+            <a:tailEnd/>
+          </a:ln>
+        </p:spPr>
+      </p:sp>
+      <p:sp>
+        <p:nvSpPr>
+          <p:cNvPr id="64516" name="Rectangle 3">
+            <a:extLst>
+              <a:ext uri="{FF2B5EF4-FFF2-40B4-BE49-F238E27FC236}">
+                <a16:creationId xmlns:a16="http://schemas.microsoft.com/office/drawing/2014/main" id="{566EEAE3-D228-9EC4-40D8-098978E8F0FC}"/>
+              </a:ext>
+            </a:extLst>
+          </p:cNvPr>
+          <p:cNvSpPr>
+            <a:spLocks noGrp="1" noChangeArrowheads="1"/>
+          </p:cNvSpPr>
+          <p:nvPr>
+            <p:ph type="body" idx="1"/>
+          </p:nvPr>
+        </p:nvSpPr>
+        <p:spPr>
+          <a:ln w="9525"/>
+        </p:spPr>
+        <p:txBody>
+          <a:bodyPr/>
+          <a:lstStyle/>
+          <a:p>
+            <a:pPr eaLnBrk="1" hangingPunct="1">
+              <a:defRPr/>
+            </a:pPr>
+            <a:endParaRPr lang="en-US" dirty="0"/>
+          </a:p>
+        </p:txBody>
+      </p:sp>
+    </p:spTree>
+    <p:extLst>
+      <p:ext uri="{BB962C8B-B14F-4D97-AF65-F5344CB8AC3E}">
+        <p14:creationId xmlns:p14="http://schemas.microsoft.com/office/powerpoint/2010/main" val="799220135"/>
+      </p:ext>
+    </p:extLst>
+  </p:cSld>
+  <p:clrMapOvr>
+    <a:masterClrMapping/>
+  </p:clrMapOvr>
+</p:notes>
+</file>
+
+<file path=ppt/notesSlides/notesSlide3.xml><?xml version="1.0" encoding="utf-8"?>
+<p:notes xmlns:a="http://schemas.openxmlformats.org/drawingml/2006/main" xmlns:r="http://schemas.openxmlformats.org/officeDocument/2006/relationships" xmlns:p="http://schemas.openxmlformats.org/presentationml/2006/main">
+  <p:cSld>
+    <p:spTree>
+      <p:nvGrpSpPr>
         <p:cNvPr id="1" name=""/>
         <p:cNvGrpSpPr/>
         <p:nvPr/>
@@ -4261,7 +4688,7 @@
 </p:notes>
 </file>
 
-<file path=ppt/notesSlides/notesSlide3.xml><?xml version="1.0" encoding="utf-8"?>
+<file path=ppt/notesSlides/notesSlide4.xml><?xml version="1.0" encoding="utf-8"?>
 <p:notes xmlns:a="http://schemas.openxmlformats.org/drawingml/2006/main" xmlns:r="http://schemas.openxmlformats.org/officeDocument/2006/relationships" xmlns:p="http://schemas.openxmlformats.org/presentationml/2006/main">
   <p:cSld>
     <p:spTree>
@@ -4402,123 +4829,6 @@
 </p:notes>
 </file>
 
-<file path=ppt/notesSlides/notesSlide4.xml><?xml version="1.0" encoding="utf-8"?>
-<p:notes xmlns:a="http://schemas.openxmlformats.org/drawingml/2006/main" xmlns:r="http://schemas.openxmlformats.org/officeDocument/2006/relationships" xmlns:p="http://schemas.openxmlformats.org/presentationml/2006/main">
-  <p:cSld>
-    <p:spTree>
-      <p:nvGrpSpPr>
-        <p:cNvPr id="1" name=""/>
-        <p:cNvGrpSpPr/>
-        <p:nvPr/>
-      </p:nvGrpSpPr>
-      <p:grpSpPr>
-        <a:xfrm>
-          <a:off x="0" y="0"/>
-          <a:ext cx="0" cy="0"/>
-          <a:chOff x="0" y="0"/>
-          <a:chExt cx="0" cy="0"/>
-        </a:xfrm>
-      </p:grpSpPr>
-      <p:sp>
-        <p:nvSpPr>
-          <p:cNvPr id="64514" name="Rectangle 2"/>
-          <p:cNvSpPr>
-            <a:spLocks noGrp="1" noChangeArrowheads="1"/>
-          </p:cNvSpPr>
-          <p:nvPr>
-            <p:ph type="hdr" sz="quarter"/>
-          </p:nvPr>
-        </p:nvSpPr>
-        <p:spPr bwMode="auto">
-          <a:xfrm>
-            <a:off x="0" y="0"/>
-            <a:ext cx="3038786" cy="465341"/>
-          </a:xfrm>
-          <a:noFill/>
-          <a:ln>
-            <a:miter lim="800000"/>
-            <a:headEnd/>
-            <a:tailEnd/>
-          </a:ln>
-        </p:spPr>
-        <p:txBody>
-          <a:bodyPr wrap="square" numCol="1" anchor="t" anchorCtr="0" compatLnSpc="1">
-            <a:prstTxWarp prst="textNoShape">
-              <a:avLst/>
-            </a:prstTxWarp>
-          </a:bodyPr>
-          <a:lstStyle/>
-          <a:p>
-            <a:r>
-              <a:rPr lang="en-US"/>
-              <a:t>CS1010 Programming Methodology</a:t>
-            </a:r>
-          </a:p>
-        </p:txBody>
-      </p:sp>
-      <p:sp>
-        <p:nvSpPr>
-          <p:cNvPr id="64515" name="Rectangle 2"/>
-          <p:cNvSpPr>
-            <a:spLocks noGrp="1" noRot="1" noChangeAspect="1" noChangeArrowheads="1" noTextEdit="1"/>
-          </p:cNvSpPr>
-          <p:nvPr>
-            <p:ph type="sldImg"/>
-          </p:nvPr>
-        </p:nvSpPr>
-        <p:spPr bwMode="auto">
-          <a:xfrm>
-            <a:off x="1182688" y="696913"/>
-            <a:ext cx="4648200" cy="3486150"/>
-          </a:xfrm>
-          <a:noFill/>
-          <a:ln>
-            <a:solidFill>
-              <a:srgbClr val="000000"/>
-            </a:solidFill>
-            <a:miter lim="800000"/>
-            <a:headEnd/>
-            <a:tailEnd/>
-          </a:ln>
-        </p:spPr>
-      </p:sp>
-      <p:sp>
-        <p:nvSpPr>
-          <p:cNvPr id="64516" name="Rectangle 3"/>
-          <p:cNvSpPr>
-            <a:spLocks noGrp="1" noChangeArrowheads="1"/>
-          </p:cNvSpPr>
-          <p:nvPr>
-            <p:ph type="body" idx="1"/>
-          </p:nvPr>
-        </p:nvSpPr>
-        <p:spPr>
-          <a:ln w="9525"/>
-        </p:spPr>
-        <p:txBody>
-          <a:bodyPr/>
-          <a:lstStyle/>
-          <a:p>
-            <a:pPr eaLnBrk="1" hangingPunct="1">
-              <a:defRPr/>
-            </a:pPr>
-            <a:endParaRPr lang="en-US" dirty="0"/>
-          </a:p>
-        </p:txBody>
-      </p:sp>
-    </p:spTree>
-    <p:extLst>
-      <p:ext uri="{BB962C8B-B14F-4D97-AF65-F5344CB8AC3E}">
-        <p14:creationId xmlns:p14="http://schemas.microsoft.com/office/powerpoint/2010/main" val="3288152934"/>
-      </p:ext>
-    </p:extLst>
-  </p:cSld>
-  <p:clrMapOvr>
-    <a:masterClrMapping/>
-  </p:clrMapOvr>
-</p:notes>
-</file>
-
 <file path=ppt/notesSlides/notesSlide5.xml><?xml version="1.0" encoding="utf-8"?>
 <p:notes xmlns:a="http://schemas.openxmlformats.org/drawingml/2006/main" xmlns:r="http://schemas.openxmlformats.org/officeDocument/2006/relationships" xmlns:p="http://schemas.openxmlformats.org/presentationml/2006/main">
   <p:cSld>
@@ -4626,7 +4936,7 @@
     </p:spTree>
     <p:extLst>
       <p:ext uri="{BB962C8B-B14F-4D97-AF65-F5344CB8AC3E}">
-        <p14:creationId xmlns:p14="http://schemas.microsoft.com/office/powerpoint/2010/main" val="720020646"/>
+        <p14:creationId xmlns:p14="http://schemas.microsoft.com/office/powerpoint/2010/main" val="3288152934"/>
       </p:ext>
     </p:extLst>
   </p:cSld>
@@ -4655,7 +4965,7 @@
       </p:grpSpPr>
       <p:sp>
         <p:nvSpPr>
-          <p:cNvPr id="75778" name="Rectangle 2"/>
+          <p:cNvPr id="64514" name="Rectangle 2"/>
           <p:cNvSpPr>
             <a:spLocks noGrp="1" noChangeArrowheads="1"/>
           </p:cNvSpPr>
@@ -4692,7 +5002,7 @@
       </p:sp>
       <p:sp>
         <p:nvSpPr>
-          <p:cNvPr id="75779" name="Rectangle 2"/>
+          <p:cNvPr id="64515" name="Rectangle 2"/>
           <p:cNvSpPr>
             <a:spLocks noGrp="1" noRot="1" noChangeAspect="1" noChangeArrowheads="1" noTextEdit="1"/>
           </p:cNvSpPr>
@@ -4718,7 +5028,7 @@
       </p:sp>
       <p:sp>
         <p:nvSpPr>
-          <p:cNvPr id="75780" name="Rectangle 3"/>
+          <p:cNvPr id="64516" name="Rectangle 3"/>
           <p:cNvSpPr>
             <a:spLocks noGrp="1" noChangeArrowheads="1"/>
           </p:cNvSpPr>
@@ -4727,16 +5037,14 @@
           </p:nvPr>
         </p:nvSpPr>
         <p:spPr>
-          <a:noFill/>
           <a:ln w="9525"/>
         </p:spPr>
         <p:txBody>
           <a:bodyPr/>
           <a:lstStyle/>
           <a:p>
-            <a:pPr marL="0" indent="0" eaLnBrk="1" hangingPunct="1">
-              <a:buFont typeface="Calibri" pitchFamily="34" charset="0"/>
-              <a:buNone/>
+            <a:pPr eaLnBrk="1" hangingPunct="1">
+              <a:defRPr/>
             </a:pPr>
             <a:endParaRPr lang="en-US" dirty="0"/>
           </a:p>
@@ -4745,7 +5053,7 @@
     </p:spTree>
     <p:extLst>
       <p:ext uri="{BB962C8B-B14F-4D97-AF65-F5344CB8AC3E}">
-        <p14:creationId xmlns:p14="http://schemas.microsoft.com/office/powerpoint/2010/main" val="1097231052"/>
+        <p14:creationId xmlns:p14="http://schemas.microsoft.com/office/powerpoint/2010/main" val="720020646"/>
       </p:ext>
     </p:extLst>
   </p:cSld>
@@ -4864,7 +5172,7 @@
     </p:spTree>
     <p:extLst>
       <p:ext uri="{BB962C8B-B14F-4D97-AF65-F5344CB8AC3E}">
-        <p14:creationId xmlns:p14="http://schemas.microsoft.com/office/powerpoint/2010/main" val="2833486859"/>
+        <p14:creationId xmlns:p14="http://schemas.microsoft.com/office/powerpoint/2010/main" val="1097231052"/>
       </p:ext>
     </p:extLst>
   </p:cSld>
@@ -4893,7 +5201,7 @@
       </p:grpSpPr>
       <p:sp>
         <p:nvSpPr>
-          <p:cNvPr id="64514" name="Rectangle 2"/>
+          <p:cNvPr id="75778" name="Rectangle 2"/>
           <p:cNvSpPr>
             <a:spLocks noGrp="1" noChangeArrowheads="1"/>
           </p:cNvSpPr>
@@ -4930,7 +5238,7 @@
       </p:sp>
       <p:sp>
         <p:nvSpPr>
-          <p:cNvPr id="64515" name="Rectangle 2"/>
+          <p:cNvPr id="75779" name="Rectangle 2"/>
           <p:cNvSpPr>
             <a:spLocks noGrp="1" noRot="1" noChangeAspect="1" noChangeArrowheads="1" noTextEdit="1"/>
           </p:cNvSpPr>
@@ -4956,7 +5264,7 @@
       </p:sp>
       <p:sp>
         <p:nvSpPr>
-          <p:cNvPr id="64516" name="Rectangle 3"/>
+          <p:cNvPr id="75780" name="Rectangle 3"/>
           <p:cNvSpPr>
             <a:spLocks noGrp="1" noChangeArrowheads="1"/>
           </p:cNvSpPr>
@@ -4965,23 +5273,25 @@
           </p:nvPr>
         </p:nvSpPr>
         <p:spPr>
+          <a:noFill/>
           <a:ln w="9525"/>
         </p:spPr>
         <p:txBody>
           <a:bodyPr/>
           <a:lstStyle/>
           <a:p>
-            <a:pPr eaLnBrk="1" hangingPunct="1">
-              <a:defRPr/>
+            <a:pPr marL="0" indent="0" eaLnBrk="1" hangingPunct="1">
+              <a:buFont typeface="Calibri" pitchFamily="34" charset="0"/>
+              <a:buNone/>
             </a:pPr>
-            <a:endParaRPr lang="en-US"/>
+            <a:endParaRPr lang="en-US" dirty="0"/>
           </a:p>
         </p:txBody>
       </p:sp>
     </p:spTree>
     <p:extLst>
       <p:ext uri="{BB962C8B-B14F-4D97-AF65-F5344CB8AC3E}">
-        <p14:creationId xmlns:p14="http://schemas.microsoft.com/office/powerpoint/2010/main" val="363510353"/>
+        <p14:creationId xmlns:p14="http://schemas.microsoft.com/office/powerpoint/2010/main" val="2833486859"/>
       </p:ext>
     </p:extLst>
   </p:cSld>
@@ -5098,7 +5408,7 @@
     </p:spTree>
     <p:extLst>
       <p:ext uri="{BB962C8B-B14F-4D97-AF65-F5344CB8AC3E}">
-        <p14:creationId xmlns:p14="http://schemas.microsoft.com/office/powerpoint/2010/main" val="652880702"/>
+        <p14:creationId xmlns:p14="http://schemas.microsoft.com/office/powerpoint/2010/main" val="363510353"/>
       </p:ext>
     </p:extLst>
   </p:cSld>
@@ -8947,6 +9257,930 @@
 </file>
 
 <file path=ppt/slides/slide10.xml><?xml version="1.0" encoding="utf-8"?>
+<p:sld xmlns:a="http://schemas.openxmlformats.org/drawingml/2006/main" xmlns:r="http://schemas.openxmlformats.org/officeDocument/2006/relationships" xmlns:p="http://schemas.openxmlformats.org/presentationml/2006/main">
+  <p:cSld>
+    <p:spTree>
+      <p:nvGrpSpPr>
+        <p:cNvPr id="1" name=""/>
+        <p:cNvGrpSpPr/>
+        <p:nvPr/>
+      </p:nvGrpSpPr>
+      <p:grpSpPr>
+        <a:xfrm>
+          <a:off x="0" y="0"/>
+          <a:ext cx="0" cy="0"/>
+          <a:chOff x="0" y="0"/>
+          <a:chExt cx="0" cy="0"/>
+        </a:xfrm>
+      </p:grpSpPr>
+      <p:sp>
+        <p:nvSpPr>
+          <p:cNvPr id="14338" name="Rectangle 2"/>
+          <p:cNvSpPr>
+            <a:spLocks noGrp="1" noChangeArrowheads="1"/>
+          </p:cNvSpPr>
+          <p:nvPr>
+            <p:ph type="title"/>
+          </p:nvPr>
+        </p:nvSpPr>
+        <p:spPr>
+          <a:xfrm>
+            <a:off x="533400" y="381000"/>
+            <a:ext cx="8382000" cy="838200"/>
+          </a:xfrm>
+        </p:spPr>
+        <p:txBody>
+          <a:bodyPr>
+            <a:normAutofit/>
+          </a:bodyPr>
+          <a:lstStyle/>
+          <a:p>
+            <a:pPr eaLnBrk="1" hangingPunct="1"/>
+            <a:r>
+              <a:rPr lang="en-GB" sz="3600" dirty="0">
+                <a:solidFill>
+                  <a:srgbClr val="0000FF"/>
+                </a:solidFill>
+              </a:rPr>
+              <a:t>Boolean Values</a:t>
+            </a:r>
+          </a:p>
+        </p:txBody>
+      </p:sp>
+      <p:sp>
+        <p:nvSpPr>
+          <p:cNvPr id="49" name="Rectangle 3"/>
+          <p:cNvSpPr txBox="1">
+            <a:spLocks noChangeArrowheads="1"/>
+          </p:cNvSpPr>
+          <p:nvPr/>
+        </p:nvSpPr>
+        <p:spPr>
+          <a:xfrm>
+            <a:off x="352425" y="1248509"/>
+            <a:ext cx="8397875" cy="4958860"/>
+          </a:xfrm>
+          <a:prstGeom prst="rect">
+            <a:avLst/>
+          </a:prstGeom>
+        </p:spPr>
+        <p:txBody>
+          <a:bodyPr vert="horz" lIns="91440" tIns="45720" rIns="91440" bIns="45720" rtlCol="0">
+            <a:normAutofit/>
+          </a:bodyPr>
+          <a:lstStyle>
+            <a:lvl1pPr marL="182880" indent="-182880" algn="l" defTabSz="914400" rtl="0" eaLnBrk="1" latinLnBrk="0" hangingPunct="1">
+              <a:spcBef>
+                <a:spcPct val="20000"/>
+              </a:spcBef>
+              <a:buClr>
+                <a:schemeClr val="accent1"/>
+              </a:buClr>
+              <a:buSzPct val="85000"/>
+              <a:buFont typeface="Arial" pitchFamily="34" charset="0"/>
+              <a:buChar char="•"/>
+              <a:defRPr sz="2400" kern="1200">
+                <a:solidFill>
+                  <a:schemeClr val="tx1"/>
+                </a:solidFill>
+                <a:latin typeface="+mn-lt"/>
+                <a:ea typeface="+mn-ea"/>
+                <a:cs typeface="+mn-cs"/>
+              </a:defRPr>
+            </a:lvl1pPr>
+            <a:lvl2pPr marL="457200" indent="-182880" algn="l" defTabSz="914400" rtl="0" eaLnBrk="1" latinLnBrk="0" hangingPunct="1">
+              <a:spcBef>
+                <a:spcPct val="20000"/>
+              </a:spcBef>
+              <a:buClr>
+                <a:schemeClr val="accent1"/>
+              </a:buClr>
+              <a:buSzPct val="85000"/>
+              <a:buFont typeface="Arial" pitchFamily="34" charset="0"/>
+              <a:buChar char="•"/>
+              <a:defRPr sz="2000" kern="1200">
+                <a:solidFill>
+                  <a:schemeClr val="tx1"/>
+                </a:solidFill>
+                <a:latin typeface="+mn-lt"/>
+                <a:ea typeface="+mn-ea"/>
+                <a:cs typeface="+mn-cs"/>
+              </a:defRPr>
+            </a:lvl2pPr>
+            <a:lvl3pPr marL="731520" indent="-182880" algn="l" defTabSz="914400" rtl="0" eaLnBrk="1" latinLnBrk="0" hangingPunct="1">
+              <a:spcBef>
+                <a:spcPct val="20000"/>
+              </a:spcBef>
+              <a:buClr>
+                <a:schemeClr val="accent1"/>
+              </a:buClr>
+              <a:buSzPct val="90000"/>
+              <a:buFont typeface="Arial" pitchFamily="34" charset="0"/>
+              <a:buChar char="•"/>
+              <a:defRPr sz="1800" kern="1200">
+                <a:solidFill>
+                  <a:schemeClr val="tx1"/>
+                </a:solidFill>
+                <a:latin typeface="+mn-lt"/>
+                <a:ea typeface="+mn-ea"/>
+                <a:cs typeface="+mn-cs"/>
+              </a:defRPr>
+            </a:lvl3pPr>
+            <a:lvl4pPr marL="1005840" indent="-182880" algn="l" defTabSz="914400" rtl="0" eaLnBrk="1" latinLnBrk="0" hangingPunct="1">
+              <a:spcBef>
+                <a:spcPct val="20000"/>
+              </a:spcBef>
+              <a:buClr>
+                <a:schemeClr val="accent1"/>
+              </a:buClr>
+              <a:buFont typeface="Arial" pitchFamily="34" charset="0"/>
+              <a:buChar char="•"/>
+              <a:defRPr sz="1600" kern="1200">
+                <a:solidFill>
+                  <a:schemeClr val="tx1"/>
+                </a:solidFill>
+                <a:latin typeface="+mn-lt"/>
+                <a:ea typeface="+mn-ea"/>
+                <a:cs typeface="+mn-cs"/>
+              </a:defRPr>
+            </a:lvl4pPr>
+            <a:lvl5pPr marL="1188720" indent="-137160" algn="l" defTabSz="914400" rtl="0" eaLnBrk="1" latinLnBrk="0" hangingPunct="1">
+              <a:spcBef>
+                <a:spcPct val="20000"/>
+              </a:spcBef>
+              <a:buClr>
+                <a:schemeClr val="accent1"/>
+              </a:buClr>
+              <a:buSzPct val="100000"/>
+              <a:buFont typeface="Arial" pitchFamily="34" charset="0"/>
+              <a:buChar char="•"/>
+              <a:defRPr sz="1400" kern="1200" baseline="0">
+                <a:solidFill>
+                  <a:schemeClr val="tx1"/>
+                </a:solidFill>
+                <a:latin typeface="+mn-lt"/>
+                <a:ea typeface="+mn-ea"/>
+                <a:cs typeface="+mn-cs"/>
+              </a:defRPr>
+            </a:lvl5pPr>
+            <a:lvl6pPr marL="1371600" indent="-182880" algn="l" defTabSz="914400" rtl="0" eaLnBrk="1" latinLnBrk="0" hangingPunct="1">
+              <a:spcBef>
+                <a:spcPct val="20000"/>
+              </a:spcBef>
+              <a:buClr>
+                <a:schemeClr val="accent1"/>
+              </a:buClr>
+              <a:buFont typeface="Arial" pitchFamily="34" charset="0"/>
+              <a:buChar char="•"/>
+              <a:defRPr sz="1300" kern="1200">
+                <a:solidFill>
+                  <a:schemeClr val="tx1"/>
+                </a:solidFill>
+                <a:latin typeface="+mn-lt"/>
+                <a:ea typeface="+mn-ea"/>
+                <a:cs typeface="+mn-cs"/>
+              </a:defRPr>
+            </a:lvl6pPr>
+            <a:lvl7pPr marL="1554480" indent="-182880" algn="l" defTabSz="914400" rtl="0" eaLnBrk="1" latinLnBrk="0" hangingPunct="1">
+              <a:spcBef>
+                <a:spcPct val="20000"/>
+              </a:spcBef>
+              <a:buClr>
+                <a:schemeClr val="accent1"/>
+              </a:buClr>
+              <a:buFont typeface="Arial" pitchFamily="34" charset="0"/>
+              <a:buChar char="•"/>
+              <a:defRPr sz="1300" kern="1200">
+                <a:solidFill>
+                  <a:schemeClr val="tx1"/>
+                </a:solidFill>
+                <a:latin typeface="+mn-lt"/>
+                <a:ea typeface="+mn-ea"/>
+                <a:cs typeface="+mn-cs"/>
+              </a:defRPr>
+            </a:lvl7pPr>
+            <a:lvl8pPr marL="1737360" indent="-182880" algn="l" defTabSz="914400" rtl="0" eaLnBrk="1" latinLnBrk="0" hangingPunct="1">
+              <a:spcBef>
+                <a:spcPct val="20000"/>
+              </a:spcBef>
+              <a:buClr>
+                <a:schemeClr val="accent1"/>
+              </a:buClr>
+              <a:buFont typeface="Arial" pitchFamily="34" charset="0"/>
+              <a:buChar char="•"/>
+              <a:defRPr sz="1300" kern="1200">
+                <a:solidFill>
+                  <a:schemeClr val="tx1"/>
+                </a:solidFill>
+                <a:latin typeface="+mn-lt"/>
+                <a:ea typeface="+mn-ea"/>
+                <a:cs typeface="+mn-cs"/>
+              </a:defRPr>
+            </a:lvl8pPr>
+            <a:lvl9pPr marL="1920240" indent="-182880" algn="l" defTabSz="914400" rtl="0" eaLnBrk="1" latinLnBrk="0" hangingPunct="1">
+              <a:spcBef>
+                <a:spcPct val="20000"/>
+              </a:spcBef>
+              <a:buClr>
+                <a:schemeClr val="accent1"/>
+              </a:buClr>
+              <a:buFont typeface="Arial" pitchFamily="34" charset="0"/>
+              <a:buChar char="•"/>
+              <a:defRPr sz="1300" kern="1200">
+                <a:solidFill>
+                  <a:schemeClr val="tx1"/>
+                </a:solidFill>
+                <a:latin typeface="+mn-lt"/>
+                <a:ea typeface="+mn-ea"/>
+                <a:cs typeface="+mn-cs"/>
+              </a:defRPr>
+            </a:lvl9pPr>
+          </a:lstStyle>
+          <a:p>
+            <a:pPr marL="352425" indent="-352425" fontAlgn="auto">
+              <a:spcBef>
+                <a:spcPts val="600"/>
+              </a:spcBef>
+              <a:spcAft>
+                <a:spcPts val="0"/>
+              </a:spcAft>
+              <a:buClr>
+                <a:schemeClr val="tx1">
+                  <a:lumMod val="90000"/>
+                  <a:lumOff val="10000"/>
+                </a:schemeClr>
+              </a:buClr>
+              <a:buSzPct val="100000"/>
+              <a:buFont typeface="Wingdings" panose="05000000000000000000" pitchFamily="2" charset="2"/>
+              <a:buChar char="§"/>
+            </a:pPr>
+            <a:r>
+              <a:rPr lang="en-US" dirty="0"/>
+              <a:t>Data type: </a:t>
+            </a:r>
+            <a:r>
+              <a:rPr lang="en-US" dirty="0">
+                <a:solidFill>
+                  <a:srgbClr val="0000FF"/>
+                </a:solidFill>
+              </a:rPr>
+              <a:t>bool </a:t>
+            </a:r>
+            <a:r>
+              <a:rPr lang="en-US" dirty="0"/>
+              <a:t>(requires </a:t>
+            </a:r>
+            <a:r>
+              <a:rPr lang="en-US" dirty="0" err="1"/>
+              <a:t>stdbool.h</a:t>
+            </a:r>
+            <a:r>
+              <a:rPr lang="en-US" dirty="0"/>
+              <a:t>)</a:t>
+            </a:r>
+          </a:p>
+          <a:p>
+            <a:pPr marL="0" indent="0" fontAlgn="auto">
+              <a:spcBef>
+                <a:spcPts val="600"/>
+              </a:spcBef>
+              <a:spcAft>
+                <a:spcPts val="0"/>
+              </a:spcAft>
+              <a:buClr>
+                <a:schemeClr val="tx1">
+                  <a:lumMod val="90000"/>
+                  <a:lumOff val="10000"/>
+                </a:schemeClr>
+              </a:buClr>
+              <a:buSzPct val="100000"/>
+              <a:buNone/>
+            </a:pPr>
+            <a:endParaRPr lang="en-US" dirty="0"/>
+          </a:p>
+        </p:txBody>
+      </p:sp>
+      <p:sp>
+        <p:nvSpPr>
+          <p:cNvPr id="9" name="TextBox 8">
+            <a:extLst>
+              <a:ext uri="{FF2B5EF4-FFF2-40B4-BE49-F238E27FC236}">
+                <a16:creationId xmlns:a16="http://schemas.microsoft.com/office/drawing/2014/main" id="{35649340-5AB4-4CED-B84B-66D13E8E2455}"/>
+              </a:ext>
+            </a:extLst>
+          </p:cNvPr>
+          <p:cNvSpPr txBox="1"/>
+          <p:nvPr/>
+        </p:nvSpPr>
+        <p:spPr>
+          <a:xfrm>
+            <a:off x="828675" y="1824460"/>
+            <a:ext cx="7791450" cy="4801314"/>
+          </a:xfrm>
+          <a:prstGeom prst="rect">
+            <a:avLst/>
+          </a:prstGeom>
+        </p:spPr>
+        <p:style>
+          <a:lnRef idx="2">
+            <a:schemeClr val="accent6"/>
+          </a:lnRef>
+          <a:fillRef idx="1">
+            <a:schemeClr val="lt1"/>
+          </a:fillRef>
+          <a:effectRef idx="0">
+            <a:schemeClr val="accent6"/>
+          </a:effectRef>
+          <a:fontRef idx="minor">
+            <a:schemeClr val="dk1"/>
+          </a:fontRef>
+        </p:style>
+        <p:txBody>
+          <a:bodyPr wrap="square">
+            <a:spAutoFit/>
+          </a:bodyPr>
+          <a:lstStyle/>
+          <a:p>
+            <a:pPr>
+              <a:defRPr/>
+            </a:pPr>
+            <a:r>
+              <a:rPr lang="en-US" b="1" dirty="0">
+                <a:solidFill>
+                  <a:schemeClr val="tx1"/>
+                </a:solidFill>
+                <a:latin typeface="Courier New" pitchFamily="49" charset="0"/>
+                <a:cs typeface="Courier New" pitchFamily="49" charset="0"/>
+              </a:rPr>
+              <a:t>…</a:t>
+            </a:r>
+          </a:p>
+          <a:p>
+            <a:pPr>
+              <a:defRPr/>
+            </a:pPr>
+            <a:r>
+              <a:rPr lang="en-US" b="1" dirty="0">
+                <a:solidFill>
+                  <a:srgbClr val="0000FF"/>
+                </a:solidFill>
+                <a:latin typeface="Courier New" pitchFamily="49" charset="0"/>
+                <a:cs typeface="Courier New" pitchFamily="49" charset="0"/>
+              </a:rPr>
+              <a:t>int</a:t>
+            </a:r>
+            <a:r>
+              <a:rPr lang="en-US" b="1" dirty="0">
+                <a:solidFill>
+                  <a:schemeClr val="tx1"/>
+                </a:solidFill>
+                <a:latin typeface="Courier New" pitchFamily="49" charset="0"/>
+                <a:cs typeface="Courier New" pitchFamily="49" charset="0"/>
+              </a:rPr>
+              <a:t> main(){</a:t>
+            </a:r>
+          </a:p>
+          <a:p>
+            <a:pPr>
+              <a:defRPr/>
+            </a:pPr>
+            <a:r>
+              <a:rPr lang="en-US" b="1" dirty="0">
+                <a:solidFill>
+                  <a:schemeClr val="tx1"/>
+                </a:solidFill>
+                <a:latin typeface="Courier New" pitchFamily="49" charset="0"/>
+                <a:cs typeface="Courier New" pitchFamily="49" charset="0"/>
+              </a:rPr>
+              <a:t>…</a:t>
+            </a:r>
+            <a:endParaRPr lang="en-US" b="1" dirty="0">
+              <a:solidFill>
+                <a:srgbClr val="0000FF"/>
+              </a:solidFill>
+              <a:latin typeface="Courier New" pitchFamily="49" charset="0"/>
+              <a:cs typeface="Courier New" pitchFamily="49" charset="0"/>
+            </a:endParaRPr>
+          </a:p>
+          <a:p>
+            <a:pPr>
+              <a:defRPr/>
+            </a:pPr>
+            <a:r>
+              <a:rPr lang="en-US" b="1" dirty="0">
+                <a:solidFill>
+                  <a:srgbClr val="0000FF"/>
+                </a:solidFill>
+                <a:latin typeface="Courier New" pitchFamily="49" charset="0"/>
+                <a:cs typeface="Courier New" pitchFamily="49" charset="0"/>
+              </a:rPr>
+              <a:t>  if</a:t>
+            </a:r>
+            <a:r>
+              <a:rPr lang="en-US" b="1" dirty="0">
+                <a:solidFill>
+                  <a:schemeClr val="tx1"/>
+                </a:solidFill>
+                <a:latin typeface="Courier New" pitchFamily="49" charset="0"/>
+                <a:cs typeface="Courier New" pitchFamily="49" charset="0"/>
+              </a:rPr>
+              <a:t> (</a:t>
+            </a:r>
+            <a:r>
+              <a:rPr lang="en-US" b="1" dirty="0" err="1">
+                <a:solidFill>
+                  <a:schemeClr val="tx1"/>
+                </a:solidFill>
+                <a:latin typeface="Courier New" pitchFamily="49" charset="0"/>
+                <a:cs typeface="Courier New" pitchFamily="49" charset="0"/>
+              </a:rPr>
+              <a:t>is_diff</a:t>
+            </a:r>
+            <a:r>
+              <a:rPr lang="en-US" b="1" dirty="0">
+                <a:solidFill>
+                  <a:schemeClr val="tx1"/>
+                </a:solidFill>
+                <a:latin typeface="Courier New" pitchFamily="49" charset="0"/>
+                <a:cs typeface="Courier New" pitchFamily="49" charset="0"/>
+              </a:rPr>
+              <a:t>(x, y)) {</a:t>
+            </a:r>
+          </a:p>
+          <a:p>
+            <a:pPr>
+              <a:defRPr/>
+            </a:pPr>
+            <a:r>
+              <a:rPr lang="en-US" b="1" dirty="0">
+                <a:solidFill>
+                  <a:schemeClr val="tx1"/>
+                </a:solidFill>
+                <a:latin typeface="Courier New" pitchFamily="49" charset="0"/>
+                <a:cs typeface="Courier New" pitchFamily="49" charset="0"/>
+              </a:rPr>
+              <a:t>    cs1010_println_string(</a:t>
+            </a:r>
+            <a:r>
+              <a:rPr lang="en-US" b="1" dirty="0">
+                <a:solidFill>
+                  <a:srgbClr val="006600"/>
+                </a:solidFill>
+                <a:latin typeface="Courier New" pitchFamily="49" charset="0"/>
+                <a:cs typeface="Courier New" pitchFamily="49" charset="0"/>
+              </a:rPr>
+              <a:t>"x and y</a:t>
+            </a:r>
+            <a:r>
+              <a:rPr lang="en-US" b="1" dirty="0">
+                <a:solidFill>
+                  <a:schemeClr val="tx1"/>
+                </a:solidFill>
+                <a:latin typeface="Courier New" pitchFamily="49" charset="0"/>
+                <a:cs typeface="Courier New" pitchFamily="49" charset="0"/>
+              </a:rPr>
+              <a:t> </a:t>
+            </a:r>
+            <a:br>
+              <a:rPr lang="en-US" b="1" dirty="0">
+                <a:solidFill>
+                  <a:schemeClr val="tx1"/>
+                </a:solidFill>
+                <a:latin typeface="Courier New" pitchFamily="49" charset="0"/>
+                <a:cs typeface="Courier New" pitchFamily="49" charset="0"/>
+              </a:rPr>
+            </a:br>
+            <a:r>
+              <a:rPr lang="en-US" b="1" dirty="0">
+                <a:solidFill>
+                  <a:schemeClr val="tx1"/>
+                </a:solidFill>
+                <a:latin typeface="Courier New" pitchFamily="49" charset="0"/>
+                <a:cs typeface="Courier New" pitchFamily="49" charset="0"/>
+              </a:rPr>
+              <a:t>                         </a:t>
+            </a:r>
+            <a:r>
+              <a:rPr lang="en-US" b="1" dirty="0">
+                <a:solidFill>
+                  <a:srgbClr val="006600"/>
+                </a:solidFill>
+                <a:latin typeface="Courier New" pitchFamily="49" charset="0"/>
+                <a:cs typeface="Courier New" pitchFamily="49" charset="0"/>
+              </a:rPr>
+              <a:t>store different values."</a:t>
+            </a:r>
+            <a:r>
+              <a:rPr lang="en-US" b="1" dirty="0">
+                <a:solidFill>
+                  <a:schemeClr val="tx1"/>
+                </a:solidFill>
+                <a:latin typeface="Courier New" pitchFamily="49" charset="0"/>
+                <a:cs typeface="Courier New" pitchFamily="49" charset="0"/>
+              </a:rPr>
+              <a:t>);</a:t>
+            </a:r>
+          </a:p>
+          <a:p>
+            <a:pPr>
+              <a:defRPr/>
+            </a:pPr>
+            <a:r>
+              <a:rPr lang="en-US" b="1" dirty="0">
+                <a:solidFill>
+                  <a:schemeClr val="tx1"/>
+                </a:solidFill>
+                <a:latin typeface="Courier New" pitchFamily="49" charset="0"/>
+                <a:cs typeface="Courier New" pitchFamily="49" charset="0"/>
+              </a:rPr>
+              <a:t>  } </a:t>
+            </a:r>
+            <a:r>
+              <a:rPr lang="en-US" b="1" dirty="0">
+                <a:solidFill>
+                  <a:srgbClr val="0000FF"/>
+                </a:solidFill>
+                <a:latin typeface="Courier New" pitchFamily="49" charset="0"/>
+                <a:cs typeface="Courier New" pitchFamily="49" charset="0"/>
+              </a:rPr>
+              <a:t>else</a:t>
+            </a:r>
+            <a:r>
+              <a:rPr lang="en-US" b="1" dirty="0">
+                <a:solidFill>
+                  <a:schemeClr val="tx1"/>
+                </a:solidFill>
+                <a:latin typeface="Courier New" pitchFamily="49" charset="0"/>
+                <a:cs typeface="Courier New" pitchFamily="49" charset="0"/>
+              </a:rPr>
+              <a:t> {</a:t>
+            </a:r>
+          </a:p>
+          <a:p>
+            <a:pPr>
+              <a:defRPr/>
+            </a:pPr>
+            <a:r>
+              <a:rPr lang="en-US" b="1" dirty="0">
+                <a:solidFill>
+                  <a:schemeClr val="tx1"/>
+                </a:solidFill>
+                <a:latin typeface="Courier New" pitchFamily="49" charset="0"/>
+                <a:cs typeface="Courier New" pitchFamily="49" charset="0"/>
+              </a:rPr>
+              <a:t>    cs1010_println_string(</a:t>
+            </a:r>
+            <a:r>
+              <a:rPr lang="en-US" b="1" dirty="0">
+                <a:solidFill>
+                  <a:srgbClr val="006600"/>
+                </a:solidFill>
+                <a:latin typeface="Courier New" pitchFamily="49" charset="0"/>
+                <a:cs typeface="Courier New" pitchFamily="49" charset="0"/>
+              </a:rPr>
+              <a:t>"x and y </a:t>
+            </a:r>
+            <a:br>
+              <a:rPr lang="en-US" b="1" dirty="0">
+                <a:solidFill>
+                  <a:schemeClr val="tx1"/>
+                </a:solidFill>
+                <a:latin typeface="Courier New" pitchFamily="49" charset="0"/>
+                <a:cs typeface="Courier New" pitchFamily="49" charset="0"/>
+              </a:rPr>
+            </a:br>
+            <a:r>
+              <a:rPr lang="en-US" b="1" dirty="0">
+                <a:solidFill>
+                  <a:schemeClr val="tx1"/>
+                </a:solidFill>
+                <a:latin typeface="Courier New" pitchFamily="49" charset="0"/>
+                <a:cs typeface="Courier New" pitchFamily="49" charset="0"/>
+              </a:rPr>
+              <a:t>                         </a:t>
+            </a:r>
+            <a:r>
+              <a:rPr lang="en-US" b="1" dirty="0">
+                <a:solidFill>
+                  <a:srgbClr val="006600"/>
+                </a:solidFill>
+                <a:latin typeface="Courier New" pitchFamily="49" charset="0"/>
+                <a:cs typeface="Courier New" pitchFamily="49" charset="0"/>
+              </a:rPr>
+              <a:t>store the same value."</a:t>
+            </a:r>
+            <a:r>
+              <a:rPr lang="en-US" b="1" dirty="0">
+                <a:solidFill>
+                  <a:schemeClr val="tx1"/>
+                </a:solidFill>
+                <a:latin typeface="Courier New" pitchFamily="49" charset="0"/>
+                <a:cs typeface="Courier New" pitchFamily="49" charset="0"/>
+              </a:rPr>
+              <a:t>);</a:t>
+            </a:r>
+          </a:p>
+          <a:p>
+            <a:pPr>
+              <a:defRPr/>
+            </a:pPr>
+            <a:r>
+              <a:rPr lang="en-US" b="1" dirty="0">
+                <a:solidFill>
+                  <a:schemeClr val="tx1"/>
+                </a:solidFill>
+                <a:latin typeface="Courier New" pitchFamily="49" charset="0"/>
+                <a:cs typeface="Courier New" pitchFamily="49" charset="0"/>
+              </a:rPr>
+              <a:t>  }</a:t>
+            </a:r>
+          </a:p>
+          <a:p>
+            <a:pPr>
+              <a:defRPr/>
+            </a:pPr>
+            <a:r>
+              <a:rPr lang="en-US" b="1" dirty="0">
+                <a:solidFill>
+                  <a:schemeClr val="tx1"/>
+                </a:solidFill>
+                <a:latin typeface="Courier New" pitchFamily="49" charset="0"/>
+                <a:cs typeface="Courier New" pitchFamily="49" charset="0"/>
+              </a:rPr>
+              <a:t>…</a:t>
+            </a:r>
+            <a:endParaRPr lang="en-SG" b="1" dirty="0">
+              <a:solidFill>
+                <a:schemeClr val="tx1"/>
+              </a:solidFill>
+              <a:latin typeface="Courier New" pitchFamily="49" charset="0"/>
+              <a:cs typeface="Courier New" pitchFamily="49" charset="0"/>
+            </a:endParaRPr>
+          </a:p>
+          <a:p>
+            <a:pPr>
+              <a:defRPr/>
+            </a:pPr>
+            <a:r>
+              <a:rPr lang="en-US" b="1" dirty="0">
+                <a:solidFill>
+                  <a:schemeClr val="tx1"/>
+                </a:solidFill>
+                <a:latin typeface="Courier New" pitchFamily="49" charset="0"/>
+                <a:cs typeface="Courier New" pitchFamily="49" charset="0"/>
+              </a:rPr>
+              <a:t>}</a:t>
+            </a:r>
+          </a:p>
+          <a:p>
+            <a:pPr>
+              <a:defRPr/>
+            </a:pPr>
+            <a:endParaRPr lang="en-US" b="1" dirty="0">
+              <a:solidFill>
+                <a:schemeClr val="tx1"/>
+              </a:solidFill>
+              <a:latin typeface="Courier New" pitchFamily="49" charset="0"/>
+              <a:cs typeface="Courier New" pitchFamily="49" charset="0"/>
+            </a:endParaRPr>
+          </a:p>
+          <a:p>
+            <a:pPr>
+              <a:defRPr/>
+            </a:pPr>
+            <a:r>
+              <a:rPr lang="en-US" b="1" dirty="0">
+                <a:solidFill>
+                  <a:srgbClr val="0000FF"/>
+                </a:solidFill>
+                <a:latin typeface="Courier New" pitchFamily="49" charset="0"/>
+                <a:cs typeface="Courier New" pitchFamily="49" charset="0"/>
+              </a:rPr>
+              <a:t>bool </a:t>
+            </a:r>
+            <a:r>
+              <a:rPr lang="en-US" b="1" dirty="0" err="1">
+                <a:solidFill>
+                  <a:schemeClr val="tx1"/>
+                </a:solidFill>
+                <a:latin typeface="Courier New" pitchFamily="49" charset="0"/>
+                <a:cs typeface="Courier New" pitchFamily="49" charset="0"/>
+              </a:rPr>
+              <a:t>is_diff</a:t>
+            </a:r>
+            <a:r>
+              <a:rPr lang="en-US" b="1" dirty="0">
+                <a:solidFill>
+                  <a:schemeClr val="tx1"/>
+                </a:solidFill>
+                <a:latin typeface="Courier New" pitchFamily="49" charset="0"/>
+                <a:cs typeface="Courier New" pitchFamily="49" charset="0"/>
+              </a:rPr>
+              <a:t>(</a:t>
+            </a:r>
+            <a:r>
+              <a:rPr lang="en-US" b="1" dirty="0">
+                <a:solidFill>
+                  <a:srgbClr val="0000FF"/>
+                </a:solidFill>
+                <a:latin typeface="Courier New" pitchFamily="49" charset="0"/>
+                <a:cs typeface="Courier New" pitchFamily="49" charset="0"/>
+              </a:rPr>
+              <a:t>long</a:t>
+            </a:r>
+            <a:r>
+              <a:rPr lang="en-US" b="1" dirty="0">
+                <a:solidFill>
+                  <a:schemeClr val="tx1"/>
+                </a:solidFill>
+                <a:latin typeface="Courier New" pitchFamily="49" charset="0"/>
+                <a:cs typeface="Courier New" pitchFamily="49" charset="0"/>
+              </a:rPr>
+              <a:t> x, </a:t>
+            </a:r>
+            <a:r>
+              <a:rPr lang="en-US" b="1" dirty="0">
+                <a:solidFill>
+                  <a:srgbClr val="0000FF"/>
+                </a:solidFill>
+                <a:latin typeface="Courier New" pitchFamily="49" charset="0"/>
+                <a:cs typeface="Courier New" pitchFamily="49" charset="0"/>
+              </a:rPr>
+              <a:t>long </a:t>
+            </a:r>
+            <a:r>
+              <a:rPr lang="en-US" b="1" dirty="0">
+                <a:solidFill>
+                  <a:schemeClr val="tx1"/>
+                </a:solidFill>
+                <a:latin typeface="Courier New" pitchFamily="49" charset="0"/>
+                <a:cs typeface="Courier New" pitchFamily="49" charset="0"/>
+              </a:rPr>
+              <a:t>y)</a:t>
+            </a:r>
+          </a:p>
+          <a:p>
+            <a:pPr>
+              <a:defRPr/>
+            </a:pPr>
+            <a:r>
+              <a:rPr lang="en-US" b="1" dirty="0">
+                <a:solidFill>
+                  <a:schemeClr val="tx1"/>
+                </a:solidFill>
+                <a:latin typeface="Courier New" pitchFamily="49" charset="0"/>
+                <a:cs typeface="Courier New" pitchFamily="49" charset="0"/>
+              </a:rPr>
+              <a:t>{</a:t>
+            </a:r>
+            <a:endParaRPr lang="en-US" b="1" dirty="0">
+              <a:solidFill>
+                <a:srgbClr val="0000FF"/>
+              </a:solidFill>
+              <a:latin typeface="Courier New" pitchFamily="49" charset="0"/>
+              <a:cs typeface="Courier New" pitchFamily="49" charset="0"/>
+            </a:endParaRPr>
+          </a:p>
+          <a:p>
+            <a:pPr>
+              <a:defRPr/>
+            </a:pPr>
+            <a:r>
+              <a:rPr lang="en-US" b="1" dirty="0">
+                <a:solidFill>
+                  <a:schemeClr val="tx1"/>
+                </a:solidFill>
+                <a:latin typeface="Courier New" pitchFamily="49" charset="0"/>
+                <a:cs typeface="Courier New" pitchFamily="49" charset="0"/>
+              </a:rPr>
+              <a:t>  </a:t>
+            </a:r>
+            <a:r>
+              <a:rPr lang="en-US" b="1" dirty="0">
+                <a:solidFill>
+                  <a:srgbClr val="0000FF"/>
+                </a:solidFill>
+                <a:latin typeface="Courier New" pitchFamily="49" charset="0"/>
+                <a:cs typeface="Courier New" pitchFamily="49" charset="0"/>
+              </a:rPr>
+              <a:t>return</a:t>
+            </a:r>
+            <a:r>
+              <a:rPr lang="en-US" b="1" dirty="0">
+                <a:solidFill>
+                  <a:schemeClr val="tx1"/>
+                </a:solidFill>
+                <a:latin typeface="Courier New" pitchFamily="49" charset="0"/>
+                <a:cs typeface="Courier New" pitchFamily="49" charset="0"/>
+              </a:rPr>
+              <a:t> x!=y;</a:t>
+            </a:r>
+          </a:p>
+          <a:p>
+            <a:pPr>
+              <a:defRPr/>
+            </a:pPr>
+            <a:r>
+              <a:rPr lang="en-US" b="1" dirty="0">
+                <a:solidFill>
+                  <a:schemeClr val="tx1"/>
+                </a:solidFill>
+                <a:latin typeface="Courier New" pitchFamily="49" charset="0"/>
+                <a:cs typeface="Courier New" pitchFamily="49" charset="0"/>
+              </a:rPr>
+              <a:t>}</a:t>
+            </a:r>
+          </a:p>
+        </p:txBody>
+      </p:sp>
+      <p:sp>
+        <p:nvSpPr>
+          <p:cNvPr id="2" name="Footer Placeholder 1">
+            <a:extLst>
+              <a:ext uri="{FF2B5EF4-FFF2-40B4-BE49-F238E27FC236}">
+                <a16:creationId xmlns:a16="http://schemas.microsoft.com/office/drawing/2014/main" id="{63F77482-CA98-717B-C2F3-F6C4FC7D03CB}"/>
+              </a:ext>
+            </a:extLst>
+          </p:cNvPr>
+          <p:cNvSpPr>
+            <a:spLocks noGrp="1"/>
+          </p:cNvSpPr>
+          <p:nvPr>
+            <p:ph type="ftr" sz="quarter" idx="11"/>
+          </p:nvPr>
+        </p:nvSpPr>
+        <p:spPr/>
+        <p:txBody>
+          <a:bodyPr/>
+          <a:lstStyle/>
+          <a:p>
+            <a:pPr algn="l">
+              <a:defRPr/>
+            </a:pPr>
+            <a:r>
+              <a:rPr lang="en-US"/>
+              <a:t>CS1010 (AY2023/24 Semester 2)</a:t>
+            </a:r>
+            <a:endParaRPr lang="en-US" dirty="0"/>
+          </a:p>
+        </p:txBody>
+      </p:sp>
+      <p:sp>
+        <p:nvSpPr>
+          <p:cNvPr id="3" name="Slide Number Placeholder 2">
+            <a:extLst>
+              <a:ext uri="{FF2B5EF4-FFF2-40B4-BE49-F238E27FC236}">
+                <a16:creationId xmlns:a16="http://schemas.microsoft.com/office/drawing/2014/main" id="{F9FD9C48-FB96-7EF9-D842-AB2B4A91AC53}"/>
+              </a:ext>
+            </a:extLst>
+          </p:cNvPr>
+          <p:cNvSpPr>
+            <a:spLocks noGrp="1"/>
+          </p:cNvSpPr>
+          <p:nvPr>
+            <p:ph type="sldNum" sz="quarter" idx="12"/>
+          </p:nvPr>
+        </p:nvSpPr>
+        <p:spPr/>
+        <p:txBody>
+          <a:bodyPr/>
+          <a:lstStyle/>
+          <a:p>
+            <a:pPr>
+              <a:defRPr/>
+            </a:pPr>
+            <a:r>
+              <a:rPr lang="en-US" dirty="0"/>
+              <a:t>Week4R - </a:t>
+            </a:r>
+            <a:fld id="{2E4790E1-2590-4AEE-892D-AB46A7688113}" type="slidenum">
+              <a:rPr lang="en-US" smtClean="0"/>
+              <a:pPr>
+                <a:defRPr/>
+              </a:pPr>
+              <a:t>10</a:t>
+            </a:fld>
+            <a:endParaRPr lang="en-US" dirty="0"/>
+          </a:p>
+        </p:txBody>
+      </p:sp>
+    </p:spTree>
+    <p:extLst>
+      <p:ext uri="{BB962C8B-B14F-4D97-AF65-F5344CB8AC3E}">
+        <p14:creationId xmlns:p14="http://schemas.microsoft.com/office/powerpoint/2010/main" val="827193018"/>
+      </p:ext>
+    </p:extLst>
+  </p:cSld>
+  <p:clrMapOvr>
+    <a:masterClrMapping/>
+  </p:clrMapOvr>
+  <p:transition>
+    <p:fade/>
+  </p:transition>
+</p:sld>
+</file>
+
+<file path=ppt/slides/slide11.xml><?xml version="1.0" encoding="utf-8"?>
 <p:sld xmlns:a="http://schemas.openxmlformats.org/drawingml/2006/main" xmlns:r="http://schemas.openxmlformats.org/officeDocument/2006/relationships" xmlns:p="http://schemas.openxmlformats.org/presentationml/2006/main">
   <p:cSld>
     <p:spTree>
@@ -12262,7 +13496,7 @@
               <a:pPr>
                 <a:defRPr/>
               </a:pPr>
-              <a:t>10</a:t>
+              <a:t>11</a:t>
             </a:fld>
             <a:endParaRPr lang="en-US" sz="1100" dirty="0"/>
           </a:p>
@@ -12284,7 +13518,7 @@
 </p:sld>
 </file>
 
-<file path=ppt/slides/slide11.xml><?xml version="1.0" encoding="utf-8"?>
+<file path=ppt/slides/slide12.xml><?xml version="1.0" encoding="utf-8"?>
 <p:sld xmlns:a="http://schemas.openxmlformats.org/drawingml/2006/main" xmlns:r="http://schemas.openxmlformats.org/officeDocument/2006/relationships" xmlns:p="http://schemas.openxmlformats.org/presentationml/2006/main">
   <p:cSld>
     <p:spTree>
@@ -13852,7 +15086,7 @@
               <a:pPr>
                 <a:defRPr/>
               </a:pPr>
-              <a:t>11</a:t>
+              <a:t>12</a:t>
             </a:fld>
             <a:endParaRPr lang="en-US" sz="1100" dirty="0"/>
           </a:p>
@@ -13963,7 +15197,7 @@
 </p:sld>
 </file>
 
-<file path=ppt/slides/slide12.xml><?xml version="1.0" encoding="utf-8"?>
+<file path=ppt/slides/slide13.xml><?xml version="1.0" encoding="utf-8"?>
 <p:sld xmlns:a="http://schemas.openxmlformats.org/drawingml/2006/main" xmlns:r="http://schemas.openxmlformats.org/officeDocument/2006/relationships" xmlns:p="http://schemas.openxmlformats.org/presentationml/2006/main">
   <p:cSld>
     <p:spTree>
@@ -14903,7 +16137,7 @@
               <a:pPr>
                 <a:defRPr/>
               </a:pPr>
-              <a:t>12</a:t>
+              <a:t>13</a:t>
             </a:fld>
             <a:endParaRPr lang="en-US" sz="1100" dirty="0"/>
           </a:p>
@@ -15016,7 +16250,7 @@
 </p:sld>
 </file>
 
-<file path=ppt/slides/slide13.xml><?xml version="1.0" encoding="utf-8"?>
+<file path=ppt/slides/slide14.xml><?xml version="1.0" encoding="utf-8"?>
 <p:sld xmlns:a="http://schemas.openxmlformats.org/drawingml/2006/main" xmlns:r="http://schemas.openxmlformats.org/officeDocument/2006/relationships" xmlns:p="http://schemas.openxmlformats.org/presentationml/2006/main">
   <p:cSld>
     <p:spTree>
@@ -15529,7 +16763,7 @@
               <a:pPr>
                 <a:defRPr/>
               </a:pPr>
-              <a:t>13</a:t>
+              <a:t>14</a:t>
             </a:fld>
             <a:endParaRPr lang="en-US" sz="1100" dirty="0"/>
           </a:p>
@@ -16613,7 +17847,7 @@
 </p:sld>
 </file>
 
-<file path=ppt/slides/slide14.xml><?xml version="1.0" encoding="utf-8"?>
+<file path=ppt/slides/slide15.xml><?xml version="1.0" encoding="utf-8"?>
 <p:sld xmlns:a="http://schemas.openxmlformats.org/drawingml/2006/main" xmlns:r="http://schemas.openxmlformats.org/officeDocument/2006/relationships" xmlns:p="http://schemas.openxmlformats.org/presentationml/2006/main">
   <p:cSld>
     <p:spTree>
@@ -16790,7 +18024,7 @@
               <a:pPr>
                 <a:defRPr/>
               </a:pPr>
-              <a:t>14</a:t>
+              <a:t>15</a:t>
             </a:fld>
             <a:endParaRPr lang="en-US" sz="1100" dirty="0"/>
           </a:p>
@@ -16813,6 +18047,531 @@
 </file>
 
 <file path=ppt/slides/slide2.xml><?xml version="1.0" encoding="utf-8"?>
+<p:sld xmlns:a="http://schemas.openxmlformats.org/drawingml/2006/main" xmlns:r="http://schemas.openxmlformats.org/officeDocument/2006/relationships" xmlns:p="http://schemas.openxmlformats.org/presentationml/2006/main">
+  <p:cSld>
+    <p:spTree>
+      <p:nvGrpSpPr>
+        <p:cNvPr id="1" name="">
+          <a:extLst>
+            <a:ext uri="{FF2B5EF4-FFF2-40B4-BE49-F238E27FC236}">
+              <a16:creationId xmlns:a16="http://schemas.microsoft.com/office/drawing/2014/main" id="{D49B251F-A0DB-25FD-A98D-19E3438C80A4}"/>
+            </a:ext>
+          </a:extLst>
+        </p:cNvPr>
+        <p:cNvGrpSpPr/>
+        <p:nvPr/>
+      </p:nvGrpSpPr>
+      <p:grpSpPr>
+        <a:xfrm>
+          <a:off x="0" y="0"/>
+          <a:ext cx="0" cy="0"/>
+          <a:chOff x="0" y="0"/>
+          <a:chExt cx="0" cy="0"/>
+        </a:xfrm>
+      </p:grpSpPr>
+      <p:sp>
+        <p:nvSpPr>
+          <p:cNvPr id="2" name="Footer Placeholder 1">
+            <a:extLst>
+              <a:ext uri="{FF2B5EF4-FFF2-40B4-BE49-F238E27FC236}">
+                <a16:creationId xmlns:a16="http://schemas.microsoft.com/office/drawing/2014/main" id="{2BF26563-71EE-34CA-C397-C70487731D14}"/>
+              </a:ext>
+            </a:extLst>
+          </p:cNvPr>
+          <p:cNvSpPr>
+            <a:spLocks noGrp="1"/>
+          </p:cNvSpPr>
+          <p:nvPr>
+            <p:ph type="ftr" sz="quarter" idx="11"/>
+          </p:nvPr>
+        </p:nvSpPr>
+        <p:spPr/>
+        <p:txBody>
+          <a:bodyPr/>
+          <a:lstStyle/>
+          <a:p>
+            <a:pPr algn="l">
+              <a:defRPr/>
+            </a:pPr>
+            <a:r>
+              <a:rPr lang="en-US"/>
+              <a:t>CS1010 (AY2023/24 Semester 2)</a:t>
+            </a:r>
+            <a:endParaRPr lang="en-US" dirty="0"/>
+          </a:p>
+        </p:txBody>
+      </p:sp>
+      <p:sp>
+        <p:nvSpPr>
+          <p:cNvPr id="3" name="Slide Number Placeholder 2">
+            <a:extLst>
+              <a:ext uri="{FF2B5EF4-FFF2-40B4-BE49-F238E27FC236}">
+                <a16:creationId xmlns:a16="http://schemas.microsoft.com/office/drawing/2014/main" id="{D1E21D08-1A42-0539-1014-AD6FA229D336}"/>
+              </a:ext>
+            </a:extLst>
+          </p:cNvPr>
+          <p:cNvSpPr>
+            <a:spLocks noGrp="1"/>
+          </p:cNvSpPr>
+          <p:nvPr>
+            <p:ph type="sldNum" sz="quarter" idx="12"/>
+          </p:nvPr>
+        </p:nvSpPr>
+        <p:spPr/>
+        <p:txBody>
+          <a:bodyPr/>
+          <a:lstStyle/>
+          <a:p>
+            <a:pPr>
+              <a:defRPr/>
+            </a:pPr>
+            <a:r>
+              <a:rPr lang="en-US" dirty="0"/>
+              <a:t>Week4R - </a:t>
+            </a:r>
+            <a:fld id="{2E4790E1-2590-4AEE-892D-AB46A7688113}" type="slidenum">
+              <a:rPr lang="en-US" smtClean="0"/>
+              <a:pPr>
+                <a:defRPr/>
+              </a:pPr>
+              <a:t>2</a:t>
+            </a:fld>
+            <a:endParaRPr lang="en-US" dirty="0"/>
+          </a:p>
+        </p:txBody>
+      </p:sp>
+      <p:sp>
+        <p:nvSpPr>
+          <p:cNvPr id="7" name="Rectangle 2">
+            <a:extLst>
+              <a:ext uri="{FF2B5EF4-FFF2-40B4-BE49-F238E27FC236}">
+                <a16:creationId xmlns:a16="http://schemas.microsoft.com/office/drawing/2014/main" id="{53C11392-7249-55B0-522A-27F530C4B339}"/>
+              </a:ext>
+            </a:extLst>
+          </p:cNvPr>
+          <p:cNvSpPr>
+            <a:spLocks noGrp="1" noChangeArrowheads="1"/>
+          </p:cNvSpPr>
+          <p:nvPr>
+            <p:ph type="title"/>
+          </p:nvPr>
+        </p:nvSpPr>
+        <p:spPr>
+          <a:xfrm>
+            <a:off x="533400" y="457200"/>
+            <a:ext cx="8153400" cy="685800"/>
+          </a:xfrm>
+        </p:spPr>
+        <p:txBody>
+          <a:bodyPr>
+            <a:normAutofit fontScale="90000"/>
+          </a:bodyPr>
+          <a:lstStyle/>
+          <a:p>
+            <a:pPr eaLnBrk="1" hangingPunct="1"/>
+            <a:r>
+              <a:rPr lang="en-GB" sz="4000" dirty="0">
+                <a:solidFill>
+                  <a:srgbClr val="0000FF"/>
+                </a:solidFill>
+              </a:rPr>
+              <a:t>Recall: Control structures</a:t>
+            </a:r>
+            <a:endParaRPr lang="en-GB" dirty="0">
+              <a:solidFill>
+                <a:srgbClr val="0000FF"/>
+              </a:solidFill>
+            </a:endParaRPr>
+          </a:p>
+        </p:txBody>
+      </p:sp>
+      <p:sp>
+        <p:nvSpPr>
+          <p:cNvPr id="8" name="HighlightBackgroundShapeeee31423-879f-470c-ac44-148c4404b3a6">
+            <a:extLst>
+              <a:ext uri="{FF2B5EF4-FFF2-40B4-BE49-F238E27FC236}">
+                <a16:creationId xmlns:a16="http://schemas.microsoft.com/office/drawing/2014/main" id="{B2679D13-AD49-494F-4048-F10409426800}"/>
+              </a:ext>
+            </a:extLst>
+          </p:cNvPr>
+          <p:cNvSpPr>
+            <a:spLocks noChangeArrowheads="1"/>
+          </p:cNvSpPr>
+          <p:nvPr/>
+        </p:nvSpPr>
+        <p:spPr bwMode="auto">
+          <a:xfrm>
+            <a:off x="491319" y="1219200"/>
+            <a:ext cx="8134521" cy="5074920"/>
+          </a:xfrm>
+          <a:prstGeom prst="rect">
+            <a:avLst/>
+          </a:prstGeom>
+          <a:noFill/>
+          <a:ln w="9525">
+            <a:noFill/>
+            <a:miter lim="800000"/>
+            <a:headEnd/>
+            <a:tailEnd/>
+          </a:ln>
+        </p:spPr>
+        <p:txBody>
+          <a:bodyPr/>
+          <a:lstStyle/>
+          <a:p>
+            <a:pPr marL="342900" indent="-342900">
+              <a:spcBef>
+                <a:spcPts val="1200"/>
+              </a:spcBef>
+              <a:buClr>
+                <a:schemeClr val="accent4">
+                  <a:lumMod val="60000"/>
+                  <a:lumOff val="40000"/>
+                </a:schemeClr>
+              </a:buClr>
+              <a:buSzPct val="75000"/>
+              <a:buFont typeface="Wingdings" pitchFamily="2" charset="2"/>
+              <a:buChar char="n"/>
+            </a:pPr>
+            <a:r>
+              <a:rPr lang="en-US" sz="2400" dirty="0">
+                <a:solidFill>
+                  <a:srgbClr val="0000FF"/>
+                </a:solidFill>
+              </a:rPr>
+              <a:t>Sequence</a:t>
+            </a:r>
+          </a:p>
+          <a:p>
+            <a:pPr marL="800100" lvl="1" indent="-342900">
+              <a:spcBef>
+                <a:spcPts val="1200"/>
+              </a:spcBef>
+              <a:buClr>
+                <a:schemeClr val="accent4">
+                  <a:lumMod val="60000"/>
+                  <a:lumOff val="40000"/>
+                </a:schemeClr>
+              </a:buClr>
+              <a:buSzPct val="75000"/>
+              <a:buFont typeface="Wingdings" pitchFamily="2" charset="2"/>
+              <a:buChar char="n"/>
+            </a:pPr>
+            <a:r>
+              <a:rPr lang="en-US" sz="2400" dirty="0"/>
+              <a:t>After step X, do step Y.</a:t>
+            </a:r>
+          </a:p>
+          <a:p>
+            <a:pPr marL="342900" indent="-342900">
+              <a:spcBef>
+                <a:spcPts val="1200"/>
+              </a:spcBef>
+              <a:buClr>
+                <a:schemeClr val="accent4">
+                  <a:lumMod val="60000"/>
+                  <a:lumOff val="40000"/>
+                </a:schemeClr>
+              </a:buClr>
+              <a:buSzPct val="75000"/>
+              <a:buFont typeface="Wingdings" pitchFamily="2" charset="2"/>
+              <a:buChar char="n"/>
+            </a:pPr>
+            <a:endParaRPr lang="en-US" sz="2400" dirty="0"/>
+          </a:p>
+          <a:p>
+            <a:pPr marL="342900" indent="-342900">
+              <a:spcBef>
+                <a:spcPts val="1200"/>
+              </a:spcBef>
+              <a:buClr>
+                <a:schemeClr val="accent4">
+                  <a:lumMod val="60000"/>
+                  <a:lumOff val="40000"/>
+                </a:schemeClr>
+              </a:buClr>
+              <a:buSzPct val="75000"/>
+              <a:buFont typeface="Wingdings" pitchFamily="2" charset="2"/>
+              <a:buChar char="n"/>
+            </a:pPr>
+            <a:r>
+              <a:rPr lang="en-US" sz="2400" dirty="0">
+                <a:solidFill>
+                  <a:srgbClr val="0000FF"/>
+                </a:solidFill>
+              </a:rPr>
+              <a:t>Selection</a:t>
+            </a:r>
+          </a:p>
+          <a:p>
+            <a:pPr marL="800100" lvl="1" indent="-342900">
+              <a:spcBef>
+                <a:spcPts val="1200"/>
+              </a:spcBef>
+              <a:buClr>
+                <a:schemeClr val="accent4">
+                  <a:lumMod val="60000"/>
+                  <a:lumOff val="40000"/>
+                </a:schemeClr>
+              </a:buClr>
+              <a:buSzPct val="75000"/>
+              <a:buFont typeface="Wingdings" pitchFamily="2" charset="2"/>
+              <a:buChar char="n"/>
+            </a:pPr>
+            <a:r>
+              <a:rPr lang="en-US" sz="2400" dirty="0"/>
+              <a:t>If … then … else …</a:t>
+            </a:r>
+          </a:p>
+          <a:p>
+            <a:pPr marL="342900" indent="-342900">
+              <a:spcBef>
+                <a:spcPts val="1200"/>
+              </a:spcBef>
+              <a:buClr>
+                <a:schemeClr val="accent4">
+                  <a:lumMod val="60000"/>
+                  <a:lumOff val="40000"/>
+                </a:schemeClr>
+              </a:buClr>
+              <a:buSzPct val="75000"/>
+              <a:buFont typeface="Wingdings" pitchFamily="2" charset="2"/>
+              <a:buChar char="n"/>
+            </a:pPr>
+            <a:endParaRPr lang="en-US" sz="2400" dirty="0"/>
+          </a:p>
+          <a:p>
+            <a:pPr marL="342900" indent="-342900">
+              <a:spcBef>
+                <a:spcPts val="1200"/>
+              </a:spcBef>
+              <a:buClr>
+                <a:schemeClr val="accent4">
+                  <a:lumMod val="60000"/>
+                  <a:lumOff val="40000"/>
+                </a:schemeClr>
+              </a:buClr>
+              <a:buSzPct val="75000"/>
+              <a:buFont typeface="Wingdings" pitchFamily="2" charset="2"/>
+              <a:buChar char="n"/>
+            </a:pPr>
+            <a:r>
+              <a:rPr lang="en-US" sz="2400" dirty="0">
+                <a:solidFill>
+                  <a:srgbClr val="0000FF"/>
+                </a:solidFill>
+              </a:rPr>
+              <a:t>Repetition</a:t>
+            </a:r>
+          </a:p>
+          <a:p>
+            <a:pPr marL="800100" lvl="1" indent="-342900">
+              <a:spcBef>
+                <a:spcPts val="1200"/>
+              </a:spcBef>
+              <a:buClr>
+                <a:schemeClr val="accent4">
+                  <a:lumMod val="60000"/>
+                  <a:lumOff val="40000"/>
+                </a:schemeClr>
+              </a:buClr>
+              <a:buSzPct val="75000"/>
+              <a:buFont typeface="Wingdings" pitchFamily="2" charset="2"/>
+              <a:buChar char="n"/>
+            </a:pPr>
+            <a:r>
+              <a:rPr lang="en-US" sz="2400" dirty="0"/>
+              <a:t>Keep going as long as ...</a:t>
+            </a:r>
+          </a:p>
+          <a:p>
+            <a:pPr marL="800100" lvl="1" indent="-342900">
+              <a:spcBef>
+                <a:spcPts val="1200"/>
+              </a:spcBef>
+              <a:buClr>
+                <a:schemeClr val="accent4">
+                  <a:lumMod val="60000"/>
+                  <a:lumOff val="40000"/>
+                </a:schemeClr>
+              </a:buClr>
+              <a:buSzPct val="75000"/>
+              <a:buFont typeface="Wingdings" pitchFamily="2" charset="2"/>
+              <a:buChar char="n"/>
+            </a:pPr>
+            <a:endParaRPr lang="en-US" sz="2400" dirty="0"/>
+          </a:p>
+          <a:p>
+            <a:pPr marL="342900" indent="-342900">
+              <a:spcBef>
+                <a:spcPts val="1200"/>
+              </a:spcBef>
+              <a:buClr>
+                <a:schemeClr val="accent4">
+                  <a:lumMod val="60000"/>
+                  <a:lumOff val="40000"/>
+                </a:schemeClr>
+              </a:buClr>
+              <a:buSzPct val="75000"/>
+              <a:buFont typeface="Wingdings" pitchFamily="2" charset="2"/>
+              <a:buChar char="n"/>
+            </a:pPr>
+            <a:endParaRPr lang="en-US" sz="2400" dirty="0"/>
+          </a:p>
+        </p:txBody>
+      </p:sp>
+      <p:pic>
+        <p:nvPicPr>
+          <p:cNvPr id="9" name="Picture 2" descr="flowchart">
+            <a:extLst>
+              <a:ext uri="{FF2B5EF4-FFF2-40B4-BE49-F238E27FC236}">
+                <a16:creationId xmlns:a16="http://schemas.microsoft.com/office/drawing/2014/main" id="{E255233A-D2E3-1DC3-F6AD-56D929B830D2}"/>
+              </a:ext>
+            </a:extLst>
+          </p:cNvPr>
+          <p:cNvPicPr>
+            <a:picLocks noChangeAspect="1" noChangeArrowheads="1"/>
+          </p:cNvPicPr>
+          <p:nvPr/>
+        </p:nvPicPr>
+        <p:blipFill rotWithShape="1">
+          <a:blip r:embed="rId3">
+            <a:extLst>
+              <a:ext uri="{28A0092B-C50C-407E-A947-70E740481C1C}">
+                <a14:useLocalDpi xmlns:a14="http://schemas.microsoft.com/office/drawing/2010/main" val="0"/>
+              </a:ext>
+            </a:extLst>
+          </a:blip>
+          <a:srcRect r="81187" b="29312"/>
+          <a:stretch/>
+        </p:blipFill>
+        <p:spPr bwMode="auto">
+          <a:xfrm>
+            <a:off x="6436419" y="1202055"/>
+            <a:ext cx="1107381" cy="1625346"/>
+          </a:xfrm>
+          <a:prstGeom prst="rect">
+            <a:avLst/>
+          </a:prstGeom>
+          <a:noFill/>
+          <a:extLst>
+            <a:ext uri="{909E8E84-426E-40DD-AFC4-6F175D3DCCD1}">
+              <a14:hiddenFill xmlns:a14="http://schemas.microsoft.com/office/drawing/2010/main">
+                <a:solidFill>
+                  <a:srgbClr val="FFFFFF"/>
+                </a:solidFill>
+              </a14:hiddenFill>
+            </a:ext>
+          </a:extLst>
+        </p:spPr>
+      </p:pic>
+      <p:pic>
+        <p:nvPicPr>
+          <p:cNvPr id="10" name="Picture 9" descr="flowchart">
+            <a:extLst>
+              <a:ext uri="{FF2B5EF4-FFF2-40B4-BE49-F238E27FC236}">
+                <a16:creationId xmlns:a16="http://schemas.microsoft.com/office/drawing/2014/main" id="{4907F6DE-54A2-4357-14CE-97544140F0DB}"/>
+              </a:ext>
+            </a:extLst>
+          </p:cNvPr>
+          <p:cNvPicPr>
+            <a:picLocks noChangeAspect="1" noChangeArrowheads="1"/>
+          </p:cNvPicPr>
+          <p:nvPr/>
+        </p:nvPicPr>
+        <p:blipFill rotWithShape="1">
+          <a:blip r:embed="rId3">
+            <a:extLst>
+              <a:ext uri="{28A0092B-C50C-407E-A947-70E740481C1C}">
+                <a14:useLocalDpi xmlns:a14="http://schemas.microsoft.com/office/drawing/2010/main" val="0"/>
+              </a:ext>
+            </a:extLst>
+          </a:blip>
+          <a:srcRect l="43994" t="36148" b="13213"/>
+          <a:stretch/>
+        </p:blipFill>
+        <p:spPr bwMode="auto">
+          <a:xfrm>
+            <a:off x="5297835" y="3039364"/>
+            <a:ext cx="3152776" cy="1113533"/>
+          </a:xfrm>
+          <a:prstGeom prst="rect">
+            <a:avLst/>
+          </a:prstGeom>
+          <a:noFill/>
+          <a:extLst>
+            <a:ext uri="{909E8E84-426E-40DD-AFC4-6F175D3DCCD1}">
+              <a14:hiddenFill xmlns:a14="http://schemas.microsoft.com/office/drawing/2010/main">
+                <a:solidFill>
+                  <a:srgbClr val="FFFFFF"/>
+                </a:solidFill>
+              </a14:hiddenFill>
+            </a:ext>
+          </a:extLst>
+        </p:spPr>
+      </p:pic>
+      <p:pic>
+        <p:nvPicPr>
+          <p:cNvPr id="11" name="Picture 2" descr="flowchart">
+            <a:extLst>
+              <a:ext uri="{FF2B5EF4-FFF2-40B4-BE49-F238E27FC236}">
+                <a16:creationId xmlns:a16="http://schemas.microsoft.com/office/drawing/2014/main" id="{0DE804B9-A853-CF03-EE68-394E540F6889}"/>
+              </a:ext>
+            </a:extLst>
+          </p:cNvPr>
+          <p:cNvPicPr>
+            <a:picLocks noChangeAspect="1" noChangeArrowheads="1"/>
+          </p:cNvPicPr>
+          <p:nvPr/>
+        </p:nvPicPr>
+        <p:blipFill rotWithShape="1">
+          <a:blip r:embed="rId3">
+            <a:extLst>
+              <a:ext uri="{28A0092B-C50C-407E-A947-70E740481C1C}">
+                <a14:useLocalDpi xmlns:a14="http://schemas.microsoft.com/office/drawing/2010/main" val="0"/>
+              </a:ext>
+            </a:extLst>
+          </a:blip>
+          <a:srcRect l="19183" t="11395" b="5963"/>
+          <a:stretch/>
+        </p:blipFill>
+        <p:spPr bwMode="auto">
+          <a:xfrm>
+            <a:off x="4800599" y="4467859"/>
+            <a:ext cx="4147248" cy="1656588"/>
+          </a:xfrm>
+          <a:prstGeom prst="rect">
+            <a:avLst/>
+          </a:prstGeom>
+          <a:noFill/>
+          <a:extLst>
+            <a:ext uri="{909E8E84-426E-40DD-AFC4-6F175D3DCCD1}">
+              <a14:hiddenFill xmlns:a14="http://schemas.microsoft.com/office/drawing/2010/main">
+                <a:solidFill>
+                  <a:srgbClr val="FFFFFF"/>
+                </a:solidFill>
+              </a14:hiddenFill>
+            </a:ext>
+          </a:extLst>
+        </p:spPr>
+      </p:pic>
+    </p:spTree>
+    <p:extLst>
+      <p:ext uri="{BB962C8B-B14F-4D97-AF65-F5344CB8AC3E}">
+        <p14:creationId xmlns:p14="http://schemas.microsoft.com/office/powerpoint/2010/main" val="2191908359"/>
+      </p:ext>
+    </p:extLst>
+  </p:cSld>
+  <p:clrMapOvr>
+    <a:masterClrMapping/>
+  </p:clrMapOvr>
+  <p:transition>
+    <p:fade/>
+  </p:transition>
+</p:sld>
+</file>
+
+<file path=ppt/slides/slide3.xml><?xml version="1.0" encoding="utf-8"?>
 <p:sld xmlns:a="http://schemas.openxmlformats.org/drawingml/2006/main" xmlns:r="http://schemas.openxmlformats.org/officeDocument/2006/relationships" xmlns:p="http://schemas.openxmlformats.org/presentationml/2006/main">
   <p:cSld>
     <p:spTree>
@@ -18312,60 +20071,9 @@
               <a:pPr>
                 <a:defRPr/>
               </a:pPr>
-              <a:t>2</a:t>
+              <a:t>3</a:t>
             </a:fld>
             <a:endParaRPr lang="en-US" dirty="0"/>
-          </a:p>
-        </p:txBody>
-      </p:sp>
-      <p:sp>
-        <p:nvSpPr>
-          <p:cNvPr id="4" name="TextBox 3">
-            <a:extLst>
-              <a:ext uri="{FF2B5EF4-FFF2-40B4-BE49-F238E27FC236}">
-                <a16:creationId xmlns:a16="http://schemas.microsoft.com/office/drawing/2014/main" id="{9655803E-BFC1-0165-F7D6-171BB1B54DBF}"/>
-              </a:ext>
-            </a:extLst>
-          </p:cNvPr>
-          <p:cNvSpPr txBox="1"/>
-          <p:nvPr/>
-        </p:nvSpPr>
-        <p:spPr>
-          <a:xfrm>
-            <a:off x="6762611" y="555657"/>
-            <a:ext cx="2139789" cy="646331"/>
-          </a:xfrm>
-          <a:prstGeom prst="rect">
-            <a:avLst/>
-          </a:prstGeom>
-          <a:noFill/>
-        </p:spPr>
-        <p:txBody>
-          <a:bodyPr wrap="square" rtlCol="0">
-            <a:spAutoFit/>
-          </a:bodyPr>
-          <a:lstStyle/>
-          <a:p>
-            <a:r>
-              <a:rPr lang="en-US" dirty="0">
-                <a:solidFill>
-                  <a:srgbClr val="0000FF"/>
-                </a:solidFill>
-              </a:rPr>
-              <a:t>Selection</a:t>
-            </a:r>
-            <a:r>
-              <a:rPr lang="en-US" dirty="0"/>
-              <a:t> </a:t>
-            </a:r>
-            <a:br>
-              <a:rPr lang="en-US" dirty="0"/>
-            </a:br>
-            <a:r>
-              <a:rPr lang="en-US" dirty="0"/>
-              <a:t>Control Structure</a:t>
-            </a:r>
-            <a:endParaRPr lang="en-SG" dirty="0"/>
           </a:p>
         </p:txBody>
       </p:sp>
@@ -18471,7 +20179,7 @@
 </p:sld>
 </file>
 
-<file path=ppt/slides/slide3.xml><?xml version="1.0" encoding="utf-8"?>
+<file path=ppt/slides/slide4.xml><?xml version="1.0" encoding="utf-8"?>
 <p:sld xmlns:a="http://schemas.openxmlformats.org/drawingml/2006/main" xmlns:r="http://schemas.openxmlformats.org/officeDocument/2006/relationships" xmlns:p="http://schemas.openxmlformats.org/presentationml/2006/main">
   <p:cSld>
     <p:spTree>
@@ -18559,7 +20267,7 @@
               <a:pPr>
                 <a:defRPr/>
               </a:pPr>
-              <a:t>3</a:t>
+              <a:t>4</a:t>
             </a:fld>
             <a:endParaRPr lang="en-US" dirty="0"/>
           </a:p>
@@ -19360,7 +21068,7 @@
 </p:sld>
 </file>
 
-<file path=ppt/slides/slide4.xml><?xml version="1.0" encoding="utf-8"?>
+<file path=ppt/slides/slide5.xml><?xml version="1.0" encoding="utf-8"?>
 <p:sld xmlns:a="http://schemas.openxmlformats.org/drawingml/2006/main" xmlns:r="http://schemas.openxmlformats.org/officeDocument/2006/relationships" xmlns:p="http://schemas.openxmlformats.org/presentationml/2006/main">
   <p:cSld>
     <p:spTree>
@@ -20080,7 +21788,7 @@
               <a:pPr>
                 <a:defRPr/>
               </a:pPr>
-              <a:t>4</a:t>
+              <a:t>5</a:t>
             </a:fld>
             <a:endParaRPr lang="en-US" dirty="0"/>
           </a:p>
@@ -20190,7 +21898,7 @@
 </p:sld>
 </file>
 
-<file path=ppt/slides/slide5.xml><?xml version="1.0" encoding="utf-8"?>
+<file path=ppt/slides/slide6.xml><?xml version="1.0" encoding="utf-8"?>
 <p:sld xmlns:a="http://schemas.openxmlformats.org/drawingml/2006/main" xmlns:r="http://schemas.openxmlformats.org/officeDocument/2006/relationships" xmlns:p="http://schemas.openxmlformats.org/presentationml/2006/main">
   <p:cSld>
     <p:spTree>
@@ -21002,7 +22710,7 @@
               <a:pPr>
                 <a:defRPr/>
               </a:pPr>
-              <a:t>5</a:t>
+              <a:t>6</a:t>
             </a:fld>
             <a:endParaRPr lang="en-US" dirty="0"/>
           </a:p>
@@ -21112,7 +22820,7 @@
 </p:sld>
 </file>
 
-<file path=ppt/slides/slide6.xml><?xml version="1.0" encoding="utf-8"?>
+<file path=ppt/slides/slide7.xml><?xml version="1.0" encoding="utf-8"?>
 <p:sld xmlns:a="http://schemas.openxmlformats.org/drawingml/2006/main" xmlns:r="http://schemas.openxmlformats.org/officeDocument/2006/relationships" xmlns:p="http://schemas.openxmlformats.org/presentationml/2006/main">
   <p:cSld>
     <p:spTree>
@@ -22728,7 +24436,7 @@
               <a:pPr>
                 <a:defRPr/>
               </a:pPr>
-              <a:t>6</a:t>
+              <a:t>7</a:t>
             </a:fld>
             <a:endParaRPr lang="en-US" dirty="0"/>
           </a:p>
@@ -22978,7 +24686,7 @@
 </p:sld>
 </file>
 
-<file path=ppt/slides/slide7.xml><?xml version="1.0" encoding="utf-8"?>
+<file path=ppt/slides/slide8.xml><?xml version="1.0" encoding="utf-8"?>
 <p:sld xmlns:a="http://schemas.openxmlformats.org/drawingml/2006/main" xmlns:r="http://schemas.openxmlformats.org/officeDocument/2006/relationships" xmlns:p="http://schemas.openxmlformats.org/presentationml/2006/main">
   <p:cSld>
     <p:spTree>
@@ -24935,7 +26643,7 @@
               <a:pPr>
                 <a:defRPr/>
               </a:pPr>
-              <a:t>7</a:t>
+              <a:t>8</a:t>
             </a:fld>
             <a:endParaRPr lang="en-US" dirty="0"/>
           </a:p>
@@ -25381,731 +27089,6 @@
 </p:sld>
 </file>
 
-<file path=ppt/slides/slide8.xml><?xml version="1.0" encoding="utf-8"?>
-<p:sld xmlns:a="http://schemas.openxmlformats.org/drawingml/2006/main" xmlns:r="http://schemas.openxmlformats.org/officeDocument/2006/relationships" xmlns:p="http://schemas.openxmlformats.org/presentationml/2006/main">
-  <p:cSld>
-    <p:spTree>
-      <p:nvGrpSpPr>
-        <p:cNvPr id="1" name=""/>
-        <p:cNvGrpSpPr/>
-        <p:nvPr/>
-      </p:nvGrpSpPr>
-      <p:grpSpPr>
-        <a:xfrm>
-          <a:off x="0" y="0"/>
-          <a:ext cx="0" cy="0"/>
-          <a:chOff x="0" y="0"/>
-          <a:chExt cx="0" cy="0"/>
-        </a:xfrm>
-      </p:grpSpPr>
-      <p:sp>
-        <p:nvSpPr>
-          <p:cNvPr id="14338" name="Rectangle 2"/>
-          <p:cNvSpPr>
-            <a:spLocks noGrp="1" noChangeArrowheads="1"/>
-          </p:cNvSpPr>
-          <p:nvPr>
-            <p:ph type="title"/>
-          </p:nvPr>
-        </p:nvSpPr>
-        <p:spPr>
-          <a:xfrm>
-            <a:off x="533400" y="381000"/>
-            <a:ext cx="8382000" cy="838200"/>
-          </a:xfrm>
-        </p:spPr>
-        <p:txBody>
-          <a:bodyPr>
-            <a:normAutofit/>
-          </a:bodyPr>
-          <a:lstStyle/>
-          <a:p>
-            <a:pPr eaLnBrk="1" hangingPunct="1"/>
-            <a:r>
-              <a:rPr lang="en-GB" sz="3600" dirty="0">
-                <a:solidFill>
-                  <a:srgbClr val="0000FF"/>
-                </a:solidFill>
-              </a:rPr>
-              <a:t>Boolean Values</a:t>
-            </a:r>
-          </a:p>
-        </p:txBody>
-      </p:sp>
-      <p:sp>
-        <p:nvSpPr>
-          <p:cNvPr id="49" name="Rectangle 3"/>
-          <p:cNvSpPr txBox="1">
-            <a:spLocks noChangeArrowheads="1"/>
-          </p:cNvSpPr>
-          <p:nvPr/>
-        </p:nvSpPr>
-        <p:spPr>
-          <a:xfrm>
-            <a:off x="352425" y="1248509"/>
-            <a:ext cx="8397875" cy="4958860"/>
-          </a:xfrm>
-          <a:prstGeom prst="rect">
-            <a:avLst/>
-          </a:prstGeom>
-        </p:spPr>
-        <p:txBody>
-          <a:bodyPr vert="horz" lIns="91440" tIns="45720" rIns="91440" bIns="45720" rtlCol="0">
-            <a:normAutofit/>
-          </a:bodyPr>
-          <a:lstStyle>
-            <a:lvl1pPr marL="182880" indent="-182880" algn="l" defTabSz="914400" rtl="0" eaLnBrk="1" latinLnBrk="0" hangingPunct="1">
-              <a:spcBef>
-                <a:spcPct val="20000"/>
-              </a:spcBef>
-              <a:buClr>
-                <a:schemeClr val="accent1"/>
-              </a:buClr>
-              <a:buSzPct val="85000"/>
-              <a:buFont typeface="Arial" pitchFamily="34" charset="0"/>
-              <a:buChar char="•"/>
-              <a:defRPr sz="2400" kern="1200">
-                <a:solidFill>
-                  <a:schemeClr val="tx1"/>
-                </a:solidFill>
-                <a:latin typeface="+mn-lt"/>
-                <a:ea typeface="+mn-ea"/>
-                <a:cs typeface="+mn-cs"/>
-              </a:defRPr>
-            </a:lvl1pPr>
-            <a:lvl2pPr marL="457200" indent="-182880" algn="l" defTabSz="914400" rtl="0" eaLnBrk="1" latinLnBrk="0" hangingPunct="1">
-              <a:spcBef>
-                <a:spcPct val="20000"/>
-              </a:spcBef>
-              <a:buClr>
-                <a:schemeClr val="accent1"/>
-              </a:buClr>
-              <a:buSzPct val="85000"/>
-              <a:buFont typeface="Arial" pitchFamily="34" charset="0"/>
-              <a:buChar char="•"/>
-              <a:defRPr sz="2000" kern="1200">
-                <a:solidFill>
-                  <a:schemeClr val="tx1"/>
-                </a:solidFill>
-                <a:latin typeface="+mn-lt"/>
-                <a:ea typeface="+mn-ea"/>
-                <a:cs typeface="+mn-cs"/>
-              </a:defRPr>
-            </a:lvl2pPr>
-            <a:lvl3pPr marL="731520" indent="-182880" algn="l" defTabSz="914400" rtl="0" eaLnBrk="1" latinLnBrk="0" hangingPunct="1">
-              <a:spcBef>
-                <a:spcPct val="20000"/>
-              </a:spcBef>
-              <a:buClr>
-                <a:schemeClr val="accent1"/>
-              </a:buClr>
-              <a:buSzPct val="90000"/>
-              <a:buFont typeface="Arial" pitchFamily="34" charset="0"/>
-              <a:buChar char="•"/>
-              <a:defRPr sz="1800" kern="1200">
-                <a:solidFill>
-                  <a:schemeClr val="tx1"/>
-                </a:solidFill>
-                <a:latin typeface="+mn-lt"/>
-                <a:ea typeface="+mn-ea"/>
-                <a:cs typeface="+mn-cs"/>
-              </a:defRPr>
-            </a:lvl3pPr>
-            <a:lvl4pPr marL="1005840" indent="-182880" algn="l" defTabSz="914400" rtl="0" eaLnBrk="1" latinLnBrk="0" hangingPunct="1">
-              <a:spcBef>
-                <a:spcPct val="20000"/>
-              </a:spcBef>
-              <a:buClr>
-                <a:schemeClr val="accent1"/>
-              </a:buClr>
-              <a:buFont typeface="Arial" pitchFamily="34" charset="0"/>
-              <a:buChar char="•"/>
-              <a:defRPr sz="1600" kern="1200">
-                <a:solidFill>
-                  <a:schemeClr val="tx1"/>
-                </a:solidFill>
-                <a:latin typeface="+mn-lt"/>
-                <a:ea typeface="+mn-ea"/>
-                <a:cs typeface="+mn-cs"/>
-              </a:defRPr>
-            </a:lvl4pPr>
-            <a:lvl5pPr marL="1188720" indent="-137160" algn="l" defTabSz="914400" rtl="0" eaLnBrk="1" latinLnBrk="0" hangingPunct="1">
-              <a:spcBef>
-                <a:spcPct val="20000"/>
-              </a:spcBef>
-              <a:buClr>
-                <a:schemeClr val="accent1"/>
-              </a:buClr>
-              <a:buSzPct val="100000"/>
-              <a:buFont typeface="Arial" pitchFamily="34" charset="0"/>
-              <a:buChar char="•"/>
-              <a:defRPr sz="1400" kern="1200" baseline="0">
-                <a:solidFill>
-                  <a:schemeClr val="tx1"/>
-                </a:solidFill>
-                <a:latin typeface="+mn-lt"/>
-                <a:ea typeface="+mn-ea"/>
-                <a:cs typeface="+mn-cs"/>
-              </a:defRPr>
-            </a:lvl5pPr>
-            <a:lvl6pPr marL="1371600" indent="-182880" algn="l" defTabSz="914400" rtl="0" eaLnBrk="1" latinLnBrk="0" hangingPunct="1">
-              <a:spcBef>
-                <a:spcPct val="20000"/>
-              </a:spcBef>
-              <a:buClr>
-                <a:schemeClr val="accent1"/>
-              </a:buClr>
-              <a:buFont typeface="Arial" pitchFamily="34" charset="0"/>
-              <a:buChar char="•"/>
-              <a:defRPr sz="1300" kern="1200">
-                <a:solidFill>
-                  <a:schemeClr val="tx1"/>
-                </a:solidFill>
-                <a:latin typeface="+mn-lt"/>
-                <a:ea typeface="+mn-ea"/>
-                <a:cs typeface="+mn-cs"/>
-              </a:defRPr>
-            </a:lvl6pPr>
-            <a:lvl7pPr marL="1554480" indent="-182880" algn="l" defTabSz="914400" rtl="0" eaLnBrk="1" latinLnBrk="0" hangingPunct="1">
-              <a:spcBef>
-                <a:spcPct val="20000"/>
-              </a:spcBef>
-              <a:buClr>
-                <a:schemeClr val="accent1"/>
-              </a:buClr>
-              <a:buFont typeface="Arial" pitchFamily="34" charset="0"/>
-              <a:buChar char="•"/>
-              <a:defRPr sz="1300" kern="1200">
-                <a:solidFill>
-                  <a:schemeClr val="tx1"/>
-                </a:solidFill>
-                <a:latin typeface="+mn-lt"/>
-                <a:ea typeface="+mn-ea"/>
-                <a:cs typeface="+mn-cs"/>
-              </a:defRPr>
-            </a:lvl7pPr>
-            <a:lvl8pPr marL="1737360" indent="-182880" algn="l" defTabSz="914400" rtl="0" eaLnBrk="1" latinLnBrk="0" hangingPunct="1">
-              <a:spcBef>
-                <a:spcPct val="20000"/>
-              </a:spcBef>
-              <a:buClr>
-                <a:schemeClr val="accent1"/>
-              </a:buClr>
-              <a:buFont typeface="Arial" pitchFamily="34" charset="0"/>
-              <a:buChar char="•"/>
-              <a:defRPr sz="1300" kern="1200">
-                <a:solidFill>
-                  <a:schemeClr val="tx1"/>
-                </a:solidFill>
-                <a:latin typeface="+mn-lt"/>
-                <a:ea typeface="+mn-ea"/>
-                <a:cs typeface="+mn-cs"/>
-              </a:defRPr>
-            </a:lvl8pPr>
-            <a:lvl9pPr marL="1920240" indent="-182880" algn="l" defTabSz="914400" rtl="0" eaLnBrk="1" latinLnBrk="0" hangingPunct="1">
-              <a:spcBef>
-                <a:spcPct val="20000"/>
-              </a:spcBef>
-              <a:buClr>
-                <a:schemeClr val="accent1"/>
-              </a:buClr>
-              <a:buFont typeface="Arial" pitchFamily="34" charset="0"/>
-              <a:buChar char="•"/>
-              <a:defRPr sz="1300" kern="1200">
-                <a:solidFill>
-                  <a:schemeClr val="tx1"/>
-                </a:solidFill>
-                <a:latin typeface="+mn-lt"/>
-                <a:ea typeface="+mn-ea"/>
-                <a:cs typeface="+mn-cs"/>
-              </a:defRPr>
-            </a:lvl9pPr>
-          </a:lstStyle>
-          <a:p>
-            <a:pPr marL="352425" indent="-352425" fontAlgn="auto">
-              <a:spcBef>
-                <a:spcPts val="600"/>
-              </a:spcBef>
-              <a:spcAft>
-                <a:spcPts val="0"/>
-              </a:spcAft>
-              <a:buClr>
-                <a:schemeClr val="tx1">
-                  <a:lumMod val="90000"/>
-                  <a:lumOff val="10000"/>
-                </a:schemeClr>
-              </a:buClr>
-              <a:buSzPct val="100000"/>
-              <a:buFont typeface="Wingdings" panose="05000000000000000000" pitchFamily="2" charset="2"/>
-              <a:buChar char="§"/>
-            </a:pPr>
-            <a:r>
-              <a:rPr lang="en-US" dirty="0"/>
-              <a:t>Data type: </a:t>
-            </a:r>
-            <a:r>
-              <a:rPr lang="en-US" dirty="0">
-                <a:solidFill>
-                  <a:srgbClr val="0000FF"/>
-                </a:solidFill>
-              </a:rPr>
-              <a:t>bool </a:t>
-            </a:r>
-            <a:r>
-              <a:rPr lang="en-US" dirty="0"/>
-              <a:t>(requires </a:t>
-            </a:r>
-            <a:r>
-              <a:rPr lang="en-US" dirty="0" err="1"/>
-              <a:t>stdbool.h</a:t>
-            </a:r>
-            <a:r>
-              <a:rPr lang="en-US" dirty="0"/>
-              <a:t>)</a:t>
-            </a:r>
-          </a:p>
-        </p:txBody>
-      </p:sp>
-      <p:sp>
-        <p:nvSpPr>
-          <p:cNvPr id="10" name="TextBox 9"/>
-          <p:cNvSpPr txBox="1"/>
-          <p:nvPr/>
-        </p:nvSpPr>
-        <p:spPr>
-          <a:xfrm>
-            <a:off x="828673" y="1817074"/>
-            <a:ext cx="7791450" cy="2585323"/>
-          </a:xfrm>
-          <a:prstGeom prst="rect">
-            <a:avLst/>
-          </a:prstGeom>
-        </p:spPr>
-        <p:style>
-          <a:lnRef idx="2">
-            <a:schemeClr val="accent6"/>
-          </a:lnRef>
-          <a:fillRef idx="1">
-            <a:schemeClr val="lt1"/>
-          </a:fillRef>
-          <a:effectRef idx="0">
-            <a:schemeClr val="accent6"/>
-          </a:effectRef>
-          <a:fontRef idx="minor">
-            <a:schemeClr val="dk1"/>
-          </a:fontRef>
-        </p:style>
-        <p:txBody>
-          <a:bodyPr wrap="square">
-            <a:spAutoFit/>
-          </a:bodyPr>
-          <a:lstStyle/>
-          <a:p>
-            <a:pPr>
-              <a:defRPr/>
-            </a:pPr>
-            <a:r>
-              <a:rPr lang="en-US" b="1" dirty="0">
-                <a:solidFill>
-                  <a:srgbClr val="0000FF"/>
-                </a:solidFill>
-                <a:latin typeface="Courier New" pitchFamily="49" charset="0"/>
-                <a:cs typeface="Courier New" pitchFamily="49" charset="0"/>
-              </a:rPr>
-              <a:t>bool </a:t>
-            </a:r>
-            <a:r>
-              <a:rPr lang="en-US" b="1" dirty="0" err="1">
-                <a:solidFill>
-                  <a:schemeClr val="tx1"/>
-                </a:solidFill>
-                <a:latin typeface="Courier New" pitchFamily="49" charset="0"/>
-                <a:cs typeface="Courier New" pitchFamily="49" charset="0"/>
-              </a:rPr>
-              <a:t>is_diff</a:t>
-            </a:r>
-            <a:r>
-              <a:rPr lang="en-US" b="1" dirty="0">
-                <a:solidFill>
-                  <a:schemeClr val="tx1"/>
-                </a:solidFill>
-                <a:latin typeface="Courier New" pitchFamily="49" charset="0"/>
-                <a:cs typeface="Courier New" pitchFamily="49" charset="0"/>
-              </a:rPr>
-              <a:t> = x != y; // evaluates to </a:t>
-            </a:r>
-            <a:r>
-              <a:rPr lang="en-US" b="1" dirty="0">
-                <a:solidFill>
-                  <a:srgbClr val="0000FF"/>
-                </a:solidFill>
-                <a:latin typeface="Courier New" pitchFamily="49" charset="0"/>
-                <a:cs typeface="Courier New" pitchFamily="49" charset="0"/>
-              </a:rPr>
-              <a:t>true</a:t>
-            </a:r>
-            <a:r>
-              <a:rPr lang="en-US" b="1" dirty="0">
-                <a:solidFill>
-                  <a:schemeClr val="tx1"/>
-                </a:solidFill>
-                <a:latin typeface="Courier New" pitchFamily="49" charset="0"/>
-                <a:cs typeface="Courier New" pitchFamily="49" charset="0"/>
-              </a:rPr>
-              <a:t> or </a:t>
-            </a:r>
-            <a:r>
-              <a:rPr lang="en-US" b="1" dirty="0">
-                <a:solidFill>
-                  <a:srgbClr val="0000FF"/>
-                </a:solidFill>
-                <a:latin typeface="Courier New" pitchFamily="49" charset="0"/>
-                <a:cs typeface="Courier New" pitchFamily="49" charset="0"/>
-              </a:rPr>
-              <a:t>false</a:t>
-            </a:r>
-          </a:p>
-          <a:p>
-            <a:pPr>
-              <a:defRPr/>
-            </a:pPr>
-            <a:endParaRPr lang="en-US" b="1" dirty="0">
-              <a:solidFill>
-                <a:srgbClr val="0000FF"/>
-              </a:solidFill>
-              <a:latin typeface="Courier New" pitchFamily="49" charset="0"/>
-              <a:cs typeface="Courier New" pitchFamily="49" charset="0"/>
-            </a:endParaRPr>
-          </a:p>
-          <a:p>
-            <a:pPr>
-              <a:defRPr/>
-            </a:pPr>
-            <a:r>
-              <a:rPr lang="en-US" b="1" dirty="0">
-                <a:solidFill>
-                  <a:srgbClr val="0000FF"/>
-                </a:solidFill>
-                <a:latin typeface="Courier New" pitchFamily="49" charset="0"/>
-                <a:cs typeface="Courier New" pitchFamily="49" charset="0"/>
-              </a:rPr>
-              <a:t>if</a:t>
-            </a:r>
-            <a:r>
-              <a:rPr lang="en-US" b="1" dirty="0">
-                <a:solidFill>
-                  <a:schemeClr val="tx1"/>
-                </a:solidFill>
-                <a:latin typeface="Courier New" pitchFamily="49" charset="0"/>
-                <a:cs typeface="Courier New" pitchFamily="49" charset="0"/>
-              </a:rPr>
-              <a:t> (</a:t>
-            </a:r>
-            <a:r>
-              <a:rPr lang="en-US" b="1" dirty="0" err="1">
-                <a:solidFill>
-                  <a:schemeClr val="tx1"/>
-                </a:solidFill>
-                <a:latin typeface="Courier New" pitchFamily="49" charset="0"/>
-                <a:cs typeface="Courier New" pitchFamily="49" charset="0"/>
-              </a:rPr>
-              <a:t>is_diff</a:t>
-            </a:r>
-            <a:r>
-              <a:rPr lang="en-US" b="1" dirty="0">
-                <a:solidFill>
-                  <a:schemeClr val="tx1"/>
-                </a:solidFill>
-                <a:latin typeface="Courier New" pitchFamily="49" charset="0"/>
-                <a:cs typeface="Courier New" pitchFamily="49" charset="0"/>
-              </a:rPr>
-              <a:t>) {</a:t>
-            </a:r>
-          </a:p>
-          <a:p>
-            <a:pPr>
-              <a:defRPr/>
-            </a:pPr>
-            <a:r>
-              <a:rPr lang="en-US" b="1" dirty="0">
-                <a:solidFill>
-                  <a:schemeClr val="tx1"/>
-                </a:solidFill>
-                <a:latin typeface="Courier New" pitchFamily="49" charset="0"/>
-                <a:cs typeface="Courier New" pitchFamily="49" charset="0"/>
-              </a:rPr>
-              <a:t>  cs1010_println_string(</a:t>
-            </a:r>
-            <a:r>
-              <a:rPr lang="en-US" b="1" dirty="0">
-                <a:solidFill>
-                  <a:srgbClr val="006600"/>
-                </a:solidFill>
-                <a:latin typeface="Courier New" pitchFamily="49" charset="0"/>
-                <a:cs typeface="Courier New" pitchFamily="49" charset="0"/>
-              </a:rPr>
-              <a:t>"x and y</a:t>
-            </a:r>
-            <a:r>
-              <a:rPr lang="en-US" b="1" dirty="0">
-                <a:solidFill>
-                  <a:schemeClr val="tx1"/>
-                </a:solidFill>
-                <a:latin typeface="Courier New" pitchFamily="49" charset="0"/>
-                <a:cs typeface="Courier New" pitchFamily="49" charset="0"/>
-              </a:rPr>
-              <a:t> </a:t>
-            </a:r>
-            <a:br>
-              <a:rPr lang="en-US" b="1" dirty="0">
-                <a:solidFill>
-                  <a:schemeClr val="tx1"/>
-                </a:solidFill>
-                <a:latin typeface="Courier New" pitchFamily="49" charset="0"/>
-                <a:cs typeface="Courier New" pitchFamily="49" charset="0"/>
-              </a:rPr>
-            </a:br>
-            <a:r>
-              <a:rPr lang="en-US" b="1" dirty="0">
-                <a:solidFill>
-                  <a:schemeClr val="tx1"/>
-                </a:solidFill>
-                <a:latin typeface="Courier New" pitchFamily="49" charset="0"/>
-                <a:cs typeface="Courier New" pitchFamily="49" charset="0"/>
-              </a:rPr>
-              <a:t>                         </a:t>
-            </a:r>
-            <a:r>
-              <a:rPr lang="en-US" b="1" dirty="0">
-                <a:solidFill>
-                  <a:srgbClr val="006600"/>
-                </a:solidFill>
-                <a:latin typeface="Courier New" pitchFamily="49" charset="0"/>
-                <a:cs typeface="Courier New" pitchFamily="49" charset="0"/>
-              </a:rPr>
-              <a:t>store different values."</a:t>
-            </a:r>
-            <a:r>
-              <a:rPr lang="en-US" b="1" dirty="0">
-                <a:solidFill>
-                  <a:schemeClr val="tx1"/>
-                </a:solidFill>
-                <a:latin typeface="Courier New" pitchFamily="49" charset="0"/>
-                <a:cs typeface="Courier New" pitchFamily="49" charset="0"/>
-              </a:rPr>
-              <a:t>);</a:t>
-            </a:r>
-          </a:p>
-          <a:p>
-            <a:pPr>
-              <a:defRPr/>
-            </a:pPr>
-            <a:r>
-              <a:rPr lang="en-US" b="1" dirty="0">
-                <a:solidFill>
-                  <a:schemeClr val="tx1"/>
-                </a:solidFill>
-                <a:latin typeface="Courier New" pitchFamily="49" charset="0"/>
-                <a:cs typeface="Courier New" pitchFamily="49" charset="0"/>
-              </a:rPr>
-              <a:t>} </a:t>
-            </a:r>
-            <a:r>
-              <a:rPr lang="en-US" b="1" dirty="0">
-                <a:solidFill>
-                  <a:srgbClr val="0000FF"/>
-                </a:solidFill>
-                <a:latin typeface="Courier New" pitchFamily="49" charset="0"/>
-                <a:cs typeface="Courier New" pitchFamily="49" charset="0"/>
-              </a:rPr>
-              <a:t>else</a:t>
-            </a:r>
-            <a:r>
-              <a:rPr lang="en-US" b="1" dirty="0">
-                <a:solidFill>
-                  <a:schemeClr val="tx1"/>
-                </a:solidFill>
-                <a:latin typeface="Courier New" pitchFamily="49" charset="0"/>
-                <a:cs typeface="Courier New" pitchFamily="49" charset="0"/>
-              </a:rPr>
-              <a:t> {</a:t>
-            </a:r>
-          </a:p>
-          <a:p>
-            <a:pPr>
-              <a:defRPr/>
-            </a:pPr>
-            <a:r>
-              <a:rPr lang="en-US" b="1" dirty="0">
-                <a:solidFill>
-                  <a:schemeClr val="tx1"/>
-                </a:solidFill>
-                <a:latin typeface="Courier New" pitchFamily="49" charset="0"/>
-                <a:cs typeface="Courier New" pitchFamily="49" charset="0"/>
-              </a:rPr>
-              <a:t>  cs1010_println_string(</a:t>
-            </a:r>
-            <a:r>
-              <a:rPr lang="en-US" b="1" dirty="0">
-                <a:solidFill>
-                  <a:srgbClr val="006600"/>
-                </a:solidFill>
-                <a:latin typeface="Courier New" pitchFamily="49" charset="0"/>
-                <a:cs typeface="Courier New" pitchFamily="49" charset="0"/>
-              </a:rPr>
-              <a:t>"x and y </a:t>
-            </a:r>
-            <a:br>
-              <a:rPr lang="en-US" b="1" dirty="0">
-                <a:solidFill>
-                  <a:schemeClr val="tx1"/>
-                </a:solidFill>
-                <a:latin typeface="Courier New" pitchFamily="49" charset="0"/>
-                <a:cs typeface="Courier New" pitchFamily="49" charset="0"/>
-              </a:rPr>
-            </a:br>
-            <a:r>
-              <a:rPr lang="en-US" b="1" dirty="0">
-                <a:solidFill>
-                  <a:schemeClr val="tx1"/>
-                </a:solidFill>
-                <a:latin typeface="Courier New" pitchFamily="49" charset="0"/>
-                <a:cs typeface="Courier New" pitchFamily="49" charset="0"/>
-              </a:rPr>
-              <a:t>                         </a:t>
-            </a:r>
-            <a:r>
-              <a:rPr lang="en-US" b="1" dirty="0">
-                <a:solidFill>
-                  <a:srgbClr val="006600"/>
-                </a:solidFill>
-                <a:latin typeface="Courier New" pitchFamily="49" charset="0"/>
-                <a:cs typeface="Courier New" pitchFamily="49" charset="0"/>
-              </a:rPr>
-              <a:t>store the same value."</a:t>
-            </a:r>
-            <a:r>
-              <a:rPr lang="en-US" b="1" dirty="0">
-                <a:solidFill>
-                  <a:schemeClr val="tx1"/>
-                </a:solidFill>
-                <a:latin typeface="Courier New" pitchFamily="49" charset="0"/>
-                <a:cs typeface="Courier New" pitchFamily="49" charset="0"/>
-              </a:rPr>
-              <a:t>);</a:t>
-            </a:r>
-          </a:p>
-          <a:p>
-            <a:pPr>
-              <a:defRPr/>
-            </a:pPr>
-            <a:r>
-              <a:rPr lang="en-US" b="1" dirty="0">
-                <a:solidFill>
-                  <a:schemeClr val="tx1"/>
-                </a:solidFill>
-                <a:latin typeface="Courier New" pitchFamily="49" charset="0"/>
-                <a:cs typeface="Courier New" pitchFamily="49" charset="0"/>
-              </a:rPr>
-              <a:t>}</a:t>
-            </a:r>
-            <a:endParaRPr lang="en-SG" b="1" dirty="0">
-              <a:solidFill>
-                <a:schemeClr val="tx1"/>
-              </a:solidFill>
-              <a:latin typeface="Courier New" pitchFamily="49" charset="0"/>
-              <a:cs typeface="Courier New" pitchFamily="49" charset="0"/>
-            </a:endParaRPr>
-          </a:p>
-        </p:txBody>
-      </p:sp>
-      <p:sp>
-        <p:nvSpPr>
-          <p:cNvPr id="2" name="Footer Placeholder 1">
-            <a:extLst>
-              <a:ext uri="{FF2B5EF4-FFF2-40B4-BE49-F238E27FC236}">
-                <a16:creationId xmlns:a16="http://schemas.microsoft.com/office/drawing/2014/main" id="{A7F3399B-1C40-C1EA-D106-12CCBE0D67BA}"/>
-              </a:ext>
-            </a:extLst>
-          </p:cNvPr>
-          <p:cNvSpPr>
-            <a:spLocks noGrp="1"/>
-          </p:cNvSpPr>
-          <p:nvPr>
-            <p:ph type="ftr" sz="quarter" idx="11"/>
-          </p:nvPr>
-        </p:nvSpPr>
-        <p:spPr/>
-        <p:txBody>
-          <a:bodyPr/>
-          <a:lstStyle/>
-          <a:p>
-            <a:pPr algn="l">
-              <a:defRPr/>
-            </a:pPr>
-            <a:r>
-              <a:rPr lang="en-US"/>
-              <a:t>CS1010 (AY2023/24 Semester 2)</a:t>
-            </a:r>
-            <a:endParaRPr lang="en-US" dirty="0"/>
-          </a:p>
-        </p:txBody>
-      </p:sp>
-      <p:sp>
-        <p:nvSpPr>
-          <p:cNvPr id="3" name="Slide Number Placeholder 2">
-            <a:extLst>
-              <a:ext uri="{FF2B5EF4-FFF2-40B4-BE49-F238E27FC236}">
-                <a16:creationId xmlns:a16="http://schemas.microsoft.com/office/drawing/2014/main" id="{F0B9B32B-FD26-37EB-1A12-0D1B14490FD0}"/>
-              </a:ext>
-            </a:extLst>
-          </p:cNvPr>
-          <p:cNvSpPr>
-            <a:spLocks noGrp="1"/>
-          </p:cNvSpPr>
-          <p:nvPr>
-            <p:ph type="sldNum" sz="quarter" idx="12"/>
-          </p:nvPr>
-        </p:nvSpPr>
-        <p:spPr/>
-        <p:txBody>
-          <a:bodyPr/>
-          <a:lstStyle/>
-          <a:p>
-            <a:pPr>
-              <a:defRPr/>
-            </a:pPr>
-            <a:r>
-              <a:rPr lang="en-US" dirty="0"/>
-              <a:t>Week4R - </a:t>
-            </a:r>
-            <a:fld id="{2E4790E1-2590-4AEE-892D-AB46A7688113}" type="slidenum">
-              <a:rPr lang="en-US" smtClean="0"/>
-              <a:pPr>
-                <a:defRPr/>
-              </a:pPr>
-              <a:t>8</a:t>
-            </a:fld>
-            <a:endParaRPr lang="en-US" dirty="0"/>
-          </a:p>
-        </p:txBody>
-      </p:sp>
-    </p:spTree>
-    <p:extLst>
-      <p:ext uri="{BB962C8B-B14F-4D97-AF65-F5344CB8AC3E}">
-        <p14:creationId xmlns:p14="http://schemas.microsoft.com/office/powerpoint/2010/main" val="2882118053"/>
-      </p:ext>
-    </p:extLst>
-  </p:cSld>
-  <p:clrMapOvr>
-    <a:masterClrMapping/>
-  </p:clrMapOvr>
-  <p:transition>
-    <p:fade/>
-  </p:transition>
-</p:sld>
-</file>
-
 <file path=ppt/slides/slide9.xml><?xml version="1.0" encoding="utf-8"?>
 <p:sld xmlns:a="http://schemas.openxmlformats.org/drawingml/2006/main" xmlns:r="http://schemas.openxmlformats.org/officeDocument/2006/relationships" xmlns:p="http://schemas.openxmlformats.org/presentationml/2006/main">
   <p:cSld>
@@ -26389,43 +27372,18 @@
               <a:t>)</a:t>
             </a:r>
           </a:p>
-          <a:p>
-            <a:pPr marL="0" indent="0" fontAlgn="auto">
-              <a:spcBef>
-                <a:spcPts val="600"/>
-              </a:spcBef>
-              <a:spcAft>
-                <a:spcPts val="0"/>
-              </a:spcAft>
-              <a:buClr>
-                <a:schemeClr val="tx1">
-                  <a:lumMod val="90000"/>
-                  <a:lumOff val="10000"/>
-                </a:schemeClr>
-              </a:buClr>
-              <a:buSzPct val="100000"/>
-              <a:buNone/>
-            </a:pPr>
-            <a:endParaRPr lang="en-US" dirty="0"/>
-          </a:p>
         </p:txBody>
       </p:sp>
       <p:sp>
         <p:nvSpPr>
-          <p:cNvPr id="9" name="TextBox 8">
-            <a:extLst>
-              <a:ext uri="{FF2B5EF4-FFF2-40B4-BE49-F238E27FC236}">
-                <a16:creationId xmlns:a16="http://schemas.microsoft.com/office/drawing/2014/main" id="{35649340-5AB4-4CED-B84B-66D13E8E2455}"/>
-              </a:ext>
-            </a:extLst>
-          </p:cNvPr>
+          <p:cNvPr id="10" name="TextBox 9"/>
           <p:cNvSpPr txBox="1"/>
           <p:nvPr/>
         </p:nvSpPr>
         <p:spPr>
           <a:xfrm>
-            <a:off x="828675" y="1824460"/>
-            <a:ext cx="7791450" cy="4801314"/>
+            <a:off x="828673" y="1817074"/>
+            <a:ext cx="7791450" cy="2585323"/>
           </a:xfrm>
           <a:prstGeom prst="rect">
             <a:avLst/>
@@ -26457,53 +27415,68 @@
             <a:r>
               <a:rPr lang="en-US" b="1" dirty="0">
                 <a:solidFill>
-                  <a:schemeClr val="tx1"/>
+                  <a:srgbClr val="0000FF"/>
                 </a:solidFill>
                 <a:latin typeface="Courier New" pitchFamily="49" charset="0"/>
                 <a:cs typeface="Courier New" pitchFamily="49" charset="0"/>
               </a:rPr>
-              <a:t>…</a:t>
+              <a:t>bool </a:t>
+            </a:r>
+            <a:r>
+              <a:rPr lang="en-US" b="1" dirty="0" err="1">
+                <a:solidFill>
+                  <a:schemeClr val="tx1"/>
+                </a:solidFill>
+                <a:latin typeface="Courier New" pitchFamily="49" charset="0"/>
+                <a:cs typeface="Courier New" pitchFamily="49" charset="0"/>
+              </a:rPr>
+              <a:t>is_diff</a:t>
+            </a:r>
+            <a:r>
+              <a:rPr lang="en-US" b="1" dirty="0">
+                <a:solidFill>
+                  <a:schemeClr val="tx1"/>
+                </a:solidFill>
+                <a:latin typeface="Courier New" pitchFamily="49" charset="0"/>
+                <a:cs typeface="Courier New" pitchFamily="49" charset="0"/>
+              </a:rPr>
+              <a:t> = x != y; // evaluates to </a:t>
+            </a:r>
+            <a:r>
+              <a:rPr lang="en-US" b="1" dirty="0">
+                <a:solidFill>
+                  <a:srgbClr val="0000FF"/>
+                </a:solidFill>
+                <a:latin typeface="Courier New" pitchFamily="49" charset="0"/>
+                <a:cs typeface="Courier New" pitchFamily="49" charset="0"/>
+              </a:rPr>
+              <a:t>true</a:t>
+            </a:r>
+            <a:r>
+              <a:rPr lang="en-US" b="1" dirty="0">
+                <a:solidFill>
+                  <a:schemeClr val="tx1"/>
+                </a:solidFill>
+                <a:latin typeface="Courier New" pitchFamily="49" charset="0"/>
+                <a:cs typeface="Courier New" pitchFamily="49" charset="0"/>
+              </a:rPr>
+              <a:t> or </a:t>
+            </a:r>
+            <a:r>
+              <a:rPr lang="en-US" b="1" dirty="0">
+                <a:solidFill>
+                  <a:srgbClr val="0000FF"/>
+                </a:solidFill>
+                <a:latin typeface="Courier New" pitchFamily="49" charset="0"/>
+                <a:cs typeface="Courier New" pitchFamily="49" charset="0"/>
+              </a:rPr>
+              <a:t>false</a:t>
             </a:r>
           </a:p>
           <a:p>
             <a:pPr>
               <a:defRPr/>
             </a:pPr>
-            <a:r>
-              <a:rPr lang="en-US" b="1" dirty="0">
-                <a:solidFill>
-                  <a:srgbClr val="0000FF"/>
-                </a:solidFill>
-                <a:latin typeface="Courier New" pitchFamily="49" charset="0"/>
-                <a:cs typeface="Courier New" pitchFamily="49" charset="0"/>
-              </a:rPr>
-              <a:t>int</a:t>
-            </a:r>
-            <a:r>
-              <a:rPr lang="en-US" b="1" dirty="0">
-                <a:solidFill>
-                  <a:schemeClr val="tx1"/>
-                </a:solidFill>
-                <a:latin typeface="Courier New" pitchFamily="49" charset="0"/>
-                <a:cs typeface="Courier New" pitchFamily="49" charset="0"/>
-              </a:rPr>
-              <a:t> main(){</a:t>
-            </a:r>
-          </a:p>
-          <a:p>
-            <a:pPr>
-              <a:defRPr/>
-            </a:pPr>
-            <a:r>
-              <a:rPr lang="en-US" b="1" dirty="0">
-                <a:solidFill>
-                  <a:schemeClr val="tx1"/>
-                </a:solidFill>
-                <a:latin typeface="Courier New" pitchFamily="49" charset="0"/>
-                <a:cs typeface="Courier New" pitchFamily="49" charset="0"/>
-              </a:rPr>
-              <a:t>…</a:t>
-            </a:r>
             <a:endParaRPr lang="en-US" b="1" dirty="0">
               <a:solidFill>
                 <a:srgbClr val="0000FF"/>
@@ -26524,7 +27497,7 @@
                 <a:latin typeface="Courier New" pitchFamily="49" charset="0"/>
                 <a:cs typeface="Courier New" pitchFamily="49" charset="0"/>
               </a:rPr>
-              <a:t>  if</a:t>
+              <a:t>if</a:t>
             </a:r>
             <a:r>
               <a:rPr lang="en-US" b="1" dirty="0">
@@ -26554,7 +27527,7 @@
                 <a:latin typeface="Courier New" pitchFamily="49" charset="0"/>
                 <a:cs typeface="Courier New" pitchFamily="49" charset="0"/>
               </a:rPr>
-              <a:t>(x, y)) {</a:t>
+              <a:t>) {</a:t>
             </a:r>
           </a:p>
           <a:p>
@@ -26569,7 +27542,7 @@
                 <a:latin typeface="Courier New" pitchFamily="49" charset="0"/>
                 <a:cs typeface="Courier New" pitchFamily="49" charset="0"/>
               </a:rPr>
-              <a:t>    cs1010_println_string(</a:t>
+              <a:t>  cs1010_println_string(</a:t>
             </a:r>
             <a:r>
               <a:rPr lang="en-US" b="1" dirty="0">
@@ -26643,7 +27616,7 @@
                 <a:latin typeface="Courier New" pitchFamily="49" charset="0"/>
                 <a:cs typeface="Courier New" pitchFamily="49" charset="0"/>
               </a:rPr>
-              <a:t>  } </a:t>
+              <a:t>} </a:t>
             </a:r>
             <a:r>
               <a:rPr lang="en-US" b="1" dirty="0">
@@ -26678,7 +27651,7 @@
                 <a:latin typeface="Courier New" pitchFamily="49" charset="0"/>
                 <a:cs typeface="Courier New" pitchFamily="49" charset="0"/>
               </a:rPr>
-              <a:t>    cs1010_println_string(</a:t>
+              <a:t>  cs1010_println_string(</a:t>
             </a:r>
             <a:r>
               <a:rPr lang="en-US" b="1" dirty="0">
@@ -26742,22 +27715,7 @@
                 <a:latin typeface="Courier New" pitchFamily="49" charset="0"/>
                 <a:cs typeface="Courier New" pitchFamily="49" charset="0"/>
               </a:rPr>
-              <a:t>  }</a:t>
-            </a:r>
-          </a:p>
-          <a:p>
-            <a:pPr>
-              <a:defRPr/>
-            </a:pPr>
-            <a:r>
-              <a:rPr lang="en-US" b="1" dirty="0">
-                <a:solidFill>
-                  <a:schemeClr val="tx1"/>
-                </a:solidFill>
-                <a:latin typeface="Courier New" pitchFamily="49" charset="0"/>
-                <a:cs typeface="Courier New" pitchFamily="49" charset="0"/>
-              </a:rPr>
-              <a:t>…</a:t>
+              <a:t>}</a:t>
             </a:r>
             <a:endParaRPr lang="en-SG" b="1" dirty="0">
               <a:solidFill>
@@ -26767,180 +27725,6 @@
               <a:cs typeface="Courier New" pitchFamily="49" charset="0"/>
             </a:endParaRPr>
           </a:p>
-          <a:p>
-            <a:pPr>
-              <a:defRPr/>
-            </a:pPr>
-            <a:r>
-              <a:rPr lang="en-US" b="1" dirty="0">
-                <a:solidFill>
-                  <a:schemeClr val="tx1"/>
-                </a:solidFill>
-                <a:latin typeface="Courier New" pitchFamily="49" charset="0"/>
-                <a:cs typeface="Courier New" pitchFamily="49" charset="0"/>
-              </a:rPr>
-              <a:t>}</a:t>
-            </a:r>
-          </a:p>
-          <a:p>
-            <a:pPr>
-              <a:defRPr/>
-            </a:pPr>
-            <a:endParaRPr lang="en-US" b="1" dirty="0">
-              <a:solidFill>
-                <a:schemeClr val="tx1"/>
-              </a:solidFill>
-              <a:latin typeface="Courier New" pitchFamily="49" charset="0"/>
-              <a:cs typeface="Courier New" pitchFamily="49" charset="0"/>
-            </a:endParaRPr>
-          </a:p>
-          <a:p>
-            <a:pPr>
-              <a:defRPr/>
-            </a:pPr>
-            <a:r>
-              <a:rPr lang="en-US" b="1" dirty="0">
-                <a:solidFill>
-                  <a:srgbClr val="0000FF"/>
-                </a:solidFill>
-                <a:latin typeface="Courier New" pitchFamily="49" charset="0"/>
-                <a:cs typeface="Courier New" pitchFamily="49" charset="0"/>
-              </a:rPr>
-              <a:t>bool </a:t>
-            </a:r>
-            <a:r>
-              <a:rPr lang="en-US" b="1" dirty="0" err="1">
-                <a:solidFill>
-                  <a:schemeClr val="tx1"/>
-                </a:solidFill>
-                <a:latin typeface="Courier New" pitchFamily="49" charset="0"/>
-                <a:cs typeface="Courier New" pitchFamily="49" charset="0"/>
-              </a:rPr>
-              <a:t>is_diff</a:t>
-            </a:r>
-            <a:r>
-              <a:rPr lang="en-US" b="1" dirty="0">
-                <a:solidFill>
-                  <a:schemeClr val="tx1"/>
-                </a:solidFill>
-                <a:latin typeface="Courier New" pitchFamily="49" charset="0"/>
-                <a:cs typeface="Courier New" pitchFamily="49" charset="0"/>
-              </a:rPr>
-              <a:t>(</a:t>
-            </a:r>
-            <a:r>
-              <a:rPr lang="en-US" b="1" dirty="0">
-                <a:solidFill>
-                  <a:srgbClr val="0000FF"/>
-                </a:solidFill>
-                <a:latin typeface="Courier New" pitchFamily="49" charset="0"/>
-                <a:cs typeface="Courier New" pitchFamily="49" charset="0"/>
-              </a:rPr>
-              <a:t>long</a:t>
-            </a:r>
-            <a:r>
-              <a:rPr lang="en-US" b="1" dirty="0">
-                <a:solidFill>
-                  <a:schemeClr val="tx1"/>
-                </a:solidFill>
-                <a:latin typeface="Courier New" pitchFamily="49" charset="0"/>
-                <a:cs typeface="Courier New" pitchFamily="49" charset="0"/>
-              </a:rPr>
-              <a:t> x, </a:t>
-            </a:r>
-            <a:r>
-              <a:rPr lang="en-US" b="1" dirty="0">
-                <a:solidFill>
-                  <a:srgbClr val="0000FF"/>
-                </a:solidFill>
-                <a:latin typeface="Courier New" pitchFamily="49" charset="0"/>
-                <a:cs typeface="Courier New" pitchFamily="49" charset="0"/>
-              </a:rPr>
-              <a:t>long </a:t>
-            </a:r>
-            <a:r>
-              <a:rPr lang="en-US" b="1" dirty="0">
-                <a:solidFill>
-                  <a:schemeClr val="tx1"/>
-                </a:solidFill>
-                <a:latin typeface="Courier New" pitchFamily="49" charset="0"/>
-                <a:cs typeface="Courier New" pitchFamily="49" charset="0"/>
-              </a:rPr>
-              <a:t>y)</a:t>
-            </a:r>
-          </a:p>
-          <a:p>
-            <a:pPr>
-              <a:defRPr/>
-            </a:pPr>
-            <a:r>
-              <a:rPr lang="en-US" b="1" dirty="0">
-                <a:solidFill>
-                  <a:schemeClr val="tx1"/>
-                </a:solidFill>
-                <a:latin typeface="Courier New" pitchFamily="49" charset="0"/>
-                <a:cs typeface="Courier New" pitchFamily="49" charset="0"/>
-              </a:rPr>
-              <a:t>{</a:t>
-            </a:r>
-            <a:endParaRPr lang="en-US" b="1" dirty="0">
-              <a:solidFill>
-                <a:srgbClr val="0000FF"/>
-              </a:solidFill>
-              <a:latin typeface="Courier New" pitchFamily="49" charset="0"/>
-              <a:cs typeface="Courier New" pitchFamily="49" charset="0"/>
-            </a:endParaRPr>
-          </a:p>
-          <a:p>
-            <a:pPr>
-              <a:defRPr/>
-            </a:pPr>
-            <a:r>
-              <a:rPr lang="en-US" b="1" dirty="0">
-                <a:solidFill>
-                  <a:schemeClr val="tx1"/>
-                </a:solidFill>
-                <a:latin typeface="Courier New" pitchFamily="49" charset="0"/>
-                <a:cs typeface="Courier New" pitchFamily="49" charset="0"/>
-              </a:rPr>
-              <a:t>  </a:t>
-            </a:r>
-            <a:r>
-              <a:rPr lang="en-US" b="1" dirty="0">
-                <a:solidFill>
-                  <a:srgbClr val="0000FF"/>
-                </a:solidFill>
-                <a:latin typeface="Courier New" pitchFamily="49" charset="0"/>
-                <a:cs typeface="Courier New" pitchFamily="49" charset="0"/>
-              </a:rPr>
-              <a:t>return</a:t>
-            </a:r>
-            <a:r>
-              <a:rPr lang="en-US" b="1" dirty="0">
-                <a:solidFill>
-                  <a:schemeClr val="tx1"/>
-                </a:solidFill>
-                <a:latin typeface="Courier New" pitchFamily="49" charset="0"/>
-                <a:cs typeface="Courier New" pitchFamily="49" charset="0"/>
-              </a:rPr>
-              <a:t> x!=y;</a:t>
-            </a:r>
-          </a:p>
-          <a:p>
-            <a:pPr>
-              <a:defRPr/>
-            </a:pPr>
-            <a:r>
-              <a:rPr lang="en-US" b="1" dirty="0">
-                <a:solidFill>
-                  <a:schemeClr val="tx1"/>
-                </a:solidFill>
-                <a:latin typeface="Courier New" pitchFamily="49" charset="0"/>
-                <a:cs typeface="Courier New" pitchFamily="49" charset="0"/>
-              </a:rPr>
-              <a:t>}</a:t>
-            </a:r>
-          </a:p>
         </p:txBody>
       </p:sp>
       <p:sp>
@@ -26948,7 +27732,7 @@
           <p:cNvPr id="2" name="Footer Placeholder 1">
             <a:extLst>
               <a:ext uri="{FF2B5EF4-FFF2-40B4-BE49-F238E27FC236}">
-                <a16:creationId xmlns:a16="http://schemas.microsoft.com/office/drawing/2014/main" id="{63F77482-CA98-717B-C2F3-F6C4FC7D03CB}"/>
+                <a16:creationId xmlns:a16="http://schemas.microsoft.com/office/drawing/2014/main" id="{A7F3399B-1C40-C1EA-D106-12CCBE0D67BA}"/>
               </a:ext>
             </a:extLst>
           </p:cNvPr>
@@ -26980,7 +27764,7 @@
           <p:cNvPr id="3" name="Slide Number Placeholder 2">
             <a:extLst>
               <a:ext uri="{FF2B5EF4-FFF2-40B4-BE49-F238E27FC236}">
-                <a16:creationId xmlns:a16="http://schemas.microsoft.com/office/drawing/2014/main" id="{F9FD9C48-FB96-7EF9-D842-AB2B4A91AC53}"/>
+                <a16:creationId xmlns:a16="http://schemas.microsoft.com/office/drawing/2014/main" id="{F0B9B32B-FD26-37EB-1A12-0D1B14490FD0}"/>
               </a:ext>
             </a:extLst>
           </p:cNvPr>
@@ -27017,7 +27801,7 @@
     </p:spTree>
     <p:extLst>
       <p:ext uri="{BB962C8B-B14F-4D97-AF65-F5344CB8AC3E}">
-        <p14:creationId xmlns:p14="http://schemas.microsoft.com/office/powerpoint/2010/main" val="827193018"/>
+        <p14:creationId xmlns:p14="http://schemas.microsoft.com/office/powerpoint/2010/main" val="2882118053"/>
       </p:ext>
     </p:extLst>
   </p:cSld>
